--- a/docs/발표ppt/발표.pptx
+++ b/docs/발표ppt/발표.pptx
@@ -11380,54 +11380,6 @@
           </a:p>
         </p:txBody>
       </p:sp>
-      <p:sp>
-        <p:nvSpPr>
-          <p:cNvPr id="4" name="TextBox 3">
-            <a:extLst>
-              <a:ext uri="{FF2B5EF4-FFF2-40B4-BE49-F238E27FC236}">
-                <a16:creationId xmlns:a16="http://schemas.microsoft.com/office/drawing/2014/main" id="{62A69A77-166F-341C-E647-57A160739083}"/>
-              </a:ext>
-            </a:extLst>
-          </p:cNvPr>
-          <p:cNvSpPr txBox="1"/>
-          <p:nvPr/>
-        </p:nvSpPr>
-        <p:spPr>
-          <a:xfrm>
-            <a:off x="1819454" y="5310094"/>
-            <a:ext cx="5915402" cy="369332"/>
-          </a:xfrm>
-          <a:prstGeom prst="rect">
-            <a:avLst/>
-          </a:prstGeom>
-          <a:noFill/>
-        </p:spPr>
-        <p:txBody>
-          <a:bodyPr wrap="none" rtlCol="0">
-            <a:spAutoFit/>
-          </a:bodyPr>
-          <a:lstStyle/>
-          <a:p>
-            <a:r>
-              <a:rPr lang="ko-KR" altLang="en-US" dirty="0"/>
-              <a:t>지금부터 저희 </a:t>
-            </a:r>
-            <a:r>
-              <a:rPr lang="ko-KR" altLang="en-US" dirty="0" err="1"/>
-              <a:t>펫밀리의</a:t>
-            </a:r>
-            <a:r>
-              <a:rPr lang="ko-KR" altLang="en-US" dirty="0"/>
-              <a:t> 발표를 시작하겠습니다 박수</a:t>
-            </a:r>
-            <a:r>
-              <a:rPr lang="en-US" altLang="ko-KR" dirty="0"/>
-              <a:t>~</a:t>
-            </a:r>
-            <a:endParaRPr lang="ko-KR" altLang="en-US" dirty="0"/>
-          </a:p>
-        </p:txBody>
-      </p:sp>
       <p:pic>
         <p:nvPicPr>
           <p:cNvPr id="3078" name="Picture 6" descr="갈색 나무 액자 칠판 그림, Microsoft PowerPoint 데스크탑 교사 칠판 프리젠 테이션, 교실, 직사각형, 컴퓨터, 사진  프레임 png | PNGWing">
@@ -11444,6 +11396,7 @@
         </p:nvPicPr>
         <p:blipFill>
           <a:blip r:embed="rId3">
+            <a:alphaModFix/>
             <a:extLst>
               <a:ext uri="{28A0092B-C50C-407E-A947-70E740481C1C}">
                 <a14:useLocalDpi xmlns:a14="http://schemas.microsoft.com/office/drawing/2010/main" val="0"/>
@@ -11457,8 +11410,8 @@
         </p:blipFill>
         <p:spPr bwMode="auto">
           <a:xfrm>
-            <a:off x="2373007" y="2137615"/>
-            <a:ext cx="4796572" cy="3072537"/>
+            <a:off x="3170072" y="1643040"/>
+            <a:ext cx="6384237" cy="4089547"/>
           </a:xfrm>
           <a:prstGeom prst="rect">
             <a:avLst/>
@@ -11477,11 +11430,10 @@
       </p:pic>
       <p:pic>
         <p:nvPicPr>
-          <p:cNvPr id="2" name="그림 1">
-            <a:hlinkClick r:id="rId4"/>
-            <a:extLst>
-              <a:ext uri="{FF2B5EF4-FFF2-40B4-BE49-F238E27FC236}">
-                <a16:creationId xmlns:a16="http://schemas.microsoft.com/office/drawing/2014/main" id="{81B817A9-A7F6-8AB0-DD10-10CA53DDCC01}"/>
+          <p:cNvPr id="12" name="그림 11">
+            <a:extLst>
+              <a:ext uri="{FF2B5EF4-FFF2-40B4-BE49-F238E27FC236}">
+                <a16:creationId xmlns:a16="http://schemas.microsoft.com/office/drawing/2014/main" id="{6BC9E989-DBC6-EC43-B966-9BB6B6F2A478}"/>
               </a:ext>
             </a:extLst>
           </p:cNvPr>
@@ -11491,22 +11443,173 @@
           <p:nvPr/>
         </p:nvPicPr>
         <p:blipFill>
-          <a:blip r:embed="rId2"/>
+          <a:blip r:embed="rId4"/>
+          <a:stretch>
+            <a:fillRect/>
+          </a:stretch>
+        </p:blipFill>
+        <p:spPr>
+          <a:xfrm flipH="1">
+            <a:off x="658913" y="3687813"/>
+            <a:ext cx="2511159" cy="2510200"/>
+          </a:xfrm>
+          <a:prstGeom prst="rect">
+            <a:avLst/>
+          </a:prstGeom>
+        </p:spPr>
+      </p:pic>
+      <p:sp>
+        <p:nvSpPr>
+          <p:cNvPr id="4" name="TextBox 3">
+            <a:extLst>
+              <a:ext uri="{FF2B5EF4-FFF2-40B4-BE49-F238E27FC236}">
+                <a16:creationId xmlns:a16="http://schemas.microsoft.com/office/drawing/2014/main" id="{62A69A77-166F-341C-E647-57A160739083}"/>
+              </a:ext>
+            </a:extLst>
+          </p:cNvPr>
+          <p:cNvSpPr txBox="1"/>
+          <p:nvPr/>
+        </p:nvSpPr>
+        <p:spPr>
+          <a:xfrm>
+            <a:off x="4100193" y="2493309"/>
+            <a:ext cx="4523994" cy="923330"/>
+          </a:xfrm>
+          <a:prstGeom prst="rect">
+            <a:avLst/>
+          </a:prstGeom>
+          <a:noFill/>
+        </p:spPr>
+        <p:txBody>
+          <a:bodyPr wrap="none" rtlCol="0">
+            <a:spAutoFit/>
+          </a:bodyPr>
+          <a:lstStyle/>
+          <a:p>
+            <a:pPr algn="ctr"/>
+            <a:r>
+              <a:rPr lang="ko-KR" altLang="en-US" dirty="0">
+                <a:solidFill>
+                  <a:schemeClr val="bg1"/>
+                </a:solidFill>
+                <a:latin typeface="GangwonEduPower ExtraBold" panose="02020603020101020101" pitchFamily="18" charset="-127"/>
+                <a:ea typeface="GangwonEduPower ExtraBold" panose="02020603020101020101" pitchFamily="18" charset="-127"/>
+              </a:rPr>
+              <a:t>지금부터 저희 </a:t>
+            </a:r>
+            <a:r>
+              <a:rPr lang="ko-KR" altLang="en-US" dirty="0" err="1">
+                <a:solidFill>
+                  <a:schemeClr val="bg1"/>
+                </a:solidFill>
+                <a:latin typeface="GangwonEduPower ExtraBold" panose="02020603020101020101" pitchFamily="18" charset="-127"/>
+                <a:ea typeface="GangwonEduPower ExtraBold" panose="02020603020101020101" pitchFamily="18" charset="-127"/>
+              </a:rPr>
+              <a:t>펫밀리의</a:t>
+            </a:r>
+            <a:r>
+              <a:rPr lang="ko-KR" altLang="en-US" dirty="0">
+                <a:solidFill>
+                  <a:schemeClr val="bg1"/>
+                </a:solidFill>
+                <a:latin typeface="GangwonEduPower ExtraBold" panose="02020603020101020101" pitchFamily="18" charset="-127"/>
+                <a:ea typeface="GangwonEduPower ExtraBold" panose="02020603020101020101" pitchFamily="18" charset="-127"/>
+              </a:rPr>
+              <a:t> 발표를 시작하겠습니다</a:t>
+            </a:r>
+            <a:endParaRPr lang="en-US" altLang="ko-KR" dirty="0">
+              <a:solidFill>
+                <a:schemeClr val="bg1"/>
+              </a:solidFill>
+              <a:latin typeface="GangwonEduPower ExtraBold" panose="02020603020101020101" pitchFamily="18" charset="-127"/>
+              <a:ea typeface="GangwonEduPower ExtraBold" panose="02020603020101020101" pitchFamily="18" charset="-127"/>
+            </a:endParaRPr>
+          </a:p>
+          <a:p>
+            <a:pPr algn="ctr"/>
+            <a:endParaRPr lang="en-US" altLang="ko-KR" dirty="0">
+              <a:solidFill>
+                <a:schemeClr val="bg1"/>
+              </a:solidFill>
+              <a:latin typeface="GangwonEduPower ExtraBold" panose="02020603020101020101" pitchFamily="18" charset="-127"/>
+              <a:ea typeface="GangwonEduPower ExtraBold" panose="02020603020101020101" pitchFamily="18" charset="-127"/>
+            </a:endParaRPr>
+          </a:p>
+          <a:p>
+            <a:pPr algn="ctr"/>
+            <a:r>
+              <a:rPr lang="ko-KR" altLang="en-US" dirty="0">
+                <a:solidFill>
+                  <a:schemeClr val="bg1"/>
+                </a:solidFill>
+                <a:latin typeface="GangwonEduPower ExtraBold" panose="02020603020101020101" pitchFamily="18" charset="-127"/>
+                <a:ea typeface="GangwonEduPower ExtraBold" panose="02020603020101020101" pitchFamily="18" charset="-127"/>
+              </a:rPr>
+              <a:t>박수</a:t>
+            </a:r>
+            <a:r>
+              <a:rPr lang="en-US" altLang="ko-KR" dirty="0">
+                <a:solidFill>
+                  <a:schemeClr val="bg1"/>
+                </a:solidFill>
+                <a:latin typeface="GangwonEduPower ExtraBold" panose="02020603020101020101" pitchFamily="18" charset="-127"/>
+                <a:ea typeface="GangwonEduPower ExtraBold" panose="02020603020101020101" pitchFamily="18" charset="-127"/>
+              </a:rPr>
+              <a:t>~</a:t>
+            </a:r>
+            <a:endParaRPr lang="ko-KR" altLang="en-US" dirty="0">
+              <a:solidFill>
+                <a:schemeClr val="bg1"/>
+              </a:solidFill>
+              <a:latin typeface="GangwonEduPower ExtraBold" panose="02020603020101020101" pitchFamily="18" charset="-127"/>
+              <a:ea typeface="GangwonEduPower ExtraBold" panose="02020603020101020101" pitchFamily="18" charset="-127"/>
+            </a:endParaRPr>
+          </a:p>
+        </p:txBody>
+      </p:sp>
+      <p:pic>
+        <p:nvPicPr>
+          <p:cNvPr id="13" name="그림 12">
+            <a:extLst>
+              <a:ext uri="{FF2B5EF4-FFF2-40B4-BE49-F238E27FC236}">
+                <a16:creationId xmlns:a16="http://schemas.microsoft.com/office/drawing/2014/main" id="{194F8B75-CD8C-D14D-9C75-4552749BF91E}"/>
+              </a:ext>
+            </a:extLst>
+          </p:cNvPr>
+          <p:cNvPicPr>
+            <a:picLocks noChangeAspect="1"/>
+          </p:cNvPicPr>
+          <p:nvPr/>
+        </p:nvPicPr>
+        <p:blipFill>
+          <a:blip r:embed="rId5">
+            <a:extLst>
+              <a:ext uri="{BEBA8EAE-BF5A-486C-A8C5-ECC9F3942E4B}">
+                <a14:imgProps xmlns:a14="http://schemas.microsoft.com/office/drawing/2010/main">
+                  <a14:imgLayer r:embed="rId6">
+                    <a14:imgEffect>
+                      <a14:sharpenSoften amount="50000"/>
+                    </a14:imgEffect>
+                    <a14:imgEffect>
+                      <a14:brightnessContrast bright="40000"/>
+                    </a14:imgEffect>
+                  </a14:imgLayer>
+                </a14:imgProps>
+              </a:ext>
+            </a:extLst>
+          </a:blip>
           <a:stretch>
             <a:fillRect/>
           </a:stretch>
         </p:blipFill>
         <p:spPr>
           <a:xfrm>
-            <a:off x="2657357" y="2334238"/>
-            <a:ext cx="4227871" cy="2610781"/>
+            <a:off x="4482592" y="3411263"/>
+            <a:ext cx="3489567" cy="2128389"/>
           </a:xfrm>
           <a:prstGeom prst="rect">
             <a:avLst/>
           </a:prstGeom>
-          <a:solidFill>
-            <a:schemeClr val="bg1"/>
-          </a:solidFill>
         </p:spPr>
       </p:pic>
     </p:spTree>

--- a/docs/발표ppt/발표.pptx
+++ b/docs/발표ppt/발표.pptx
@@ -11410,7 +11410,7 @@
         </p:blipFill>
         <p:spPr bwMode="auto">
           <a:xfrm>
-            <a:off x="3170072" y="1643040"/>
+            <a:off x="2903881" y="1819031"/>
             <a:ext cx="6384237" cy="4089547"/>
           </a:xfrm>
           <a:prstGeom prst="rect">
@@ -11450,7 +11450,7 @@
         </p:blipFill>
         <p:spPr>
           <a:xfrm flipH="1">
-            <a:off x="658913" y="3687813"/>
+            <a:off x="392722" y="3863804"/>
             <a:ext cx="2511159" cy="2510200"/>
           </a:xfrm>
           <a:prstGeom prst="rect">
@@ -11472,7 +11472,7 @@
         </p:nvSpPr>
         <p:spPr>
           <a:xfrm>
-            <a:off x="4100193" y="2493309"/>
+            <a:off x="3834002" y="2669300"/>
             <a:ext cx="4523994" cy="923330"/>
           </a:xfrm>
           <a:prstGeom prst="rect">
@@ -11604,8 +11604,38 @@
         </p:blipFill>
         <p:spPr>
           <a:xfrm>
-            <a:off x="4482592" y="3411263"/>
+            <a:off x="4216401" y="3587254"/>
             <a:ext cx="3489567" cy="2128389"/>
+          </a:xfrm>
+          <a:prstGeom prst="rect">
+            <a:avLst/>
+          </a:prstGeom>
+        </p:spPr>
+      </p:pic>
+      <p:pic>
+        <p:nvPicPr>
+          <p:cNvPr id="14" name="그림 13">
+            <a:extLst>
+              <a:ext uri="{FF2B5EF4-FFF2-40B4-BE49-F238E27FC236}">
+                <a16:creationId xmlns:a16="http://schemas.microsoft.com/office/drawing/2014/main" id="{DE8A342D-B77A-8844-9D5C-E1EECB6245A3}"/>
+              </a:ext>
+            </a:extLst>
+          </p:cNvPr>
+          <p:cNvPicPr>
+            <a:picLocks noChangeAspect="1"/>
+          </p:cNvPicPr>
+          <p:nvPr/>
+        </p:nvPicPr>
+        <p:blipFill>
+          <a:blip r:embed="rId4"/>
+          <a:stretch>
+            <a:fillRect/>
+          </a:stretch>
+        </p:blipFill>
+        <p:spPr>
+          <a:xfrm>
+            <a:off x="9345058" y="3863804"/>
+            <a:ext cx="2511160" cy="2510200"/>
           </a:xfrm>
           <a:prstGeom prst="rect">
             <a:avLst/>

--- a/docs/발표ppt/발표.pptx
+++ b/docs/발표ppt/발표.pptx
@@ -5,19 +5,23 @@
     <p:sldMasterId id="2147483648" r:id="rId1"/>
   </p:sldMasterIdLst>
   <p:notesMasterIdLst>
-    <p:notesMasterId r:id="rId12"/>
+    <p:notesMasterId r:id="rId16"/>
   </p:notesMasterIdLst>
   <p:sldIdLst>
     <p:sldId id="256" r:id="rId2"/>
     <p:sldId id="262" r:id="rId3"/>
     <p:sldId id="260" r:id="rId4"/>
     <p:sldId id="268" r:id="rId5"/>
-    <p:sldId id="263" r:id="rId6"/>
-    <p:sldId id="264" r:id="rId7"/>
-    <p:sldId id="269" r:id="rId8"/>
-    <p:sldId id="270" r:id="rId9"/>
-    <p:sldId id="271" r:id="rId10"/>
-    <p:sldId id="261" r:id="rId11"/>
+    <p:sldId id="275" r:id="rId6"/>
+    <p:sldId id="276" r:id="rId7"/>
+    <p:sldId id="277" r:id="rId8"/>
+    <p:sldId id="278" r:id="rId9"/>
+    <p:sldId id="264" r:id="rId10"/>
+    <p:sldId id="274" r:id="rId11"/>
+    <p:sldId id="269" r:id="rId12"/>
+    <p:sldId id="270" r:id="rId13"/>
+    <p:sldId id="271" r:id="rId14"/>
+    <p:sldId id="261" r:id="rId15"/>
   </p:sldIdLst>
   <p:sldSz cx="12192000" cy="6858000"/>
   <p:notesSz cx="6858000" cy="9144000"/>
@@ -8286,6 +8290,3107 @@
           <p:cNvPr id="5" name="그림 4">
             <a:extLst>
               <a:ext uri="{FF2B5EF4-FFF2-40B4-BE49-F238E27FC236}">
+                <a16:creationId xmlns:a16="http://schemas.microsoft.com/office/drawing/2014/main" id="{3DF62AEB-8EE3-2447-B14C-007BA80FE99A}"/>
+              </a:ext>
+            </a:extLst>
+          </p:cNvPr>
+          <p:cNvPicPr>
+            <a:picLocks noChangeAspect="1"/>
+          </p:cNvPicPr>
+          <p:nvPr/>
+        </p:nvPicPr>
+        <p:blipFill>
+          <a:blip r:embed="rId2"/>
+          <a:stretch>
+            <a:fillRect/>
+          </a:stretch>
+        </p:blipFill>
+        <p:spPr>
+          <a:xfrm>
+            <a:off x="177027" y="0"/>
+            <a:ext cx="1790700" cy="1092200"/>
+          </a:xfrm>
+          <a:prstGeom prst="rect">
+            <a:avLst/>
+          </a:prstGeom>
+        </p:spPr>
+      </p:pic>
+      <p:cxnSp>
+        <p:nvCxnSpPr>
+          <p:cNvPr id="6" name="직선 연결선[R] 5">
+            <a:extLst>
+              <a:ext uri="{FF2B5EF4-FFF2-40B4-BE49-F238E27FC236}">
+                <a16:creationId xmlns:a16="http://schemas.microsoft.com/office/drawing/2014/main" id="{B0895DCE-07B1-F147-892C-279B3F3312C7}"/>
+              </a:ext>
+            </a:extLst>
+          </p:cNvPr>
+          <p:cNvCxnSpPr/>
+          <p:nvPr/>
+        </p:nvCxnSpPr>
+        <p:spPr>
+          <a:xfrm>
+            <a:off x="1" y="726831"/>
+            <a:ext cx="9554308" cy="0"/>
+          </a:xfrm>
+          <a:prstGeom prst="line">
+            <a:avLst/>
+          </a:prstGeom>
+          <a:ln>
+            <a:solidFill>
+              <a:srgbClr val="FFC000"/>
+            </a:solidFill>
+          </a:ln>
+        </p:spPr>
+        <p:style>
+          <a:lnRef idx="1">
+            <a:schemeClr val="accent1"/>
+          </a:lnRef>
+          <a:fillRef idx="0">
+            <a:schemeClr val="accent1"/>
+          </a:fillRef>
+          <a:effectRef idx="0">
+            <a:schemeClr val="accent1"/>
+          </a:effectRef>
+          <a:fontRef idx="minor">
+            <a:schemeClr val="tx1"/>
+          </a:fontRef>
+        </p:style>
+      </p:cxnSp>
+      <p:sp>
+        <p:nvSpPr>
+          <p:cNvPr id="11" name="직사각형 10">
+            <a:extLst>
+              <a:ext uri="{FF2B5EF4-FFF2-40B4-BE49-F238E27FC236}">
+                <a16:creationId xmlns:a16="http://schemas.microsoft.com/office/drawing/2014/main" id="{F2D53CA5-7BF7-9F4E-9FE7-7F2065E40291}"/>
+              </a:ext>
+            </a:extLst>
+          </p:cNvPr>
+          <p:cNvSpPr/>
+          <p:nvPr/>
+        </p:nvSpPr>
+        <p:spPr>
+          <a:xfrm>
+            <a:off x="-11723" y="6518032"/>
+            <a:ext cx="12203723" cy="339967"/>
+          </a:xfrm>
+          <a:prstGeom prst="rect">
+            <a:avLst/>
+          </a:prstGeom>
+          <a:solidFill>
+            <a:srgbClr val="DFA701"/>
+          </a:solidFill>
+          <a:ln>
+            <a:noFill/>
+          </a:ln>
+        </p:spPr>
+        <p:style>
+          <a:lnRef idx="2">
+            <a:schemeClr val="accent1">
+              <a:shade val="50000"/>
+            </a:schemeClr>
+          </a:lnRef>
+          <a:fillRef idx="1">
+            <a:schemeClr val="accent1"/>
+          </a:fillRef>
+          <a:effectRef idx="0">
+            <a:schemeClr val="accent1"/>
+          </a:effectRef>
+          <a:fontRef idx="minor">
+            <a:schemeClr val="lt1"/>
+          </a:fontRef>
+        </p:style>
+        <p:txBody>
+          <a:bodyPr rtlCol="0" anchor="ctr"/>
+          <a:lstStyle/>
+          <a:p>
+            <a:pPr algn="ctr"/>
+            <a:endParaRPr kumimoji="1" lang="ko-KR" altLang="en-US"/>
+          </a:p>
+        </p:txBody>
+      </p:sp>
+      <p:sp>
+        <p:nvSpPr>
+          <p:cNvPr id="21" name="모서리가 둥근 직사각형 20">
+            <a:extLst>
+              <a:ext uri="{FF2B5EF4-FFF2-40B4-BE49-F238E27FC236}">
+                <a16:creationId xmlns:a16="http://schemas.microsoft.com/office/drawing/2014/main" id="{0C5A2D63-F6D7-FD4D-9E29-ECC87C45D7A1}"/>
+              </a:ext>
+            </a:extLst>
+          </p:cNvPr>
+          <p:cNvSpPr/>
+          <p:nvPr/>
+        </p:nvSpPr>
+        <p:spPr>
+          <a:xfrm>
+            <a:off x="-281353" y="844062"/>
+            <a:ext cx="9835662" cy="668215"/>
+          </a:xfrm>
+          <a:prstGeom prst="roundRect">
+            <a:avLst/>
+          </a:prstGeom>
+          <a:solidFill>
+            <a:schemeClr val="bg1">
+              <a:lumMod val="85000"/>
+            </a:schemeClr>
+          </a:solidFill>
+          <a:ln>
+            <a:noFill/>
+          </a:ln>
+        </p:spPr>
+        <p:style>
+          <a:lnRef idx="2">
+            <a:schemeClr val="accent1">
+              <a:shade val="50000"/>
+            </a:schemeClr>
+          </a:lnRef>
+          <a:fillRef idx="1">
+            <a:schemeClr val="accent1"/>
+          </a:fillRef>
+          <a:effectRef idx="0">
+            <a:schemeClr val="accent1"/>
+          </a:effectRef>
+          <a:fontRef idx="minor">
+            <a:schemeClr val="lt1"/>
+          </a:fontRef>
+        </p:style>
+        <p:txBody>
+          <a:bodyPr rot="0" spcFirstLastPara="0" vertOverflow="overflow" horzOverflow="overflow" vert="horz" wrap="square" lIns="91440" tIns="45720" rIns="91440" bIns="45720" numCol="1" spcCol="0" rtlCol="0" fromWordArt="0" anchor="ctr" anchorCtr="0" forceAA="0" compatLnSpc="1">
+            <a:prstTxWarp prst="textNoShape">
+              <a:avLst/>
+            </a:prstTxWarp>
+            <a:noAutofit/>
+          </a:bodyPr>
+          <a:lstStyle/>
+          <a:p>
+            <a:pPr algn="ctr"/>
+            <a:endParaRPr kumimoji="1" lang="ko-KR" altLang="en-US" dirty="0">
+              <a:solidFill>
+                <a:schemeClr val="bg1">
+                  <a:lumMod val="50000"/>
+                </a:schemeClr>
+              </a:solidFill>
+            </a:endParaRPr>
+          </a:p>
+        </p:txBody>
+      </p:sp>
+      <p:sp>
+        <p:nvSpPr>
+          <p:cNvPr id="22" name="TextBox 21">
+            <a:extLst>
+              <a:ext uri="{FF2B5EF4-FFF2-40B4-BE49-F238E27FC236}">
+                <a16:creationId xmlns:a16="http://schemas.microsoft.com/office/drawing/2014/main" id="{42DD3540-0883-984E-97D9-58F862DD8F18}"/>
+              </a:ext>
+            </a:extLst>
+          </p:cNvPr>
+          <p:cNvSpPr txBox="1"/>
+          <p:nvPr/>
+        </p:nvSpPr>
+        <p:spPr>
+          <a:xfrm>
+            <a:off x="266706" y="978115"/>
+            <a:ext cx="3283271" cy="400110"/>
+          </a:xfrm>
+          <a:prstGeom prst="rect">
+            <a:avLst/>
+          </a:prstGeom>
+          <a:noFill/>
+        </p:spPr>
+        <p:txBody>
+          <a:bodyPr wrap="none" rtlCol="0">
+            <a:spAutoFit/>
+          </a:bodyPr>
+          <a:lstStyle/>
+          <a:p>
+            <a:r>
+              <a:rPr kumimoji="1" lang="en-US" altLang="ko-KR" sz="2000" dirty="0">
+                <a:solidFill>
+                  <a:schemeClr val="tx1">
+                    <a:lumMod val="65000"/>
+                    <a:lumOff val="35000"/>
+                  </a:schemeClr>
+                </a:solidFill>
+                <a:latin typeface="GangwonEduPower ExtraBold" panose="02020603020101020101" pitchFamily="18" charset="-127"/>
+                <a:ea typeface="GangwonEduPower ExtraBold" panose="02020603020101020101" pitchFamily="18" charset="-127"/>
+              </a:rPr>
+              <a:t>ARCHET. </a:t>
+            </a:r>
+            <a:r>
+              <a:rPr kumimoji="1" lang="ko-KR" altLang="en-US" sz="1500" dirty="0">
+                <a:latin typeface="IBM Plex Sans KR Thin" panose="020B0203050203000203" pitchFamily="34" charset="-127"/>
+                <a:ea typeface="IBM Plex Sans KR Thin" panose="020B0203050203000203" pitchFamily="34" charset="-127"/>
+              </a:rPr>
+              <a:t>테이블 설계 및 구현 기능</a:t>
+            </a:r>
+            <a:endParaRPr kumimoji="1" lang="ko-KR" altLang="en-US" sz="1500" dirty="0">
+              <a:solidFill>
+                <a:schemeClr val="tx1">
+                  <a:lumMod val="65000"/>
+                  <a:lumOff val="35000"/>
+                </a:schemeClr>
+              </a:solidFill>
+              <a:latin typeface="IBM Plex Sans KR Thin" panose="020B0203050203000203" pitchFamily="34" charset="-127"/>
+              <a:ea typeface="IBM Plex Sans KR Thin" panose="020B0203050203000203" pitchFamily="34" charset="-127"/>
+            </a:endParaRPr>
+          </a:p>
+        </p:txBody>
+      </p:sp>
+      <p:sp>
+        <p:nvSpPr>
+          <p:cNvPr id="9" name="직사각형 8">
+            <a:extLst>
+              <a:ext uri="{FF2B5EF4-FFF2-40B4-BE49-F238E27FC236}">
+                <a16:creationId xmlns:a16="http://schemas.microsoft.com/office/drawing/2014/main" id="{71FC172E-010D-E84F-9E5A-2C65223C3954}"/>
+              </a:ext>
+            </a:extLst>
+          </p:cNvPr>
+          <p:cNvSpPr/>
+          <p:nvPr/>
+        </p:nvSpPr>
+        <p:spPr>
+          <a:xfrm>
+            <a:off x="-422031" y="0"/>
+            <a:ext cx="410308" cy="6858000"/>
+          </a:xfrm>
+          <a:prstGeom prst="rect">
+            <a:avLst/>
+          </a:prstGeom>
+          <a:solidFill>
+            <a:schemeClr val="tx1"/>
+          </a:solidFill>
+          <a:ln>
+            <a:noFill/>
+          </a:ln>
+        </p:spPr>
+        <p:style>
+          <a:lnRef idx="2">
+            <a:schemeClr val="accent1">
+              <a:shade val="50000"/>
+            </a:schemeClr>
+          </a:lnRef>
+          <a:fillRef idx="1">
+            <a:schemeClr val="accent1"/>
+          </a:fillRef>
+          <a:effectRef idx="0">
+            <a:schemeClr val="accent1"/>
+          </a:effectRef>
+          <a:fontRef idx="minor">
+            <a:schemeClr val="lt1"/>
+          </a:fontRef>
+        </p:style>
+        <p:txBody>
+          <a:bodyPr rot="0" spcFirstLastPara="0" vertOverflow="overflow" horzOverflow="overflow" vert="horz" wrap="square" lIns="91440" tIns="45720" rIns="91440" bIns="45720" numCol="1" spcCol="0" rtlCol="0" fromWordArt="0" anchor="ctr" anchorCtr="0" forceAA="0" compatLnSpc="1">
+            <a:prstTxWarp prst="textNoShape">
+              <a:avLst/>
+            </a:prstTxWarp>
+            <a:noAutofit/>
+          </a:bodyPr>
+          <a:lstStyle/>
+          <a:p>
+            <a:pPr algn="ctr"/>
+            <a:endParaRPr kumimoji="1" lang="ko-KR" altLang="en-US"/>
+          </a:p>
+        </p:txBody>
+      </p:sp>
+      <p:pic>
+        <p:nvPicPr>
+          <p:cNvPr id="10" name="그림 9">
+            <a:extLst>
+              <a:ext uri="{FF2B5EF4-FFF2-40B4-BE49-F238E27FC236}">
+                <a16:creationId xmlns:a16="http://schemas.microsoft.com/office/drawing/2014/main" id="{2423F426-6703-3F47-BE8D-A41D4399E05C}"/>
+              </a:ext>
+            </a:extLst>
+          </p:cNvPr>
+          <p:cNvPicPr>
+            <a:picLocks noChangeAspect="1"/>
+          </p:cNvPicPr>
+          <p:nvPr/>
+        </p:nvPicPr>
+        <p:blipFill>
+          <a:blip r:embed="rId3">
+            <a:lum/>
+            <a:alphaModFix/>
+          </a:blip>
+          <a:srcRect/>
+          <a:stretch>
+            <a:fillRect/>
+          </a:stretch>
+        </p:blipFill>
+        <p:spPr>
+          <a:xfrm>
+            <a:off x="792000" y="1373399"/>
+            <a:ext cx="1800000" cy="1728000"/>
+          </a:xfrm>
+          <a:prstGeom prst="rect">
+            <a:avLst/>
+          </a:prstGeom>
+          <a:noFill/>
+          <a:ln>
+            <a:noFill/>
+          </a:ln>
+        </p:spPr>
+      </p:pic>
+      <p:sp>
+        <p:nvSpPr>
+          <p:cNvPr id="12" name="TextBox 21">
+            <a:extLst>
+              <a:ext uri="{FF2B5EF4-FFF2-40B4-BE49-F238E27FC236}">
+                <a16:creationId xmlns:a16="http://schemas.microsoft.com/office/drawing/2014/main" id="{B5CDA0C3-DE52-DC49-BD9E-134C4569B74A}"/>
+              </a:ext>
+            </a:extLst>
+          </p:cNvPr>
+          <p:cNvSpPr/>
+          <p:nvPr/>
+        </p:nvSpPr>
+        <p:spPr>
+          <a:xfrm>
+            <a:off x="360000" y="3240000"/>
+            <a:ext cx="2924279" cy="639000"/>
+          </a:xfrm>
+          <a:custGeom>
+            <a:avLst/>
+            <a:gdLst>
+              <a:gd name="f0" fmla="val 0"/>
+              <a:gd name="f1" fmla="val 21600"/>
+            </a:gdLst>
+            <a:ahLst/>
+            <a:cxnLst>
+              <a:cxn ang="3cd4">
+                <a:pos x="hc" y="t"/>
+              </a:cxn>
+              <a:cxn ang="0">
+                <a:pos x="r" y="vc"/>
+              </a:cxn>
+              <a:cxn ang="cd4">
+                <a:pos x="hc" y="b"/>
+              </a:cxn>
+              <a:cxn ang="cd2">
+                <a:pos x="l" y="vc"/>
+              </a:cxn>
+            </a:cxnLst>
+            <a:rect l="l" t="t" r="r" b="b"/>
+            <a:pathLst>
+              <a:path w="21600" h="21600">
+                <a:moveTo>
+                  <a:pt x="f0" y="f0"/>
+                </a:moveTo>
+                <a:lnTo>
+                  <a:pt x="f1" y="f0"/>
+                </a:lnTo>
+                <a:lnTo>
+                  <a:pt x="f1" y="f1"/>
+                </a:lnTo>
+                <a:lnTo>
+                  <a:pt x="f0" y="f1"/>
+                </a:lnTo>
+                <a:lnTo>
+                  <a:pt x="f0" y="f0"/>
+                </a:lnTo>
+                <a:close/>
+              </a:path>
+            </a:pathLst>
+          </a:custGeom>
+          <a:noFill/>
+          <a:ln>
+            <a:noFill/>
+            <a:prstDash val="solid"/>
+          </a:ln>
+        </p:spPr>
+        <p:txBody>
+          <a:bodyPr vert="horz" wrap="none" lIns="90000" tIns="45000" rIns="90000" bIns="45000" anchor="t" anchorCtr="0" compatLnSpc="0">
+            <a:spAutoFit/>
+          </a:bodyPr>
+          <a:lstStyle/>
+          <a:p>
+            <a:pPr marL="0" marR="0" lvl="0" indent="0" algn="ctr" rtl="0" hangingPunct="1">
+              <a:lnSpc>
+                <a:spcPct val="100000"/>
+              </a:lnSpc>
+              <a:spcBef>
+                <a:spcPts val="0"/>
+              </a:spcBef>
+              <a:spcAft>
+                <a:spcPts val="0"/>
+              </a:spcAft>
+              <a:buNone/>
+              <a:tabLst/>
+              <a:defRPr sz="1800"/>
+            </a:pPr>
+            <a:r>
+              <a:rPr lang="ko-KR" sz="1800" b="0" i="0" u="none" strike="noStrike" kern="1200" spc="0">
+                <a:ln>
+                  <a:noFill/>
+                </a:ln>
+                <a:solidFill>
+                  <a:srgbClr val="000000"/>
+                </a:solidFill>
+                <a:latin typeface="굴림" pitchFamily="18"/>
+                <a:ea typeface="굴림" pitchFamily="2"/>
+                <a:cs typeface="Arial" pitchFamily="2"/>
+              </a:rPr>
+              <a:t>가입</a:t>
+            </a:r>
+            <a:r>
+              <a:rPr lang="en-US" sz="1800" b="0" i="0" u="none" strike="noStrike" kern="1200" spc="0">
+                <a:ln>
+                  <a:noFill/>
+                </a:ln>
+                <a:solidFill>
+                  <a:srgbClr val="000000"/>
+                </a:solidFill>
+                <a:latin typeface="굴림" pitchFamily="18"/>
+                <a:ea typeface="굴림" pitchFamily="2"/>
+                <a:cs typeface="Arial" pitchFamily="2"/>
+              </a:rPr>
+              <a:t>,</a:t>
+            </a:r>
+            <a:r>
+              <a:rPr lang="ko-KR" sz="1800" b="0" i="0" u="none" strike="noStrike" kern="1200" spc="0">
+                <a:ln>
+                  <a:noFill/>
+                </a:ln>
+                <a:solidFill>
+                  <a:srgbClr val="000000"/>
+                </a:solidFill>
+                <a:latin typeface="굴림" pitchFamily="18"/>
+                <a:ea typeface="굴림" pitchFamily="2"/>
+                <a:cs typeface="Arial" pitchFamily="2"/>
+              </a:rPr>
+              <a:t>수정</a:t>
+            </a:r>
+            <a:r>
+              <a:rPr lang="en-US" sz="1800" b="0" i="0" u="none" strike="noStrike" kern="1200" spc="0">
+                <a:ln>
+                  <a:noFill/>
+                </a:ln>
+                <a:solidFill>
+                  <a:srgbClr val="000000"/>
+                </a:solidFill>
+                <a:latin typeface="굴림" pitchFamily="18"/>
+                <a:ea typeface="굴림" pitchFamily="2"/>
+                <a:cs typeface="Arial" pitchFamily="2"/>
+              </a:rPr>
+              <a:t>,</a:t>
+            </a:r>
+            <a:r>
+              <a:rPr lang="ko-KR" sz="1800" b="0" i="0" u="none" strike="noStrike" kern="1200" spc="0">
+                <a:ln>
+                  <a:noFill/>
+                </a:ln>
+                <a:solidFill>
+                  <a:srgbClr val="000000"/>
+                </a:solidFill>
+                <a:latin typeface="굴림" pitchFamily="18"/>
+                <a:ea typeface="굴림" pitchFamily="2"/>
+                <a:cs typeface="Arial" pitchFamily="2"/>
+              </a:rPr>
+              <a:t>탈퇴</a:t>
+            </a:r>
+            <a:r>
+              <a:rPr lang="en-US" sz="1800" b="0" i="0" u="none" strike="noStrike" kern="1200" spc="0">
+                <a:ln>
+                  <a:noFill/>
+                </a:ln>
+                <a:solidFill>
+                  <a:srgbClr val="000000"/>
+                </a:solidFill>
+                <a:latin typeface="굴림" pitchFamily="18"/>
+                <a:ea typeface="굴림" pitchFamily="2"/>
+                <a:cs typeface="Arial" pitchFamily="2"/>
+              </a:rPr>
+              <a:t>,</a:t>
+            </a:r>
+            <a:r>
+              <a:rPr lang="ko-KR" sz="1800" b="0" i="0" u="none" strike="noStrike" kern="1200" spc="0">
+                <a:ln>
+                  <a:noFill/>
+                </a:ln>
+                <a:solidFill>
+                  <a:srgbClr val="000000"/>
+                </a:solidFill>
+                <a:latin typeface="굴림" pitchFamily="18"/>
+                <a:ea typeface="굴림" pitchFamily="2"/>
+                <a:cs typeface="Arial" pitchFamily="2"/>
+              </a:rPr>
+              <a:t>마이페이지</a:t>
+            </a:r>
+          </a:p>
+          <a:p>
+            <a:pPr marL="0" marR="0" lvl="0" indent="0" algn="ctr" rtl="0" hangingPunct="1">
+              <a:lnSpc>
+                <a:spcPct val="100000"/>
+              </a:lnSpc>
+              <a:spcBef>
+                <a:spcPts val="0"/>
+              </a:spcBef>
+              <a:spcAft>
+                <a:spcPts val="0"/>
+              </a:spcAft>
+              <a:buNone/>
+              <a:tabLst/>
+              <a:defRPr sz="1800"/>
+            </a:pPr>
+            <a:r>
+              <a:rPr lang="ko-KR" sz="1800" b="0" i="0" u="none" strike="noStrike" kern="1200" spc="0">
+                <a:ln>
+                  <a:noFill/>
+                </a:ln>
+                <a:solidFill>
+                  <a:srgbClr val="000000"/>
+                </a:solidFill>
+                <a:latin typeface="굴림" pitchFamily="18"/>
+                <a:ea typeface="굴림" pitchFamily="2"/>
+                <a:cs typeface="Arial" pitchFamily="2"/>
+              </a:rPr>
+              <a:t>아이디</a:t>
+            </a:r>
+            <a:r>
+              <a:rPr lang="en-US" sz="1800" b="0" i="0" u="none" strike="noStrike" kern="1200" spc="0">
+                <a:ln>
+                  <a:noFill/>
+                </a:ln>
+                <a:solidFill>
+                  <a:srgbClr val="000000"/>
+                </a:solidFill>
+                <a:latin typeface="굴림" pitchFamily="18"/>
+                <a:ea typeface="굴림" pitchFamily="2"/>
+                <a:cs typeface="Arial" pitchFamily="2"/>
+              </a:rPr>
+              <a:t>,</a:t>
+            </a:r>
+            <a:r>
+              <a:rPr lang="ko-KR" sz="1800" b="0" i="0" u="none" strike="noStrike" kern="1200" spc="0">
+                <a:ln>
+                  <a:noFill/>
+                </a:ln>
+                <a:solidFill>
+                  <a:srgbClr val="000000"/>
+                </a:solidFill>
+                <a:latin typeface="굴림" pitchFamily="18"/>
+                <a:ea typeface="굴림" pitchFamily="2"/>
+                <a:cs typeface="Arial" pitchFamily="2"/>
+              </a:rPr>
+              <a:t>비밀번호찾기</a:t>
+            </a:r>
+          </a:p>
+        </p:txBody>
+      </p:sp>
+      <p:pic>
+        <p:nvPicPr>
+          <p:cNvPr id="13" name="그림 12">
+            <a:extLst>
+              <a:ext uri="{FF2B5EF4-FFF2-40B4-BE49-F238E27FC236}">
+                <a16:creationId xmlns:a16="http://schemas.microsoft.com/office/drawing/2014/main" id="{B68DA7BF-0971-ED45-AC4A-AFD7B45C0769}"/>
+              </a:ext>
+            </a:extLst>
+          </p:cNvPr>
+          <p:cNvPicPr>
+            <a:picLocks noChangeAspect="1"/>
+          </p:cNvPicPr>
+          <p:nvPr/>
+        </p:nvPicPr>
+        <p:blipFill>
+          <a:blip r:embed="rId4">
+            <a:lum/>
+            <a:alphaModFix/>
+          </a:blip>
+          <a:srcRect/>
+          <a:stretch>
+            <a:fillRect/>
+          </a:stretch>
+        </p:blipFill>
+        <p:spPr>
+          <a:xfrm>
+            <a:off x="3816000" y="1655999"/>
+            <a:ext cx="1512000" cy="1352520"/>
+          </a:xfrm>
+          <a:prstGeom prst="rect">
+            <a:avLst/>
+          </a:prstGeom>
+          <a:noFill/>
+          <a:ln>
+            <a:noFill/>
+          </a:ln>
+        </p:spPr>
+      </p:pic>
+      <p:sp>
+        <p:nvSpPr>
+          <p:cNvPr id="14" name="TextBox 21">
+            <a:extLst>
+              <a:ext uri="{FF2B5EF4-FFF2-40B4-BE49-F238E27FC236}">
+                <a16:creationId xmlns:a16="http://schemas.microsoft.com/office/drawing/2014/main" id="{9477EAF6-3234-4945-B4BD-2FC8CE79227F}"/>
+              </a:ext>
+            </a:extLst>
+          </p:cNvPr>
+          <p:cNvSpPr/>
+          <p:nvPr/>
+        </p:nvSpPr>
+        <p:spPr>
+          <a:xfrm>
+            <a:off x="6562440" y="5553000"/>
+            <a:ext cx="1933560" cy="639000"/>
+          </a:xfrm>
+          <a:custGeom>
+            <a:avLst/>
+            <a:gdLst>
+              <a:gd name="f0" fmla="val 0"/>
+              <a:gd name="f1" fmla="val 21600"/>
+            </a:gdLst>
+            <a:ahLst/>
+            <a:cxnLst>
+              <a:cxn ang="3cd4">
+                <a:pos x="hc" y="t"/>
+              </a:cxn>
+              <a:cxn ang="0">
+                <a:pos x="r" y="vc"/>
+              </a:cxn>
+              <a:cxn ang="cd4">
+                <a:pos x="hc" y="b"/>
+              </a:cxn>
+              <a:cxn ang="cd2">
+                <a:pos x="l" y="vc"/>
+              </a:cxn>
+            </a:cxnLst>
+            <a:rect l="l" t="t" r="r" b="b"/>
+            <a:pathLst>
+              <a:path w="21600" h="21600">
+                <a:moveTo>
+                  <a:pt x="f0" y="f0"/>
+                </a:moveTo>
+                <a:lnTo>
+                  <a:pt x="f1" y="f0"/>
+                </a:lnTo>
+                <a:lnTo>
+                  <a:pt x="f1" y="f1"/>
+                </a:lnTo>
+                <a:lnTo>
+                  <a:pt x="f0" y="f1"/>
+                </a:lnTo>
+                <a:lnTo>
+                  <a:pt x="f0" y="f0"/>
+                </a:lnTo>
+                <a:close/>
+              </a:path>
+            </a:pathLst>
+          </a:custGeom>
+          <a:noFill/>
+          <a:ln>
+            <a:noFill/>
+            <a:prstDash val="solid"/>
+          </a:ln>
+        </p:spPr>
+        <p:txBody>
+          <a:bodyPr vert="horz" wrap="none" lIns="90000" tIns="45000" rIns="90000" bIns="45000" anchor="t" anchorCtr="0" compatLnSpc="0">
+            <a:spAutoFit/>
+          </a:bodyPr>
+          <a:lstStyle/>
+          <a:p>
+            <a:pPr marL="0" marR="0" lvl="0" indent="0" algn="ctr" rtl="0" hangingPunct="1">
+              <a:lnSpc>
+                <a:spcPct val="100000"/>
+              </a:lnSpc>
+              <a:spcBef>
+                <a:spcPts val="0"/>
+              </a:spcBef>
+              <a:spcAft>
+                <a:spcPts val="0"/>
+              </a:spcAft>
+              <a:buNone/>
+              <a:tabLst/>
+              <a:defRPr sz="1800"/>
+            </a:pPr>
+            <a:r>
+              <a:rPr lang="ko-KR" sz="1800" b="0" i="0" u="none" strike="noStrike" kern="1200" spc="0">
+                <a:ln>
+                  <a:noFill/>
+                </a:ln>
+                <a:solidFill>
+                  <a:srgbClr val="000000"/>
+                </a:solidFill>
+                <a:latin typeface="굴림" pitchFamily="18"/>
+                <a:ea typeface="굴림" pitchFamily="2"/>
+                <a:cs typeface="Arial" pitchFamily="2"/>
+              </a:rPr>
+              <a:t>그래프</a:t>
+            </a:r>
+            <a:r>
+              <a:rPr lang="en-US" sz="1800" b="0" i="0" u="none" strike="noStrike" kern="1200" spc="0">
+                <a:ln>
+                  <a:noFill/>
+                </a:ln>
+                <a:solidFill>
+                  <a:srgbClr val="000000"/>
+                </a:solidFill>
+                <a:latin typeface="굴림" pitchFamily="18"/>
+                <a:ea typeface="굴림" pitchFamily="2"/>
+                <a:cs typeface="Arial" pitchFamily="2"/>
+              </a:rPr>
+              <a:t>,</a:t>
+            </a:r>
+            <a:r>
+              <a:rPr lang="ko-KR" sz="1800" b="0" i="0" u="none" strike="noStrike" kern="1200" spc="0">
+                <a:ln>
+                  <a:noFill/>
+                </a:ln>
+                <a:solidFill>
+                  <a:srgbClr val="000000"/>
+                </a:solidFill>
+                <a:latin typeface="굴림" pitchFamily="18"/>
+                <a:ea typeface="굴림" pitchFamily="2"/>
+                <a:cs typeface="Arial" pitchFamily="2"/>
+              </a:rPr>
+              <a:t>날씨</a:t>
+            </a:r>
+            <a:r>
+              <a:rPr lang="en-US" sz="1800" b="0" i="0" u="none" strike="noStrike" kern="1200" spc="0">
+                <a:ln>
+                  <a:noFill/>
+                </a:ln>
+                <a:solidFill>
+                  <a:srgbClr val="000000"/>
+                </a:solidFill>
+                <a:latin typeface="굴림" pitchFamily="18"/>
+                <a:ea typeface="굴림" pitchFamily="2"/>
+                <a:cs typeface="Arial" pitchFamily="2"/>
+              </a:rPr>
+              <a:t>,</a:t>
+            </a:r>
+            <a:r>
+              <a:rPr lang="ko-KR" sz="1800" b="0" i="0" u="none" strike="noStrike" kern="1200" spc="0">
+                <a:ln>
+                  <a:noFill/>
+                </a:ln>
+                <a:solidFill>
+                  <a:srgbClr val="000000"/>
+                </a:solidFill>
+                <a:latin typeface="굴림" pitchFamily="18"/>
+                <a:ea typeface="굴림" pitchFamily="2"/>
+                <a:cs typeface="Arial" pitchFamily="2"/>
+              </a:rPr>
+              <a:t>지도</a:t>
+            </a:r>
+          </a:p>
+          <a:p>
+            <a:pPr marL="0" marR="0" lvl="0" indent="0" algn="ctr" rtl="0" hangingPunct="1">
+              <a:lnSpc>
+                <a:spcPct val="100000"/>
+              </a:lnSpc>
+              <a:spcBef>
+                <a:spcPts val="0"/>
+              </a:spcBef>
+              <a:spcAft>
+                <a:spcPts val="0"/>
+              </a:spcAft>
+              <a:buNone/>
+              <a:tabLst/>
+              <a:defRPr sz="1800"/>
+            </a:pPr>
+            <a:r>
+              <a:rPr lang="en-US" sz="1800" b="0" i="0" u="none" strike="noStrike" kern="1200" spc="0">
+                <a:ln>
+                  <a:noFill/>
+                </a:ln>
+                <a:solidFill>
+                  <a:srgbClr val="000000"/>
+                </a:solidFill>
+                <a:latin typeface="굴림" pitchFamily="18"/>
+                <a:ea typeface="굴림" pitchFamily="2"/>
+                <a:cs typeface="Arial" pitchFamily="2"/>
+              </a:rPr>
+              <a:t>API</a:t>
+            </a:r>
+            <a:r>
+              <a:rPr lang="ko-KR" sz="1800" b="0" i="0" u="none" strike="noStrike" kern="1200" spc="0">
+                <a:ln>
+                  <a:noFill/>
+                </a:ln>
+                <a:solidFill>
+                  <a:srgbClr val="000000"/>
+                </a:solidFill>
+                <a:latin typeface="굴림" pitchFamily="18"/>
+                <a:ea typeface="굴림" pitchFamily="2"/>
+                <a:cs typeface="Arial" pitchFamily="2"/>
+              </a:rPr>
+              <a:t>사용</a:t>
+            </a:r>
+          </a:p>
+        </p:txBody>
+      </p:sp>
+      <p:sp>
+        <p:nvSpPr>
+          <p:cNvPr id="15" name="TextBox 21">
+            <a:extLst>
+              <a:ext uri="{FF2B5EF4-FFF2-40B4-BE49-F238E27FC236}">
+                <a16:creationId xmlns:a16="http://schemas.microsoft.com/office/drawing/2014/main" id="{730A6125-F61C-E948-A73D-F3BD1DFD25B1}"/>
+              </a:ext>
+            </a:extLst>
+          </p:cNvPr>
+          <p:cNvSpPr/>
+          <p:nvPr/>
+        </p:nvSpPr>
+        <p:spPr>
+          <a:xfrm>
+            <a:off x="3157559" y="5544000"/>
+            <a:ext cx="2314440" cy="639000"/>
+          </a:xfrm>
+          <a:custGeom>
+            <a:avLst/>
+            <a:gdLst>
+              <a:gd name="f0" fmla="val 0"/>
+              <a:gd name="f1" fmla="val 21600"/>
+            </a:gdLst>
+            <a:ahLst/>
+            <a:cxnLst>
+              <a:cxn ang="3cd4">
+                <a:pos x="hc" y="t"/>
+              </a:cxn>
+              <a:cxn ang="0">
+                <a:pos x="r" y="vc"/>
+              </a:cxn>
+              <a:cxn ang="cd4">
+                <a:pos x="hc" y="b"/>
+              </a:cxn>
+              <a:cxn ang="cd2">
+                <a:pos x="l" y="vc"/>
+              </a:cxn>
+            </a:cxnLst>
+            <a:rect l="l" t="t" r="r" b="b"/>
+            <a:pathLst>
+              <a:path w="21600" h="21600">
+                <a:moveTo>
+                  <a:pt x="f0" y="f0"/>
+                </a:moveTo>
+                <a:lnTo>
+                  <a:pt x="f1" y="f0"/>
+                </a:lnTo>
+                <a:lnTo>
+                  <a:pt x="f1" y="f1"/>
+                </a:lnTo>
+                <a:lnTo>
+                  <a:pt x="f0" y="f1"/>
+                </a:lnTo>
+                <a:lnTo>
+                  <a:pt x="f0" y="f0"/>
+                </a:lnTo>
+                <a:close/>
+              </a:path>
+            </a:pathLst>
+          </a:custGeom>
+          <a:noFill/>
+          <a:ln>
+            <a:noFill/>
+            <a:prstDash val="solid"/>
+          </a:ln>
+        </p:spPr>
+        <p:txBody>
+          <a:bodyPr vert="horz" wrap="none" lIns="90000" tIns="45000" rIns="90000" bIns="45000" anchor="t" anchorCtr="0" compatLnSpc="0">
+            <a:spAutoFit/>
+          </a:bodyPr>
+          <a:lstStyle/>
+          <a:p>
+            <a:pPr marL="0" marR="0" lvl="0" indent="0" algn="ctr" rtl="0" hangingPunct="1">
+              <a:lnSpc>
+                <a:spcPct val="100000"/>
+              </a:lnSpc>
+              <a:spcBef>
+                <a:spcPts val="0"/>
+              </a:spcBef>
+              <a:spcAft>
+                <a:spcPts val="0"/>
+              </a:spcAft>
+              <a:buNone/>
+              <a:tabLst/>
+              <a:defRPr sz="1800"/>
+            </a:pPr>
+            <a:r>
+              <a:rPr lang="ko-KR" sz="1800" b="0" i="0" u="none" strike="noStrike" kern="1200" spc="0">
+                <a:ln>
+                  <a:noFill/>
+                </a:ln>
+                <a:solidFill>
+                  <a:srgbClr val="000000"/>
+                </a:solidFill>
+                <a:latin typeface="굴림" pitchFamily="18"/>
+                <a:ea typeface="굴림" pitchFamily="2"/>
+                <a:cs typeface="Arial" pitchFamily="2"/>
+              </a:rPr>
+              <a:t>게시판작성</a:t>
+            </a:r>
+            <a:r>
+              <a:rPr lang="en-US" sz="1800" b="0" i="0" u="none" strike="noStrike" kern="1200" spc="0">
+                <a:ln>
+                  <a:noFill/>
+                </a:ln>
+                <a:solidFill>
+                  <a:srgbClr val="000000"/>
+                </a:solidFill>
+                <a:latin typeface="굴림" pitchFamily="18"/>
+                <a:ea typeface="굴림" pitchFamily="2"/>
+                <a:cs typeface="Arial" pitchFamily="2"/>
+              </a:rPr>
+              <a:t>,</a:t>
+            </a:r>
+            <a:r>
+              <a:rPr lang="ko-KR" sz="1800" b="0" i="0" u="none" strike="noStrike" kern="1200" spc="0">
+                <a:ln>
+                  <a:noFill/>
+                </a:ln>
+                <a:solidFill>
+                  <a:srgbClr val="000000"/>
+                </a:solidFill>
+                <a:latin typeface="굴림" pitchFamily="18"/>
+                <a:ea typeface="굴림" pitchFamily="2"/>
+                <a:cs typeface="Arial" pitchFamily="2"/>
+              </a:rPr>
+              <a:t>수정삭제</a:t>
+            </a:r>
+          </a:p>
+          <a:p>
+            <a:pPr marL="0" marR="0" lvl="0" indent="0" algn="ctr" rtl="0" hangingPunct="1">
+              <a:lnSpc>
+                <a:spcPct val="100000"/>
+              </a:lnSpc>
+              <a:spcBef>
+                <a:spcPts val="0"/>
+              </a:spcBef>
+              <a:spcAft>
+                <a:spcPts val="0"/>
+              </a:spcAft>
+              <a:buNone/>
+              <a:tabLst/>
+              <a:defRPr sz="1800"/>
+            </a:pPr>
+            <a:r>
+              <a:rPr lang="ko-KR" sz="1800" b="0" i="0" u="none" strike="noStrike" kern="1200" spc="0">
+                <a:ln>
+                  <a:noFill/>
+                </a:ln>
+                <a:solidFill>
+                  <a:srgbClr val="000000"/>
+                </a:solidFill>
+                <a:latin typeface="굴림" pitchFamily="18"/>
+                <a:ea typeface="굴림" pitchFamily="2"/>
+                <a:cs typeface="Arial" pitchFamily="2"/>
+              </a:rPr>
+              <a:t>추천</a:t>
+            </a:r>
+            <a:r>
+              <a:rPr lang="en-US" sz="1800" b="0" i="0" u="none" strike="noStrike" kern="1200" spc="0">
+                <a:ln>
+                  <a:noFill/>
+                </a:ln>
+                <a:solidFill>
+                  <a:srgbClr val="000000"/>
+                </a:solidFill>
+                <a:latin typeface="굴림" pitchFamily="18"/>
+                <a:ea typeface="굴림" pitchFamily="2"/>
+                <a:cs typeface="Arial" pitchFamily="2"/>
+              </a:rPr>
+              <a:t>,</a:t>
+            </a:r>
+            <a:r>
+              <a:rPr lang="ko-KR" sz="1800" b="0" i="0" u="none" strike="noStrike" kern="1200" spc="0">
+                <a:ln>
+                  <a:noFill/>
+                </a:ln>
+                <a:solidFill>
+                  <a:srgbClr val="000000"/>
+                </a:solidFill>
+                <a:latin typeface="굴림" pitchFamily="18"/>
+                <a:ea typeface="굴림" pitchFamily="2"/>
+                <a:cs typeface="Arial" pitchFamily="2"/>
+              </a:rPr>
+              <a:t>댓글</a:t>
+            </a:r>
+            <a:r>
+              <a:rPr lang="en-US" sz="1800" b="0" i="0" u="none" strike="noStrike" kern="1200" spc="0">
+                <a:ln>
+                  <a:noFill/>
+                </a:ln>
+                <a:solidFill>
+                  <a:srgbClr val="000000"/>
+                </a:solidFill>
+                <a:latin typeface="굴림" pitchFamily="18"/>
+                <a:ea typeface="굴림" pitchFamily="2"/>
+                <a:cs typeface="Arial" pitchFamily="2"/>
+              </a:rPr>
+              <a:t>,</a:t>
+            </a:r>
+            <a:r>
+              <a:rPr lang="ko-KR" sz="1800" b="0" i="0" u="none" strike="noStrike" kern="1200" spc="0">
+                <a:ln>
+                  <a:noFill/>
+                </a:ln>
+                <a:solidFill>
+                  <a:srgbClr val="000000"/>
+                </a:solidFill>
+                <a:latin typeface="굴림" pitchFamily="18"/>
+                <a:ea typeface="굴림" pitchFamily="2"/>
+                <a:cs typeface="Arial" pitchFamily="2"/>
+              </a:rPr>
+              <a:t>페이징</a:t>
+            </a:r>
+          </a:p>
+        </p:txBody>
+      </p:sp>
+      <p:sp>
+        <p:nvSpPr>
+          <p:cNvPr id="16" name="TextBox 21">
+            <a:extLst>
+              <a:ext uri="{FF2B5EF4-FFF2-40B4-BE49-F238E27FC236}">
+                <a16:creationId xmlns:a16="http://schemas.microsoft.com/office/drawing/2014/main" id="{E1946DA2-B882-654F-8E99-9FF7CEA47F03}"/>
+              </a:ext>
+            </a:extLst>
+          </p:cNvPr>
+          <p:cNvSpPr/>
+          <p:nvPr/>
+        </p:nvSpPr>
+        <p:spPr>
+          <a:xfrm>
+            <a:off x="3657240" y="3240000"/>
+            <a:ext cx="2390760" cy="364679"/>
+          </a:xfrm>
+          <a:custGeom>
+            <a:avLst/>
+            <a:gdLst>
+              <a:gd name="f0" fmla="val 0"/>
+              <a:gd name="f1" fmla="val 21600"/>
+            </a:gdLst>
+            <a:ahLst/>
+            <a:cxnLst>
+              <a:cxn ang="3cd4">
+                <a:pos x="hc" y="t"/>
+              </a:cxn>
+              <a:cxn ang="0">
+                <a:pos x="r" y="vc"/>
+              </a:cxn>
+              <a:cxn ang="cd4">
+                <a:pos x="hc" y="b"/>
+              </a:cxn>
+              <a:cxn ang="cd2">
+                <a:pos x="l" y="vc"/>
+              </a:cxn>
+            </a:cxnLst>
+            <a:rect l="l" t="t" r="r" b="b"/>
+            <a:pathLst>
+              <a:path w="21600" h="21600">
+                <a:moveTo>
+                  <a:pt x="f0" y="f0"/>
+                </a:moveTo>
+                <a:lnTo>
+                  <a:pt x="f1" y="f0"/>
+                </a:lnTo>
+                <a:lnTo>
+                  <a:pt x="f1" y="f1"/>
+                </a:lnTo>
+                <a:lnTo>
+                  <a:pt x="f0" y="f1"/>
+                </a:lnTo>
+                <a:lnTo>
+                  <a:pt x="f0" y="f0"/>
+                </a:lnTo>
+                <a:close/>
+              </a:path>
+            </a:pathLst>
+          </a:custGeom>
+          <a:noFill/>
+          <a:ln>
+            <a:noFill/>
+            <a:prstDash val="solid"/>
+          </a:ln>
+        </p:spPr>
+        <p:txBody>
+          <a:bodyPr vert="horz" wrap="none" lIns="90000" tIns="45000" rIns="90000" bIns="45000" anchor="t" anchorCtr="0" compatLnSpc="0">
+            <a:spAutoFit/>
+          </a:bodyPr>
+          <a:lstStyle/>
+          <a:p>
+            <a:pPr marL="0" marR="0" lvl="0" indent="0" algn="ctr" rtl="0" hangingPunct="1">
+              <a:lnSpc>
+                <a:spcPct val="100000"/>
+              </a:lnSpc>
+              <a:spcBef>
+                <a:spcPts val="0"/>
+              </a:spcBef>
+              <a:spcAft>
+                <a:spcPts val="0"/>
+              </a:spcAft>
+              <a:buNone/>
+              <a:tabLst/>
+              <a:defRPr sz="1800"/>
+            </a:pPr>
+            <a:r>
+              <a:rPr lang="ko-KR" sz="1800" b="0" i="0" u="none" strike="noStrike" kern="1200" spc="0">
+                <a:ln>
+                  <a:noFill/>
+                </a:ln>
+                <a:solidFill>
+                  <a:srgbClr val="000000"/>
+                </a:solidFill>
+                <a:latin typeface="굴림" pitchFamily="18"/>
+                <a:ea typeface="굴림" pitchFamily="2"/>
+                <a:cs typeface="Arial" pitchFamily="2"/>
+              </a:rPr>
+              <a:t>쪽지보내기</a:t>
+            </a:r>
+            <a:r>
+              <a:rPr lang="en-US" sz="1800" b="0" i="0" u="none" strike="noStrike" kern="1200" spc="0">
+                <a:ln>
+                  <a:noFill/>
+                </a:ln>
+                <a:solidFill>
+                  <a:srgbClr val="000000"/>
+                </a:solidFill>
+                <a:latin typeface="굴림" pitchFamily="18"/>
+                <a:ea typeface="굴림" pitchFamily="2"/>
+                <a:cs typeface="Arial" pitchFamily="2"/>
+              </a:rPr>
+              <a:t>,</a:t>
+            </a:r>
+            <a:r>
+              <a:rPr lang="ko-KR" sz="1800" b="0" i="0" u="none" strike="noStrike" kern="1200" spc="0">
+                <a:ln>
+                  <a:noFill/>
+                </a:ln>
+                <a:solidFill>
+                  <a:srgbClr val="000000"/>
+                </a:solidFill>
+                <a:latin typeface="굴림" pitchFamily="18"/>
+                <a:ea typeface="굴림" pitchFamily="2"/>
+                <a:cs typeface="Arial" pitchFamily="2"/>
+              </a:rPr>
+              <a:t>답장</a:t>
+            </a:r>
+            <a:r>
+              <a:rPr lang="en-US" sz="1800" b="0" i="0" u="none" strike="noStrike" kern="1200" spc="0">
+                <a:ln>
+                  <a:noFill/>
+                </a:ln>
+                <a:solidFill>
+                  <a:srgbClr val="000000"/>
+                </a:solidFill>
+                <a:latin typeface="굴림" pitchFamily="18"/>
+                <a:ea typeface="굴림" pitchFamily="2"/>
+                <a:cs typeface="Arial" pitchFamily="2"/>
+              </a:rPr>
+              <a:t>,</a:t>
+            </a:r>
+            <a:r>
+              <a:rPr lang="ko-KR" sz="1800" b="0" i="0" u="none" strike="noStrike" kern="1200" spc="0">
+                <a:ln>
+                  <a:noFill/>
+                </a:ln>
+                <a:solidFill>
+                  <a:srgbClr val="000000"/>
+                </a:solidFill>
+                <a:latin typeface="굴림" pitchFamily="18"/>
+                <a:ea typeface="굴림" pitchFamily="2"/>
+                <a:cs typeface="Arial" pitchFamily="2"/>
+              </a:rPr>
+              <a:t>삭제</a:t>
+            </a:r>
+          </a:p>
+        </p:txBody>
+      </p:sp>
+      <p:pic>
+        <p:nvPicPr>
+          <p:cNvPr id="17" name="그림 16">
+            <a:extLst>
+              <a:ext uri="{FF2B5EF4-FFF2-40B4-BE49-F238E27FC236}">
+                <a16:creationId xmlns:a16="http://schemas.microsoft.com/office/drawing/2014/main" id="{DE525A36-EA2C-094C-8F22-37201C310B6F}"/>
+              </a:ext>
+            </a:extLst>
+          </p:cNvPr>
+          <p:cNvPicPr>
+            <a:picLocks noChangeAspect="1"/>
+          </p:cNvPicPr>
+          <p:nvPr/>
+        </p:nvPicPr>
+        <p:blipFill>
+          <a:blip r:embed="rId5">
+            <a:lum/>
+            <a:alphaModFix/>
+          </a:blip>
+          <a:srcRect/>
+          <a:stretch>
+            <a:fillRect/>
+          </a:stretch>
+        </p:blipFill>
+        <p:spPr>
+          <a:xfrm>
+            <a:off x="3284279" y="3867479"/>
+            <a:ext cx="2102400" cy="1496519"/>
+          </a:xfrm>
+          <a:prstGeom prst="rect">
+            <a:avLst/>
+          </a:prstGeom>
+          <a:noFill/>
+          <a:ln>
+            <a:noFill/>
+          </a:ln>
+        </p:spPr>
+      </p:pic>
+      <p:pic>
+        <p:nvPicPr>
+          <p:cNvPr id="18" name="그림 17">
+            <a:extLst>
+              <a:ext uri="{FF2B5EF4-FFF2-40B4-BE49-F238E27FC236}">
+                <a16:creationId xmlns:a16="http://schemas.microsoft.com/office/drawing/2014/main" id="{67FF8E2E-E3B7-6145-80E5-74EF04750A17}"/>
+              </a:ext>
+            </a:extLst>
+          </p:cNvPr>
+          <p:cNvPicPr>
+            <a:picLocks noChangeAspect="1"/>
+          </p:cNvPicPr>
+          <p:nvPr/>
+        </p:nvPicPr>
+        <p:blipFill>
+          <a:blip r:embed="rId6">
+            <a:lum/>
+            <a:alphaModFix/>
+          </a:blip>
+          <a:srcRect/>
+          <a:stretch>
+            <a:fillRect/>
+          </a:stretch>
+        </p:blipFill>
+        <p:spPr>
+          <a:xfrm>
+            <a:off x="6408000" y="3759480"/>
+            <a:ext cx="2015999" cy="1712519"/>
+          </a:xfrm>
+          <a:prstGeom prst="rect">
+            <a:avLst/>
+          </a:prstGeom>
+          <a:noFill/>
+          <a:ln>
+            <a:noFill/>
+          </a:ln>
+        </p:spPr>
+      </p:pic>
+      <p:pic>
+        <p:nvPicPr>
+          <p:cNvPr id="19" name="그림 18">
+            <a:extLst>
+              <a:ext uri="{FF2B5EF4-FFF2-40B4-BE49-F238E27FC236}">
+                <a16:creationId xmlns:a16="http://schemas.microsoft.com/office/drawing/2014/main" id="{695AFF0B-F633-564D-9A2E-639374F24030}"/>
+              </a:ext>
+            </a:extLst>
+          </p:cNvPr>
+          <p:cNvPicPr>
+            <a:picLocks noChangeAspect="1"/>
+          </p:cNvPicPr>
+          <p:nvPr/>
+        </p:nvPicPr>
+        <p:blipFill>
+          <a:blip r:embed="rId7">
+            <a:lum/>
+            <a:alphaModFix/>
+          </a:blip>
+          <a:srcRect/>
+          <a:stretch>
+            <a:fillRect/>
+          </a:stretch>
+        </p:blipFill>
+        <p:spPr>
+          <a:xfrm>
+            <a:off x="6552000" y="1579319"/>
+            <a:ext cx="1728000" cy="1655999"/>
+          </a:xfrm>
+          <a:prstGeom prst="rect">
+            <a:avLst/>
+          </a:prstGeom>
+          <a:noFill/>
+          <a:ln>
+            <a:noFill/>
+          </a:ln>
+        </p:spPr>
+      </p:pic>
+      <p:sp>
+        <p:nvSpPr>
+          <p:cNvPr id="20" name="TextBox 21">
+            <a:extLst>
+              <a:ext uri="{FF2B5EF4-FFF2-40B4-BE49-F238E27FC236}">
+                <a16:creationId xmlns:a16="http://schemas.microsoft.com/office/drawing/2014/main" id="{EEA3C948-10D2-E447-B30B-FCACF3BDCFE5}"/>
+              </a:ext>
+            </a:extLst>
+          </p:cNvPr>
+          <p:cNvSpPr/>
+          <p:nvPr/>
+        </p:nvSpPr>
+        <p:spPr>
+          <a:xfrm>
+            <a:off x="6552000" y="3235320"/>
+            <a:ext cx="1857240" cy="364679"/>
+          </a:xfrm>
+          <a:custGeom>
+            <a:avLst/>
+            <a:gdLst>
+              <a:gd name="f0" fmla="val 0"/>
+              <a:gd name="f1" fmla="val 21600"/>
+            </a:gdLst>
+            <a:ahLst/>
+            <a:cxnLst>
+              <a:cxn ang="3cd4">
+                <a:pos x="hc" y="t"/>
+              </a:cxn>
+              <a:cxn ang="0">
+                <a:pos x="r" y="vc"/>
+              </a:cxn>
+              <a:cxn ang="cd4">
+                <a:pos x="hc" y="b"/>
+              </a:cxn>
+              <a:cxn ang="cd2">
+                <a:pos x="l" y="vc"/>
+              </a:cxn>
+            </a:cxnLst>
+            <a:rect l="l" t="t" r="r" b="b"/>
+            <a:pathLst>
+              <a:path w="21600" h="21600">
+                <a:moveTo>
+                  <a:pt x="f0" y="f0"/>
+                </a:moveTo>
+                <a:lnTo>
+                  <a:pt x="f1" y="f0"/>
+                </a:lnTo>
+                <a:lnTo>
+                  <a:pt x="f1" y="f1"/>
+                </a:lnTo>
+                <a:lnTo>
+                  <a:pt x="f0" y="f1"/>
+                </a:lnTo>
+                <a:lnTo>
+                  <a:pt x="f0" y="f0"/>
+                </a:lnTo>
+                <a:close/>
+              </a:path>
+            </a:pathLst>
+          </a:custGeom>
+          <a:noFill/>
+          <a:ln>
+            <a:noFill/>
+            <a:prstDash val="solid"/>
+          </a:ln>
+        </p:spPr>
+        <p:txBody>
+          <a:bodyPr vert="horz" wrap="none" lIns="90000" tIns="45000" rIns="90000" bIns="45000" anchor="t" anchorCtr="0" compatLnSpc="0">
+            <a:spAutoFit/>
+          </a:bodyPr>
+          <a:lstStyle/>
+          <a:p>
+            <a:pPr marL="0" marR="0" lvl="0" indent="0" algn="l" rtl="0" hangingPunct="1">
+              <a:lnSpc>
+                <a:spcPct val="100000"/>
+              </a:lnSpc>
+              <a:spcBef>
+                <a:spcPts val="0"/>
+              </a:spcBef>
+              <a:spcAft>
+                <a:spcPts val="0"/>
+              </a:spcAft>
+              <a:buNone/>
+              <a:tabLst/>
+              <a:defRPr sz="1800"/>
+            </a:pPr>
+            <a:r>
+              <a:rPr lang="ko-KR" sz="1800" b="0" i="0" u="none" strike="noStrike" kern="1200" spc="0">
+                <a:ln>
+                  <a:noFill/>
+                </a:ln>
+                <a:solidFill>
+                  <a:srgbClr val="000000"/>
+                </a:solidFill>
+                <a:latin typeface="굴림" pitchFamily="18"/>
+                <a:ea typeface="굴림" pitchFamily="2"/>
+                <a:cs typeface="Arial" pitchFamily="2"/>
+              </a:rPr>
+              <a:t>게시판</a:t>
+            </a:r>
+            <a:r>
+              <a:rPr lang="en-US" sz="1800" b="0" i="0" u="none" strike="noStrike" kern="1200" spc="0">
+                <a:ln>
+                  <a:noFill/>
+                </a:ln>
+                <a:solidFill>
+                  <a:srgbClr val="000000"/>
+                </a:solidFill>
+                <a:latin typeface="굴림" pitchFamily="18"/>
+                <a:ea typeface="굴림" pitchFamily="2"/>
+                <a:cs typeface="Arial" pitchFamily="2"/>
+              </a:rPr>
+              <a:t>,</a:t>
+            </a:r>
+            <a:r>
+              <a:rPr lang="ko-KR" sz="1800" b="0" i="0" u="none" strike="noStrike" kern="1200" spc="0">
+                <a:ln>
+                  <a:noFill/>
+                </a:ln>
+                <a:solidFill>
+                  <a:srgbClr val="000000"/>
+                </a:solidFill>
+                <a:latin typeface="굴림" pitchFamily="18"/>
+                <a:ea typeface="굴림" pitchFamily="2"/>
+                <a:cs typeface="Arial" pitchFamily="2"/>
+              </a:rPr>
+              <a:t>쪽지알람</a:t>
+            </a:r>
+          </a:p>
+        </p:txBody>
+      </p:sp>
+      <p:pic>
+        <p:nvPicPr>
+          <p:cNvPr id="23" name="그림 22">
+            <a:extLst>
+              <a:ext uri="{FF2B5EF4-FFF2-40B4-BE49-F238E27FC236}">
+                <a16:creationId xmlns:a16="http://schemas.microsoft.com/office/drawing/2014/main" id="{BF1885DF-6E73-7349-96BD-1060D79A5F4E}"/>
+              </a:ext>
+            </a:extLst>
+          </p:cNvPr>
+          <p:cNvPicPr>
+            <a:picLocks noChangeAspect="1"/>
+          </p:cNvPicPr>
+          <p:nvPr/>
+        </p:nvPicPr>
+        <p:blipFill>
+          <a:blip r:embed="rId8">
+            <a:lum/>
+            <a:alphaModFix/>
+          </a:blip>
+          <a:srcRect/>
+          <a:stretch>
+            <a:fillRect/>
+          </a:stretch>
+        </p:blipFill>
+        <p:spPr>
+          <a:xfrm>
+            <a:off x="9360000" y="1655999"/>
+            <a:ext cx="1655999" cy="1512000"/>
+          </a:xfrm>
+          <a:prstGeom prst="rect">
+            <a:avLst/>
+          </a:prstGeom>
+          <a:noFill/>
+          <a:ln>
+            <a:noFill/>
+          </a:ln>
+        </p:spPr>
+      </p:pic>
+      <p:sp>
+        <p:nvSpPr>
+          <p:cNvPr id="24" name="TextBox 21">
+            <a:extLst>
+              <a:ext uri="{FF2B5EF4-FFF2-40B4-BE49-F238E27FC236}">
+                <a16:creationId xmlns:a16="http://schemas.microsoft.com/office/drawing/2014/main" id="{3E1CB791-0098-124D-B0E3-0C0F87A4327A}"/>
+              </a:ext>
+            </a:extLst>
+          </p:cNvPr>
+          <p:cNvSpPr/>
+          <p:nvPr/>
+        </p:nvSpPr>
+        <p:spPr>
+          <a:xfrm>
+            <a:off x="9290160" y="3240000"/>
+            <a:ext cx="2085839" cy="639000"/>
+          </a:xfrm>
+          <a:custGeom>
+            <a:avLst/>
+            <a:gdLst>
+              <a:gd name="f0" fmla="val 0"/>
+              <a:gd name="f1" fmla="val 21600"/>
+            </a:gdLst>
+            <a:ahLst/>
+            <a:cxnLst>
+              <a:cxn ang="3cd4">
+                <a:pos x="hc" y="t"/>
+              </a:cxn>
+              <a:cxn ang="0">
+                <a:pos x="r" y="vc"/>
+              </a:cxn>
+              <a:cxn ang="cd4">
+                <a:pos x="hc" y="b"/>
+              </a:cxn>
+              <a:cxn ang="cd2">
+                <a:pos x="l" y="vc"/>
+              </a:cxn>
+            </a:cxnLst>
+            <a:rect l="l" t="t" r="r" b="b"/>
+            <a:pathLst>
+              <a:path w="21600" h="21600">
+                <a:moveTo>
+                  <a:pt x="f0" y="f0"/>
+                </a:moveTo>
+                <a:lnTo>
+                  <a:pt x="f1" y="f0"/>
+                </a:lnTo>
+                <a:lnTo>
+                  <a:pt x="f1" y="f1"/>
+                </a:lnTo>
+                <a:lnTo>
+                  <a:pt x="f0" y="f1"/>
+                </a:lnTo>
+                <a:lnTo>
+                  <a:pt x="f0" y="f0"/>
+                </a:lnTo>
+                <a:close/>
+              </a:path>
+            </a:pathLst>
+          </a:custGeom>
+          <a:noFill/>
+          <a:ln>
+            <a:noFill/>
+            <a:prstDash val="solid"/>
+          </a:ln>
+        </p:spPr>
+        <p:txBody>
+          <a:bodyPr vert="horz" wrap="none" lIns="90000" tIns="45000" rIns="90000" bIns="45000" anchor="t" anchorCtr="0" compatLnSpc="0">
+            <a:spAutoFit/>
+          </a:bodyPr>
+          <a:lstStyle/>
+          <a:p>
+            <a:pPr marL="0" marR="0" lvl="0" indent="0" algn="ctr" rtl="0" hangingPunct="1">
+              <a:lnSpc>
+                <a:spcPct val="100000"/>
+              </a:lnSpc>
+              <a:spcBef>
+                <a:spcPts val="0"/>
+              </a:spcBef>
+              <a:spcAft>
+                <a:spcPts val="0"/>
+              </a:spcAft>
+              <a:buNone/>
+              <a:tabLst/>
+              <a:defRPr sz="1800"/>
+            </a:pPr>
+            <a:r>
+              <a:rPr lang="ko-KR" sz="1800" b="0" i="0" u="none" strike="noStrike" kern="1200" spc="0">
+                <a:ln>
+                  <a:noFill/>
+                </a:ln>
+                <a:solidFill>
+                  <a:srgbClr val="000000"/>
+                </a:solidFill>
+                <a:latin typeface="굴림" pitchFamily="18"/>
+                <a:ea typeface="굴림" pitchFamily="2"/>
+                <a:cs typeface="Arial" pitchFamily="2"/>
+              </a:rPr>
+              <a:t>유기동물</a:t>
+            </a:r>
+            <a:r>
+              <a:rPr lang="en-US" sz="1800" b="0" i="0" u="none" strike="noStrike" kern="1200" spc="0">
+                <a:ln>
+                  <a:noFill/>
+                </a:ln>
+                <a:solidFill>
+                  <a:srgbClr val="000000"/>
+                </a:solidFill>
+                <a:latin typeface="굴림" pitchFamily="18"/>
+                <a:ea typeface="굴림" pitchFamily="2"/>
+                <a:cs typeface="Arial" pitchFamily="2"/>
+              </a:rPr>
+              <a:t>,</a:t>
+            </a:r>
+            <a:r>
+              <a:rPr lang="ko-KR" sz="1800" b="0" i="0" u="none" strike="noStrike" kern="1200" spc="0">
+                <a:ln>
+                  <a:noFill/>
+                </a:ln>
+                <a:solidFill>
+                  <a:srgbClr val="000000"/>
+                </a:solidFill>
+                <a:latin typeface="굴림" pitchFamily="18"/>
+                <a:ea typeface="굴림" pitchFamily="2"/>
+                <a:cs typeface="Arial" pitchFamily="2"/>
+              </a:rPr>
+              <a:t>관련병원</a:t>
+            </a:r>
+          </a:p>
+          <a:p>
+            <a:pPr marL="0" marR="0" lvl="0" indent="0" algn="ctr" rtl="0" hangingPunct="1">
+              <a:lnSpc>
+                <a:spcPct val="100000"/>
+              </a:lnSpc>
+              <a:spcBef>
+                <a:spcPts val="0"/>
+              </a:spcBef>
+              <a:spcAft>
+                <a:spcPts val="0"/>
+              </a:spcAft>
+              <a:buNone/>
+              <a:tabLst/>
+              <a:defRPr sz="1800"/>
+            </a:pPr>
+            <a:r>
+              <a:rPr lang="en-US" sz="1800" b="0" i="0" u="none" strike="noStrike" kern="1200" spc="0">
+                <a:ln>
+                  <a:noFill/>
+                </a:ln>
+                <a:solidFill>
+                  <a:srgbClr val="000000"/>
+                </a:solidFill>
+                <a:latin typeface="굴림" pitchFamily="18"/>
+                <a:ea typeface="굴림" pitchFamily="2"/>
+                <a:cs typeface="Arial" pitchFamily="2"/>
+              </a:rPr>
+              <a:t>API</a:t>
+            </a:r>
+            <a:r>
+              <a:rPr lang="ko-KR" sz="1800" b="0" i="0" u="none" strike="noStrike" kern="1200" spc="0">
+                <a:ln>
+                  <a:noFill/>
+                </a:ln>
+                <a:solidFill>
+                  <a:srgbClr val="000000"/>
+                </a:solidFill>
+                <a:latin typeface="굴림" pitchFamily="18"/>
+                <a:ea typeface="굴림" pitchFamily="2"/>
+                <a:cs typeface="Arial" pitchFamily="2"/>
+              </a:rPr>
+              <a:t>사용</a:t>
+            </a:r>
+          </a:p>
+        </p:txBody>
+      </p:sp>
+    </p:spTree>
+    <p:extLst>
+      <p:ext uri="{BB962C8B-B14F-4D97-AF65-F5344CB8AC3E}">
+        <p14:creationId xmlns:p14="http://schemas.microsoft.com/office/powerpoint/2010/main" val="4284965470"/>
+      </p:ext>
+    </p:extLst>
+  </p:cSld>
+  <p:clrMapOvr>
+    <a:masterClrMapping/>
+  </p:clrMapOvr>
+</p:sld>
+</file>
+
+<file path=ppt/slides/slide11.xml><?xml version="1.0" encoding="utf-8"?>
+<p:sld xmlns:a="http://schemas.openxmlformats.org/drawingml/2006/main" xmlns:r="http://schemas.openxmlformats.org/officeDocument/2006/relationships" xmlns:p="http://schemas.openxmlformats.org/presentationml/2006/main">
+  <p:cSld>
+    <p:spTree>
+      <p:nvGrpSpPr>
+        <p:cNvPr id="1" name=""/>
+        <p:cNvGrpSpPr/>
+        <p:nvPr/>
+      </p:nvGrpSpPr>
+      <p:grpSpPr>
+        <a:xfrm>
+          <a:off x="0" y="0"/>
+          <a:ext cx="0" cy="0"/>
+          <a:chOff x="0" y="0"/>
+          <a:chExt cx="0" cy="0"/>
+        </a:xfrm>
+      </p:grpSpPr>
+      <p:pic>
+        <p:nvPicPr>
+          <p:cNvPr id="5" name="그림 4">
+            <a:extLst>
+              <a:ext uri="{FF2B5EF4-FFF2-40B4-BE49-F238E27FC236}">
+                <a16:creationId xmlns:a16="http://schemas.microsoft.com/office/drawing/2014/main" id="{3DF62AEB-8EE3-2447-B14C-007BA80FE99A}"/>
+              </a:ext>
+            </a:extLst>
+          </p:cNvPr>
+          <p:cNvPicPr>
+            <a:picLocks noChangeAspect="1"/>
+          </p:cNvPicPr>
+          <p:nvPr/>
+        </p:nvPicPr>
+        <p:blipFill>
+          <a:blip r:embed="rId2"/>
+          <a:stretch>
+            <a:fillRect/>
+          </a:stretch>
+        </p:blipFill>
+        <p:spPr>
+          <a:xfrm>
+            <a:off x="177027" y="0"/>
+            <a:ext cx="1790700" cy="1092200"/>
+          </a:xfrm>
+          <a:prstGeom prst="rect">
+            <a:avLst/>
+          </a:prstGeom>
+        </p:spPr>
+      </p:pic>
+      <p:cxnSp>
+        <p:nvCxnSpPr>
+          <p:cNvPr id="6" name="직선 연결선[R] 5">
+            <a:extLst>
+              <a:ext uri="{FF2B5EF4-FFF2-40B4-BE49-F238E27FC236}">
+                <a16:creationId xmlns:a16="http://schemas.microsoft.com/office/drawing/2014/main" id="{B0895DCE-07B1-F147-892C-279B3F3312C7}"/>
+              </a:ext>
+            </a:extLst>
+          </p:cNvPr>
+          <p:cNvCxnSpPr/>
+          <p:nvPr/>
+        </p:nvCxnSpPr>
+        <p:spPr>
+          <a:xfrm>
+            <a:off x="1" y="726831"/>
+            <a:ext cx="9554308" cy="0"/>
+          </a:xfrm>
+          <a:prstGeom prst="line">
+            <a:avLst/>
+          </a:prstGeom>
+          <a:ln>
+            <a:solidFill>
+              <a:srgbClr val="FFC000"/>
+            </a:solidFill>
+          </a:ln>
+        </p:spPr>
+        <p:style>
+          <a:lnRef idx="1">
+            <a:schemeClr val="accent1"/>
+          </a:lnRef>
+          <a:fillRef idx="0">
+            <a:schemeClr val="accent1"/>
+          </a:fillRef>
+          <a:effectRef idx="0">
+            <a:schemeClr val="accent1"/>
+          </a:effectRef>
+          <a:fontRef idx="minor">
+            <a:schemeClr val="tx1"/>
+          </a:fontRef>
+        </p:style>
+      </p:cxnSp>
+      <p:sp>
+        <p:nvSpPr>
+          <p:cNvPr id="11" name="직사각형 10">
+            <a:extLst>
+              <a:ext uri="{FF2B5EF4-FFF2-40B4-BE49-F238E27FC236}">
+                <a16:creationId xmlns:a16="http://schemas.microsoft.com/office/drawing/2014/main" id="{F2D53CA5-7BF7-9F4E-9FE7-7F2065E40291}"/>
+              </a:ext>
+            </a:extLst>
+          </p:cNvPr>
+          <p:cNvSpPr/>
+          <p:nvPr/>
+        </p:nvSpPr>
+        <p:spPr>
+          <a:xfrm>
+            <a:off x="-11723" y="6518032"/>
+            <a:ext cx="12203723" cy="339967"/>
+          </a:xfrm>
+          <a:prstGeom prst="rect">
+            <a:avLst/>
+          </a:prstGeom>
+          <a:solidFill>
+            <a:srgbClr val="DFA701"/>
+          </a:solidFill>
+          <a:ln>
+            <a:noFill/>
+          </a:ln>
+        </p:spPr>
+        <p:style>
+          <a:lnRef idx="2">
+            <a:schemeClr val="accent1">
+              <a:shade val="50000"/>
+            </a:schemeClr>
+          </a:lnRef>
+          <a:fillRef idx="1">
+            <a:schemeClr val="accent1"/>
+          </a:fillRef>
+          <a:effectRef idx="0">
+            <a:schemeClr val="accent1"/>
+          </a:effectRef>
+          <a:fontRef idx="minor">
+            <a:schemeClr val="lt1"/>
+          </a:fontRef>
+        </p:style>
+        <p:txBody>
+          <a:bodyPr rtlCol="0" anchor="ctr"/>
+          <a:lstStyle/>
+          <a:p>
+            <a:pPr algn="ctr"/>
+            <a:endParaRPr kumimoji="1" lang="ko-KR" altLang="en-US"/>
+          </a:p>
+        </p:txBody>
+      </p:sp>
+      <p:sp>
+        <p:nvSpPr>
+          <p:cNvPr id="21" name="모서리가 둥근 직사각형 20">
+            <a:extLst>
+              <a:ext uri="{FF2B5EF4-FFF2-40B4-BE49-F238E27FC236}">
+                <a16:creationId xmlns:a16="http://schemas.microsoft.com/office/drawing/2014/main" id="{0C5A2D63-F6D7-FD4D-9E29-ECC87C45D7A1}"/>
+              </a:ext>
+            </a:extLst>
+          </p:cNvPr>
+          <p:cNvSpPr/>
+          <p:nvPr/>
+        </p:nvSpPr>
+        <p:spPr>
+          <a:xfrm>
+            <a:off x="-281353" y="844062"/>
+            <a:ext cx="9835662" cy="668215"/>
+          </a:xfrm>
+          <a:prstGeom prst="roundRect">
+            <a:avLst/>
+          </a:prstGeom>
+          <a:solidFill>
+            <a:schemeClr val="bg1">
+              <a:lumMod val="85000"/>
+            </a:schemeClr>
+          </a:solidFill>
+          <a:ln>
+            <a:noFill/>
+          </a:ln>
+        </p:spPr>
+        <p:style>
+          <a:lnRef idx="2">
+            <a:schemeClr val="accent1">
+              <a:shade val="50000"/>
+            </a:schemeClr>
+          </a:lnRef>
+          <a:fillRef idx="1">
+            <a:schemeClr val="accent1"/>
+          </a:fillRef>
+          <a:effectRef idx="0">
+            <a:schemeClr val="accent1"/>
+          </a:effectRef>
+          <a:fontRef idx="minor">
+            <a:schemeClr val="lt1"/>
+          </a:fontRef>
+        </p:style>
+        <p:txBody>
+          <a:bodyPr rot="0" spcFirstLastPara="0" vertOverflow="overflow" horzOverflow="overflow" vert="horz" wrap="square" lIns="91440" tIns="45720" rIns="91440" bIns="45720" numCol="1" spcCol="0" rtlCol="0" fromWordArt="0" anchor="ctr" anchorCtr="0" forceAA="0" compatLnSpc="1">
+            <a:prstTxWarp prst="textNoShape">
+              <a:avLst/>
+            </a:prstTxWarp>
+            <a:noAutofit/>
+          </a:bodyPr>
+          <a:lstStyle/>
+          <a:p>
+            <a:pPr algn="ctr"/>
+            <a:endParaRPr kumimoji="1" lang="ko-KR" altLang="en-US" dirty="0">
+              <a:solidFill>
+                <a:schemeClr val="bg1">
+                  <a:lumMod val="50000"/>
+                </a:schemeClr>
+              </a:solidFill>
+            </a:endParaRPr>
+          </a:p>
+        </p:txBody>
+      </p:sp>
+      <p:sp>
+        <p:nvSpPr>
+          <p:cNvPr id="22" name="TextBox 21">
+            <a:extLst>
+              <a:ext uri="{FF2B5EF4-FFF2-40B4-BE49-F238E27FC236}">
+                <a16:creationId xmlns:a16="http://schemas.microsoft.com/office/drawing/2014/main" id="{42DD3540-0883-984E-97D9-58F862DD8F18}"/>
+              </a:ext>
+            </a:extLst>
+          </p:cNvPr>
+          <p:cNvSpPr txBox="1"/>
+          <p:nvPr/>
+        </p:nvSpPr>
+        <p:spPr>
+          <a:xfrm>
+            <a:off x="266706" y="978115"/>
+            <a:ext cx="1478290" cy="400110"/>
+          </a:xfrm>
+          <a:prstGeom prst="rect">
+            <a:avLst/>
+          </a:prstGeom>
+          <a:noFill/>
+        </p:spPr>
+        <p:txBody>
+          <a:bodyPr wrap="none" rtlCol="0">
+            <a:spAutoFit/>
+          </a:bodyPr>
+          <a:lstStyle/>
+          <a:p>
+            <a:r>
+              <a:rPr kumimoji="1" lang="en-US" altLang="ko-KR" sz="2000" dirty="0">
+                <a:solidFill>
+                  <a:schemeClr val="tx1">
+                    <a:lumMod val="65000"/>
+                    <a:lumOff val="35000"/>
+                  </a:schemeClr>
+                </a:solidFill>
+                <a:latin typeface="GangwonEduPower ExtraBold" panose="02020603020101020101" pitchFamily="18" charset="-127"/>
+                <a:ea typeface="GangwonEduPower ExtraBold" panose="02020603020101020101" pitchFamily="18" charset="-127"/>
+              </a:rPr>
+              <a:t>DEMO. </a:t>
+            </a:r>
+            <a:r>
+              <a:rPr kumimoji="1" lang="ko-KR" altLang="en-US" sz="1500" dirty="0">
+                <a:latin typeface="IBM Plex Sans KR Thin" panose="020B0203050203000203" pitchFamily="34" charset="-127"/>
+                <a:ea typeface="IBM Plex Sans KR Thin" panose="020B0203050203000203" pitchFamily="34" charset="-127"/>
+              </a:rPr>
+              <a:t>시연</a:t>
+            </a:r>
+            <a:endParaRPr kumimoji="1" lang="ko-KR" altLang="en-US" sz="1500" dirty="0">
+              <a:solidFill>
+                <a:schemeClr val="tx1">
+                  <a:lumMod val="65000"/>
+                  <a:lumOff val="35000"/>
+                </a:schemeClr>
+              </a:solidFill>
+              <a:latin typeface="IBM Plex Sans KR Thin" panose="020B0203050203000203" pitchFamily="34" charset="-127"/>
+              <a:ea typeface="IBM Plex Sans KR Thin" panose="020B0203050203000203" pitchFamily="34" charset="-127"/>
+            </a:endParaRPr>
+          </a:p>
+        </p:txBody>
+      </p:sp>
+      <p:sp>
+        <p:nvSpPr>
+          <p:cNvPr id="9" name="직사각형 8">
+            <a:extLst>
+              <a:ext uri="{FF2B5EF4-FFF2-40B4-BE49-F238E27FC236}">
+                <a16:creationId xmlns:a16="http://schemas.microsoft.com/office/drawing/2014/main" id="{71FC172E-010D-E84F-9E5A-2C65223C3954}"/>
+              </a:ext>
+            </a:extLst>
+          </p:cNvPr>
+          <p:cNvSpPr/>
+          <p:nvPr/>
+        </p:nvSpPr>
+        <p:spPr>
+          <a:xfrm>
+            <a:off x="-422031" y="0"/>
+            <a:ext cx="410308" cy="6858000"/>
+          </a:xfrm>
+          <a:prstGeom prst="rect">
+            <a:avLst/>
+          </a:prstGeom>
+          <a:solidFill>
+            <a:schemeClr val="tx1"/>
+          </a:solidFill>
+          <a:ln>
+            <a:noFill/>
+          </a:ln>
+        </p:spPr>
+        <p:style>
+          <a:lnRef idx="2">
+            <a:schemeClr val="accent1">
+              <a:shade val="50000"/>
+            </a:schemeClr>
+          </a:lnRef>
+          <a:fillRef idx="1">
+            <a:schemeClr val="accent1"/>
+          </a:fillRef>
+          <a:effectRef idx="0">
+            <a:schemeClr val="accent1"/>
+          </a:effectRef>
+          <a:fontRef idx="minor">
+            <a:schemeClr val="lt1"/>
+          </a:fontRef>
+        </p:style>
+        <p:txBody>
+          <a:bodyPr rot="0" spcFirstLastPara="0" vertOverflow="overflow" horzOverflow="overflow" vert="horz" wrap="square" lIns="91440" tIns="45720" rIns="91440" bIns="45720" numCol="1" spcCol="0" rtlCol="0" fromWordArt="0" anchor="ctr" anchorCtr="0" forceAA="0" compatLnSpc="1">
+            <a:prstTxWarp prst="textNoShape">
+              <a:avLst/>
+            </a:prstTxWarp>
+            <a:noAutofit/>
+          </a:bodyPr>
+          <a:lstStyle/>
+          <a:p>
+            <a:pPr algn="ctr"/>
+            <a:endParaRPr kumimoji="1" lang="ko-KR" altLang="en-US"/>
+          </a:p>
+        </p:txBody>
+      </p:sp>
+      <p:pic>
+        <p:nvPicPr>
+          <p:cNvPr id="3078" name="Picture 6" descr="갈색 나무 액자 칠판 그림, Microsoft PowerPoint 데스크탑 교사 칠판 프리젠 테이션, 교실, 직사각형, 컴퓨터, 사진  프레임 png | PNGWing">
+            <a:extLst>
+              <a:ext uri="{FF2B5EF4-FFF2-40B4-BE49-F238E27FC236}">
+                <a16:creationId xmlns:a16="http://schemas.microsoft.com/office/drawing/2014/main" id="{68159F0B-98F2-77A9-F275-AA90616ABE9A}"/>
+              </a:ext>
+            </a:extLst>
+          </p:cNvPr>
+          <p:cNvPicPr>
+            <a:picLocks noChangeAspect="1" noChangeArrowheads="1"/>
+          </p:cNvPicPr>
+          <p:nvPr/>
+        </p:nvPicPr>
+        <p:blipFill>
+          <a:blip r:embed="rId3">
+            <a:alphaModFix/>
+            <a:extLst>
+              <a:ext uri="{28A0092B-C50C-407E-A947-70E740481C1C}">
+                <a14:useLocalDpi xmlns:a14="http://schemas.microsoft.com/office/drawing/2010/main" val="0"/>
+              </a:ext>
+            </a:extLst>
+          </a:blip>
+          <a:srcRect/>
+          <a:stretch>
+            <a:fillRect/>
+          </a:stretch>
+        </p:blipFill>
+        <p:spPr bwMode="auto">
+          <a:xfrm>
+            <a:off x="2903881" y="1819031"/>
+            <a:ext cx="6384237" cy="4089547"/>
+          </a:xfrm>
+          <a:prstGeom prst="rect">
+            <a:avLst/>
+          </a:prstGeom>
+          <a:noFill/>
+          <a:extLst>
+            <a:ext uri="{909E8E84-426E-40DD-AFC4-6F175D3DCCD1}">
+              <a14:hiddenFill xmlns:a14="http://schemas.microsoft.com/office/drawing/2010/main">
+                <a:solidFill>
+                  <a:srgbClr val="FFFFFF"/>
+                </a:solidFill>
+              </a14:hiddenFill>
+            </a:ext>
+          </a:extLst>
+        </p:spPr>
+      </p:pic>
+      <p:pic>
+        <p:nvPicPr>
+          <p:cNvPr id="12" name="그림 11">
+            <a:extLst>
+              <a:ext uri="{FF2B5EF4-FFF2-40B4-BE49-F238E27FC236}">
+                <a16:creationId xmlns:a16="http://schemas.microsoft.com/office/drawing/2014/main" id="{6BC9E989-DBC6-EC43-B966-9BB6B6F2A478}"/>
+              </a:ext>
+            </a:extLst>
+          </p:cNvPr>
+          <p:cNvPicPr>
+            <a:picLocks noChangeAspect="1"/>
+          </p:cNvPicPr>
+          <p:nvPr/>
+        </p:nvPicPr>
+        <p:blipFill>
+          <a:blip r:embed="rId4"/>
+          <a:stretch>
+            <a:fillRect/>
+          </a:stretch>
+        </p:blipFill>
+        <p:spPr>
+          <a:xfrm flipH="1">
+            <a:off x="392722" y="3863804"/>
+            <a:ext cx="2511159" cy="2510200"/>
+          </a:xfrm>
+          <a:prstGeom prst="rect">
+            <a:avLst/>
+          </a:prstGeom>
+        </p:spPr>
+      </p:pic>
+      <p:sp>
+        <p:nvSpPr>
+          <p:cNvPr id="4" name="TextBox 3">
+            <a:extLst>
+              <a:ext uri="{FF2B5EF4-FFF2-40B4-BE49-F238E27FC236}">
+                <a16:creationId xmlns:a16="http://schemas.microsoft.com/office/drawing/2014/main" id="{62A69A77-166F-341C-E647-57A160739083}"/>
+              </a:ext>
+            </a:extLst>
+          </p:cNvPr>
+          <p:cNvSpPr txBox="1"/>
+          <p:nvPr/>
+        </p:nvSpPr>
+        <p:spPr>
+          <a:xfrm>
+            <a:off x="3834002" y="2669300"/>
+            <a:ext cx="4523994" cy="923330"/>
+          </a:xfrm>
+          <a:prstGeom prst="rect">
+            <a:avLst/>
+          </a:prstGeom>
+          <a:noFill/>
+        </p:spPr>
+        <p:txBody>
+          <a:bodyPr wrap="none" rtlCol="0">
+            <a:spAutoFit/>
+          </a:bodyPr>
+          <a:lstStyle/>
+          <a:p>
+            <a:pPr algn="ctr"/>
+            <a:r>
+              <a:rPr lang="ko-KR" altLang="en-US" dirty="0">
+                <a:solidFill>
+                  <a:schemeClr val="bg1"/>
+                </a:solidFill>
+                <a:latin typeface="GangwonEduPower ExtraBold" panose="02020603020101020101" pitchFamily="18" charset="-127"/>
+                <a:ea typeface="GangwonEduPower ExtraBold" panose="02020603020101020101" pitchFamily="18" charset="-127"/>
+              </a:rPr>
+              <a:t>지금부터 저희 </a:t>
+            </a:r>
+            <a:r>
+              <a:rPr lang="ko-KR" altLang="en-US" dirty="0" err="1">
+                <a:solidFill>
+                  <a:schemeClr val="bg1"/>
+                </a:solidFill>
+                <a:latin typeface="GangwonEduPower ExtraBold" panose="02020603020101020101" pitchFamily="18" charset="-127"/>
+                <a:ea typeface="GangwonEduPower ExtraBold" panose="02020603020101020101" pitchFamily="18" charset="-127"/>
+              </a:rPr>
+              <a:t>펫밀리의</a:t>
+            </a:r>
+            <a:r>
+              <a:rPr lang="ko-KR" altLang="en-US" dirty="0">
+                <a:solidFill>
+                  <a:schemeClr val="bg1"/>
+                </a:solidFill>
+                <a:latin typeface="GangwonEduPower ExtraBold" panose="02020603020101020101" pitchFamily="18" charset="-127"/>
+                <a:ea typeface="GangwonEduPower ExtraBold" panose="02020603020101020101" pitchFamily="18" charset="-127"/>
+              </a:rPr>
+              <a:t> 발표를 시작하겠습니다</a:t>
+            </a:r>
+            <a:endParaRPr lang="en-US" altLang="ko-KR" dirty="0">
+              <a:solidFill>
+                <a:schemeClr val="bg1"/>
+              </a:solidFill>
+              <a:latin typeface="GangwonEduPower ExtraBold" panose="02020603020101020101" pitchFamily="18" charset="-127"/>
+              <a:ea typeface="GangwonEduPower ExtraBold" panose="02020603020101020101" pitchFamily="18" charset="-127"/>
+            </a:endParaRPr>
+          </a:p>
+          <a:p>
+            <a:pPr algn="ctr"/>
+            <a:endParaRPr lang="en-US" altLang="ko-KR" dirty="0">
+              <a:solidFill>
+                <a:schemeClr val="bg1"/>
+              </a:solidFill>
+              <a:latin typeface="GangwonEduPower ExtraBold" panose="02020603020101020101" pitchFamily="18" charset="-127"/>
+              <a:ea typeface="GangwonEduPower ExtraBold" panose="02020603020101020101" pitchFamily="18" charset="-127"/>
+            </a:endParaRPr>
+          </a:p>
+          <a:p>
+            <a:pPr algn="ctr"/>
+            <a:r>
+              <a:rPr lang="ko-KR" altLang="en-US" dirty="0">
+                <a:solidFill>
+                  <a:schemeClr val="bg1"/>
+                </a:solidFill>
+                <a:latin typeface="GangwonEduPower ExtraBold" panose="02020603020101020101" pitchFamily="18" charset="-127"/>
+                <a:ea typeface="GangwonEduPower ExtraBold" panose="02020603020101020101" pitchFamily="18" charset="-127"/>
+              </a:rPr>
+              <a:t>박수</a:t>
+            </a:r>
+            <a:r>
+              <a:rPr lang="en-US" altLang="ko-KR" dirty="0">
+                <a:solidFill>
+                  <a:schemeClr val="bg1"/>
+                </a:solidFill>
+                <a:latin typeface="GangwonEduPower ExtraBold" panose="02020603020101020101" pitchFamily="18" charset="-127"/>
+                <a:ea typeface="GangwonEduPower ExtraBold" panose="02020603020101020101" pitchFamily="18" charset="-127"/>
+              </a:rPr>
+              <a:t>~</a:t>
+            </a:r>
+            <a:endParaRPr lang="ko-KR" altLang="en-US" dirty="0">
+              <a:solidFill>
+                <a:schemeClr val="bg1"/>
+              </a:solidFill>
+              <a:latin typeface="GangwonEduPower ExtraBold" panose="02020603020101020101" pitchFamily="18" charset="-127"/>
+              <a:ea typeface="GangwonEduPower ExtraBold" panose="02020603020101020101" pitchFamily="18" charset="-127"/>
+            </a:endParaRPr>
+          </a:p>
+        </p:txBody>
+      </p:sp>
+      <p:pic>
+        <p:nvPicPr>
+          <p:cNvPr id="13" name="그림 12">
+            <a:extLst>
+              <a:ext uri="{FF2B5EF4-FFF2-40B4-BE49-F238E27FC236}">
+                <a16:creationId xmlns:a16="http://schemas.microsoft.com/office/drawing/2014/main" id="{194F8B75-CD8C-D14D-9C75-4552749BF91E}"/>
+              </a:ext>
+            </a:extLst>
+          </p:cNvPr>
+          <p:cNvPicPr>
+            <a:picLocks noChangeAspect="1"/>
+          </p:cNvPicPr>
+          <p:nvPr/>
+        </p:nvPicPr>
+        <p:blipFill>
+          <a:blip r:embed="rId5">
+            <a:extLst>
+              <a:ext uri="{BEBA8EAE-BF5A-486C-A8C5-ECC9F3942E4B}">
+                <a14:imgProps xmlns:a14="http://schemas.microsoft.com/office/drawing/2010/main">
+                  <a14:imgLayer r:embed="rId6">
+                    <a14:imgEffect>
+                      <a14:sharpenSoften amount="50000"/>
+                    </a14:imgEffect>
+                    <a14:imgEffect>
+                      <a14:brightnessContrast bright="40000"/>
+                    </a14:imgEffect>
+                  </a14:imgLayer>
+                </a14:imgProps>
+              </a:ext>
+            </a:extLst>
+          </a:blip>
+          <a:stretch>
+            <a:fillRect/>
+          </a:stretch>
+        </p:blipFill>
+        <p:spPr>
+          <a:xfrm>
+            <a:off x="4216401" y="3587254"/>
+            <a:ext cx="3489567" cy="2128389"/>
+          </a:xfrm>
+          <a:prstGeom prst="rect">
+            <a:avLst/>
+          </a:prstGeom>
+        </p:spPr>
+      </p:pic>
+      <p:pic>
+        <p:nvPicPr>
+          <p:cNvPr id="14" name="그림 13">
+            <a:extLst>
+              <a:ext uri="{FF2B5EF4-FFF2-40B4-BE49-F238E27FC236}">
+                <a16:creationId xmlns:a16="http://schemas.microsoft.com/office/drawing/2014/main" id="{DE8A342D-B77A-8844-9D5C-E1EECB6245A3}"/>
+              </a:ext>
+            </a:extLst>
+          </p:cNvPr>
+          <p:cNvPicPr>
+            <a:picLocks noChangeAspect="1"/>
+          </p:cNvPicPr>
+          <p:nvPr/>
+        </p:nvPicPr>
+        <p:blipFill>
+          <a:blip r:embed="rId4"/>
+          <a:stretch>
+            <a:fillRect/>
+          </a:stretch>
+        </p:blipFill>
+        <p:spPr>
+          <a:xfrm>
+            <a:off x="9345058" y="3863804"/>
+            <a:ext cx="2511160" cy="2510200"/>
+          </a:xfrm>
+          <a:prstGeom prst="rect">
+            <a:avLst/>
+          </a:prstGeom>
+        </p:spPr>
+      </p:pic>
+    </p:spTree>
+    <p:extLst>
+      <p:ext uri="{BB962C8B-B14F-4D97-AF65-F5344CB8AC3E}">
+        <p14:creationId xmlns:p14="http://schemas.microsoft.com/office/powerpoint/2010/main" val="3063646113"/>
+      </p:ext>
+    </p:extLst>
+  </p:cSld>
+  <p:clrMapOvr>
+    <a:masterClrMapping/>
+  </p:clrMapOvr>
+</p:sld>
+</file>
+
+<file path=ppt/slides/slide12.xml><?xml version="1.0" encoding="utf-8"?>
+<p:sld xmlns:a="http://schemas.openxmlformats.org/drawingml/2006/main" xmlns:r="http://schemas.openxmlformats.org/officeDocument/2006/relationships" xmlns:p="http://schemas.openxmlformats.org/presentationml/2006/main">
+  <p:cSld>
+    <p:spTree>
+      <p:nvGrpSpPr>
+        <p:cNvPr id="1" name=""/>
+        <p:cNvGrpSpPr/>
+        <p:nvPr/>
+      </p:nvGrpSpPr>
+      <p:grpSpPr>
+        <a:xfrm>
+          <a:off x="0" y="0"/>
+          <a:ext cx="0" cy="0"/>
+          <a:chOff x="0" y="0"/>
+          <a:chExt cx="0" cy="0"/>
+        </a:xfrm>
+      </p:grpSpPr>
+      <p:pic>
+        <p:nvPicPr>
+          <p:cNvPr id="5" name="그림 4">
+            <a:extLst>
+              <a:ext uri="{FF2B5EF4-FFF2-40B4-BE49-F238E27FC236}">
+                <a16:creationId xmlns:a16="http://schemas.microsoft.com/office/drawing/2014/main" id="{3DF62AEB-8EE3-2447-B14C-007BA80FE99A}"/>
+              </a:ext>
+            </a:extLst>
+          </p:cNvPr>
+          <p:cNvPicPr>
+            <a:picLocks noChangeAspect="1"/>
+          </p:cNvPicPr>
+          <p:nvPr/>
+        </p:nvPicPr>
+        <p:blipFill>
+          <a:blip r:embed="rId2"/>
+          <a:stretch>
+            <a:fillRect/>
+          </a:stretch>
+        </p:blipFill>
+        <p:spPr>
+          <a:xfrm>
+            <a:off x="177027" y="0"/>
+            <a:ext cx="1790700" cy="1092200"/>
+          </a:xfrm>
+          <a:prstGeom prst="rect">
+            <a:avLst/>
+          </a:prstGeom>
+        </p:spPr>
+      </p:pic>
+      <p:cxnSp>
+        <p:nvCxnSpPr>
+          <p:cNvPr id="6" name="직선 연결선[R] 5">
+            <a:extLst>
+              <a:ext uri="{FF2B5EF4-FFF2-40B4-BE49-F238E27FC236}">
+                <a16:creationId xmlns:a16="http://schemas.microsoft.com/office/drawing/2014/main" id="{B0895DCE-07B1-F147-892C-279B3F3312C7}"/>
+              </a:ext>
+            </a:extLst>
+          </p:cNvPr>
+          <p:cNvCxnSpPr/>
+          <p:nvPr/>
+        </p:nvCxnSpPr>
+        <p:spPr>
+          <a:xfrm>
+            <a:off x="1" y="726831"/>
+            <a:ext cx="9554308" cy="0"/>
+          </a:xfrm>
+          <a:prstGeom prst="line">
+            <a:avLst/>
+          </a:prstGeom>
+          <a:ln>
+            <a:solidFill>
+              <a:srgbClr val="FFC000"/>
+            </a:solidFill>
+          </a:ln>
+        </p:spPr>
+        <p:style>
+          <a:lnRef idx="1">
+            <a:schemeClr val="accent1"/>
+          </a:lnRef>
+          <a:fillRef idx="0">
+            <a:schemeClr val="accent1"/>
+          </a:fillRef>
+          <a:effectRef idx="0">
+            <a:schemeClr val="accent1"/>
+          </a:effectRef>
+          <a:fontRef idx="minor">
+            <a:schemeClr val="tx1"/>
+          </a:fontRef>
+        </p:style>
+      </p:cxnSp>
+      <p:sp>
+        <p:nvSpPr>
+          <p:cNvPr id="11" name="직사각형 10">
+            <a:extLst>
+              <a:ext uri="{FF2B5EF4-FFF2-40B4-BE49-F238E27FC236}">
+                <a16:creationId xmlns:a16="http://schemas.microsoft.com/office/drawing/2014/main" id="{F2D53CA5-7BF7-9F4E-9FE7-7F2065E40291}"/>
+              </a:ext>
+            </a:extLst>
+          </p:cNvPr>
+          <p:cNvSpPr/>
+          <p:nvPr/>
+        </p:nvSpPr>
+        <p:spPr>
+          <a:xfrm>
+            <a:off x="-11723" y="6518032"/>
+            <a:ext cx="12203723" cy="339967"/>
+          </a:xfrm>
+          <a:prstGeom prst="rect">
+            <a:avLst/>
+          </a:prstGeom>
+          <a:solidFill>
+            <a:srgbClr val="DFA701"/>
+          </a:solidFill>
+          <a:ln>
+            <a:noFill/>
+          </a:ln>
+        </p:spPr>
+        <p:style>
+          <a:lnRef idx="2">
+            <a:schemeClr val="accent1">
+              <a:shade val="50000"/>
+            </a:schemeClr>
+          </a:lnRef>
+          <a:fillRef idx="1">
+            <a:schemeClr val="accent1"/>
+          </a:fillRef>
+          <a:effectRef idx="0">
+            <a:schemeClr val="accent1"/>
+          </a:effectRef>
+          <a:fontRef idx="minor">
+            <a:schemeClr val="lt1"/>
+          </a:fontRef>
+        </p:style>
+        <p:txBody>
+          <a:bodyPr rtlCol="0" anchor="ctr"/>
+          <a:lstStyle/>
+          <a:p>
+            <a:pPr algn="ctr"/>
+            <a:endParaRPr kumimoji="1" lang="ko-KR" altLang="en-US"/>
+          </a:p>
+        </p:txBody>
+      </p:sp>
+      <p:sp>
+        <p:nvSpPr>
+          <p:cNvPr id="21" name="모서리가 둥근 직사각형 20">
+            <a:extLst>
+              <a:ext uri="{FF2B5EF4-FFF2-40B4-BE49-F238E27FC236}">
+                <a16:creationId xmlns:a16="http://schemas.microsoft.com/office/drawing/2014/main" id="{0C5A2D63-F6D7-FD4D-9E29-ECC87C45D7A1}"/>
+              </a:ext>
+            </a:extLst>
+          </p:cNvPr>
+          <p:cNvSpPr/>
+          <p:nvPr/>
+        </p:nvSpPr>
+        <p:spPr>
+          <a:xfrm>
+            <a:off x="-281353" y="844062"/>
+            <a:ext cx="9835662" cy="668215"/>
+          </a:xfrm>
+          <a:prstGeom prst="roundRect">
+            <a:avLst/>
+          </a:prstGeom>
+          <a:solidFill>
+            <a:schemeClr val="bg1">
+              <a:lumMod val="85000"/>
+            </a:schemeClr>
+          </a:solidFill>
+          <a:ln>
+            <a:noFill/>
+          </a:ln>
+        </p:spPr>
+        <p:style>
+          <a:lnRef idx="2">
+            <a:schemeClr val="accent1">
+              <a:shade val="50000"/>
+            </a:schemeClr>
+          </a:lnRef>
+          <a:fillRef idx="1">
+            <a:schemeClr val="accent1"/>
+          </a:fillRef>
+          <a:effectRef idx="0">
+            <a:schemeClr val="accent1"/>
+          </a:effectRef>
+          <a:fontRef idx="minor">
+            <a:schemeClr val="lt1"/>
+          </a:fontRef>
+        </p:style>
+        <p:txBody>
+          <a:bodyPr rot="0" spcFirstLastPara="0" vertOverflow="overflow" horzOverflow="overflow" vert="horz" wrap="square" lIns="91440" tIns="45720" rIns="91440" bIns="45720" numCol="1" spcCol="0" rtlCol="0" fromWordArt="0" anchor="ctr" anchorCtr="0" forceAA="0" compatLnSpc="1">
+            <a:prstTxWarp prst="textNoShape">
+              <a:avLst/>
+            </a:prstTxWarp>
+            <a:noAutofit/>
+          </a:bodyPr>
+          <a:lstStyle/>
+          <a:p>
+            <a:pPr algn="ctr"/>
+            <a:endParaRPr kumimoji="1" lang="ko-KR" altLang="en-US" dirty="0">
+              <a:solidFill>
+                <a:schemeClr val="bg1">
+                  <a:lumMod val="50000"/>
+                </a:schemeClr>
+              </a:solidFill>
+            </a:endParaRPr>
+          </a:p>
+        </p:txBody>
+      </p:sp>
+      <p:sp>
+        <p:nvSpPr>
+          <p:cNvPr id="22" name="TextBox 21">
+            <a:extLst>
+              <a:ext uri="{FF2B5EF4-FFF2-40B4-BE49-F238E27FC236}">
+                <a16:creationId xmlns:a16="http://schemas.microsoft.com/office/drawing/2014/main" id="{42DD3540-0883-984E-97D9-58F862DD8F18}"/>
+              </a:ext>
+            </a:extLst>
+          </p:cNvPr>
+          <p:cNvSpPr txBox="1"/>
+          <p:nvPr/>
+        </p:nvSpPr>
+        <p:spPr>
+          <a:xfrm>
+            <a:off x="266706" y="978115"/>
+            <a:ext cx="1645002" cy="400110"/>
+          </a:xfrm>
+          <a:prstGeom prst="rect">
+            <a:avLst/>
+          </a:prstGeom>
+          <a:noFill/>
+        </p:spPr>
+        <p:txBody>
+          <a:bodyPr wrap="none" rtlCol="0">
+            <a:spAutoFit/>
+          </a:bodyPr>
+          <a:lstStyle/>
+          <a:p>
+            <a:r>
+              <a:rPr kumimoji="1" lang="en-US" altLang="ko-KR" sz="2000" dirty="0">
+                <a:solidFill>
+                  <a:schemeClr val="tx1">
+                    <a:lumMod val="65000"/>
+                    <a:lumOff val="35000"/>
+                  </a:schemeClr>
+                </a:solidFill>
+                <a:latin typeface="GangwonEduPower ExtraBold" panose="02020603020101020101" pitchFamily="18" charset="-127"/>
+                <a:ea typeface="GangwonEduPower ExtraBold" panose="02020603020101020101" pitchFamily="18" charset="-127"/>
+              </a:rPr>
+              <a:t>GIT. </a:t>
+            </a:r>
+            <a:r>
+              <a:rPr kumimoji="1" lang="ko-KR" altLang="en-US" sz="1500" dirty="0" err="1">
+                <a:latin typeface="IBM Plex Sans KR Thin" panose="020B0203050203000203" pitchFamily="34" charset="-127"/>
+                <a:ea typeface="IBM Plex Sans KR Thin" panose="020B0203050203000203" pitchFamily="34" charset="-127"/>
+              </a:rPr>
+              <a:t>깃허브</a:t>
+            </a:r>
+            <a:r>
+              <a:rPr kumimoji="1" lang="ko-KR" altLang="en-US" sz="1500" dirty="0">
+                <a:latin typeface="IBM Plex Sans KR Thin" panose="020B0203050203000203" pitchFamily="34" charset="-127"/>
+                <a:ea typeface="IBM Plex Sans KR Thin" panose="020B0203050203000203" pitchFamily="34" charset="-127"/>
+              </a:rPr>
+              <a:t> 주소</a:t>
+            </a:r>
+            <a:endParaRPr kumimoji="1" lang="ko-KR" altLang="en-US" sz="1500" dirty="0">
+              <a:solidFill>
+                <a:schemeClr val="tx1">
+                  <a:lumMod val="65000"/>
+                  <a:lumOff val="35000"/>
+                </a:schemeClr>
+              </a:solidFill>
+              <a:latin typeface="IBM Plex Sans KR Thin" panose="020B0203050203000203" pitchFamily="34" charset="-127"/>
+              <a:ea typeface="IBM Plex Sans KR Thin" panose="020B0203050203000203" pitchFamily="34" charset="-127"/>
+            </a:endParaRPr>
+          </a:p>
+        </p:txBody>
+      </p:sp>
+      <p:sp>
+        <p:nvSpPr>
+          <p:cNvPr id="9" name="직사각형 8">
+            <a:extLst>
+              <a:ext uri="{FF2B5EF4-FFF2-40B4-BE49-F238E27FC236}">
+                <a16:creationId xmlns:a16="http://schemas.microsoft.com/office/drawing/2014/main" id="{71FC172E-010D-E84F-9E5A-2C65223C3954}"/>
+              </a:ext>
+            </a:extLst>
+          </p:cNvPr>
+          <p:cNvSpPr/>
+          <p:nvPr/>
+        </p:nvSpPr>
+        <p:spPr>
+          <a:xfrm>
+            <a:off x="-422031" y="0"/>
+            <a:ext cx="410308" cy="6858000"/>
+          </a:xfrm>
+          <a:prstGeom prst="rect">
+            <a:avLst/>
+          </a:prstGeom>
+          <a:solidFill>
+            <a:schemeClr val="tx1"/>
+          </a:solidFill>
+          <a:ln>
+            <a:noFill/>
+          </a:ln>
+        </p:spPr>
+        <p:style>
+          <a:lnRef idx="2">
+            <a:schemeClr val="accent1">
+              <a:shade val="50000"/>
+            </a:schemeClr>
+          </a:lnRef>
+          <a:fillRef idx="1">
+            <a:schemeClr val="accent1"/>
+          </a:fillRef>
+          <a:effectRef idx="0">
+            <a:schemeClr val="accent1"/>
+          </a:effectRef>
+          <a:fontRef idx="minor">
+            <a:schemeClr val="lt1"/>
+          </a:fontRef>
+        </p:style>
+        <p:txBody>
+          <a:bodyPr rot="0" spcFirstLastPara="0" vertOverflow="overflow" horzOverflow="overflow" vert="horz" wrap="square" lIns="91440" tIns="45720" rIns="91440" bIns="45720" numCol="1" spcCol="0" rtlCol="0" fromWordArt="0" anchor="ctr" anchorCtr="0" forceAA="0" compatLnSpc="1">
+            <a:prstTxWarp prst="textNoShape">
+              <a:avLst/>
+            </a:prstTxWarp>
+            <a:noAutofit/>
+          </a:bodyPr>
+          <a:lstStyle/>
+          <a:p>
+            <a:pPr algn="ctr"/>
+            <a:endParaRPr kumimoji="1" lang="ko-KR" altLang="en-US"/>
+          </a:p>
+        </p:txBody>
+      </p:sp>
+      <p:sp>
+        <p:nvSpPr>
+          <p:cNvPr id="4" name="TextBox 3">
+            <a:extLst>
+              <a:ext uri="{FF2B5EF4-FFF2-40B4-BE49-F238E27FC236}">
+                <a16:creationId xmlns:a16="http://schemas.microsoft.com/office/drawing/2014/main" id="{6911D817-DE77-1B00-B7E3-6BF68AB65CB2}"/>
+              </a:ext>
+            </a:extLst>
+          </p:cNvPr>
+          <p:cNvSpPr txBox="1"/>
+          <p:nvPr/>
+        </p:nvSpPr>
+        <p:spPr>
+          <a:xfrm>
+            <a:off x="1623459" y="4699295"/>
+            <a:ext cx="6307392" cy="369332"/>
+          </a:xfrm>
+          <a:prstGeom prst="rect">
+            <a:avLst/>
+          </a:prstGeom>
+          <a:noFill/>
+        </p:spPr>
+        <p:txBody>
+          <a:bodyPr wrap="square">
+            <a:spAutoFit/>
+          </a:bodyPr>
+          <a:lstStyle/>
+          <a:p>
+            <a:r>
+              <a:rPr lang="ko-KR" altLang="en-US" dirty="0"/>
+              <a:t>https://github.com/sgyoung96/Petmily/tree/develop</a:t>
+            </a:r>
+          </a:p>
+        </p:txBody>
+      </p:sp>
+      <p:pic>
+        <p:nvPicPr>
+          <p:cNvPr id="1026" name="Picture 2" descr="Git] Git과 GitHub">
+            <a:hlinkClick r:id="rId3"/>
+            <a:extLst>
+              <a:ext uri="{FF2B5EF4-FFF2-40B4-BE49-F238E27FC236}">
+                <a16:creationId xmlns:a16="http://schemas.microsoft.com/office/drawing/2014/main" id="{2FFF55B5-2CE3-A27F-0404-F02C970A23AE}"/>
+              </a:ext>
+            </a:extLst>
+          </p:cNvPr>
+          <p:cNvPicPr>
+            <a:picLocks noChangeAspect="1" noChangeArrowheads="1"/>
+          </p:cNvPicPr>
+          <p:nvPr/>
+        </p:nvPicPr>
+        <p:blipFill>
+          <a:blip r:embed="rId4">
+            <a:extLst>
+              <a:ext uri="{28A0092B-C50C-407E-A947-70E740481C1C}">
+                <a14:useLocalDpi xmlns:a14="http://schemas.microsoft.com/office/drawing/2010/main" val="0"/>
+              </a:ext>
+            </a:extLst>
+          </a:blip>
+          <a:srcRect/>
+          <a:stretch>
+            <a:fillRect/>
+          </a:stretch>
+        </p:blipFill>
+        <p:spPr bwMode="auto">
+          <a:xfrm>
+            <a:off x="1945895" y="2029836"/>
+            <a:ext cx="5381165" cy="2440108"/>
+          </a:xfrm>
+          <a:prstGeom prst="rect">
+            <a:avLst/>
+          </a:prstGeom>
+          <a:noFill/>
+          <a:extLst>
+            <a:ext uri="{909E8E84-426E-40DD-AFC4-6F175D3DCCD1}">
+              <a14:hiddenFill xmlns:a14="http://schemas.microsoft.com/office/drawing/2010/main">
+                <a:solidFill>
+                  <a:srgbClr val="FFFFFF"/>
+                </a:solidFill>
+              </a14:hiddenFill>
+            </a:ext>
+          </a:extLst>
+        </p:spPr>
+      </p:pic>
+    </p:spTree>
+    <p:extLst>
+      <p:ext uri="{BB962C8B-B14F-4D97-AF65-F5344CB8AC3E}">
+        <p14:creationId xmlns:p14="http://schemas.microsoft.com/office/powerpoint/2010/main" val="972103620"/>
+      </p:ext>
+    </p:extLst>
+  </p:cSld>
+  <p:clrMapOvr>
+    <a:masterClrMapping/>
+  </p:clrMapOvr>
+</p:sld>
+</file>
+
+<file path=ppt/slides/slide13.xml><?xml version="1.0" encoding="utf-8"?>
+<p:sld xmlns:a="http://schemas.openxmlformats.org/drawingml/2006/main" xmlns:r="http://schemas.openxmlformats.org/officeDocument/2006/relationships" xmlns:p="http://schemas.openxmlformats.org/presentationml/2006/main">
+  <p:cSld>
+    <p:spTree>
+      <p:nvGrpSpPr>
+        <p:cNvPr id="1" name=""/>
+        <p:cNvGrpSpPr/>
+        <p:nvPr/>
+      </p:nvGrpSpPr>
+      <p:grpSpPr>
+        <a:xfrm>
+          <a:off x="0" y="0"/>
+          <a:ext cx="0" cy="0"/>
+          <a:chOff x="0" y="0"/>
+          <a:chExt cx="0" cy="0"/>
+        </a:xfrm>
+      </p:grpSpPr>
+      <p:pic>
+        <p:nvPicPr>
+          <p:cNvPr id="5" name="그림 4">
+            <a:extLst>
+              <a:ext uri="{FF2B5EF4-FFF2-40B4-BE49-F238E27FC236}">
+                <a16:creationId xmlns:a16="http://schemas.microsoft.com/office/drawing/2014/main" id="{3DF62AEB-8EE3-2447-B14C-007BA80FE99A}"/>
+              </a:ext>
+            </a:extLst>
+          </p:cNvPr>
+          <p:cNvPicPr>
+            <a:picLocks noChangeAspect="1"/>
+          </p:cNvPicPr>
+          <p:nvPr/>
+        </p:nvPicPr>
+        <p:blipFill>
+          <a:blip r:embed="rId2"/>
+          <a:stretch>
+            <a:fillRect/>
+          </a:stretch>
+        </p:blipFill>
+        <p:spPr>
+          <a:xfrm>
+            <a:off x="177027" y="0"/>
+            <a:ext cx="1790700" cy="1092200"/>
+          </a:xfrm>
+          <a:prstGeom prst="rect">
+            <a:avLst/>
+          </a:prstGeom>
+        </p:spPr>
+      </p:pic>
+      <p:cxnSp>
+        <p:nvCxnSpPr>
+          <p:cNvPr id="6" name="직선 연결선[R] 5">
+            <a:extLst>
+              <a:ext uri="{FF2B5EF4-FFF2-40B4-BE49-F238E27FC236}">
+                <a16:creationId xmlns:a16="http://schemas.microsoft.com/office/drawing/2014/main" id="{B0895DCE-07B1-F147-892C-279B3F3312C7}"/>
+              </a:ext>
+            </a:extLst>
+          </p:cNvPr>
+          <p:cNvCxnSpPr/>
+          <p:nvPr/>
+        </p:nvCxnSpPr>
+        <p:spPr>
+          <a:xfrm>
+            <a:off x="1" y="726831"/>
+            <a:ext cx="9554308" cy="0"/>
+          </a:xfrm>
+          <a:prstGeom prst="line">
+            <a:avLst/>
+          </a:prstGeom>
+          <a:ln>
+            <a:solidFill>
+              <a:srgbClr val="FFC000"/>
+            </a:solidFill>
+          </a:ln>
+        </p:spPr>
+        <p:style>
+          <a:lnRef idx="1">
+            <a:schemeClr val="accent1"/>
+          </a:lnRef>
+          <a:fillRef idx="0">
+            <a:schemeClr val="accent1"/>
+          </a:fillRef>
+          <a:effectRef idx="0">
+            <a:schemeClr val="accent1"/>
+          </a:effectRef>
+          <a:fontRef idx="minor">
+            <a:schemeClr val="tx1"/>
+          </a:fontRef>
+        </p:style>
+      </p:cxnSp>
+      <p:sp>
+        <p:nvSpPr>
+          <p:cNvPr id="11" name="직사각형 10">
+            <a:extLst>
+              <a:ext uri="{FF2B5EF4-FFF2-40B4-BE49-F238E27FC236}">
+                <a16:creationId xmlns:a16="http://schemas.microsoft.com/office/drawing/2014/main" id="{F2D53CA5-7BF7-9F4E-9FE7-7F2065E40291}"/>
+              </a:ext>
+            </a:extLst>
+          </p:cNvPr>
+          <p:cNvSpPr/>
+          <p:nvPr/>
+        </p:nvSpPr>
+        <p:spPr>
+          <a:xfrm>
+            <a:off x="-11723" y="6518032"/>
+            <a:ext cx="12203723" cy="339967"/>
+          </a:xfrm>
+          <a:prstGeom prst="rect">
+            <a:avLst/>
+          </a:prstGeom>
+          <a:solidFill>
+            <a:srgbClr val="DFA701"/>
+          </a:solidFill>
+          <a:ln>
+            <a:noFill/>
+          </a:ln>
+        </p:spPr>
+        <p:style>
+          <a:lnRef idx="2">
+            <a:schemeClr val="accent1">
+              <a:shade val="50000"/>
+            </a:schemeClr>
+          </a:lnRef>
+          <a:fillRef idx="1">
+            <a:schemeClr val="accent1"/>
+          </a:fillRef>
+          <a:effectRef idx="0">
+            <a:schemeClr val="accent1"/>
+          </a:effectRef>
+          <a:fontRef idx="minor">
+            <a:schemeClr val="lt1"/>
+          </a:fontRef>
+        </p:style>
+        <p:txBody>
+          <a:bodyPr rtlCol="0" anchor="ctr"/>
+          <a:lstStyle/>
+          <a:p>
+            <a:pPr algn="ctr"/>
+            <a:endParaRPr kumimoji="1" lang="ko-KR" altLang="en-US"/>
+          </a:p>
+        </p:txBody>
+      </p:sp>
+      <p:sp>
+        <p:nvSpPr>
+          <p:cNvPr id="21" name="모서리가 둥근 직사각형 20">
+            <a:extLst>
+              <a:ext uri="{FF2B5EF4-FFF2-40B4-BE49-F238E27FC236}">
+                <a16:creationId xmlns:a16="http://schemas.microsoft.com/office/drawing/2014/main" id="{0C5A2D63-F6D7-FD4D-9E29-ECC87C45D7A1}"/>
+              </a:ext>
+            </a:extLst>
+          </p:cNvPr>
+          <p:cNvSpPr/>
+          <p:nvPr/>
+        </p:nvSpPr>
+        <p:spPr>
+          <a:xfrm>
+            <a:off x="-281353" y="844062"/>
+            <a:ext cx="9835662" cy="668215"/>
+          </a:xfrm>
+          <a:prstGeom prst="roundRect">
+            <a:avLst/>
+          </a:prstGeom>
+          <a:solidFill>
+            <a:schemeClr val="bg1">
+              <a:lumMod val="85000"/>
+            </a:schemeClr>
+          </a:solidFill>
+          <a:ln>
+            <a:noFill/>
+          </a:ln>
+        </p:spPr>
+        <p:style>
+          <a:lnRef idx="2">
+            <a:schemeClr val="accent1">
+              <a:shade val="50000"/>
+            </a:schemeClr>
+          </a:lnRef>
+          <a:fillRef idx="1">
+            <a:schemeClr val="accent1"/>
+          </a:fillRef>
+          <a:effectRef idx="0">
+            <a:schemeClr val="accent1"/>
+          </a:effectRef>
+          <a:fontRef idx="minor">
+            <a:schemeClr val="lt1"/>
+          </a:fontRef>
+        </p:style>
+        <p:txBody>
+          <a:bodyPr rot="0" spcFirstLastPara="0" vertOverflow="overflow" horzOverflow="overflow" vert="horz" wrap="square" lIns="91440" tIns="45720" rIns="91440" bIns="45720" numCol="1" spcCol="0" rtlCol="0" fromWordArt="0" anchor="ctr" anchorCtr="0" forceAA="0" compatLnSpc="1">
+            <a:prstTxWarp prst="textNoShape">
+              <a:avLst/>
+            </a:prstTxWarp>
+            <a:noAutofit/>
+          </a:bodyPr>
+          <a:lstStyle/>
+          <a:p>
+            <a:pPr algn="ctr"/>
+            <a:endParaRPr kumimoji="1" lang="ko-KR" altLang="en-US" dirty="0">
+              <a:solidFill>
+                <a:schemeClr val="bg1">
+                  <a:lumMod val="50000"/>
+                </a:schemeClr>
+              </a:solidFill>
+            </a:endParaRPr>
+          </a:p>
+        </p:txBody>
+      </p:sp>
+      <p:sp>
+        <p:nvSpPr>
+          <p:cNvPr id="22" name="TextBox 21">
+            <a:extLst>
+              <a:ext uri="{FF2B5EF4-FFF2-40B4-BE49-F238E27FC236}">
+                <a16:creationId xmlns:a16="http://schemas.microsoft.com/office/drawing/2014/main" id="{42DD3540-0883-984E-97D9-58F862DD8F18}"/>
+              </a:ext>
+            </a:extLst>
+          </p:cNvPr>
+          <p:cNvSpPr txBox="1"/>
+          <p:nvPr/>
+        </p:nvSpPr>
+        <p:spPr>
+          <a:xfrm>
+            <a:off x="266706" y="978115"/>
+            <a:ext cx="1625766" cy="400110"/>
+          </a:xfrm>
+          <a:prstGeom prst="rect">
+            <a:avLst/>
+          </a:prstGeom>
+          <a:noFill/>
+        </p:spPr>
+        <p:txBody>
+          <a:bodyPr wrap="none" rtlCol="0">
+            <a:spAutoFit/>
+          </a:bodyPr>
+          <a:lstStyle/>
+          <a:p>
+            <a:r>
+              <a:rPr kumimoji="1" lang="en-US" altLang="ko-KR" sz="2000" dirty="0">
+                <a:solidFill>
+                  <a:schemeClr val="tx1">
+                    <a:lumMod val="65000"/>
+                    <a:lumOff val="35000"/>
+                  </a:schemeClr>
+                </a:solidFill>
+                <a:latin typeface="GangwonEduPower ExtraBold" panose="02020603020101020101" pitchFamily="18" charset="-127"/>
+                <a:ea typeface="GangwonEduPower ExtraBold" panose="02020603020101020101" pitchFamily="18" charset="-127"/>
+              </a:rPr>
+              <a:t>Q&amp;A. </a:t>
+            </a:r>
+            <a:r>
+              <a:rPr kumimoji="1" lang="ko-KR" altLang="en-US" sz="1500" dirty="0">
+                <a:latin typeface="IBM Plex Sans KR Thin" panose="020B0203050203000203" pitchFamily="34" charset="-127"/>
+                <a:ea typeface="IBM Plex Sans KR Thin" panose="020B0203050203000203" pitchFamily="34" charset="-127"/>
+              </a:rPr>
+              <a:t>질의 응답</a:t>
+            </a:r>
+            <a:endParaRPr kumimoji="1" lang="ko-KR" altLang="en-US" sz="1500" dirty="0">
+              <a:solidFill>
+                <a:schemeClr val="tx1">
+                  <a:lumMod val="65000"/>
+                  <a:lumOff val="35000"/>
+                </a:schemeClr>
+              </a:solidFill>
+              <a:latin typeface="IBM Plex Sans KR Thin" panose="020B0203050203000203" pitchFamily="34" charset="-127"/>
+              <a:ea typeface="IBM Plex Sans KR Thin" panose="020B0203050203000203" pitchFamily="34" charset="-127"/>
+            </a:endParaRPr>
+          </a:p>
+        </p:txBody>
+      </p:sp>
+      <p:sp>
+        <p:nvSpPr>
+          <p:cNvPr id="9" name="직사각형 8">
+            <a:extLst>
+              <a:ext uri="{FF2B5EF4-FFF2-40B4-BE49-F238E27FC236}">
+                <a16:creationId xmlns:a16="http://schemas.microsoft.com/office/drawing/2014/main" id="{71FC172E-010D-E84F-9E5A-2C65223C3954}"/>
+              </a:ext>
+            </a:extLst>
+          </p:cNvPr>
+          <p:cNvSpPr/>
+          <p:nvPr/>
+        </p:nvSpPr>
+        <p:spPr>
+          <a:xfrm>
+            <a:off x="-422031" y="0"/>
+            <a:ext cx="410308" cy="6858000"/>
+          </a:xfrm>
+          <a:prstGeom prst="rect">
+            <a:avLst/>
+          </a:prstGeom>
+          <a:solidFill>
+            <a:schemeClr val="tx1"/>
+          </a:solidFill>
+          <a:ln>
+            <a:noFill/>
+          </a:ln>
+        </p:spPr>
+        <p:style>
+          <a:lnRef idx="2">
+            <a:schemeClr val="accent1">
+              <a:shade val="50000"/>
+            </a:schemeClr>
+          </a:lnRef>
+          <a:fillRef idx="1">
+            <a:schemeClr val="accent1"/>
+          </a:fillRef>
+          <a:effectRef idx="0">
+            <a:schemeClr val="accent1"/>
+          </a:effectRef>
+          <a:fontRef idx="minor">
+            <a:schemeClr val="lt1"/>
+          </a:fontRef>
+        </p:style>
+        <p:txBody>
+          <a:bodyPr rot="0" spcFirstLastPara="0" vertOverflow="overflow" horzOverflow="overflow" vert="horz" wrap="square" lIns="91440" tIns="45720" rIns="91440" bIns="45720" numCol="1" spcCol="0" rtlCol="0" fromWordArt="0" anchor="ctr" anchorCtr="0" forceAA="0" compatLnSpc="1">
+            <a:prstTxWarp prst="textNoShape">
+              <a:avLst/>
+            </a:prstTxWarp>
+            <a:noAutofit/>
+          </a:bodyPr>
+          <a:lstStyle/>
+          <a:p>
+            <a:pPr algn="ctr"/>
+            <a:endParaRPr kumimoji="1" lang="ko-KR" altLang="en-US"/>
+          </a:p>
+        </p:txBody>
+      </p:sp>
+      <p:pic>
+        <p:nvPicPr>
+          <p:cNvPr id="2050" name="Picture 2" descr="아이❤차이니즈 수업 Q&amp;A : 네이버 블로그">
+            <a:extLst>
+              <a:ext uri="{FF2B5EF4-FFF2-40B4-BE49-F238E27FC236}">
+                <a16:creationId xmlns:a16="http://schemas.microsoft.com/office/drawing/2014/main" id="{5D5EB5F1-507B-307F-3323-A26F606F4024}"/>
+              </a:ext>
+            </a:extLst>
+          </p:cNvPr>
+          <p:cNvPicPr>
+            <a:picLocks noChangeAspect="1" noChangeArrowheads="1"/>
+          </p:cNvPicPr>
+          <p:nvPr/>
+        </p:nvPicPr>
+        <p:blipFill>
+          <a:blip r:embed="rId3">
+            <a:extLst>
+              <a:ext uri="{28A0092B-C50C-407E-A947-70E740481C1C}">
+                <a14:useLocalDpi xmlns:a14="http://schemas.microsoft.com/office/drawing/2010/main" val="0"/>
+              </a:ext>
+            </a:extLst>
+          </a:blip>
+          <a:srcRect/>
+          <a:stretch>
+            <a:fillRect/>
+          </a:stretch>
+        </p:blipFill>
+        <p:spPr bwMode="auto">
+          <a:xfrm>
+            <a:off x="2073716" y="2356339"/>
+            <a:ext cx="5125524" cy="2324187"/>
+          </a:xfrm>
+          <a:prstGeom prst="rect">
+            <a:avLst/>
+          </a:prstGeom>
+          <a:noFill/>
+          <a:extLst>
+            <a:ext uri="{909E8E84-426E-40DD-AFC4-6F175D3DCCD1}">
+              <a14:hiddenFill xmlns:a14="http://schemas.microsoft.com/office/drawing/2010/main">
+                <a:solidFill>
+                  <a:srgbClr val="FFFFFF"/>
+                </a:solidFill>
+              </a14:hiddenFill>
+            </a:ext>
+          </a:extLst>
+        </p:spPr>
+      </p:pic>
+    </p:spTree>
+    <p:extLst>
+      <p:ext uri="{BB962C8B-B14F-4D97-AF65-F5344CB8AC3E}">
+        <p14:creationId xmlns:p14="http://schemas.microsoft.com/office/powerpoint/2010/main" val="709186631"/>
+      </p:ext>
+    </p:extLst>
+  </p:cSld>
+  <p:clrMapOvr>
+    <a:masterClrMapping/>
+  </p:clrMapOvr>
+</p:sld>
+</file>
+
+<file path=ppt/slides/slide14.xml><?xml version="1.0" encoding="utf-8"?>
+<p:sld xmlns:a="http://schemas.openxmlformats.org/drawingml/2006/main" xmlns:r="http://schemas.openxmlformats.org/officeDocument/2006/relationships" xmlns:p="http://schemas.openxmlformats.org/presentationml/2006/main">
+  <p:cSld>
+    <p:spTree>
+      <p:nvGrpSpPr>
+        <p:cNvPr id="1" name=""/>
+        <p:cNvGrpSpPr/>
+        <p:nvPr/>
+      </p:nvGrpSpPr>
+      <p:grpSpPr>
+        <a:xfrm>
+          <a:off x="0" y="0"/>
+          <a:ext cx="0" cy="0"/>
+          <a:chOff x="0" y="0"/>
+          <a:chExt cx="0" cy="0"/>
+        </a:xfrm>
+      </p:grpSpPr>
+      <p:pic>
+        <p:nvPicPr>
+          <p:cNvPr id="5" name="그림 4">
+            <a:extLst>
+              <a:ext uri="{FF2B5EF4-FFF2-40B4-BE49-F238E27FC236}">
                 <a16:creationId xmlns:a16="http://schemas.microsoft.com/office/drawing/2014/main" id="{2A96F417-2B68-9D4C-8EAB-265BD5A5C1C1}"/>
               </a:ext>
             </a:extLst>
@@ -10529,7 +13634,7 @@
         <p:spPr>
           <a:xfrm>
             <a:off x="266706" y="978115"/>
-            <a:ext cx="5017720" cy="400110"/>
+            <a:ext cx="1939955" cy="400110"/>
           </a:xfrm>
           <a:prstGeom prst="rect">
             <a:avLst/>
@@ -10550,8 +13655,8 @@
                     <a:lumOff val="35000"/>
                   </a:schemeClr>
                 </a:solidFill>
-                <a:latin typeface="GangwonEduPower ExtraBold" panose="02020603020101020101" pitchFamily="18" charset="-127"/>
-                <a:ea typeface="GangwonEduPower ExtraBold" panose="02020603020101020101" pitchFamily="18" charset="-127"/>
+                <a:latin typeface="강원교육튼튼" panose="02020603020101020101" pitchFamily="18" charset="-127"/>
+                <a:ea typeface="강원교육튼튼" panose="02020603020101020101" pitchFamily="18" charset="-127"/>
               </a:rPr>
               <a:t>SKILLS.</a:t>
             </a:r>
@@ -10574,69 +13679,6 @@
                 <a:ea typeface="IBM Plex Sans KR Thin" panose="020B0203050203000203" pitchFamily="34" charset="-127"/>
               </a:rPr>
               <a:t>개발 기간</a:t>
-            </a:r>
-            <a:r>
-              <a:rPr kumimoji="1" lang="en-US" altLang="ko-KR" sz="1500" dirty="0">
-                <a:latin typeface="IBM Plex Sans KR Thin" panose="020B0203050203000203" pitchFamily="34" charset="-127"/>
-                <a:ea typeface="IBM Plex Sans KR Thin" panose="020B0203050203000203" pitchFamily="34" charset="-127"/>
-              </a:rPr>
-              <a:t>,</a:t>
-            </a:r>
-            <a:r>
-              <a:rPr kumimoji="1" lang="ko-KR" altLang="en-US" sz="1500" dirty="0">
-                <a:latin typeface="IBM Plex Sans KR Thin" panose="020B0203050203000203" pitchFamily="34" charset="-127"/>
-                <a:ea typeface="IBM Plex Sans KR Thin" panose="020B0203050203000203" pitchFamily="34" charset="-127"/>
-              </a:rPr>
-              <a:t> 개발</a:t>
-            </a:r>
-            <a:r>
-              <a:rPr kumimoji="1" lang="en-US" altLang="ko-KR" sz="1500" dirty="0">
-                <a:latin typeface="IBM Plex Sans KR Thin" panose="020B0203050203000203" pitchFamily="34" charset="-127"/>
-                <a:ea typeface="IBM Plex Sans KR Thin" panose="020B0203050203000203" pitchFamily="34" charset="-127"/>
-              </a:rPr>
-              <a:t> </a:t>
-            </a:r>
-            <a:r>
-              <a:rPr kumimoji="1" lang="ko-KR" altLang="en-US" sz="1500" dirty="0">
-                <a:latin typeface="IBM Plex Sans KR Thin" panose="020B0203050203000203" pitchFamily="34" charset="-127"/>
-                <a:ea typeface="IBM Plex Sans KR Thin" panose="020B0203050203000203" pitchFamily="34" charset="-127"/>
-              </a:rPr>
-              <a:t>환경</a:t>
-            </a:r>
-            <a:r>
-              <a:rPr kumimoji="1" lang="en-US" altLang="ko-KR" sz="1500" dirty="0">
-                <a:latin typeface="IBM Plex Sans KR Thin" panose="020B0203050203000203" pitchFamily="34" charset="-127"/>
-                <a:ea typeface="IBM Plex Sans KR Thin" panose="020B0203050203000203" pitchFamily="34" charset="-127"/>
-              </a:rPr>
-              <a:t>,</a:t>
-            </a:r>
-            <a:r>
-              <a:rPr kumimoji="1" lang="ko-KR" altLang="en-US" sz="1500" dirty="0">
-                <a:latin typeface="IBM Plex Sans KR Thin" panose="020B0203050203000203" pitchFamily="34" charset="-127"/>
-                <a:ea typeface="IBM Plex Sans KR Thin" panose="020B0203050203000203" pitchFamily="34" charset="-127"/>
-              </a:rPr>
-              <a:t> 사용 기술</a:t>
-            </a:r>
-            <a:r>
-              <a:rPr kumimoji="1" lang="en-US" altLang="ko-KR" sz="1500" dirty="0">
-                <a:latin typeface="IBM Plex Sans KR Thin" panose="020B0203050203000203" pitchFamily="34" charset="-127"/>
-                <a:ea typeface="IBM Plex Sans KR Thin" panose="020B0203050203000203" pitchFamily="34" charset="-127"/>
-              </a:rPr>
-              <a:t>,</a:t>
-            </a:r>
-            <a:r>
-              <a:rPr kumimoji="1" lang="ko-KR" altLang="en-US" sz="1500" dirty="0">
-                <a:latin typeface="IBM Plex Sans KR Thin" panose="020B0203050203000203" pitchFamily="34" charset="-127"/>
-                <a:ea typeface="IBM Plex Sans KR Thin" panose="020B0203050203000203" pitchFamily="34" charset="-127"/>
-              </a:rPr>
-              <a:t> 활용한 오픈 </a:t>
-            </a:r>
-            <a:r>
-              <a:rPr kumimoji="1" lang="en-US" altLang="ko-KR" sz="1500" dirty="0">
-                <a:latin typeface="IBM Plex Sans KR Thin" panose="020B0203050203000203" pitchFamily="34" charset="-127"/>
-                <a:ea typeface="IBM Plex Sans KR Thin" panose="020B0203050203000203" pitchFamily="34" charset="-127"/>
-              </a:rPr>
-              <a:t>API</a:t>
             </a:r>
             <a:endParaRPr kumimoji="1" lang="ko-KR" altLang="en-US" sz="1500" dirty="0">
               <a:solidFill>
@@ -10708,10 +13750,1228 @@
           </a:p>
         </p:txBody>
       </p:sp>
+      <p:sp>
+        <p:nvSpPr>
+          <p:cNvPr id="25" name="정육면체 24"/>
+          <p:cNvSpPr/>
+          <p:nvPr/>
+        </p:nvSpPr>
+        <p:spPr>
+          <a:xfrm>
+            <a:off x="1850046" y="1880851"/>
+            <a:ext cx="462542" cy="475488"/>
+          </a:xfrm>
+          <a:prstGeom prst="cube">
+            <a:avLst/>
+          </a:prstGeom>
+        </p:spPr>
+        <p:style>
+          <a:lnRef idx="2">
+            <a:schemeClr val="accent1">
+              <a:shade val="50000"/>
+            </a:schemeClr>
+          </a:lnRef>
+          <a:fillRef idx="1">
+            <a:schemeClr val="accent1"/>
+          </a:fillRef>
+          <a:effectRef idx="0">
+            <a:schemeClr val="accent1"/>
+          </a:effectRef>
+          <a:fontRef idx="minor">
+            <a:schemeClr val="lt1"/>
+          </a:fontRef>
+        </p:style>
+        <p:txBody>
+          <a:bodyPr rtlCol="0" anchor="ctr"/>
+          <a:lstStyle/>
+          <a:p>
+            <a:pPr algn="ctr"/>
+            <a:endParaRPr lang="ko-KR" altLang="en-US"/>
+          </a:p>
+        </p:txBody>
+      </p:sp>
+      <p:sp>
+        <p:nvSpPr>
+          <p:cNvPr id="26" name="TextBox 25"/>
+          <p:cNvSpPr txBox="1"/>
+          <p:nvPr/>
+        </p:nvSpPr>
+        <p:spPr>
+          <a:xfrm>
+            <a:off x="214085" y="1856985"/>
+            <a:ext cx="1790700" cy="523220"/>
+          </a:xfrm>
+          <a:prstGeom prst="rect">
+            <a:avLst/>
+          </a:prstGeom>
+          <a:noFill/>
+        </p:spPr>
+        <p:txBody>
+          <a:bodyPr wrap="square" rtlCol="0">
+            <a:spAutoFit/>
+          </a:bodyPr>
+          <a:lstStyle/>
+          <a:p>
+            <a:r>
+              <a:rPr lang="ko-KR" altLang="en-US" sz="1400" dirty="0">
+                <a:latin typeface="강원교육튼튼" panose="02020603020101020101" pitchFamily="18" charset="-127"/>
+                <a:ea typeface="강원교육튼튼" panose="02020603020101020101" pitchFamily="18" charset="-127"/>
+              </a:rPr>
+              <a:t>프로젝트 </a:t>
+            </a:r>
+            <a:endParaRPr lang="en-US" altLang="ko-KR" sz="1400" dirty="0">
+              <a:latin typeface="강원교육튼튼" panose="02020603020101020101" pitchFamily="18" charset="-127"/>
+              <a:ea typeface="강원교육튼튼" panose="02020603020101020101" pitchFamily="18" charset="-127"/>
+            </a:endParaRPr>
+          </a:p>
+          <a:p>
+            <a:r>
+              <a:rPr lang="ko-KR" altLang="en-US" sz="1400" dirty="0">
+                <a:latin typeface="강원교육튼튼" panose="02020603020101020101" pitchFamily="18" charset="-127"/>
+                <a:ea typeface="강원교육튼튼" panose="02020603020101020101" pitchFamily="18" charset="-127"/>
+              </a:rPr>
+              <a:t>주제선정</a:t>
+            </a:r>
+          </a:p>
+        </p:txBody>
+      </p:sp>
+      <p:sp>
+        <p:nvSpPr>
+          <p:cNvPr id="27" name="TextBox 26"/>
+          <p:cNvSpPr txBox="1"/>
+          <p:nvPr/>
+        </p:nvSpPr>
+        <p:spPr>
+          <a:xfrm>
+            <a:off x="214085" y="2403234"/>
+            <a:ext cx="1790700" cy="307777"/>
+          </a:xfrm>
+          <a:prstGeom prst="rect">
+            <a:avLst/>
+          </a:prstGeom>
+          <a:noFill/>
+        </p:spPr>
+        <p:txBody>
+          <a:bodyPr wrap="square" rtlCol="0">
+            <a:spAutoFit/>
+          </a:bodyPr>
+          <a:lstStyle/>
+          <a:p>
+            <a:r>
+              <a:rPr lang="ko-KR" altLang="en-US" sz="1400" dirty="0">
+                <a:latin typeface="강원교육튼튼" panose="02020603020101020101" pitchFamily="18" charset="-127"/>
+                <a:ea typeface="강원교육튼튼" panose="02020603020101020101" pitchFamily="18" charset="-127"/>
+              </a:rPr>
+              <a:t>기능 설계 </a:t>
+            </a:r>
+          </a:p>
+        </p:txBody>
+      </p:sp>
+      <p:sp>
+        <p:nvSpPr>
+          <p:cNvPr id="28" name="정육면체 27"/>
+          <p:cNvSpPr/>
+          <p:nvPr/>
+        </p:nvSpPr>
+        <p:spPr>
+          <a:xfrm>
+            <a:off x="2312588" y="2246177"/>
+            <a:ext cx="671638" cy="475488"/>
+          </a:xfrm>
+          <a:prstGeom prst="cube">
+            <a:avLst/>
+          </a:prstGeom>
+        </p:spPr>
+        <p:style>
+          <a:lnRef idx="2">
+            <a:schemeClr val="accent1">
+              <a:shade val="50000"/>
+            </a:schemeClr>
+          </a:lnRef>
+          <a:fillRef idx="1">
+            <a:schemeClr val="accent1"/>
+          </a:fillRef>
+          <a:effectRef idx="0">
+            <a:schemeClr val="accent1"/>
+          </a:effectRef>
+          <a:fontRef idx="minor">
+            <a:schemeClr val="lt1"/>
+          </a:fontRef>
+        </p:style>
+        <p:txBody>
+          <a:bodyPr rtlCol="0" anchor="ctr"/>
+          <a:lstStyle/>
+          <a:p>
+            <a:pPr algn="ctr"/>
+            <a:endParaRPr lang="ko-KR" altLang="en-US"/>
+          </a:p>
+        </p:txBody>
+      </p:sp>
+      <p:sp>
+        <p:nvSpPr>
+          <p:cNvPr id="29" name="TextBox 28"/>
+          <p:cNvSpPr txBox="1"/>
+          <p:nvPr/>
+        </p:nvSpPr>
+        <p:spPr>
+          <a:xfrm>
+            <a:off x="214085" y="2778157"/>
+            <a:ext cx="1790700" cy="307777"/>
+          </a:xfrm>
+          <a:prstGeom prst="rect">
+            <a:avLst/>
+          </a:prstGeom>
+          <a:noFill/>
+        </p:spPr>
+        <p:txBody>
+          <a:bodyPr wrap="square" rtlCol="0">
+            <a:spAutoFit/>
+          </a:bodyPr>
+          <a:lstStyle/>
+          <a:p>
+            <a:r>
+              <a:rPr lang="ko-KR" altLang="en-US" sz="1400" dirty="0">
+                <a:latin typeface="강원교육튼튼" panose="02020603020101020101" pitchFamily="18" charset="-127"/>
+                <a:ea typeface="강원교육튼튼" panose="02020603020101020101" pitchFamily="18" charset="-127"/>
+              </a:rPr>
+              <a:t>테이블 설계 </a:t>
+            </a:r>
+          </a:p>
+        </p:txBody>
+      </p:sp>
+      <p:sp>
+        <p:nvSpPr>
+          <p:cNvPr id="30" name="정육면체 29"/>
+          <p:cNvSpPr/>
+          <p:nvPr/>
+        </p:nvSpPr>
+        <p:spPr>
+          <a:xfrm>
+            <a:off x="2907792" y="2649482"/>
+            <a:ext cx="754771" cy="475488"/>
+          </a:xfrm>
+          <a:prstGeom prst="cube">
+            <a:avLst/>
+          </a:prstGeom>
+        </p:spPr>
+        <p:style>
+          <a:lnRef idx="2">
+            <a:schemeClr val="accent1">
+              <a:shade val="50000"/>
+            </a:schemeClr>
+          </a:lnRef>
+          <a:fillRef idx="1">
+            <a:schemeClr val="accent1"/>
+          </a:fillRef>
+          <a:effectRef idx="0">
+            <a:schemeClr val="accent1"/>
+          </a:effectRef>
+          <a:fontRef idx="minor">
+            <a:schemeClr val="lt1"/>
+          </a:fontRef>
+        </p:style>
+        <p:txBody>
+          <a:bodyPr rtlCol="0" anchor="ctr"/>
+          <a:lstStyle/>
+          <a:p>
+            <a:pPr algn="ctr"/>
+            <a:endParaRPr lang="ko-KR" altLang="en-US"/>
+          </a:p>
+        </p:txBody>
+      </p:sp>
+      <p:sp>
+        <p:nvSpPr>
+          <p:cNvPr id="31" name="TextBox 30"/>
+          <p:cNvSpPr txBox="1"/>
+          <p:nvPr/>
+        </p:nvSpPr>
+        <p:spPr>
+          <a:xfrm>
+            <a:off x="214085" y="3232949"/>
+            <a:ext cx="1790700" cy="307777"/>
+          </a:xfrm>
+          <a:prstGeom prst="rect">
+            <a:avLst/>
+          </a:prstGeom>
+          <a:noFill/>
+        </p:spPr>
+        <p:txBody>
+          <a:bodyPr wrap="square" rtlCol="0">
+            <a:spAutoFit/>
+          </a:bodyPr>
+          <a:lstStyle/>
+          <a:p>
+            <a:r>
+              <a:rPr lang="ko-KR" altLang="en-US" sz="1400" dirty="0">
+                <a:latin typeface="강원교육튼튼" panose="02020603020101020101" pitchFamily="18" charset="-127"/>
+                <a:ea typeface="강원교육튼튼" panose="02020603020101020101" pitchFamily="18" charset="-127"/>
+              </a:rPr>
+              <a:t>스토리보드 설계 </a:t>
+            </a:r>
+          </a:p>
+        </p:txBody>
+      </p:sp>
+      <p:sp>
+        <p:nvSpPr>
+          <p:cNvPr id="32" name="정육면체 31"/>
+          <p:cNvSpPr/>
+          <p:nvPr/>
+        </p:nvSpPr>
+        <p:spPr>
+          <a:xfrm>
+            <a:off x="3662563" y="3052787"/>
+            <a:ext cx="775559" cy="475488"/>
+          </a:xfrm>
+          <a:prstGeom prst="cube">
+            <a:avLst/>
+          </a:prstGeom>
+        </p:spPr>
+        <p:style>
+          <a:lnRef idx="2">
+            <a:schemeClr val="accent1">
+              <a:shade val="50000"/>
+            </a:schemeClr>
+          </a:lnRef>
+          <a:fillRef idx="1">
+            <a:schemeClr val="accent1"/>
+          </a:fillRef>
+          <a:effectRef idx="0">
+            <a:schemeClr val="accent1"/>
+          </a:effectRef>
+          <a:fontRef idx="minor">
+            <a:schemeClr val="lt1"/>
+          </a:fontRef>
+        </p:style>
+        <p:txBody>
+          <a:bodyPr rtlCol="0" anchor="ctr"/>
+          <a:lstStyle/>
+          <a:p>
+            <a:pPr algn="ctr"/>
+            <a:endParaRPr lang="ko-KR" altLang="en-US"/>
+          </a:p>
+        </p:txBody>
+      </p:sp>
+      <p:sp>
+        <p:nvSpPr>
+          <p:cNvPr id="33" name="정육면체 32"/>
+          <p:cNvSpPr/>
+          <p:nvPr/>
+        </p:nvSpPr>
+        <p:spPr>
+          <a:xfrm>
+            <a:off x="4349964" y="3455566"/>
+            <a:ext cx="923544" cy="475488"/>
+          </a:xfrm>
+          <a:prstGeom prst="cube">
+            <a:avLst/>
+          </a:prstGeom>
+        </p:spPr>
+        <p:style>
+          <a:lnRef idx="2">
+            <a:schemeClr val="accent1">
+              <a:shade val="50000"/>
+            </a:schemeClr>
+          </a:lnRef>
+          <a:fillRef idx="1">
+            <a:schemeClr val="accent1"/>
+          </a:fillRef>
+          <a:effectRef idx="0">
+            <a:schemeClr val="accent1"/>
+          </a:effectRef>
+          <a:fontRef idx="minor">
+            <a:schemeClr val="lt1"/>
+          </a:fontRef>
+        </p:style>
+        <p:txBody>
+          <a:bodyPr rtlCol="0" anchor="ctr"/>
+          <a:lstStyle/>
+          <a:p>
+            <a:pPr algn="ctr"/>
+            <a:endParaRPr lang="ko-KR" altLang="en-US"/>
+          </a:p>
+        </p:txBody>
+      </p:sp>
+      <p:sp>
+        <p:nvSpPr>
+          <p:cNvPr id="34" name="정육면체 33"/>
+          <p:cNvSpPr/>
+          <p:nvPr/>
+        </p:nvSpPr>
+        <p:spPr>
+          <a:xfrm>
+            <a:off x="5212314" y="3831792"/>
+            <a:ext cx="575838" cy="475488"/>
+          </a:xfrm>
+          <a:prstGeom prst="cube">
+            <a:avLst/>
+          </a:prstGeom>
+        </p:spPr>
+        <p:style>
+          <a:lnRef idx="2">
+            <a:schemeClr val="accent1">
+              <a:shade val="50000"/>
+            </a:schemeClr>
+          </a:lnRef>
+          <a:fillRef idx="1">
+            <a:schemeClr val="accent1"/>
+          </a:fillRef>
+          <a:effectRef idx="0">
+            <a:schemeClr val="accent1"/>
+          </a:effectRef>
+          <a:fontRef idx="minor">
+            <a:schemeClr val="lt1"/>
+          </a:fontRef>
+        </p:style>
+        <p:txBody>
+          <a:bodyPr rtlCol="0" anchor="ctr"/>
+          <a:lstStyle/>
+          <a:p>
+            <a:pPr algn="ctr"/>
+            <a:endParaRPr lang="ko-KR" altLang="en-US"/>
+          </a:p>
+        </p:txBody>
+      </p:sp>
+      <p:sp>
+        <p:nvSpPr>
+          <p:cNvPr id="35" name="정육면체 34"/>
+          <p:cNvSpPr/>
+          <p:nvPr/>
+        </p:nvSpPr>
+        <p:spPr>
+          <a:xfrm>
+            <a:off x="5766535" y="4199442"/>
+            <a:ext cx="1178333" cy="475488"/>
+          </a:xfrm>
+          <a:prstGeom prst="cube">
+            <a:avLst/>
+          </a:prstGeom>
+        </p:spPr>
+        <p:style>
+          <a:lnRef idx="2">
+            <a:schemeClr val="accent1">
+              <a:shade val="50000"/>
+            </a:schemeClr>
+          </a:lnRef>
+          <a:fillRef idx="1">
+            <a:schemeClr val="accent1"/>
+          </a:fillRef>
+          <a:effectRef idx="0">
+            <a:schemeClr val="accent1"/>
+          </a:effectRef>
+          <a:fontRef idx="minor">
+            <a:schemeClr val="lt1"/>
+          </a:fontRef>
+        </p:style>
+        <p:txBody>
+          <a:bodyPr rtlCol="0" anchor="ctr"/>
+          <a:lstStyle/>
+          <a:p>
+            <a:pPr algn="ctr"/>
+            <a:endParaRPr lang="ko-KR" altLang="en-US"/>
+          </a:p>
+        </p:txBody>
+      </p:sp>
+      <p:sp>
+        <p:nvSpPr>
+          <p:cNvPr id="36" name="TextBox 35"/>
+          <p:cNvSpPr txBox="1"/>
+          <p:nvPr/>
+        </p:nvSpPr>
+        <p:spPr>
+          <a:xfrm>
+            <a:off x="214085" y="3602356"/>
+            <a:ext cx="1790700" cy="307777"/>
+          </a:xfrm>
+          <a:prstGeom prst="rect">
+            <a:avLst/>
+          </a:prstGeom>
+          <a:noFill/>
+        </p:spPr>
+        <p:txBody>
+          <a:bodyPr wrap="square" rtlCol="0">
+            <a:spAutoFit/>
+          </a:bodyPr>
+          <a:lstStyle/>
+          <a:p>
+            <a:r>
+              <a:rPr lang="ko-KR" altLang="en-US" sz="1400" dirty="0">
+                <a:latin typeface="강원교육튼튼" panose="02020603020101020101" pitchFamily="18" charset="-127"/>
+                <a:ea typeface="강원교육튼튼" panose="02020603020101020101" pitchFamily="18" charset="-127"/>
+              </a:rPr>
+              <a:t>간단</a:t>
+            </a:r>
+            <a:r>
+              <a:rPr lang="en-US" altLang="ko-KR" sz="1400" dirty="0">
+                <a:latin typeface="강원교육튼튼" panose="02020603020101020101" pitchFamily="18" charset="-127"/>
+                <a:ea typeface="강원교육튼튼" panose="02020603020101020101" pitchFamily="18" charset="-127"/>
+              </a:rPr>
+              <a:t>CRUD</a:t>
+            </a:r>
+            <a:r>
+              <a:rPr lang="ko-KR" altLang="en-US" sz="1400" dirty="0">
+                <a:latin typeface="강원교육튼튼" panose="02020603020101020101" pitchFamily="18" charset="-127"/>
+                <a:ea typeface="강원교육튼튼" panose="02020603020101020101" pitchFamily="18" charset="-127"/>
+              </a:rPr>
+              <a:t> 구현 </a:t>
+            </a:r>
+          </a:p>
+        </p:txBody>
+      </p:sp>
+      <p:sp>
+        <p:nvSpPr>
+          <p:cNvPr id="37" name="TextBox 36"/>
+          <p:cNvSpPr txBox="1"/>
+          <p:nvPr/>
+        </p:nvSpPr>
+        <p:spPr>
+          <a:xfrm>
+            <a:off x="177027" y="3976621"/>
+            <a:ext cx="1790700" cy="307777"/>
+          </a:xfrm>
+          <a:prstGeom prst="rect">
+            <a:avLst/>
+          </a:prstGeom>
+          <a:noFill/>
+        </p:spPr>
+        <p:txBody>
+          <a:bodyPr wrap="square" rtlCol="0">
+            <a:spAutoFit/>
+          </a:bodyPr>
+          <a:lstStyle/>
+          <a:p>
+            <a:r>
+              <a:rPr lang="ko-KR" altLang="en-US" sz="1400" dirty="0">
+                <a:latin typeface="강원교육튼튼" panose="02020603020101020101" pitchFamily="18" charset="-127"/>
+                <a:ea typeface="강원교육튼튼" panose="02020603020101020101" pitchFamily="18" charset="-127"/>
+              </a:rPr>
+              <a:t>간단</a:t>
+            </a:r>
+            <a:r>
+              <a:rPr lang="en-US" altLang="ko-KR" sz="1400" dirty="0">
+                <a:latin typeface="강원교육튼튼" panose="02020603020101020101" pitchFamily="18" charset="-127"/>
+                <a:ea typeface="강원교육튼튼" panose="02020603020101020101" pitchFamily="18" charset="-127"/>
+              </a:rPr>
+              <a:t>CRUD</a:t>
+            </a:r>
+            <a:r>
+              <a:rPr lang="ko-KR" altLang="en-US" sz="1400" dirty="0">
+                <a:latin typeface="강원교육튼튼" panose="02020603020101020101" pitchFamily="18" charset="-127"/>
+                <a:ea typeface="강원교육튼튼" panose="02020603020101020101" pitchFamily="18" charset="-127"/>
+              </a:rPr>
+              <a:t> 테스트 </a:t>
+            </a:r>
+          </a:p>
+        </p:txBody>
+      </p:sp>
+      <p:sp>
+        <p:nvSpPr>
+          <p:cNvPr id="38" name="TextBox 37"/>
+          <p:cNvSpPr txBox="1"/>
+          <p:nvPr/>
+        </p:nvSpPr>
+        <p:spPr>
+          <a:xfrm>
+            <a:off x="186242" y="4374573"/>
+            <a:ext cx="1790700" cy="307777"/>
+          </a:xfrm>
+          <a:prstGeom prst="rect">
+            <a:avLst/>
+          </a:prstGeom>
+          <a:noFill/>
+        </p:spPr>
+        <p:txBody>
+          <a:bodyPr wrap="square" rtlCol="0">
+            <a:spAutoFit/>
+          </a:bodyPr>
+          <a:lstStyle/>
+          <a:p>
+            <a:r>
+              <a:rPr lang="ko-KR" altLang="en-US" sz="1400">
+                <a:latin typeface="강원교육튼튼" panose="02020603020101020101" pitchFamily="18" charset="-127"/>
+                <a:ea typeface="강원교육튼튼" panose="02020603020101020101" pitchFamily="18" charset="-127"/>
+              </a:rPr>
+              <a:t>상세기능 구현 </a:t>
+            </a:r>
+            <a:endParaRPr lang="ko-KR" altLang="en-US" sz="1400" dirty="0">
+              <a:latin typeface="강원교육튼튼" panose="02020603020101020101" pitchFamily="18" charset="-127"/>
+              <a:ea typeface="강원교육튼튼" panose="02020603020101020101" pitchFamily="18" charset="-127"/>
+            </a:endParaRPr>
+          </a:p>
+        </p:txBody>
+      </p:sp>
+      <p:sp>
+        <p:nvSpPr>
+          <p:cNvPr id="39" name="TextBox 38"/>
+          <p:cNvSpPr txBox="1"/>
+          <p:nvPr/>
+        </p:nvSpPr>
+        <p:spPr>
+          <a:xfrm>
+            <a:off x="214085" y="4740573"/>
+            <a:ext cx="1790700" cy="307777"/>
+          </a:xfrm>
+          <a:prstGeom prst="rect">
+            <a:avLst/>
+          </a:prstGeom>
+          <a:noFill/>
+        </p:spPr>
+        <p:txBody>
+          <a:bodyPr wrap="square" rtlCol="0">
+            <a:spAutoFit/>
+          </a:bodyPr>
+          <a:lstStyle/>
+          <a:p>
+            <a:r>
+              <a:rPr lang="ko-KR" altLang="en-US" sz="1400" dirty="0" err="1">
+                <a:latin typeface="강원교육튼튼" panose="02020603020101020101" pitchFamily="18" charset="-127"/>
+                <a:ea typeface="강원교육튼튼" panose="02020603020101020101" pitchFamily="18" charset="-127"/>
+              </a:rPr>
+              <a:t>프론트</a:t>
+            </a:r>
+            <a:r>
+              <a:rPr lang="ko-KR" altLang="en-US" sz="1400" dirty="0">
+                <a:latin typeface="강원교육튼튼" panose="02020603020101020101" pitchFamily="18" charset="-127"/>
+                <a:ea typeface="강원교육튼튼" panose="02020603020101020101" pitchFamily="18" charset="-127"/>
+              </a:rPr>
+              <a:t> 디자인 </a:t>
+            </a:r>
+          </a:p>
+        </p:txBody>
+      </p:sp>
+      <p:sp>
+        <p:nvSpPr>
+          <p:cNvPr id="40" name="TextBox 39"/>
+          <p:cNvSpPr txBox="1"/>
+          <p:nvPr/>
+        </p:nvSpPr>
+        <p:spPr>
+          <a:xfrm>
+            <a:off x="214085" y="5154755"/>
+            <a:ext cx="1790700" cy="307777"/>
+          </a:xfrm>
+          <a:prstGeom prst="rect">
+            <a:avLst/>
+          </a:prstGeom>
+          <a:noFill/>
+        </p:spPr>
+        <p:txBody>
+          <a:bodyPr wrap="square" rtlCol="0">
+            <a:spAutoFit/>
+          </a:bodyPr>
+          <a:lstStyle/>
+          <a:p>
+            <a:r>
+              <a:rPr lang="ko-KR" altLang="en-US" sz="1400" dirty="0">
+                <a:latin typeface="강원교육튼튼" panose="02020603020101020101" pitchFamily="18" charset="-127"/>
+                <a:ea typeface="강원교육튼튼" panose="02020603020101020101" pitchFamily="18" charset="-127"/>
+              </a:rPr>
+              <a:t>통합테스트</a:t>
+            </a:r>
+            <a:r>
+              <a:rPr lang="en-US" altLang="ko-KR" sz="1400" dirty="0">
+                <a:latin typeface="강원교육튼튼" panose="02020603020101020101" pitchFamily="18" charset="-127"/>
+                <a:ea typeface="강원교육튼튼" panose="02020603020101020101" pitchFamily="18" charset="-127"/>
+              </a:rPr>
+              <a:t>, </a:t>
+            </a:r>
+            <a:r>
+              <a:rPr lang="ko-KR" altLang="en-US" sz="1400" dirty="0">
+                <a:latin typeface="강원교육튼튼" panose="02020603020101020101" pitchFamily="18" charset="-127"/>
+                <a:ea typeface="강원교육튼튼" panose="02020603020101020101" pitchFamily="18" charset="-127"/>
+              </a:rPr>
+              <a:t>디버깅</a:t>
+            </a:r>
+          </a:p>
+        </p:txBody>
+      </p:sp>
+      <p:sp>
+        <p:nvSpPr>
+          <p:cNvPr id="41" name="TextBox 40"/>
+          <p:cNvSpPr txBox="1"/>
+          <p:nvPr/>
+        </p:nvSpPr>
+        <p:spPr>
+          <a:xfrm>
+            <a:off x="214085" y="5578698"/>
+            <a:ext cx="1790700" cy="307777"/>
+          </a:xfrm>
+          <a:prstGeom prst="rect">
+            <a:avLst/>
+          </a:prstGeom>
+          <a:noFill/>
+        </p:spPr>
+        <p:txBody>
+          <a:bodyPr wrap="square" rtlCol="0">
+            <a:spAutoFit/>
+          </a:bodyPr>
+          <a:lstStyle/>
+          <a:p>
+            <a:r>
+              <a:rPr lang="ko-KR" altLang="en-US" sz="1400" dirty="0">
+                <a:latin typeface="강원교육튼튼" panose="02020603020101020101" pitchFamily="18" charset="-127"/>
+                <a:ea typeface="강원교육튼튼" panose="02020603020101020101" pitchFamily="18" charset="-127"/>
+              </a:rPr>
+              <a:t>유지보수</a:t>
+            </a:r>
+          </a:p>
+        </p:txBody>
+      </p:sp>
+      <p:sp>
+        <p:nvSpPr>
+          <p:cNvPr id="42" name="정육면체 41"/>
+          <p:cNvSpPr/>
+          <p:nvPr/>
+        </p:nvSpPr>
+        <p:spPr>
+          <a:xfrm>
+            <a:off x="6867144" y="4565443"/>
+            <a:ext cx="1051560" cy="475488"/>
+          </a:xfrm>
+          <a:prstGeom prst="cube">
+            <a:avLst/>
+          </a:prstGeom>
+        </p:spPr>
+        <p:style>
+          <a:lnRef idx="2">
+            <a:schemeClr val="accent1">
+              <a:shade val="50000"/>
+            </a:schemeClr>
+          </a:lnRef>
+          <a:fillRef idx="1">
+            <a:schemeClr val="accent1"/>
+          </a:fillRef>
+          <a:effectRef idx="0">
+            <a:schemeClr val="accent1"/>
+          </a:effectRef>
+          <a:fontRef idx="minor">
+            <a:schemeClr val="lt1"/>
+          </a:fontRef>
+        </p:style>
+        <p:txBody>
+          <a:bodyPr rtlCol="0" anchor="ctr"/>
+          <a:lstStyle/>
+          <a:p>
+            <a:pPr algn="ctr"/>
+            <a:endParaRPr lang="ko-KR" altLang="en-US"/>
+          </a:p>
+        </p:txBody>
+      </p:sp>
+      <p:sp>
+        <p:nvSpPr>
+          <p:cNvPr id="43" name="정육면체 42"/>
+          <p:cNvSpPr/>
+          <p:nvPr/>
+        </p:nvSpPr>
+        <p:spPr>
+          <a:xfrm>
+            <a:off x="7827264" y="4937195"/>
+            <a:ext cx="676655" cy="475488"/>
+          </a:xfrm>
+          <a:prstGeom prst="cube">
+            <a:avLst/>
+          </a:prstGeom>
+        </p:spPr>
+        <p:style>
+          <a:lnRef idx="2">
+            <a:schemeClr val="accent1">
+              <a:shade val="50000"/>
+            </a:schemeClr>
+          </a:lnRef>
+          <a:fillRef idx="1">
+            <a:schemeClr val="accent1"/>
+          </a:fillRef>
+          <a:effectRef idx="0">
+            <a:schemeClr val="accent1"/>
+          </a:effectRef>
+          <a:fontRef idx="minor">
+            <a:schemeClr val="lt1"/>
+          </a:fontRef>
+        </p:style>
+        <p:txBody>
+          <a:bodyPr rtlCol="0" anchor="ctr"/>
+          <a:lstStyle/>
+          <a:p>
+            <a:pPr algn="ctr"/>
+            <a:endParaRPr lang="ko-KR" altLang="en-US"/>
+          </a:p>
+        </p:txBody>
+      </p:sp>
+      <p:sp>
+        <p:nvSpPr>
+          <p:cNvPr id="44" name="정육면체 43"/>
+          <p:cNvSpPr/>
+          <p:nvPr/>
+        </p:nvSpPr>
+        <p:spPr>
+          <a:xfrm>
+            <a:off x="8404861" y="5327339"/>
+            <a:ext cx="923544" cy="475488"/>
+          </a:xfrm>
+          <a:prstGeom prst="cube">
+            <a:avLst/>
+          </a:prstGeom>
+        </p:spPr>
+        <p:style>
+          <a:lnRef idx="2">
+            <a:schemeClr val="accent1">
+              <a:shade val="50000"/>
+            </a:schemeClr>
+          </a:lnRef>
+          <a:fillRef idx="1">
+            <a:schemeClr val="accent1"/>
+          </a:fillRef>
+          <a:effectRef idx="0">
+            <a:schemeClr val="accent1"/>
+          </a:effectRef>
+          <a:fontRef idx="minor">
+            <a:schemeClr val="lt1"/>
+          </a:fontRef>
+        </p:style>
+        <p:txBody>
+          <a:bodyPr rtlCol="0" anchor="ctr"/>
+          <a:lstStyle/>
+          <a:p>
+            <a:pPr algn="ctr"/>
+            <a:endParaRPr lang="ko-KR" altLang="en-US"/>
+          </a:p>
+        </p:txBody>
+      </p:sp>
+      <p:cxnSp>
+        <p:nvCxnSpPr>
+          <p:cNvPr id="46" name="직선 연결선 45"/>
+          <p:cNvCxnSpPr/>
+          <p:nvPr/>
+        </p:nvCxnSpPr>
+        <p:spPr>
+          <a:xfrm flipV="1">
+            <a:off x="1767749" y="1880851"/>
+            <a:ext cx="0" cy="4051979"/>
+          </a:xfrm>
+          <a:prstGeom prst="line">
+            <a:avLst/>
+          </a:prstGeom>
+          <a:ln w="19050">
+            <a:solidFill>
+              <a:schemeClr val="tx1"/>
+            </a:solidFill>
+            <a:prstDash val="sysDot"/>
+          </a:ln>
+        </p:spPr>
+        <p:style>
+          <a:lnRef idx="1">
+            <a:schemeClr val="accent1"/>
+          </a:lnRef>
+          <a:fillRef idx="0">
+            <a:schemeClr val="accent1"/>
+          </a:fillRef>
+          <a:effectRef idx="0">
+            <a:schemeClr val="accent1"/>
+          </a:effectRef>
+          <a:fontRef idx="minor">
+            <a:schemeClr val="tx1"/>
+          </a:fontRef>
+        </p:style>
+      </p:cxnSp>
+      <p:sp>
+        <p:nvSpPr>
+          <p:cNvPr id="49" name="TextBox 48"/>
+          <p:cNvSpPr txBox="1"/>
+          <p:nvPr/>
+        </p:nvSpPr>
+        <p:spPr>
+          <a:xfrm>
+            <a:off x="1459947" y="1509846"/>
+            <a:ext cx="697901" cy="369332"/>
+          </a:xfrm>
+          <a:prstGeom prst="rect">
+            <a:avLst/>
+          </a:prstGeom>
+          <a:noFill/>
+        </p:spPr>
+        <p:txBody>
+          <a:bodyPr wrap="square" rtlCol="0">
+            <a:spAutoFit/>
+          </a:bodyPr>
+          <a:lstStyle/>
+          <a:p>
+            <a:r>
+              <a:rPr lang="en-US" altLang="ko-KR" dirty="0"/>
+              <a:t>6.12</a:t>
+            </a:r>
+            <a:endParaRPr lang="ko-KR" altLang="en-US" dirty="0"/>
+          </a:p>
+        </p:txBody>
+      </p:sp>
+      <p:sp>
+        <p:nvSpPr>
+          <p:cNvPr id="51" name="TextBox 50"/>
+          <p:cNvSpPr txBox="1"/>
+          <p:nvPr/>
+        </p:nvSpPr>
+        <p:spPr>
+          <a:xfrm>
+            <a:off x="1925540" y="2339348"/>
+            <a:ext cx="307803" cy="307777"/>
+          </a:xfrm>
+          <a:prstGeom prst="rect">
+            <a:avLst/>
+          </a:prstGeom>
+          <a:noFill/>
+        </p:spPr>
+        <p:txBody>
+          <a:bodyPr wrap="square" rtlCol="0">
+            <a:spAutoFit/>
+          </a:bodyPr>
+          <a:lstStyle/>
+          <a:p>
+            <a:r>
+              <a:rPr lang="en-US" altLang="ko-KR" sz="1400" dirty="0"/>
+              <a:t>1</a:t>
+            </a:r>
+            <a:endParaRPr lang="ko-KR" altLang="en-US" sz="1400" dirty="0"/>
+          </a:p>
+        </p:txBody>
+      </p:sp>
+      <p:sp>
+        <p:nvSpPr>
+          <p:cNvPr id="52" name="TextBox 51"/>
+          <p:cNvSpPr txBox="1"/>
+          <p:nvPr/>
+        </p:nvSpPr>
+        <p:spPr>
+          <a:xfrm>
+            <a:off x="2446087" y="2689229"/>
+            <a:ext cx="307803" cy="307777"/>
+          </a:xfrm>
+          <a:prstGeom prst="rect">
+            <a:avLst/>
+          </a:prstGeom>
+          <a:noFill/>
+        </p:spPr>
+        <p:txBody>
+          <a:bodyPr wrap="square" rtlCol="0">
+            <a:spAutoFit/>
+          </a:bodyPr>
+          <a:lstStyle/>
+          <a:p>
+            <a:r>
+              <a:rPr lang="en-US" altLang="ko-KR" sz="1400" dirty="0"/>
+              <a:t>2</a:t>
+            </a:r>
+            <a:endParaRPr lang="ko-KR" altLang="en-US" sz="1400" dirty="0"/>
+          </a:p>
+        </p:txBody>
+      </p:sp>
+      <p:sp>
+        <p:nvSpPr>
+          <p:cNvPr id="53" name="TextBox 52"/>
+          <p:cNvSpPr txBox="1"/>
+          <p:nvPr/>
+        </p:nvSpPr>
+        <p:spPr>
+          <a:xfrm>
+            <a:off x="3171584" y="3085934"/>
+            <a:ext cx="307803" cy="307777"/>
+          </a:xfrm>
+          <a:prstGeom prst="rect">
+            <a:avLst/>
+          </a:prstGeom>
+          <a:noFill/>
+        </p:spPr>
+        <p:txBody>
+          <a:bodyPr wrap="square" rtlCol="0">
+            <a:spAutoFit/>
+          </a:bodyPr>
+          <a:lstStyle/>
+          <a:p>
+            <a:r>
+              <a:rPr lang="en-US" altLang="ko-KR" sz="1400" dirty="0"/>
+              <a:t>2</a:t>
+            </a:r>
+            <a:endParaRPr lang="ko-KR" altLang="en-US" sz="1400" dirty="0"/>
+          </a:p>
+        </p:txBody>
+      </p:sp>
+      <p:sp>
+        <p:nvSpPr>
+          <p:cNvPr id="54" name="TextBox 53"/>
+          <p:cNvSpPr txBox="1"/>
+          <p:nvPr/>
+        </p:nvSpPr>
+        <p:spPr>
+          <a:xfrm>
+            <a:off x="3855742" y="3485523"/>
+            <a:ext cx="307803" cy="307777"/>
+          </a:xfrm>
+          <a:prstGeom prst="rect">
+            <a:avLst/>
+          </a:prstGeom>
+          <a:noFill/>
+        </p:spPr>
+        <p:txBody>
+          <a:bodyPr wrap="square" rtlCol="0">
+            <a:spAutoFit/>
+          </a:bodyPr>
+          <a:lstStyle/>
+          <a:p>
+            <a:r>
+              <a:rPr lang="en-US" altLang="ko-KR" sz="1400" dirty="0"/>
+              <a:t>2</a:t>
+            </a:r>
+            <a:endParaRPr lang="ko-KR" altLang="en-US" sz="1400" dirty="0"/>
+          </a:p>
+        </p:txBody>
+      </p:sp>
+      <p:sp>
+        <p:nvSpPr>
+          <p:cNvPr id="55" name="TextBox 54"/>
+          <p:cNvSpPr txBox="1"/>
+          <p:nvPr/>
+        </p:nvSpPr>
+        <p:spPr>
+          <a:xfrm>
+            <a:off x="4563951" y="3910133"/>
+            <a:ext cx="307803" cy="307777"/>
+          </a:xfrm>
+          <a:prstGeom prst="rect">
+            <a:avLst/>
+          </a:prstGeom>
+          <a:noFill/>
+        </p:spPr>
+        <p:txBody>
+          <a:bodyPr wrap="square" rtlCol="0">
+            <a:spAutoFit/>
+          </a:bodyPr>
+          <a:lstStyle/>
+          <a:p>
+            <a:r>
+              <a:rPr lang="en-US" altLang="ko-KR" sz="1400" dirty="0"/>
+              <a:t>5</a:t>
+            </a:r>
+            <a:endParaRPr lang="ko-KR" altLang="en-US" sz="1400" dirty="0"/>
+          </a:p>
+        </p:txBody>
+      </p:sp>
+      <p:sp>
+        <p:nvSpPr>
+          <p:cNvPr id="56" name="TextBox 55"/>
+          <p:cNvSpPr txBox="1"/>
+          <p:nvPr/>
+        </p:nvSpPr>
+        <p:spPr>
+          <a:xfrm>
+            <a:off x="5312663" y="4302100"/>
+            <a:ext cx="307803" cy="307777"/>
+          </a:xfrm>
+          <a:prstGeom prst="rect">
+            <a:avLst/>
+          </a:prstGeom>
+          <a:noFill/>
+        </p:spPr>
+        <p:txBody>
+          <a:bodyPr wrap="square" rtlCol="0">
+            <a:spAutoFit/>
+          </a:bodyPr>
+          <a:lstStyle/>
+          <a:p>
+            <a:r>
+              <a:rPr lang="en-US" altLang="ko-KR" sz="1400" dirty="0"/>
+              <a:t>2</a:t>
+            </a:r>
+            <a:endParaRPr lang="ko-KR" altLang="en-US" sz="1400" dirty="0"/>
+          </a:p>
+        </p:txBody>
+      </p:sp>
+      <p:sp>
+        <p:nvSpPr>
+          <p:cNvPr id="57" name="TextBox 56"/>
+          <p:cNvSpPr txBox="1"/>
+          <p:nvPr/>
+        </p:nvSpPr>
+        <p:spPr>
+          <a:xfrm>
+            <a:off x="6201799" y="4664039"/>
+            <a:ext cx="307803" cy="307777"/>
+          </a:xfrm>
+          <a:prstGeom prst="rect">
+            <a:avLst/>
+          </a:prstGeom>
+          <a:noFill/>
+        </p:spPr>
+        <p:txBody>
+          <a:bodyPr wrap="square" rtlCol="0">
+            <a:spAutoFit/>
+          </a:bodyPr>
+          <a:lstStyle/>
+          <a:p>
+            <a:r>
+              <a:rPr lang="en-US" altLang="ko-KR" sz="1400" dirty="0"/>
+              <a:t>7</a:t>
+            </a:r>
+            <a:endParaRPr lang="ko-KR" altLang="en-US" sz="1400" dirty="0"/>
+          </a:p>
+        </p:txBody>
+      </p:sp>
+      <p:sp>
+        <p:nvSpPr>
+          <p:cNvPr id="58" name="TextBox 57"/>
+          <p:cNvSpPr txBox="1"/>
+          <p:nvPr/>
+        </p:nvSpPr>
+        <p:spPr>
+          <a:xfrm>
+            <a:off x="7154811" y="5075407"/>
+            <a:ext cx="384787" cy="307777"/>
+          </a:xfrm>
+          <a:prstGeom prst="rect">
+            <a:avLst/>
+          </a:prstGeom>
+          <a:noFill/>
+        </p:spPr>
+        <p:txBody>
+          <a:bodyPr wrap="square" rtlCol="0">
+            <a:spAutoFit/>
+          </a:bodyPr>
+          <a:lstStyle/>
+          <a:p>
+            <a:r>
+              <a:rPr lang="en-US" altLang="ko-KR" sz="1400" dirty="0"/>
+              <a:t>15</a:t>
+            </a:r>
+            <a:endParaRPr lang="ko-KR" altLang="en-US" sz="1400" dirty="0"/>
+          </a:p>
+        </p:txBody>
+      </p:sp>
+      <p:sp>
+        <p:nvSpPr>
+          <p:cNvPr id="59" name="TextBox 58"/>
+          <p:cNvSpPr txBox="1"/>
+          <p:nvPr/>
+        </p:nvSpPr>
+        <p:spPr>
+          <a:xfrm>
+            <a:off x="7973197" y="5389491"/>
+            <a:ext cx="384787" cy="307777"/>
+          </a:xfrm>
+          <a:prstGeom prst="rect">
+            <a:avLst/>
+          </a:prstGeom>
+          <a:noFill/>
+        </p:spPr>
+        <p:txBody>
+          <a:bodyPr wrap="square" rtlCol="0">
+            <a:spAutoFit/>
+          </a:bodyPr>
+          <a:lstStyle/>
+          <a:p>
+            <a:r>
+              <a:rPr lang="en-US" altLang="ko-KR" sz="1400" dirty="0"/>
+              <a:t>3</a:t>
+            </a:r>
+            <a:endParaRPr lang="ko-KR" altLang="en-US" sz="1400" dirty="0"/>
+          </a:p>
+        </p:txBody>
+      </p:sp>
+      <p:sp>
+        <p:nvSpPr>
+          <p:cNvPr id="60" name="TextBox 59"/>
+          <p:cNvSpPr txBox="1"/>
+          <p:nvPr/>
+        </p:nvSpPr>
+        <p:spPr>
+          <a:xfrm>
+            <a:off x="8674239" y="5732586"/>
+            <a:ext cx="384787" cy="307777"/>
+          </a:xfrm>
+          <a:prstGeom prst="rect">
+            <a:avLst/>
+          </a:prstGeom>
+          <a:noFill/>
+        </p:spPr>
+        <p:txBody>
+          <a:bodyPr wrap="square" rtlCol="0">
+            <a:spAutoFit/>
+          </a:bodyPr>
+          <a:lstStyle/>
+          <a:p>
+            <a:r>
+              <a:rPr lang="en-US" altLang="ko-KR" sz="1400" dirty="0"/>
+              <a:t>5</a:t>
+            </a:r>
+            <a:endParaRPr lang="ko-KR" altLang="en-US" sz="1400" dirty="0"/>
+          </a:p>
+        </p:txBody>
+      </p:sp>
+      <p:sp>
+        <p:nvSpPr>
+          <p:cNvPr id="61" name="TextBox 60"/>
+          <p:cNvSpPr txBox="1"/>
+          <p:nvPr/>
+        </p:nvSpPr>
+        <p:spPr>
+          <a:xfrm>
+            <a:off x="8971179" y="1459930"/>
+            <a:ext cx="697901" cy="369332"/>
+          </a:xfrm>
+          <a:prstGeom prst="rect">
+            <a:avLst/>
+          </a:prstGeom>
+          <a:noFill/>
+        </p:spPr>
+        <p:txBody>
+          <a:bodyPr wrap="square" rtlCol="0">
+            <a:spAutoFit/>
+          </a:bodyPr>
+          <a:lstStyle/>
+          <a:p>
+            <a:r>
+              <a:rPr lang="en-US" altLang="ko-KR" dirty="0"/>
+              <a:t>7.12</a:t>
+            </a:r>
+            <a:endParaRPr lang="ko-KR" altLang="en-US" dirty="0"/>
+          </a:p>
+        </p:txBody>
+      </p:sp>
+      <p:cxnSp>
+        <p:nvCxnSpPr>
+          <p:cNvPr id="62" name="직선 연결선 61"/>
+          <p:cNvCxnSpPr/>
+          <p:nvPr/>
+        </p:nvCxnSpPr>
+        <p:spPr>
+          <a:xfrm flipV="1">
+            <a:off x="9328405" y="1832083"/>
+            <a:ext cx="0" cy="4051979"/>
+          </a:xfrm>
+          <a:prstGeom prst="line">
+            <a:avLst/>
+          </a:prstGeom>
+          <a:ln w="19050">
+            <a:solidFill>
+              <a:schemeClr val="tx1"/>
+            </a:solidFill>
+            <a:prstDash val="sysDot"/>
+          </a:ln>
+        </p:spPr>
+        <p:style>
+          <a:lnRef idx="1">
+            <a:schemeClr val="accent1"/>
+          </a:lnRef>
+          <a:fillRef idx="0">
+            <a:schemeClr val="accent1"/>
+          </a:fillRef>
+          <a:effectRef idx="0">
+            <a:schemeClr val="accent1"/>
+          </a:effectRef>
+          <a:fontRef idx="minor">
+            <a:schemeClr val="tx1"/>
+          </a:fontRef>
+        </p:style>
+      </p:cxnSp>
     </p:spTree>
     <p:extLst>
       <p:ext uri="{BB962C8B-B14F-4D97-AF65-F5344CB8AC3E}">
-        <p14:creationId xmlns:p14="http://schemas.microsoft.com/office/powerpoint/2010/main" val="2208584320"/>
+        <p14:creationId xmlns:p14="http://schemas.microsoft.com/office/powerpoint/2010/main" val="2833293984"/>
       </p:ext>
     </p:extLst>
   </p:cSld>
@@ -10941,7 +15201,7 @@
         <p:spPr>
           <a:xfrm>
             <a:off x="266706" y="978115"/>
-            <a:ext cx="3283271" cy="400110"/>
+            <a:ext cx="1939955" cy="400110"/>
           </a:xfrm>
           <a:prstGeom prst="rect">
             <a:avLst/>
@@ -10956,6 +15216,19 @@
           <a:p>
             <a:r>
               <a:rPr kumimoji="1" lang="en-US" altLang="ko-KR" sz="2000" dirty="0">
+                <a:solidFill>
+                  <a:schemeClr val="tx1">
+                    <a:lumMod val="65000"/>
+                    <a:lumOff val="35000"/>
+                  </a:schemeClr>
+                </a:solidFill>
+                <a:latin typeface="강원교육튼튼" panose="02020603020101020101" pitchFamily="18" charset="-127"/>
+                <a:ea typeface="강원교육튼튼" panose="02020603020101020101" pitchFamily="18" charset="-127"/>
+              </a:rPr>
+              <a:t>SKILLS.</a:t>
+            </a:r>
+            <a:r>
+              <a:rPr kumimoji="1" lang="ko-KR" altLang="en-US" sz="2000" dirty="0">
                 <a:solidFill>
                   <a:schemeClr val="tx1">
                     <a:lumMod val="65000"/>
@@ -10965,14 +15238,28 @@
                 <a:latin typeface="GangwonEduPower ExtraBold" panose="02020603020101020101" pitchFamily="18" charset="-127"/>
                 <a:ea typeface="GangwonEduPower ExtraBold" panose="02020603020101020101" pitchFamily="18" charset="-127"/>
               </a:rPr>
-              <a:t>ARCHET. </a:t>
+              <a:t> </a:t>
             </a:r>
             <a:r>
               <a:rPr kumimoji="1" lang="ko-KR" altLang="en-US" sz="1500" dirty="0">
                 <a:latin typeface="IBM Plex Sans KR Thin" panose="020B0203050203000203" pitchFamily="34" charset="-127"/>
                 <a:ea typeface="IBM Plex Sans KR Thin" panose="020B0203050203000203" pitchFamily="34" charset="-127"/>
               </a:rPr>
-              <a:t>테이블 설계 및 구현 기능</a:t>
+              <a:t>개발</a:t>
+            </a:r>
+            <a:r>
+              <a:rPr kumimoji="1" lang="en-US" altLang="ko-KR" sz="1500" dirty="0">
+                <a:latin typeface="IBM Plex Sans KR Thin" panose="020B0203050203000203" pitchFamily="34" charset="-127"/>
+                <a:ea typeface="IBM Plex Sans KR Thin" panose="020B0203050203000203" pitchFamily="34" charset="-127"/>
+              </a:rPr>
+              <a:t> </a:t>
+            </a:r>
+            <a:r>
+              <a:rPr kumimoji="1" lang="ko-KR" altLang="en-US" sz="1500" dirty="0">
+                <a:latin typeface="IBM Plex Sans KR Thin" panose="020B0203050203000203" pitchFamily="34" charset="-127"/>
+                <a:ea typeface="IBM Plex Sans KR Thin" panose="020B0203050203000203" pitchFamily="34" charset="-127"/>
+              </a:rPr>
+              <a:t>환경</a:t>
             </a:r>
             <a:endParaRPr kumimoji="1" lang="ko-KR" altLang="en-US" sz="1500" dirty="0">
               <a:solidFill>
@@ -11044,10 +15331,288 @@
           </a:p>
         </p:txBody>
       </p:sp>
+      <p:pic>
+        <p:nvPicPr>
+          <p:cNvPr id="2" name="그림 1"/>
+          <p:cNvPicPr>
+            <a:picLocks noChangeAspect="1"/>
+          </p:cNvPicPr>
+          <p:nvPr/>
+        </p:nvPicPr>
+        <p:blipFill>
+          <a:blip r:embed="rId3">
+            <a:extLst>
+              <a:ext uri="{28A0092B-C50C-407E-A947-70E740481C1C}">
+                <a14:useLocalDpi xmlns:a14="http://schemas.microsoft.com/office/drawing/2010/main" val="0"/>
+              </a:ext>
+            </a:extLst>
+          </a:blip>
+          <a:stretch>
+            <a:fillRect/>
+          </a:stretch>
+        </p:blipFill>
+        <p:spPr>
+          <a:xfrm>
+            <a:off x="355620" y="1936262"/>
+            <a:ext cx="1762125" cy="1771650"/>
+          </a:xfrm>
+          <a:prstGeom prst="rect">
+            <a:avLst/>
+          </a:prstGeom>
+        </p:spPr>
+      </p:pic>
+      <p:pic>
+        <p:nvPicPr>
+          <p:cNvPr id="3" name="그림 2"/>
+          <p:cNvPicPr>
+            <a:picLocks noChangeAspect="1"/>
+          </p:cNvPicPr>
+          <p:nvPr/>
+        </p:nvPicPr>
+        <p:blipFill>
+          <a:blip r:embed="rId4">
+            <a:extLst>
+              <a:ext uri="{28A0092B-C50C-407E-A947-70E740481C1C}">
+                <a14:useLocalDpi xmlns:a14="http://schemas.microsoft.com/office/drawing/2010/main" val="0"/>
+              </a:ext>
+            </a:extLst>
+          </a:blip>
+          <a:stretch>
+            <a:fillRect/>
+          </a:stretch>
+        </p:blipFill>
+        <p:spPr>
+          <a:xfrm>
+            <a:off x="2485088" y="1936262"/>
+            <a:ext cx="3688924" cy="1844462"/>
+          </a:xfrm>
+          <a:prstGeom prst="rect">
+            <a:avLst/>
+          </a:prstGeom>
+        </p:spPr>
+      </p:pic>
+      <p:pic>
+        <p:nvPicPr>
+          <p:cNvPr id="4" name="그림 3"/>
+          <p:cNvPicPr>
+            <a:picLocks noChangeAspect="1"/>
+          </p:cNvPicPr>
+          <p:nvPr/>
+        </p:nvPicPr>
+        <p:blipFill>
+          <a:blip r:embed="rId5">
+            <a:extLst>
+              <a:ext uri="{28A0092B-C50C-407E-A947-70E740481C1C}">
+                <a14:useLocalDpi xmlns:a14="http://schemas.microsoft.com/office/drawing/2010/main" val="0"/>
+              </a:ext>
+            </a:extLst>
+          </a:blip>
+          <a:stretch>
+            <a:fillRect/>
+          </a:stretch>
+        </p:blipFill>
+        <p:spPr>
+          <a:xfrm>
+            <a:off x="6816859" y="1904285"/>
+            <a:ext cx="1752165" cy="1752165"/>
+          </a:xfrm>
+          <a:prstGeom prst="rect">
+            <a:avLst/>
+          </a:prstGeom>
+        </p:spPr>
+      </p:pic>
+      <p:pic>
+        <p:nvPicPr>
+          <p:cNvPr id="7" name="그림 6"/>
+          <p:cNvPicPr>
+            <a:picLocks noChangeAspect="1"/>
+          </p:cNvPicPr>
+          <p:nvPr/>
+        </p:nvPicPr>
+        <p:blipFill>
+          <a:blip r:embed="rId6">
+            <a:extLst>
+              <a:ext uri="{28A0092B-C50C-407E-A947-70E740481C1C}">
+                <a14:useLocalDpi xmlns:a14="http://schemas.microsoft.com/office/drawing/2010/main" val="0"/>
+              </a:ext>
+            </a:extLst>
+          </a:blip>
+          <a:stretch>
+            <a:fillRect/>
+          </a:stretch>
+        </p:blipFill>
+        <p:spPr>
+          <a:xfrm>
+            <a:off x="9095232" y="2056250"/>
+            <a:ext cx="2857500" cy="1600200"/>
+          </a:xfrm>
+          <a:prstGeom prst="rect">
+            <a:avLst/>
+          </a:prstGeom>
+        </p:spPr>
+      </p:pic>
+      <p:sp>
+        <p:nvSpPr>
+          <p:cNvPr id="12" name="TextBox 11"/>
+          <p:cNvSpPr txBox="1"/>
+          <p:nvPr/>
+        </p:nvSpPr>
+        <p:spPr>
+          <a:xfrm>
+            <a:off x="738334" y="3776979"/>
+            <a:ext cx="996696" cy="584775"/>
+          </a:xfrm>
+          <a:prstGeom prst="rect">
+            <a:avLst/>
+          </a:prstGeom>
+          <a:noFill/>
+        </p:spPr>
+        <p:txBody>
+          <a:bodyPr wrap="square" rtlCol="0">
+            <a:spAutoFit/>
+          </a:bodyPr>
+          <a:lstStyle/>
+          <a:p>
+            <a:pPr algn="ctr"/>
+            <a:r>
+              <a:rPr lang="en-US" altLang="ko-KR" sz="1600" dirty="0">
+                <a:latin typeface="강원교육튼튼" panose="02020603020101020101" pitchFamily="18" charset="-127"/>
+                <a:ea typeface="강원교육튼튼" panose="02020603020101020101" pitchFamily="18" charset="-127"/>
+              </a:rPr>
+              <a:t>Back IDE</a:t>
+            </a:r>
+            <a:endParaRPr lang="ko-KR" altLang="en-US" sz="1600" dirty="0">
+              <a:latin typeface="강원교육튼튼" panose="02020603020101020101" pitchFamily="18" charset="-127"/>
+              <a:ea typeface="강원교육튼튼" panose="02020603020101020101" pitchFamily="18" charset="-127"/>
+            </a:endParaRPr>
+          </a:p>
+        </p:txBody>
+      </p:sp>
+      <p:sp>
+        <p:nvSpPr>
+          <p:cNvPr id="13" name="TextBox 12"/>
+          <p:cNvSpPr txBox="1"/>
+          <p:nvPr/>
+        </p:nvSpPr>
+        <p:spPr>
+          <a:xfrm>
+            <a:off x="3831202" y="3780724"/>
+            <a:ext cx="996696" cy="584775"/>
+          </a:xfrm>
+          <a:prstGeom prst="rect">
+            <a:avLst/>
+          </a:prstGeom>
+          <a:noFill/>
+        </p:spPr>
+        <p:txBody>
+          <a:bodyPr wrap="square" rtlCol="0">
+            <a:spAutoFit/>
+          </a:bodyPr>
+          <a:lstStyle/>
+          <a:p>
+            <a:pPr algn="ctr"/>
+            <a:r>
+              <a:rPr lang="en-US" altLang="ko-KR" sz="1600" dirty="0">
+                <a:latin typeface="강원교육튼튼" panose="02020603020101020101" pitchFamily="18" charset="-127"/>
+                <a:ea typeface="강원교육튼튼" panose="02020603020101020101" pitchFamily="18" charset="-127"/>
+              </a:rPr>
+              <a:t>Front</a:t>
+            </a:r>
+          </a:p>
+          <a:p>
+            <a:pPr algn="ctr"/>
+            <a:r>
+              <a:rPr lang="en-US" altLang="ko-KR" sz="1600" dirty="0">
+                <a:latin typeface="강원교육튼튼" panose="02020603020101020101" pitchFamily="18" charset="-127"/>
+                <a:ea typeface="강원교육튼튼" panose="02020603020101020101" pitchFamily="18" charset="-127"/>
+              </a:rPr>
+              <a:t>IDE</a:t>
+            </a:r>
+            <a:endParaRPr lang="ko-KR" altLang="en-US" sz="1600" dirty="0">
+              <a:latin typeface="강원교육튼튼" panose="02020603020101020101" pitchFamily="18" charset="-127"/>
+              <a:ea typeface="강원교육튼튼" panose="02020603020101020101" pitchFamily="18" charset="-127"/>
+            </a:endParaRPr>
+          </a:p>
+        </p:txBody>
+      </p:sp>
+      <p:sp>
+        <p:nvSpPr>
+          <p:cNvPr id="14" name="TextBox 13"/>
+          <p:cNvSpPr txBox="1"/>
+          <p:nvPr/>
+        </p:nvSpPr>
+        <p:spPr>
+          <a:xfrm>
+            <a:off x="7194593" y="3780724"/>
+            <a:ext cx="996696" cy="584775"/>
+          </a:xfrm>
+          <a:prstGeom prst="rect">
+            <a:avLst/>
+          </a:prstGeom>
+          <a:noFill/>
+        </p:spPr>
+        <p:txBody>
+          <a:bodyPr wrap="square" rtlCol="0">
+            <a:spAutoFit/>
+          </a:bodyPr>
+          <a:lstStyle/>
+          <a:p>
+            <a:pPr algn="ctr"/>
+            <a:r>
+              <a:rPr lang="en-US" altLang="ko-KR" sz="1600" dirty="0">
+                <a:latin typeface="강원교육튼튼" panose="02020603020101020101" pitchFamily="18" charset="-127"/>
+                <a:ea typeface="강원교육튼튼" panose="02020603020101020101" pitchFamily="18" charset="-127"/>
+              </a:rPr>
+              <a:t>Source Tree</a:t>
+            </a:r>
+            <a:endParaRPr lang="ko-KR" altLang="en-US" sz="1600" dirty="0">
+              <a:latin typeface="강원교육튼튼" panose="02020603020101020101" pitchFamily="18" charset="-127"/>
+              <a:ea typeface="강원교육튼튼" panose="02020603020101020101" pitchFamily="18" charset="-127"/>
+            </a:endParaRPr>
+          </a:p>
+        </p:txBody>
+      </p:sp>
+      <p:sp>
+        <p:nvSpPr>
+          <p:cNvPr id="15" name="TextBox 14"/>
+          <p:cNvSpPr txBox="1"/>
+          <p:nvPr/>
+        </p:nvSpPr>
+        <p:spPr>
+          <a:xfrm>
+            <a:off x="10178538" y="3776979"/>
+            <a:ext cx="996696" cy="338554"/>
+          </a:xfrm>
+          <a:prstGeom prst="rect">
+            <a:avLst/>
+          </a:prstGeom>
+          <a:noFill/>
+        </p:spPr>
+        <p:txBody>
+          <a:bodyPr wrap="square" rtlCol="0">
+            <a:spAutoFit/>
+          </a:bodyPr>
+          <a:lstStyle/>
+          <a:p>
+            <a:pPr algn="ctr"/>
+            <a:r>
+              <a:rPr lang="en-US" altLang="ko-KR" sz="1600" dirty="0">
+                <a:latin typeface="강원교육튼튼" panose="02020603020101020101" pitchFamily="18" charset="-127"/>
+                <a:ea typeface="강원교육튼튼" panose="02020603020101020101" pitchFamily="18" charset="-127"/>
+              </a:rPr>
+              <a:t>DB</a:t>
+            </a:r>
+            <a:endParaRPr lang="ko-KR" altLang="en-US" sz="1600" dirty="0">
+              <a:latin typeface="강원교육튼튼" panose="02020603020101020101" pitchFamily="18" charset="-127"/>
+              <a:ea typeface="강원교육튼튼" panose="02020603020101020101" pitchFamily="18" charset="-127"/>
+            </a:endParaRPr>
+          </a:p>
+        </p:txBody>
+      </p:sp>
     </p:spTree>
     <p:extLst>
       <p:ext uri="{BB962C8B-B14F-4D97-AF65-F5344CB8AC3E}">
-        <p14:creationId xmlns:p14="http://schemas.microsoft.com/office/powerpoint/2010/main" val="2652518932"/>
+        <p14:creationId xmlns:p14="http://schemas.microsoft.com/office/powerpoint/2010/main" val="550404254"/>
       </p:ext>
     </p:extLst>
   </p:cSld>
@@ -11277,7 +15842,7 @@
         <p:spPr>
           <a:xfrm>
             <a:off x="266706" y="978115"/>
-            <a:ext cx="1478290" cy="400110"/>
+            <a:ext cx="2457724" cy="400110"/>
           </a:xfrm>
           <a:prstGeom prst="rect">
             <a:avLst/>
@@ -11292,6 +15857,19 @@
           <a:p>
             <a:r>
               <a:rPr kumimoji="1" lang="en-US" altLang="ko-KR" sz="2000" dirty="0">
+                <a:solidFill>
+                  <a:schemeClr val="tx1">
+                    <a:lumMod val="65000"/>
+                    <a:lumOff val="35000"/>
+                  </a:schemeClr>
+                </a:solidFill>
+                <a:latin typeface="강원교육튼튼" panose="02020603020101020101" pitchFamily="18" charset="-127"/>
+                <a:ea typeface="강원교육튼튼" panose="02020603020101020101" pitchFamily="18" charset="-127"/>
+              </a:rPr>
+              <a:t>SKILLS.</a:t>
+            </a:r>
+            <a:r>
+              <a:rPr kumimoji="1" lang="ko-KR" altLang="en-US" sz="2000" dirty="0">
                 <a:solidFill>
                   <a:schemeClr val="tx1">
                     <a:lumMod val="65000"/>
@@ -11301,14 +15879,21 @@
                 <a:latin typeface="GangwonEduPower ExtraBold" panose="02020603020101020101" pitchFamily="18" charset="-127"/>
                 <a:ea typeface="GangwonEduPower ExtraBold" panose="02020603020101020101" pitchFamily="18" charset="-127"/>
               </a:rPr>
-              <a:t>DEMO. </a:t>
+              <a:t> </a:t>
             </a:r>
             <a:r>
               <a:rPr kumimoji="1" lang="ko-KR" altLang="en-US" sz="1500" dirty="0">
                 <a:latin typeface="IBM Plex Sans KR Thin" panose="020B0203050203000203" pitchFamily="34" charset="-127"/>
                 <a:ea typeface="IBM Plex Sans KR Thin" panose="020B0203050203000203" pitchFamily="34" charset="-127"/>
               </a:rPr>
-              <a:t>시연</a:t>
+              <a:t>활용한 오픈 </a:t>
+            </a:r>
+            <a:r>
+              <a:rPr kumimoji="1" lang="en-US" altLang="ko-KR" sz="1500" dirty="0">
+                <a:latin typeface="IBM Plex Sans KR Thin" panose="020B0203050203000203" pitchFamily="34" charset="-127"/>
+                <a:ea typeface="IBM Plex Sans KR Thin" panose="020B0203050203000203" pitchFamily="34" charset="-127"/>
+              </a:rPr>
+              <a:t>API</a:t>
             </a:r>
             <a:endParaRPr kumimoji="1" lang="ko-KR" altLang="en-US" sz="1500" dirty="0">
               <a:solidFill>
@@ -11382,200 +15967,67 @@
       </p:sp>
       <p:pic>
         <p:nvPicPr>
-          <p:cNvPr id="3078" name="Picture 6" descr="갈색 나무 액자 칠판 그림, Microsoft PowerPoint 데스크탑 교사 칠판 프리젠 테이션, 교실, 직사각형, 컴퓨터, 사진  프레임 png | PNGWing">
-            <a:extLst>
-              <a:ext uri="{FF2B5EF4-FFF2-40B4-BE49-F238E27FC236}">
-                <a16:creationId xmlns:a16="http://schemas.microsoft.com/office/drawing/2014/main" id="{68159F0B-98F2-77A9-F275-AA90616ABE9A}"/>
-              </a:ext>
-            </a:extLst>
-          </p:cNvPr>
-          <p:cNvPicPr>
-            <a:picLocks noChangeAspect="1" noChangeArrowheads="1"/>
-          </p:cNvPicPr>
-          <p:nvPr/>
-        </p:nvPicPr>
-        <p:blipFill>
-          <a:blip r:embed="rId3">
-            <a:alphaModFix/>
-            <a:extLst>
-              <a:ext uri="{28A0092B-C50C-407E-A947-70E740481C1C}">
-                <a14:useLocalDpi xmlns:a14="http://schemas.microsoft.com/office/drawing/2010/main" val="0"/>
-              </a:ext>
-            </a:extLst>
-          </a:blip>
-          <a:srcRect/>
-          <a:stretch>
-            <a:fillRect/>
-          </a:stretch>
-        </p:blipFill>
-        <p:spPr bwMode="auto">
-          <a:xfrm>
-            <a:off x="2903881" y="1819031"/>
-            <a:ext cx="6384237" cy="4089547"/>
-          </a:xfrm>
-          <a:prstGeom prst="rect">
-            <a:avLst/>
-          </a:prstGeom>
-          <a:noFill/>
-          <a:extLst>
-            <a:ext uri="{909E8E84-426E-40DD-AFC4-6F175D3DCCD1}">
-              <a14:hiddenFill xmlns:a14="http://schemas.microsoft.com/office/drawing/2010/main">
-                <a:solidFill>
-                  <a:srgbClr val="FFFFFF"/>
-                </a:solidFill>
-              </a14:hiddenFill>
-            </a:ext>
-          </a:extLst>
-        </p:spPr>
-      </p:pic>
-      <p:pic>
-        <p:nvPicPr>
-          <p:cNvPr id="12" name="그림 11">
-            <a:extLst>
-              <a:ext uri="{FF2B5EF4-FFF2-40B4-BE49-F238E27FC236}">
-                <a16:creationId xmlns:a16="http://schemas.microsoft.com/office/drawing/2014/main" id="{6BC9E989-DBC6-EC43-B966-9BB6B6F2A478}"/>
-              </a:ext>
-            </a:extLst>
-          </p:cNvPr>
+          <p:cNvPr id="2" name="그림 1"/>
           <p:cNvPicPr>
             <a:picLocks noChangeAspect="1"/>
           </p:cNvPicPr>
           <p:nvPr/>
         </p:nvPicPr>
         <p:blipFill>
-          <a:blip r:embed="rId4"/>
+          <a:blip r:embed="rId3">
+            <a:extLst>
+              <a:ext uri="{28A0092B-C50C-407E-A947-70E740481C1C}">
+                <a14:useLocalDpi xmlns:a14="http://schemas.microsoft.com/office/drawing/2010/main" val="0"/>
+              </a:ext>
+            </a:extLst>
+          </a:blip>
           <a:stretch>
             <a:fillRect/>
           </a:stretch>
         </p:blipFill>
         <p:spPr>
-          <a:xfrm flipH="1">
-            <a:off x="392722" y="3863804"/>
-            <a:ext cx="2511159" cy="2510200"/>
+          <a:xfrm>
+            <a:off x="266706" y="1886372"/>
+            <a:ext cx="1790694" cy="1780577"/>
           </a:xfrm>
           <a:prstGeom prst="rect">
             <a:avLst/>
           </a:prstGeom>
         </p:spPr>
       </p:pic>
-      <p:sp>
-        <p:nvSpPr>
-          <p:cNvPr id="4" name="TextBox 3">
-            <a:extLst>
-              <a:ext uri="{FF2B5EF4-FFF2-40B4-BE49-F238E27FC236}">
-                <a16:creationId xmlns:a16="http://schemas.microsoft.com/office/drawing/2014/main" id="{62A69A77-166F-341C-E647-57A160739083}"/>
-              </a:ext>
-            </a:extLst>
-          </p:cNvPr>
-          <p:cNvSpPr txBox="1"/>
-          <p:nvPr/>
-        </p:nvSpPr>
-        <p:spPr>
-          <a:xfrm>
-            <a:off x="3834002" y="2669300"/>
-            <a:ext cx="4523994" cy="923330"/>
-          </a:xfrm>
-          <a:prstGeom prst="rect">
-            <a:avLst/>
-          </a:prstGeom>
-          <a:noFill/>
-        </p:spPr>
-        <p:txBody>
-          <a:bodyPr wrap="none" rtlCol="0">
-            <a:spAutoFit/>
-          </a:bodyPr>
-          <a:lstStyle/>
-          <a:p>
-            <a:pPr algn="ctr"/>
-            <a:r>
-              <a:rPr lang="ko-KR" altLang="en-US" dirty="0">
-                <a:solidFill>
-                  <a:schemeClr val="bg1"/>
-                </a:solidFill>
-                <a:latin typeface="GangwonEduPower ExtraBold" panose="02020603020101020101" pitchFamily="18" charset="-127"/>
-                <a:ea typeface="GangwonEduPower ExtraBold" panose="02020603020101020101" pitchFamily="18" charset="-127"/>
-              </a:rPr>
-              <a:t>지금부터 저희 </a:t>
-            </a:r>
-            <a:r>
-              <a:rPr lang="ko-KR" altLang="en-US" dirty="0" err="1">
-                <a:solidFill>
-                  <a:schemeClr val="bg1"/>
-                </a:solidFill>
-                <a:latin typeface="GangwonEduPower ExtraBold" panose="02020603020101020101" pitchFamily="18" charset="-127"/>
-                <a:ea typeface="GangwonEduPower ExtraBold" panose="02020603020101020101" pitchFamily="18" charset="-127"/>
-              </a:rPr>
-              <a:t>펫밀리의</a:t>
-            </a:r>
-            <a:r>
-              <a:rPr lang="ko-KR" altLang="en-US" dirty="0">
-                <a:solidFill>
-                  <a:schemeClr val="bg1"/>
-                </a:solidFill>
-                <a:latin typeface="GangwonEduPower ExtraBold" panose="02020603020101020101" pitchFamily="18" charset="-127"/>
-                <a:ea typeface="GangwonEduPower ExtraBold" panose="02020603020101020101" pitchFamily="18" charset="-127"/>
-              </a:rPr>
-              <a:t> 발표를 시작하겠습니다</a:t>
-            </a:r>
-            <a:endParaRPr lang="en-US" altLang="ko-KR" dirty="0">
-              <a:solidFill>
-                <a:schemeClr val="bg1"/>
-              </a:solidFill>
-              <a:latin typeface="GangwonEduPower ExtraBold" panose="02020603020101020101" pitchFamily="18" charset="-127"/>
-              <a:ea typeface="GangwonEduPower ExtraBold" panose="02020603020101020101" pitchFamily="18" charset="-127"/>
-            </a:endParaRPr>
-          </a:p>
-          <a:p>
-            <a:pPr algn="ctr"/>
-            <a:endParaRPr lang="en-US" altLang="ko-KR" dirty="0">
-              <a:solidFill>
-                <a:schemeClr val="bg1"/>
-              </a:solidFill>
-              <a:latin typeface="GangwonEduPower ExtraBold" panose="02020603020101020101" pitchFamily="18" charset="-127"/>
-              <a:ea typeface="GangwonEduPower ExtraBold" panose="02020603020101020101" pitchFamily="18" charset="-127"/>
-            </a:endParaRPr>
-          </a:p>
-          <a:p>
-            <a:pPr algn="ctr"/>
-            <a:r>
-              <a:rPr lang="ko-KR" altLang="en-US" dirty="0">
-                <a:solidFill>
-                  <a:schemeClr val="bg1"/>
-                </a:solidFill>
-                <a:latin typeface="GangwonEduPower ExtraBold" panose="02020603020101020101" pitchFamily="18" charset="-127"/>
-                <a:ea typeface="GangwonEduPower ExtraBold" panose="02020603020101020101" pitchFamily="18" charset="-127"/>
-              </a:rPr>
-              <a:t>박수</a:t>
-            </a:r>
-            <a:r>
-              <a:rPr lang="en-US" altLang="ko-KR" dirty="0">
-                <a:solidFill>
-                  <a:schemeClr val="bg1"/>
-                </a:solidFill>
-                <a:latin typeface="GangwonEduPower ExtraBold" panose="02020603020101020101" pitchFamily="18" charset="-127"/>
-                <a:ea typeface="GangwonEduPower ExtraBold" panose="02020603020101020101" pitchFamily="18" charset="-127"/>
-              </a:rPr>
-              <a:t>~</a:t>
-            </a:r>
-            <a:endParaRPr lang="ko-KR" altLang="en-US" dirty="0">
-              <a:solidFill>
-                <a:schemeClr val="bg1"/>
-              </a:solidFill>
-              <a:latin typeface="GangwonEduPower ExtraBold" panose="02020603020101020101" pitchFamily="18" charset="-127"/>
-              <a:ea typeface="GangwonEduPower ExtraBold" panose="02020603020101020101" pitchFamily="18" charset="-127"/>
-            </a:endParaRPr>
-          </a:p>
-        </p:txBody>
-      </p:sp>
       <p:pic>
         <p:nvPicPr>
-          <p:cNvPr id="13" name="그림 12">
-            <a:extLst>
-              <a:ext uri="{FF2B5EF4-FFF2-40B4-BE49-F238E27FC236}">
-                <a16:creationId xmlns:a16="http://schemas.microsoft.com/office/drawing/2014/main" id="{194F8B75-CD8C-D14D-9C75-4552749BF91E}"/>
-              </a:ext>
-            </a:extLst>
-          </p:cNvPr>
+          <p:cNvPr id="3" name="그림 2"/>
+          <p:cNvPicPr>
+            <a:picLocks noChangeAspect="1"/>
+          </p:cNvPicPr>
+          <p:nvPr/>
+        </p:nvPicPr>
+        <p:blipFill>
+          <a:blip r:embed="rId4">
+            <a:extLst>
+              <a:ext uri="{28A0092B-C50C-407E-A947-70E740481C1C}">
+                <a14:useLocalDpi xmlns:a14="http://schemas.microsoft.com/office/drawing/2010/main" val="0"/>
+              </a:ext>
+            </a:extLst>
+          </a:blip>
+          <a:stretch>
+            <a:fillRect/>
+          </a:stretch>
+        </p:blipFill>
+        <p:spPr>
+          <a:xfrm>
+            <a:off x="2737901" y="1755711"/>
+            <a:ext cx="2033391" cy="2033391"/>
+          </a:xfrm>
+          <a:prstGeom prst="rect">
+            <a:avLst/>
+          </a:prstGeom>
+        </p:spPr>
+      </p:pic>
+      <p:pic>
+        <p:nvPicPr>
+          <p:cNvPr id="4" name="그림 3"/>
           <p:cNvPicPr>
             <a:picLocks noChangeAspect="1"/>
           </p:cNvPicPr>
@@ -11584,17 +16036,8 @@
         <p:blipFill>
           <a:blip r:embed="rId5">
             <a:extLst>
-              <a:ext uri="{BEBA8EAE-BF5A-486C-A8C5-ECC9F3942E4B}">
-                <a14:imgProps xmlns:a14="http://schemas.microsoft.com/office/drawing/2010/main">
-                  <a14:imgLayer r:embed="rId6">
-                    <a14:imgEffect>
-                      <a14:sharpenSoften amount="50000"/>
-                    </a14:imgEffect>
-                    <a14:imgEffect>
-                      <a14:brightnessContrast bright="40000"/>
-                    </a14:imgEffect>
-                  </a14:imgLayer>
-                </a14:imgProps>
+              <a:ext uri="{28A0092B-C50C-407E-A947-70E740481C1C}">
+                <a14:useLocalDpi xmlns:a14="http://schemas.microsoft.com/office/drawing/2010/main" val="0"/>
               </a:ext>
             </a:extLst>
           </a:blip>
@@ -11604,8 +16047,8 @@
         </p:blipFill>
         <p:spPr>
           <a:xfrm>
-            <a:off x="4216401" y="3587254"/>
-            <a:ext cx="3489567" cy="2128389"/>
+            <a:off x="7520916" y="1607334"/>
+            <a:ext cx="2219625" cy="2236634"/>
           </a:xfrm>
           <a:prstGeom prst="rect">
             <a:avLst/>
@@ -11614,38 +16057,362 @@
       </p:pic>
       <p:pic>
         <p:nvPicPr>
-          <p:cNvPr id="14" name="그림 13">
-            <a:extLst>
-              <a:ext uri="{FF2B5EF4-FFF2-40B4-BE49-F238E27FC236}">
-                <a16:creationId xmlns:a16="http://schemas.microsoft.com/office/drawing/2014/main" id="{DE8A342D-B77A-8844-9D5C-E1EECB6245A3}"/>
-              </a:ext>
-            </a:extLst>
-          </p:cNvPr>
+          <p:cNvPr id="7" name="그림 6"/>
           <p:cNvPicPr>
             <a:picLocks noChangeAspect="1"/>
           </p:cNvPicPr>
           <p:nvPr/>
         </p:nvPicPr>
         <p:blipFill>
-          <a:blip r:embed="rId4"/>
+          <a:blip r:embed="rId6">
+            <a:extLst>
+              <a:ext uri="{28A0092B-C50C-407E-A947-70E740481C1C}">
+                <a14:useLocalDpi xmlns:a14="http://schemas.microsoft.com/office/drawing/2010/main" val="0"/>
+              </a:ext>
+            </a:extLst>
+          </a:blip>
           <a:stretch>
             <a:fillRect/>
           </a:stretch>
         </p:blipFill>
         <p:spPr>
           <a:xfrm>
-            <a:off x="9345058" y="3863804"/>
-            <a:ext cx="2511160" cy="2510200"/>
+            <a:off x="6242795" y="4758974"/>
+            <a:ext cx="2556242" cy="511248"/>
           </a:xfrm>
           <a:prstGeom prst="rect">
             <a:avLst/>
           </a:prstGeom>
         </p:spPr>
       </p:pic>
+      <p:pic>
+        <p:nvPicPr>
+          <p:cNvPr id="8" name="그림 7"/>
+          <p:cNvPicPr>
+            <a:picLocks noChangeAspect="1"/>
+          </p:cNvPicPr>
+          <p:nvPr/>
+        </p:nvPicPr>
+        <p:blipFill>
+          <a:blip r:embed="rId7">
+            <a:extLst>
+              <a:ext uri="{28A0092B-C50C-407E-A947-70E740481C1C}">
+                <a14:useLocalDpi xmlns:a14="http://schemas.microsoft.com/office/drawing/2010/main" val="0"/>
+              </a:ext>
+            </a:extLst>
+          </a:blip>
+          <a:stretch>
+            <a:fillRect/>
+          </a:stretch>
+        </p:blipFill>
+        <p:spPr>
+          <a:xfrm>
+            <a:off x="5377791" y="1700843"/>
+            <a:ext cx="2143125" cy="2143125"/>
+          </a:xfrm>
+          <a:prstGeom prst="rect">
+            <a:avLst/>
+          </a:prstGeom>
+        </p:spPr>
+      </p:pic>
+      <p:pic>
+        <p:nvPicPr>
+          <p:cNvPr id="10" name="그림 9"/>
+          <p:cNvPicPr>
+            <a:picLocks noChangeAspect="1"/>
+          </p:cNvPicPr>
+          <p:nvPr/>
+        </p:nvPicPr>
+        <p:blipFill>
+          <a:blip r:embed="rId8">
+            <a:extLst>
+              <a:ext uri="{28A0092B-C50C-407E-A947-70E740481C1C}">
+                <a14:useLocalDpi xmlns:a14="http://schemas.microsoft.com/office/drawing/2010/main" val="0"/>
+              </a:ext>
+            </a:extLst>
+          </a:blip>
+          <a:stretch>
+            <a:fillRect/>
+          </a:stretch>
+        </p:blipFill>
+        <p:spPr>
+          <a:xfrm>
+            <a:off x="1967727" y="3943036"/>
+            <a:ext cx="2143125" cy="2143125"/>
+          </a:xfrm>
+          <a:prstGeom prst="rect">
+            <a:avLst/>
+          </a:prstGeom>
+        </p:spPr>
+      </p:pic>
+      <p:sp>
+        <p:nvSpPr>
+          <p:cNvPr id="12" name="TextBox 11"/>
+          <p:cNvSpPr txBox="1"/>
+          <p:nvPr/>
+        </p:nvSpPr>
+        <p:spPr>
+          <a:xfrm>
+            <a:off x="668778" y="3728206"/>
+            <a:ext cx="996696" cy="338554"/>
+          </a:xfrm>
+          <a:prstGeom prst="rect">
+            <a:avLst/>
+          </a:prstGeom>
+          <a:noFill/>
+        </p:spPr>
+        <p:txBody>
+          <a:bodyPr wrap="square" rtlCol="0">
+            <a:spAutoFit/>
+          </a:bodyPr>
+          <a:lstStyle/>
+          <a:p>
+            <a:pPr algn="ctr"/>
+            <a:r>
+              <a:rPr lang="ko-KR" altLang="en-US" sz="1600" dirty="0">
+                <a:latin typeface="강원교육튼튼" panose="02020603020101020101" pitchFamily="18" charset="-127"/>
+                <a:ea typeface="강원교육튼튼" panose="02020603020101020101" pitchFamily="18" charset="-127"/>
+              </a:rPr>
+              <a:t>지도 </a:t>
+            </a:r>
+            <a:r>
+              <a:rPr lang="en-US" altLang="ko-KR" sz="1600" dirty="0">
+                <a:latin typeface="강원교육튼튼" panose="02020603020101020101" pitchFamily="18" charset="-127"/>
+                <a:ea typeface="강원교육튼튼" panose="02020603020101020101" pitchFamily="18" charset="-127"/>
+              </a:rPr>
+              <a:t>API</a:t>
+            </a:r>
+            <a:endParaRPr lang="ko-KR" altLang="en-US" sz="1600" dirty="0">
+              <a:latin typeface="강원교육튼튼" panose="02020603020101020101" pitchFamily="18" charset="-127"/>
+              <a:ea typeface="강원교육튼튼" panose="02020603020101020101" pitchFamily="18" charset="-127"/>
+            </a:endParaRPr>
+          </a:p>
+        </p:txBody>
+      </p:sp>
+      <p:sp>
+        <p:nvSpPr>
+          <p:cNvPr id="15" name="TextBox 14"/>
+          <p:cNvSpPr txBox="1"/>
+          <p:nvPr/>
+        </p:nvSpPr>
+        <p:spPr>
+          <a:xfrm>
+            <a:off x="3807881" y="3755702"/>
+            <a:ext cx="996696" cy="338554"/>
+          </a:xfrm>
+          <a:prstGeom prst="rect">
+            <a:avLst/>
+          </a:prstGeom>
+          <a:noFill/>
+        </p:spPr>
+        <p:txBody>
+          <a:bodyPr wrap="square" rtlCol="0">
+            <a:spAutoFit/>
+          </a:bodyPr>
+          <a:lstStyle/>
+          <a:p>
+            <a:pPr algn="ctr"/>
+            <a:r>
+              <a:rPr lang="ko-KR" altLang="en-US" sz="1600" dirty="0">
+                <a:latin typeface="강원교육튼튼" panose="02020603020101020101" pitchFamily="18" charset="-127"/>
+                <a:ea typeface="강원교육튼튼" panose="02020603020101020101" pitchFamily="18" charset="-127"/>
+              </a:rPr>
+              <a:t>날씨 </a:t>
+            </a:r>
+            <a:r>
+              <a:rPr lang="en-US" altLang="ko-KR" sz="1600" dirty="0">
+                <a:latin typeface="강원교육튼튼" panose="02020603020101020101" pitchFamily="18" charset="-127"/>
+                <a:ea typeface="강원교육튼튼" panose="02020603020101020101" pitchFamily="18" charset="-127"/>
+              </a:rPr>
+              <a:t>API</a:t>
+            </a:r>
+            <a:endParaRPr lang="ko-KR" altLang="en-US" sz="1600" dirty="0">
+              <a:latin typeface="강원교육튼튼" panose="02020603020101020101" pitchFamily="18" charset="-127"/>
+              <a:ea typeface="강원교육튼튼" panose="02020603020101020101" pitchFamily="18" charset="-127"/>
+            </a:endParaRPr>
+          </a:p>
+        </p:txBody>
+      </p:sp>
+      <p:sp>
+        <p:nvSpPr>
+          <p:cNvPr id="16" name="TextBox 15"/>
+          <p:cNvSpPr txBox="1"/>
+          <p:nvPr/>
+        </p:nvSpPr>
+        <p:spPr>
+          <a:xfrm>
+            <a:off x="5838763" y="3728206"/>
+            <a:ext cx="1254466" cy="338554"/>
+          </a:xfrm>
+          <a:prstGeom prst="rect">
+            <a:avLst/>
+          </a:prstGeom>
+          <a:noFill/>
+        </p:spPr>
+        <p:txBody>
+          <a:bodyPr wrap="square" rtlCol="0">
+            <a:spAutoFit/>
+          </a:bodyPr>
+          <a:lstStyle/>
+          <a:p>
+            <a:pPr algn="ctr"/>
+            <a:r>
+              <a:rPr lang="ko-KR" altLang="en-US" sz="1600">
+                <a:latin typeface="강원교육튼튼" panose="02020603020101020101" pitchFamily="18" charset="-127"/>
+                <a:ea typeface="강원교육튼튼" panose="02020603020101020101" pitchFamily="18" charset="-127"/>
+              </a:rPr>
+              <a:t>그래프 </a:t>
+            </a:r>
+            <a:r>
+              <a:rPr lang="en-US" altLang="ko-KR" sz="1600" dirty="0">
+                <a:latin typeface="강원교육튼튼" panose="02020603020101020101" pitchFamily="18" charset="-127"/>
+                <a:ea typeface="강원교육튼튼" panose="02020603020101020101" pitchFamily="18" charset="-127"/>
+              </a:rPr>
+              <a:t>API</a:t>
+            </a:r>
+            <a:endParaRPr lang="ko-KR" altLang="en-US" sz="1600" dirty="0">
+              <a:latin typeface="강원교육튼튼" panose="02020603020101020101" pitchFamily="18" charset="-127"/>
+              <a:ea typeface="강원교육튼튼" panose="02020603020101020101" pitchFamily="18" charset="-127"/>
+            </a:endParaRPr>
+          </a:p>
+        </p:txBody>
+      </p:sp>
+      <p:sp>
+        <p:nvSpPr>
+          <p:cNvPr id="17" name="TextBox 16"/>
+          <p:cNvSpPr txBox="1"/>
+          <p:nvPr/>
+        </p:nvSpPr>
+        <p:spPr>
+          <a:xfrm>
+            <a:off x="7944253" y="3755702"/>
+            <a:ext cx="1372951" cy="338554"/>
+          </a:xfrm>
+          <a:prstGeom prst="rect">
+            <a:avLst/>
+          </a:prstGeom>
+          <a:noFill/>
+        </p:spPr>
+        <p:txBody>
+          <a:bodyPr wrap="square" rtlCol="0">
+            <a:spAutoFit/>
+          </a:bodyPr>
+          <a:lstStyle/>
+          <a:p>
+            <a:pPr algn="ctr"/>
+            <a:r>
+              <a:rPr lang="ko-KR" altLang="en-US" sz="1600">
+                <a:latin typeface="강원교육튼튼" panose="02020603020101020101" pitchFamily="18" charset="-127"/>
+                <a:ea typeface="강원교육튼튼" panose="02020603020101020101" pitchFamily="18" charset="-127"/>
+              </a:rPr>
+              <a:t>유기동물 </a:t>
+            </a:r>
+            <a:r>
+              <a:rPr lang="en-US" altLang="ko-KR" sz="1600" dirty="0">
+                <a:latin typeface="강원교육튼튼" panose="02020603020101020101" pitchFamily="18" charset="-127"/>
+                <a:ea typeface="강원교육튼튼" panose="02020603020101020101" pitchFamily="18" charset="-127"/>
+              </a:rPr>
+              <a:t>API</a:t>
+            </a:r>
+            <a:endParaRPr lang="ko-KR" altLang="en-US" sz="1600" dirty="0">
+              <a:latin typeface="강원교육튼튼" panose="02020603020101020101" pitchFamily="18" charset="-127"/>
+              <a:ea typeface="강원교육튼튼" panose="02020603020101020101" pitchFamily="18" charset="-127"/>
+            </a:endParaRPr>
+          </a:p>
+        </p:txBody>
+      </p:sp>
+      <p:sp>
+        <p:nvSpPr>
+          <p:cNvPr id="18" name="TextBox 17"/>
+          <p:cNvSpPr txBox="1"/>
+          <p:nvPr/>
+        </p:nvSpPr>
+        <p:spPr>
+          <a:xfrm>
+            <a:off x="3695912" y="5619816"/>
+            <a:ext cx="996696" cy="584775"/>
+          </a:xfrm>
+          <a:prstGeom prst="rect">
+            <a:avLst/>
+          </a:prstGeom>
+          <a:noFill/>
+        </p:spPr>
+        <p:txBody>
+          <a:bodyPr wrap="square" rtlCol="0">
+            <a:spAutoFit/>
+          </a:bodyPr>
+          <a:lstStyle/>
+          <a:p>
+            <a:pPr algn="ctr"/>
+            <a:r>
+              <a:rPr lang="ko-KR" altLang="en-US" sz="1600" dirty="0">
+                <a:latin typeface="강원교육튼튼" panose="02020603020101020101" pitchFamily="18" charset="-127"/>
+                <a:ea typeface="강원교육튼튼" panose="02020603020101020101" pitchFamily="18" charset="-127"/>
+              </a:rPr>
+              <a:t>동물병원 </a:t>
+            </a:r>
+            <a:r>
+              <a:rPr lang="en-US" altLang="ko-KR" sz="1600" dirty="0">
+                <a:latin typeface="강원교육튼튼" panose="02020603020101020101" pitchFamily="18" charset="-127"/>
+                <a:ea typeface="강원교육튼튼" panose="02020603020101020101" pitchFamily="18" charset="-127"/>
+              </a:rPr>
+              <a:t>API</a:t>
+            </a:r>
+            <a:endParaRPr lang="ko-KR" altLang="en-US" sz="1600" dirty="0">
+              <a:latin typeface="강원교육튼튼" panose="02020603020101020101" pitchFamily="18" charset="-127"/>
+              <a:ea typeface="강원교육튼튼" panose="02020603020101020101" pitchFamily="18" charset="-127"/>
+            </a:endParaRPr>
+          </a:p>
+        </p:txBody>
+      </p:sp>
+      <p:sp>
+        <p:nvSpPr>
+          <p:cNvPr id="19" name="TextBox 18"/>
+          <p:cNvSpPr txBox="1"/>
+          <p:nvPr/>
+        </p:nvSpPr>
+        <p:spPr>
+          <a:xfrm>
+            <a:off x="6551640" y="5450539"/>
+            <a:ext cx="1938552" cy="338554"/>
+          </a:xfrm>
+          <a:prstGeom prst="rect">
+            <a:avLst/>
+          </a:prstGeom>
+          <a:noFill/>
+        </p:spPr>
+        <p:txBody>
+          <a:bodyPr wrap="square" rtlCol="0">
+            <a:spAutoFit/>
+          </a:bodyPr>
+          <a:lstStyle/>
+          <a:p>
+            <a:pPr algn="ctr"/>
+            <a:r>
+              <a:rPr lang="ko-KR" altLang="en-US" sz="1600" dirty="0">
+                <a:latin typeface="강원교육튼튼" panose="02020603020101020101" pitchFamily="18" charset="-127"/>
+                <a:ea typeface="강원교육튼튼" panose="02020603020101020101" pitchFamily="18" charset="-127"/>
+              </a:rPr>
+              <a:t>카카오로그인 </a:t>
+            </a:r>
+            <a:r>
+              <a:rPr lang="en-US" altLang="ko-KR" sz="1600" dirty="0">
+                <a:latin typeface="강원교육튼튼" panose="02020603020101020101" pitchFamily="18" charset="-127"/>
+                <a:ea typeface="강원교육튼튼" panose="02020603020101020101" pitchFamily="18" charset="-127"/>
+              </a:rPr>
+              <a:t>API</a:t>
+            </a:r>
+            <a:endParaRPr lang="ko-KR" altLang="en-US" sz="1600" dirty="0">
+              <a:latin typeface="강원교육튼튼" panose="02020603020101020101" pitchFamily="18" charset="-127"/>
+              <a:ea typeface="강원교육튼튼" panose="02020603020101020101" pitchFamily="18" charset="-127"/>
+            </a:endParaRPr>
+          </a:p>
+        </p:txBody>
+      </p:sp>
     </p:spTree>
     <p:extLst>
       <p:ext uri="{BB962C8B-B14F-4D97-AF65-F5344CB8AC3E}">
-        <p14:creationId xmlns:p14="http://schemas.microsoft.com/office/powerpoint/2010/main" val="3063646113"/>
+        <p14:creationId xmlns:p14="http://schemas.microsoft.com/office/powerpoint/2010/main" val="112798998"/>
       </p:ext>
     </p:extLst>
   </p:cSld>
@@ -11875,7 +16642,7 @@
         <p:spPr>
           <a:xfrm>
             <a:off x="266706" y="978115"/>
-            <a:ext cx="1645002" cy="400110"/>
+            <a:ext cx="2282997" cy="400110"/>
           </a:xfrm>
           <a:prstGeom prst="rect">
             <a:avLst/>
@@ -11890,6 +16657,19 @@
           <a:p>
             <a:r>
               <a:rPr kumimoji="1" lang="en-US" altLang="ko-KR" sz="2000" dirty="0">
+                <a:solidFill>
+                  <a:schemeClr val="tx1">
+                    <a:lumMod val="65000"/>
+                    <a:lumOff val="35000"/>
+                  </a:schemeClr>
+                </a:solidFill>
+                <a:latin typeface="강원교육튼튼" panose="02020603020101020101" pitchFamily="18" charset="-127"/>
+                <a:ea typeface="강원교육튼튼" panose="02020603020101020101" pitchFamily="18" charset="-127"/>
+              </a:rPr>
+              <a:t>SKILLS.</a:t>
+            </a:r>
+            <a:r>
+              <a:rPr kumimoji="1" lang="ko-KR" altLang="en-US" sz="2000" dirty="0">
                 <a:solidFill>
                   <a:schemeClr val="tx1">
                     <a:lumMod val="65000"/>
@@ -11899,21 +16679,14 @@
                 <a:latin typeface="GangwonEduPower ExtraBold" panose="02020603020101020101" pitchFamily="18" charset="-127"/>
                 <a:ea typeface="GangwonEduPower ExtraBold" panose="02020603020101020101" pitchFamily="18" charset="-127"/>
               </a:rPr>
-              <a:t>GIT. </a:t>
-            </a:r>
-            <a:r>
-              <a:rPr kumimoji="1" lang="ko-KR" altLang="en-US" sz="1500" dirty="0" err="1">
-                <a:latin typeface="IBM Plex Sans KR Thin" panose="020B0203050203000203" pitchFamily="34" charset="-127"/>
-                <a:ea typeface="IBM Plex Sans KR Thin" panose="020B0203050203000203" pitchFamily="34" charset="-127"/>
-              </a:rPr>
-              <a:t>깃허브</a:t>
+              <a:t> </a:t>
             </a:r>
             <a:r>
               <a:rPr kumimoji="1" lang="ko-KR" altLang="en-US" sz="1500" dirty="0">
                 <a:latin typeface="IBM Plex Sans KR Thin" panose="020B0203050203000203" pitchFamily="34" charset="-127"/>
                 <a:ea typeface="IBM Plex Sans KR Thin" panose="020B0203050203000203" pitchFamily="34" charset="-127"/>
               </a:rPr>
-              <a:t> 주소</a:t>
+              <a:t>사용한 기술들</a:t>
             </a:r>
             <a:endParaRPr kumimoji="1" lang="ko-KR" altLang="en-US" sz="1500" dirty="0">
               <a:solidFill>
@@ -11985,93 +16758,172 @@
           </a:p>
         </p:txBody>
       </p:sp>
-      <p:sp>
-        <p:nvSpPr>
-          <p:cNvPr id="4" name="TextBox 3">
-            <a:extLst>
-              <a:ext uri="{FF2B5EF4-FFF2-40B4-BE49-F238E27FC236}">
-                <a16:creationId xmlns:a16="http://schemas.microsoft.com/office/drawing/2014/main" id="{6911D817-DE77-1B00-B7E3-6BF68AB65CB2}"/>
-              </a:ext>
-            </a:extLst>
-          </p:cNvPr>
-          <p:cNvSpPr txBox="1"/>
-          <p:nvPr/>
-        </p:nvSpPr>
-        <p:spPr>
-          <a:xfrm>
-            <a:off x="1623459" y="4699295"/>
-            <a:ext cx="6307392" cy="369332"/>
-          </a:xfrm>
-          <a:prstGeom prst="rect">
-            <a:avLst/>
-          </a:prstGeom>
-          <a:noFill/>
-        </p:spPr>
-        <p:txBody>
-          <a:bodyPr wrap="square">
-            <a:spAutoFit/>
-          </a:bodyPr>
-          <a:lstStyle/>
-          <a:p>
-            <a:r>
-              <a:rPr lang="ko-KR" altLang="en-US" dirty="0"/>
-              <a:t>https://github.com/sgyoung96/Petmily/tree/develop</a:t>
-            </a:r>
-          </a:p>
-        </p:txBody>
-      </p:sp>
       <p:pic>
         <p:nvPicPr>
-          <p:cNvPr id="1026" name="Picture 2" descr="Git] Git과 GitHub">
-            <a:hlinkClick r:id="rId3"/>
-            <a:extLst>
-              <a:ext uri="{FF2B5EF4-FFF2-40B4-BE49-F238E27FC236}">
-                <a16:creationId xmlns:a16="http://schemas.microsoft.com/office/drawing/2014/main" id="{2FFF55B5-2CE3-A27F-0404-F02C970A23AE}"/>
-              </a:ext>
-            </a:extLst>
-          </p:cNvPr>
+          <p:cNvPr id="8" name="그림 7"/>
           <p:cNvPicPr>
-            <a:picLocks noChangeAspect="1" noChangeArrowheads="1"/>
+            <a:picLocks noChangeAspect="1"/>
           </p:cNvPicPr>
           <p:nvPr/>
         </p:nvPicPr>
         <p:blipFill>
-          <a:blip r:embed="rId4">
-            <a:extLst>
-              <a:ext uri="{28A0092B-C50C-407E-A947-70E740481C1C}">
-                <a14:useLocalDpi xmlns:a14="http://schemas.microsoft.com/office/drawing/2010/main" val="0"/>
-              </a:ext>
-            </a:extLst>
-          </a:blip>
-          <a:srcRect/>
+          <a:blip r:embed="rId3"/>
           <a:stretch>
             <a:fillRect/>
           </a:stretch>
         </p:blipFill>
-        <p:spPr bwMode="auto">
-          <a:xfrm>
-            <a:off x="1945895" y="2029836"/>
-            <a:ext cx="5381165" cy="2440108"/>
+        <p:spPr>
+          <a:xfrm>
+            <a:off x="177027" y="1624386"/>
+            <a:ext cx="2278722" cy="1516386"/>
           </a:xfrm>
           <a:prstGeom prst="rect">
             <a:avLst/>
           </a:prstGeom>
-          <a:noFill/>
-          <a:extLst>
-            <a:ext uri="{909E8E84-426E-40DD-AFC4-6F175D3DCCD1}">
-              <a14:hiddenFill xmlns:a14="http://schemas.microsoft.com/office/drawing/2010/main">
-                <a:solidFill>
-                  <a:srgbClr val="FFFFFF"/>
-                </a:solidFill>
-              </a14:hiddenFill>
-            </a:ext>
-          </a:extLst>
+        </p:spPr>
+      </p:pic>
+      <p:pic>
+        <p:nvPicPr>
+          <p:cNvPr id="10" name="그림 9"/>
+          <p:cNvPicPr>
+            <a:picLocks noChangeAspect="1"/>
+          </p:cNvPicPr>
+          <p:nvPr/>
+        </p:nvPicPr>
+        <p:blipFill>
+          <a:blip r:embed="rId4"/>
+          <a:stretch>
+            <a:fillRect/>
+          </a:stretch>
+        </p:blipFill>
+        <p:spPr>
+          <a:xfrm>
+            <a:off x="4284350" y="1701923"/>
+            <a:ext cx="2352523" cy="1470327"/>
+          </a:xfrm>
+          <a:prstGeom prst="rect">
+            <a:avLst/>
+          </a:prstGeom>
+        </p:spPr>
+      </p:pic>
+      <p:pic>
+        <p:nvPicPr>
+          <p:cNvPr id="12" name="그림 11"/>
+          <p:cNvPicPr>
+            <a:picLocks noChangeAspect="1"/>
+          </p:cNvPicPr>
+          <p:nvPr/>
+        </p:nvPicPr>
+        <p:blipFill>
+          <a:blip r:embed="rId5"/>
+          <a:stretch>
+            <a:fillRect/>
+          </a:stretch>
+        </p:blipFill>
+        <p:spPr>
+          <a:xfrm>
+            <a:off x="408338" y="3013302"/>
+            <a:ext cx="1816100" cy="1816100"/>
+          </a:xfrm>
+          <a:prstGeom prst="rect">
+            <a:avLst/>
+          </a:prstGeom>
+        </p:spPr>
+      </p:pic>
+      <p:pic>
+        <p:nvPicPr>
+          <p:cNvPr id="3" name="그림 2"/>
+          <p:cNvPicPr>
+            <a:picLocks noChangeAspect="1"/>
+          </p:cNvPicPr>
+          <p:nvPr/>
+        </p:nvPicPr>
+        <p:blipFill>
+          <a:blip r:embed="rId6">
+            <a:extLst>
+              <a:ext uri="{28A0092B-C50C-407E-A947-70E740481C1C}">
+                <a14:useLocalDpi xmlns:a14="http://schemas.microsoft.com/office/drawing/2010/main" val="0"/>
+              </a:ext>
+            </a:extLst>
+          </a:blip>
+          <a:stretch>
+            <a:fillRect/>
+          </a:stretch>
+        </p:blipFill>
+        <p:spPr>
+          <a:xfrm>
+            <a:off x="177027" y="4829402"/>
+            <a:ext cx="2214336" cy="1660752"/>
+          </a:xfrm>
+          <a:prstGeom prst="rect">
+            <a:avLst/>
+          </a:prstGeom>
+        </p:spPr>
+      </p:pic>
+      <p:pic>
+        <p:nvPicPr>
+          <p:cNvPr id="4" name="그림 3"/>
+          <p:cNvPicPr>
+            <a:picLocks noChangeAspect="1"/>
+          </p:cNvPicPr>
+          <p:nvPr/>
+        </p:nvPicPr>
+        <p:blipFill>
+          <a:blip r:embed="rId7">
+            <a:extLst>
+              <a:ext uri="{28A0092B-C50C-407E-A947-70E740481C1C}">
+                <a14:useLocalDpi xmlns:a14="http://schemas.microsoft.com/office/drawing/2010/main" val="0"/>
+              </a:ext>
+            </a:extLst>
+          </a:blip>
+          <a:stretch>
+            <a:fillRect/>
+          </a:stretch>
+        </p:blipFill>
+        <p:spPr>
+          <a:xfrm>
+            <a:off x="4451275" y="2890938"/>
+            <a:ext cx="1860169" cy="2426308"/>
+          </a:xfrm>
+          <a:prstGeom prst="rect">
+            <a:avLst/>
+          </a:prstGeom>
+        </p:spPr>
+      </p:pic>
+      <p:pic>
+        <p:nvPicPr>
+          <p:cNvPr id="7" name="그림 6"/>
+          <p:cNvPicPr>
+            <a:picLocks noChangeAspect="1"/>
+          </p:cNvPicPr>
+          <p:nvPr/>
+        </p:nvPicPr>
+        <p:blipFill>
+          <a:blip r:embed="rId8">
+            <a:extLst>
+              <a:ext uri="{28A0092B-C50C-407E-A947-70E740481C1C}">
+                <a14:useLocalDpi xmlns:a14="http://schemas.microsoft.com/office/drawing/2010/main" val="0"/>
+              </a:ext>
+            </a:extLst>
+          </a:blip>
+          <a:stretch>
+            <a:fillRect/>
+          </a:stretch>
+        </p:blipFill>
+        <p:spPr>
+          <a:xfrm>
+            <a:off x="3908036" y="4921590"/>
+            <a:ext cx="3105150" cy="1476375"/>
+          </a:xfrm>
+          <a:prstGeom prst="rect">
+            <a:avLst/>
+          </a:prstGeom>
         </p:spPr>
       </p:pic>
     </p:spTree>
     <p:extLst>
       <p:ext uri="{BB962C8B-B14F-4D97-AF65-F5344CB8AC3E}">
-        <p14:creationId xmlns:p14="http://schemas.microsoft.com/office/powerpoint/2010/main" val="972103620"/>
+        <p14:creationId xmlns:p14="http://schemas.microsoft.com/office/powerpoint/2010/main" val="1819225641"/>
       </p:ext>
     </p:extLst>
   </p:cSld>
@@ -12301,7 +17153,7 @@
         <p:spPr>
           <a:xfrm>
             <a:off x="266706" y="978115"/>
-            <a:ext cx="1625766" cy="400110"/>
+            <a:ext cx="3283271" cy="400110"/>
           </a:xfrm>
           <a:prstGeom prst="rect">
             <a:avLst/>
@@ -12325,14 +17177,14 @@
                 <a:latin typeface="GangwonEduPower ExtraBold" panose="02020603020101020101" pitchFamily="18" charset="-127"/>
                 <a:ea typeface="GangwonEduPower ExtraBold" panose="02020603020101020101" pitchFamily="18" charset="-127"/>
               </a:rPr>
-              <a:t>Q&amp;A. </a:t>
+              <a:t>ARCHET. </a:t>
             </a:r>
             <a:r>
               <a:rPr kumimoji="1" lang="ko-KR" altLang="en-US" sz="1500" dirty="0">
                 <a:latin typeface="IBM Plex Sans KR Thin" panose="020B0203050203000203" pitchFamily="34" charset="-127"/>
                 <a:ea typeface="IBM Plex Sans KR Thin" panose="020B0203050203000203" pitchFamily="34" charset="-127"/>
               </a:rPr>
-              <a:t>질의 응답</a:t>
+              <a:t>테이블 설계 및 구현 기능</a:t>
             </a:r>
             <a:endParaRPr kumimoji="1" lang="ko-KR" altLang="en-US" sz="1500" dirty="0">
               <a:solidFill>
@@ -12406,55 +17258,46 @@
       </p:sp>
       <p:pic>
         <p:nvPicPr>
-          <p:cNvPr id="2050" name="Picture 2" descr="아이❤차이니즈 수업 Q&amp;A : 네이버 블로그">
-            <a:extLst>
-              <a:ext uri="{FF2B5EF4-FFF2-40B4-BE49-F238E27FC236}">
-                <a16:creationId xmlns:a16="http://schemas.microsoft.com/office/drawing/2014/main" id="{5D5EB5F1-507B-307F-3323-A26F606F4024}"/>
+          <p:cNvPr id="8" name="그림 7">
+            <a:extLst>
+              <a:ext uri="{FF2B5EF4-FFF2-40B4-BE49-F238E27FC236}">
+                <a16:creationId xmlns:a16="http://schemas.microsoft.com/office/drawing/2014/main" id="{9588A66C-CB30-874E-9E8D-F3EF4677E625}"/>
               </a:ext>
             </a:extLst>
           </p:cNvPr>
           <p:cNvPicPr>
-            <a:picLocks noChangeAspect="1" noChangeArrowheads="1"/>
+            <a:picLocks noChangeAspect="1"/>
           </p:cNvPicPr>
           <p:nvPr/>
         </p:nvPicPr>
         <p:blipFill>
           <a:blip r:embed="rId3">
-            <a:extLst>
-              <a:ext uri="{28A0092B-C50C-407E-A947-70E740481C1C}">
-                <a14:useLocalDpi xmlns:a14="http://schemas.microsoft.com/office/drawing/2010/main" val="0"/>
-              </a:ext>
-            </a:extLst>
+            <a:lum/>
+            <a:alphaModFix/>
           </a:blip>
           <a:srcRect/>
           <a:stretch>
             <a:fillRect/>
           </a:stretch>
         </p:blipFill>
-        <p:spPr bwMode="auto">
-          <a:xfrm>
-            <a:off x="2073716" y="2356339"/>
-            <a:ext cx="5125524" cy="2324187"/>
+        <p:spPr>
+          <a:xfrm>
+            <a:off x="0" y="1512000"/>
+            <a:ext cx="12192119" cy="4896000"/>
           </a:xfrm>
           <a:prstGeom prst="rect">
             <a:avLst/>
           </a:prstGeom>
           <a:noFill/>
-          <a:extLst>
-            <a:ext uri="{909E8E84-426E-40DD-AFC4-6F175D3DCCD1}">
-              <a14:hiddenFill xmlns:a14="http://schemas.microsoft.com/office/drawing/2010/main">
-                <a:solidFill>
-                  <a:srgbClr val="FFFFFF"/>
-                </a:solidFill>
-              </a14:hiddenFill>
-            </a:ext>
-          </a:extLst>
+          <a:ln>
+            <a:noFill/>
+          </a:ln>
         </p:spPr>
       </p:pic>
     </p:spTree>
     <p:extLst>
       <p:ext uri="{BB962C8B-B14F-4D97-AF65-F5344CB8AC3E}">
-        <p14:creationId xmlns:p14="http://schemas.microsoft.com/office/powerpoint/2010/main" val="709186631"/>
+        <p14:creationId xmlns:p14="http://schemas.microsoft.com/office/powerpoint/2010/main" val="2652518932"/>
       </p:ext>
     </p:extLst>
   </p:cSld>

--- a/docs/발표ppt/발표.pptx
+++ b/docs/발표ppt/발표.pptx
@@ -8643,8 +8643,8 @@
         </p:nvSpPr>
         <p:spPr>
           <a:xfrm>
-            <a:off x="360000" y="3240000"/>
-            <a:ext cx="2924279" cy="639000"/>
+            <a:off x="697140" y="3240000"/>
+            <a:ext cx="2074904" cy="791071"/>
           </a:xfrm>
           <a:custGeom>
             <a:avLst/>
@@ -8716,103 +8716,114 @@
               <a:defRPr sz="1800"/>
             </a:pPr>
             <a:r>
-              <a:rPr lang="ko-KR" sz="1800" b="0" i="0" u="none" strike="noStrike" kern="1200" spc="0">
+              <a:rPr lang="ko-KR" sz="1400" b="1" i="0" u="none" strike="noStrike" kern="1200" spc="0" dirty="0">
                 <a:ln>
                   <a:noFill/>
                 </a:ln>
                 <a:solidFill>
                   <a:srgbClr val="000000"/>
                 </a:solidFill>
-                <a:latin typeface="굴림" pitchFamily="18"/>
-                <a:ea typeface="굴림" pitchFamily="2"/>
+                <a:latin typeface="IBM Plex Sans KR Thin" panose="020B0203050203000203" pitchFamily="34" charset="-127"/>
+                <a:ea typeface="IBM Plex Sans KR Thin" panose="020B0203050203000203" pitchFamily="34" charset="-127"/>
                 <a:cs typeface="Arial" pitchFamily="2"/>
               </a:rPr>
               <a:t>가입</a:t>
             </a:r>
             <a:r>
-              <a:rPr lang="en-US" sz="1800" b="0" i="0" u="none" strike="noStrike" kern="1200" spc="0">
+              <a:rPr lang="en-US" sz="1400" b="1" i="0" u="none" strike="noStrike" kern="1200" spc="0" dirty="0">
                 <a:ln>
                   <a:noFill/>
                 </a:ln>
                 <a:solidFill>
                   <a:srgbClr val="000000"/>
                 </a:solidFill>
-                <a:latin typeface="굴림" pitchFamily="18"/>
-                <a:ea typeface="굴림" pitchFamily="2"/>
+                <a:latin typeface="IBM Plex Sans KR Thin" panose="020B0203050203000203" pitchFamily="34" charset="-127"/>
+                <a:ea typeface="IBM Plex Sans KR Thin" panose="020B0203050203000203" pitchFamily="34" charset="-127"/>
                 <a:cs typeface="Arial" pitchFamily="2"/>
               </a:rPr>
               <a:t>,</a:t>
             </a:r>
             <a:r>
-              <a:rPr lang="ko-KR" sz="1800" b="0" i="0" u="none" strike="noStrike" kern="1200" spc="0">
+              <a:rPr lang="ko-KR" sz="1400" b="1" i="0" u="none" strike="noStrike" kern="1200" spc="0" dirty="0">
                 <a:ln>
                   <a:noFill/>
                 </a:ln>
                 <a:solidFill>
                   <a:srgbClr val="000000"/>
                 </a:solidFill>
-                <a:latin typeface="굴림" pitchFamily="18"/>
-                <a:ea typeface="굴림" pitchFamily="2"/>
+                <a:latin typeface="IBM Plex Sans KR Thin" panose="020B0203050203000203" pitchFamily="34" charset="-127"/>
+                <a:ea typeface="IBM Plex Sans KR Thin" panose="020B0203050203000203" pitchFamily="34" charset="-127"/>
                 <a:cs typeface="Arial" pitchFamily="2"/>
               </a:rPr>
               <a:t>수정</a:t>
             </a:r>
             <a:r>
-              <a:rPr lang="en-US" sz="1800" b="0" i="0" u="none" strike="noStrike" kern="1200" spc="0">
+              <a:rPr lang="en-US" sz="1400" b="1" i="0" u="none" strike="noStrike" kern="1200" spc="0" dirty="0">
                 <a:ln>
                   <a:noFill/>
                 </a:ln>
                 <a:solidFill>
                   <a:srgbClr val="000000"/>
                 </a:solidFill>
-                <a:latin typeface="굴림" pitchFamily="18"/>
-                <a:ea typeface="굴림" pitchFamily="2"/>
+                <a:latin typeface="IBM Plex Sans KR Thin" panose="020B0203050203000203" pitchFamily="34" charset="-127"/>
+                <a:ea typeface="IBM Plex Sans KR Thin" panose="020B0203050203000203" pitchFamily="34" charset="-127"/>
                 <a:cs typeface="Arial" pitchFamily="2"/>
               </a:rPr>
               <a:t>,</a:t>
             </a:r>
             <a:r>
-              <a:rPr lang="ko-KR" sz="1800" b="0" i="0" u="none" strike="noStrike" kern="1200" spc="0">
+              <a:rPr lang="ko-KR" sz="1400" b="1" i="0" u="none" strike="noStrike" kern="1200" spc="0" dirty="0">
                 <a:ln>
                   <a:noFill/>
                 </a:ln>
                 <a:solidFill>
                   <a:srgbClr val="000000"/>
                 </a:solidFill>
-                <a:latin typeface="굴림" pitchFamily="18"/>
-                <a:ea typeface="굴림" pitchFamily="2"/>
+                <a:latin typeface="IBM Plex Sans KR Thin" panose="020B0203050203000203" pitchFamily="34" charset="-127"/>
+                <a:ea typeface="IBM Plex Sans KR Thin" panose="020B0203050203000203" pitchFamily="34" charset="-127"/>
                 <a:cs typeface="Arial" pitchFamily="2"/>
               </a:rPr>
               <a:t>탈퇴</a:t>
             </a:r>
             <a:r>
-              <a:rPr lang="en-US" sz="1800" b="0" i="0" u="none" strike="noStrike" kern="1200" spc="0">
+              <a:rPr lang="en-US" sz="1400" b="1" i="0" u="none" strike="noStrike" kern="1200" spc="0" dirty="0">
                 <a:ln>
                   <a:noFill/>
                 </a:ln>
                 <a:solidFill>
                   <a:srgbClr val="000000"/>
                 </a:solidFill>
-                <a:latin typeface="굴림" pitchFamily="18"/>
-                <a:ea typeface="굴림" pitchFamily="2"/>
+                <a:latin typeface="IBM Plex Sans KR Thin" panose="020B0203050203000203" pitchFamily="34" charset="-127"/>
+                <a:ea typeface="IBM Plex Sans KR Thin" panose="020B0203050203000203" pitchFamily="34" charset="-127"/>
                 <a:cs typeface="Arial" pitchFamily="2"/>
               </a:rPr>
               <a:t>,</a:t>
             </a:r>
             <a:r>
-              <a:rPr lang="ko-KR" sz="1800" b="0" i="0" u="none" strike="noStrike" kern="1200" spc="0">
+              <a:rPr lang="ko-KR" sz="1400" b="1" i="0" u="none" strike="noStrike" kern="1200" spc="0" dirty="0" err="1">
                 <a:ln>
                   <a:noFill/>
                 </a:ln>
                 <a:solidFill>
                   <a:srgbClr val="000000"/>
                 </a:solidFill>
-                <a:latin typeface="굴림" pitchFamily="18"/>
-                <a:ea typeface="굴림" pitchFamily="2"/>
+                <a:latin typeface="IBM Plex Sans KR Thin" panose="020B0203050203000203" pitchFamily="34" charset="-127"/>
+                <a:ea typeface="IBM Plex Sans KR Thin" panose="020B0203050203000203" pitchFamily="34" charset="-127"/>
                 <a:cs typeface="Arial" pitchFamily="2"/>
               </a:rPr>
               <a:t>마이페이지</a:t>
             </a:r>
+            <a:endParaRPr lang="ko-KR" sz="1400" b="1" i="0" u="none" strike="noStrike" kern="1200" spc="0" dirty="0">
+              <a:ln>
+                <a:noFill/>
+              </a:ln>
+              <a:solidFill>
+                <a:srgbClr val="000000"/>
+              </a:solidFill>
+              <a:latin typeface="IBM Plex Sans KR Thin" panose="020B0203050203000203" pitchFamily="34" charset="-127"/>
+              <a:ea typeface="IBM Plex Sans KR Thin" panose="020B0203050203000203" pitchFamily="34" charset="-127"/>
+              <a:cs typeface="Arial" pitchFamily="2"/>
+            </a:endParaRPr>
           </a:p>
           <a:p>
             <a:pPr marL="0" marR="0" lvl="0" indent="0" algn="ctr" rtl="0" hangingPunct="1">
@@ -8830,43 +8841,43 @@
               <a:defRPr sz="1800"/>
             </a:pPr>
             <a:r>
-              <a:rPr lang="ko-KR" sz="1800" b="0" i="0" u="none" strike="noStrike" kern="1200" spc="0">
+              <a:rPr lang="ko-KR" sz="1400" b="1" i="0" u="none" strike="noStrike" kern="1200" spc="0" dirty="0">
                 <a:ln>
                   <a:noFill/>
                 </a:ln>
                 <a:solidFill>
                   <a:srgbClr val="000000"/>
                 </a:solidFill>
-                <a:latin typeface="굴림" pitchFamily="18"/>
-                <a:ea typeface="굴림" pitchFamily="2"/>
+                <a:latin typeface="IBM Plex Sans KR Thin" panose="020B0203050203000203" pitchFamily="34" charset="-127"/>
+                <a:ea typeface="IBM Plex Sans KR Thin" panose="020B0203050203000203" pitchFamily="34" charset="-127"/>
                 <a:cs typeface="Arial" pitchFamily="2"/>
               </a:rPr>
               <a:t>아이디</a:t>
             </a:r>
             <a:r>
-              <a:rPr lang="en-US" sz="1800" b="0" i="0" u="none" strike="noStrike" kern="1200" spc="0">
+              <a:rPr lang="en-US" sz="1400" b="1" i="0" u="none" strike="noStrike" kern="1200" spc="0" dirty="0">
                 <a:ln>
                   <a:noFill/>
                 </a:ln>
                 <a:solidFill>
                   <a:srgbClr val="000000"/>
                 </a:solidFill>
-                <a:latin typeface="굴림" pitchFamily="18"/>
-                <a:ea typeface="굴림" pitchFamily="2"/>
+                <a:latin typeface="IBM Plex Sans KR Thin" panose="020B0203050203000203" pitchFamily="34" charset="-127"/>
+                <a:ea typeface="IBM Plex Sans KR Thin" panose="020B0203050203000203" pitchFamily="34" charset="-127"/>
                 <a:cs typeface="Arial" pitchFamily="2"/>
               </a:rPr>
               <a:t>,</a:t>
             </a:r>
             <a:r>
-              <a:rPr lang="ko-KR" sz="1800" b="0" i="0" u="none" strike="noStrike" kern="1200" spc="0">
+              <a:rPr lang="ko-KR" sz="1400" b="1" i="0" u="none" strike="noStrike" kern="1200" spc="0" dirty="0">
                 <a:ln>
                   <a:noFill/>
                 </a:ln>
                 <a:solidFill>
                   <a:srgbClr val="000000"/>
                 </a:solidFill>
-                <a:latin typeface="굴림" pitchFamily="18"/>
-                <a:ea typeface="굴림" pitchFamily="2"/>
+                <a:latin typeface="IBM Plex Sans KR Thin" panose="020B0203050203000203" pitchFamily="34" charset="-127"/>
+                <a:ea typeface="IBM Plex Sans KR Thin" panose="020B0203050203000203" pitchFamily="34" charset="-127"/>
                 <a:cs typeface="Arial" pitchFamily="2"/>
               </a:rPr>
               <a:t>비밀번호찾기</a:t>
@@ -8926,8 +8937,8 @@
         </p:nvSpPr>
         <p:spPr>
           <a:xfrm>
-            <a:off x="6562440" y="5553000"/>
-            <a:ext cx="1933560" cy="639000"/>
+            <a:off x="6834008" y="5553000"/>
+            <a:ext cx="1390422" cy="791071"/>
           </a:xfrm>
           <a:custGeom>
             <a:avLst/>
@@ -8999,71 +9010,71 @@
               <a:defRPr sz="1800"/>
             </a:pPr>
             <a:r>
-              <a:rPr lang="ko-KR" sz="1800" b="0" i="0" u="none" strike="noStrike" kern="1200" spc="0">
+              <a:rPr lang="ko-KR" sz="1400" b="1" i="0" u="none" strike="noStrike" kern="1200" spc="0">
                 <a:ln>
                   <a:noFill/>
                 </a:ln>
                 <a:solidFill>
                   <a:srgbClr val="000000"/>
                 </a:solidFill>
-                <a:latin typeface="굴림" pitchFamily="18"/>
-                <a:ea typeface="굴림" pitchFamily="2"/>
+                <a:latin typeface="IBM Plex Sans KR Thin" panose="020B0203050203000203" pitchFamily="34" charset="-127"/>
+                <a:ea typeface="IBM Plex Sans KR Thin" panose="020B0203050203000203" pitchFamily="34" charset="-127"/>
                 <a:cs typeface="Arial" pitchFamily="2"/>
               </a:rPr>
               <a:t>그래프</a:t>
             </a:r>
             <a:r>
-              <a:rPr lang="en-US" sz="1800" b="0" i="0" u="none" strike="noStrike" kern="1200" spc="0">
+              <a:rPr lang="en-US" sz="1400" b="1" i="0" u="none" strike="noStrike" kern="1200" spc="0">
                 <a:ln>
                   <a:noFill/>
                 </a:ln>
                 <a:solidFill>
                   <a:srgbClr val="000000"/>
                 </a:solidFill>
-                <a:latin typeface="굴림" pitchFamily="18"/>
-                <a:ea typeface="굴림" pitchFamily="2"/>
+                <a:latin typeface="IBM Plex Sans KR Thin" panose="020B0203050203000203" pitchFamily="34" charset="-127"/>
+                <a:ea typeface="IBM Plex Sans KR Thin" panose="020B0203050203000203" pitchFamily="34" charset="-127"/>
                 <a:cs typeface="Arial" pitchFamily="2"/>
               </a:rPr>
               <a:t>,</a:t>
             </a:r>
             <a:r>
-              <a:rPr lang="ko-KR" sz="1800" b="0" i="0" u="none" strike="noStrike" kern="1200" spc="0">
+              <a:rPr lang="ko-KR" sz="1400" b="1" i="0" u="none" strike="noStrike" kern="1200" spc="0">
                 <a:ln>
                   <a:noFill/>
                 </a:ln>
                 <a:solidFill>
                   <a:srgbClr val="000000"/>
                 </a:solidFill>
-                <a:latin typeface="굴림" pitchFamily="18"/>
-                <a:ea typeface="굴림" pitchFamily="2"/>
+                <a:latin typeface="IBM Plex Sans KR Thin" panose="020B0203050203000203" pitchFamily="34" charset="-127"/>
+                <a:ea typeface="IBM Plex Sans KR Thin" panose="020B0203050203000203" pitchFamily="34" charset="-127"/>
                 <a:cs typeface="Arial" pitchFamily="2"/>
               </a:rPr>
               <a:t>날씨</a:t>
             </a:r>
             <a:r>
-              <a:rPr lang="en-US" sz="1800" b="0" i="0" u="none" strike="noStrike" kern="1200" spc="0">
+              <a:rPr lang="en-US" sz="1400" b="1" i="0" u="none" strike="noStrike" kern="1200" spc="0">
                 <a:ln>
                   <a:noFill/>
                 </a:ln>
                 <a:solidFill>
                   <a:srgbClr val="000000"/>
                 </a:solidFill>
-                <a:latin typeface="굴림" pitchFamily="18"/>
-                <a:ea typeface="굴림" pitchFamily="2"/>
+                <a:latin typeface="IBM Plex Sans KR Thin" panose="020B0203050203000203" pitchFamily="34" charset="-127"/>
+                <a:ea typeface="IBM Plex Sans KR Thin" panose="020B0203050203000203" pitchFamily="34" charset="-127"/>
                 <a:cs typeface="Arial" pitchFamily="2"/>
               </a:rPr>
               <a:t>,</a:t>
             </a:r>
             <a:r>
-              <a:rPr lang="ko-KR" sz="1800" b="0" i="0" u="none" strike="noStrike" kern="1200" spc="0">
+              <a:rPr lang="ko-KR" sz="1400" b="1" i="0" u="none" strike="noStrike" kern="1200" spc="0">
                 <a:ln>
                   <a:noFill/>
                 </a:ln>
                 <a:solidFill>
                   <a:srgbClr val="000000"/>
                 </a:solidFill>
-                <a:latin typeface="굴림" pitchFamily="18"/>
-                <a:ea typeface="굴림" pitchFamily="2"/>
+                <a:latin typeface="IBM Plex Sans KR Thin" panose="020B0203050203000203" pitchFamily="34" charset="-127"/>
+                <a:ea typeface="IBM Plex Sans KR Thin" panose="020B0203050203000203" pitchFamily="34" charset="-127"/>
                 <a:cs typeface="Arial" pitchFamily="2"/>
               </a:rPr>
               <a:t>지도</a:t>
@@ -9085,29 +9096,29 @@
               <a:defRPr sz="1800"/>
             </a:pPr>
             <a:r>
-              <a:rPr lang="en-US" sz="1800" b="0" i="0" u="none" strike="noStrike" kern="1200" spc="0">
+              <a:rPr lang="en-US" sz="1400" b="1" i="0" u="none" strike="noStrike" kern="1200" spc="0">
                 <a:ln>
                   <a:noFill/>
                 </a:ln>
                 <a:solidFill>
                   <a:srgbClr val="000000"/>
                 </a:solidFill>
-                <a:latin typeface="굴림" pitchFamily="18"/>
-                <a:ea typeface="굴림" pitchFamily="2"/>
+                <a:latin typeface="IBM Plex Sans KR Thin" panose="020B0203050203000203" pitchFamily="34" charset="-127"/>
+                <a:ea typeface="IBM Plex Sans KR Thin" panose="020B0203050203000203" pitchFamily="34" charset="-127"/>
                 <a:cs typeface="Arial" pitchFamily="2"/>
               </a:rPr>
               <a:t>API</a:t>
             </a:r>
             <a:r>
-              <a:rPr lang="ko-KR" sz="1800" b="0" i="0" u="none" strike="noStrike" kern="1200" spc="0">
+              <a:rPr lang="ko-KR" sz="1400" b="1" i="0" u="none" strike="noStrike" kern="1200" spc="0">
                 <a:ln>
                   <a:noFill/>
                 </a:ln>
                 <a:solidFill>
                   <a:srgbClr val="000000"/>
                 </a:solidFill>
-                <a:latin typeface="굴림" pitchFamily="18"/>
-                <a:ea typeface="굴림" pitchFamily="2"/>
+                <a:latin typeface="IBM Plex Sans KR Thin" panose="020B0203050203000203" pitchFamily="34" charset="-127"/>
+                <a:ea typeface="IBM Plex Sans KR Thin" panose="020B0203050203000203" pitchFamily="34" charset="-127"/>
                 <a:cs typeface="Arial" pitchFamily="2"/>
               </a:rPr>
               <a:t>사용</a:t>
@@ -9129,8 +9140,8 @@
         </p:nvSpPr>
         <p:spPr>
           <a:xfrm>
-            <a:off x="3157559" y="5544000"/>
-            <a:ext cx="2314440" cy="639000"/>
+            <a:off x="3480907" y="5544000"/>
+            <a:ext cx="1667742" cy="791071"/>
           </a:xfrm>
           <a:custGeom>
             <a:avLst/>
@@ -9202,43 +9213,43 @@
               <a:defRPr sz="1800"/>
             </a:pPr>
             <a:r>
-              <a:rPr lang="ko-KR" sz="1800" b="0" i="0" u="none" strike="noStrike" kern="1200" spc="0">
+              <a:rPr lang="ko-KR" sz="1400" b="1" i="0" u="none" strike="noStrike" kern="1200" spc="0">
                 <a:ln>
                   <a:noFill/>
                 </a:ln>
                 <a:solidFill>
                   <a:srgbClr val="000000"/>
                 </a:solidFill>
-                <a:latin typeface="굴림" pitchFamily="18"/>
-                <a:ea typeface="굴림" pitchFamily="2"/>
+                <a:latin typeface="IBM Plex Sans KR Thin" panose="020B0203050203000203" pitchFamily="34" charset="-127"/>
+                <a:ea typeface="IBM Plex Sans KR Thin" panose="020B0203050203000203" pitchFamily="34" charset="-127"/>
                 <a:cs typeface="Arial" pitchFamily="2"/>
               </a:rPr>
               <a:t>게시판작성</a:t>
             </a:r>
             <a:r>
-              <a:rPr lang="en-US" sz="1800" b="0" i="0" u="none" strike="noStrike" kern="1200" spc="0">
+              <a:rPr lang="en-US" sz="1400" b="1" i="0" u="none" strike="noStrike" kern="1200" spc="0">
                 <a:ln>
                   <a:noFill/>
                 </a:ln>
                 <a:solidFill>
                   <a:srgbClr val="000000"/>
                 </a:solidFill>
-                <a:latin typeface="굴림" pitchFamily="18"/>
-                <a:ea typeface="굴림" pitchFamily="2"/>
+                <a:latin typeface="IBM Plex Sans KR Thin" panose="020B0203050203000203" pitchFamily="34" charset="-127"/>
+                <a:ea typeface="IBM Plex Sans KR Thin" panose="020B0203050203000203" pitchFamily="34" charset="-127"/>
                 <a:cs typeface="Arial" pitchFamily="2"/>
               </a:rPr>
               <a:t>,</a:t>
             </a:r>
             <a:r>
-              <a:rPr lang="ko-KR" sz="1800" b="0" i="0" u="none" strike="noStrike" kern="1200" spc="0">
+              <a:rPr lang="ko-KR" sz="1400" b="1" i="0" u="none" strike="noStrike" kern="1200" spc="0">
                 <a:ln>
                   <a:noFill/>
                 </a:ln>
                 <a:solidFill>
                   <a:srgbClr val="000000"/>
                 </a:solidFill>
-                <a:latin typeface="굴림" pitchFamily="18"/>
-                <a:ea typeface="굴림" pitchFamily="2"/>
+                <a:latin typeface="IBM Plex Sans KR Thin" panose="020B0203050203000203" pitchFamily="34" charset="-127"/>
+                <a:ea typeface="IBM Plex Sans KR Thin" panose="020B0203050203000203" pitchFamily="34" charset="-127"/>
                 <a:cs typeface="Arial" pitchFamily="2"/>
               </a:rPr>
               <a:t>수정삭제</a:t>
@@ -9260,71 +9271,71 @@
               <a:defRPr sz="1800"/>
             </a:pPr>
             <a:r>
-              <a:rPr lang="ko-KR" sz="1800" b="0" i="0" u="none" strike="noStrike" kern="1200" spc="0">
+              <a:rPr lang="ko-KR" sz="1400" b="1" i="0" u="none" strike="noStrike" kern="1200" spc="0">
                 <a:ln>
                   <a:noFill/>
                 </a:ln>
                 <a:solidFill>
                   <a:srgbClr val="000000"/>
                 </a:solidFill>
-                <a:latin typeface="굴림" pitchFamily="18"/>
-                <a:ea typeface="굴림" pitchFamily="2"/>
+                <a:latin typeface="IBM Plex Sans KR Thin" panose="020B0203050203000203" pitchFamily="34" charset="-127"/>
+                <a:ea typeface="IBM Plex Sans KR Thin" panose="020B0203050203000203" pitchFamily="34" charset="-127"/>
                 <a:cs typeface="Arial" pitchFamily="2"/>
               </a:rPr>
               <a:t>추천</a:t>
             </a:r>
             <a:r>
-              <a:rPr lang="en-US" sz="1800" b="0" i="0" u="none" strike="noStrike" kern="1200" spc="0">
+              <a:rPr lang="en-US" sz="1400" b="1" i="0" u="none" strike="noStrike" kern="1200" spc="0">
                 <a:ln>
                   <a:noFill/>
                 </a:ln>
                 <a:solidFill>
                   <a:srgbClr val="000000"/>
                 </a:solidFill>
-                <a:latin typeface="굴림" pitchFamily="18"/>
-                <a:ea typeface="굴림" pitchFamily="2"/>
+                <a:latin typeface="IBM Plex Sans KR Thin" panose="020B0203050203000203" pitchFamily="34" charset="-127"/>
+                <a:ea typeface="IBM Plex Sans KR Thin" panose="020B0203050203000203" pitchFamily="34" charset="-127"/>
                 <a:cs typeface="Arial" pitchFamily="2"/>
               </a:rPr>
               <a:t>,</a:t>
             </a:r>
             <a:r>
-              <a:rPr lang="ko-KR" sz="1800" b="0" i="0" u="none" strike="noStrike" kern="1200" spc="0">
+              <a:rPr lang="ko-KR" sz="1400" b="1" i="0" u="none" strike="noStrike" kern="1200" spc="0">
                 <a:ln>
                   <a:noFill/>
                 </a:ln>
                 <a:solidFill>
                   <a:srgbClr val="000000"/>
                 </a:solidFill>
-                <a:latin typeface="굴림" pitchFamily="18"/>
-                <a:ea typeface="굴림" pitchFamily="2"/>
+                <a:latin typeface="IBM Plex Sans KR Thin" panose="020B0203050203000203" pitchFamily="34" charset="-127"/>
+                <a:ea typeface="IBM Plex Sans KR Thin" panose="020B0203050203000203" pitchFamily="34" charset="-127"/>
                 <a:cs typeface="Arial" pitchFamily="2"/>
               </a:rPr>
               <a:t>댓글</a:t>
             </a:r>
             <a:r>
-              <a:rPr lang="en-US" sz="1800" b="0" i="0" u="none" strike="noStrike" kern="1200" spc="0">
+              <a:rPr lang="en-US" sz="1400" b="1" i="0" u="none" strike="noStrike" kern="1200" spc="0">
                 <a:ln>
                   <a:noFill/>
                 </a:ln>
                 <a:solidFill>
                   <a:srgbClr val="000000"/>
                 </a:solidFill>
-                <a:latin typeface="굴림" pitchFamily="18"/>
-                <a:ea typeface="굴림" pitchFamily="2"/>
+                <a:latin typeface="IBM Plex Sans KR Thin" panose="020B0203050203000203" pitchFamily="34" charset="-127"/>
+                <a:ea typeface="IBM Plex Sans KR Thin" panose="020B0203050203000203" pitchFamily="34" charset="-127"/>
                 <a:cs typeface="Arial" pitchFamily="2"/>
               </a:rPr>
               <a:t>,</a:t>
             </a:r>
             <a:r>
-              <a:rPr lang="ko-KR" sz="1800" b="0" i="0" u="none" strike="noStrike" kern="1200" spc="0">
+              <a:rPr lang="ko-KR" sz="1400" b="1" i="0" u="none" strike="noStrike" kern="1200" spc="0">
                 <a:ln>
                   <a:noFill/>
                 </a:ln>
                 <a:solidFill>
                   <a:srgbClr val="000000"/>
                 </a:solidFill>
-                <a:latin typeface="굴림" pitchFamily="18"/>
-                <a:ea typeface="굴림" pitchFamily="2"/>
+                <a:latin typeface="IBM Plex Sans KR Thin" panose="020B0203050203000203" pitchFamily="34" charset="-127"/>
+                <a:ea typeface="IBM Plex Sans KR Thin" panose="020B0203050203000203" pitchFamily="34" charset="-127"/>
                 <a:cs typeface="Arial" pitchFamily="2"/>
               </a:rPr>
               <a:t>페이징</a:t>
@@ -9346,8 +9357,8 @@
         </p:nvSpPr>
         <p:spPr>
           <a:xfrm>
-            <a:off x="3657240" y="3240000"/>
-            <a:ext cx="2390760" cy="364679"/>
+            <a:off x="3613355" y="3248976"/>
+            <a:ext cx="1711023" cy="440975"/>
           </a:xfrm>
           <a:custGeom>
             <a:avLst/>
@@ -9419,71 +9430,71 @@
               <a:defRPr sz="1800"/>
             </a:pPr>
             <a:r>
-              <a:rPr lang="ko-KR" sz="1800" b="0" i="0" u="none" strike="noStrike" kern="1200" spc="0">
+              <a:rPr lang="ko-KR" sz="1400" b="1" i="0" u="none" strike="noStrike" kern="1200" spc="0" dirty="0" err="1">
                 <a:ln>
                   <a:noFill/>
                 </a:ln>
                 <a:solidFill>
                   <a:srgbClr val="000000"/>
                 </a:solidFill>
-                <a:latin typeface="굴림" pitchFamily="18"/>
-                <a:ea typeface="굴림" pitchFamily="2"/>
+                <a:latin typeface="IBM Plex Sans KR Thin" panose="020B0203050203000203" pitchFamily="34" charset="-127"/>
+                <a:ea typeface="IBM Plex Sans KR Thin" panose="020B0203050203000203" pitchFamily="34" charset="-127"/>
                 <a:cs typeface="Arial" pitchFamily="2"/>
               </a:rPr>
               <a:t>쪽지보내기</a:t>
             </a:r>
             <a:r>
-              <a:rPr lang="en-US" sz="1800" b="0" i="0" u="none" strike="noStrike" kern="1200" spc="0">
+              <a:rPr lang="en-US" sz="1400" b="1" i="0" u="none" strike="noStrike" kern="1200" spc="0" dirty="0">
                 <a:ln>
                   <a:noFill/>
                 </a:ln>
                 <a:solidFill>
                   <a:srgbClr val="000000"/>
                 </a:solidFill>
-                <a:latin typeface="굴림" pitchFamily="18"/>
-                <a:ea typeface="굴림" pitchFamily="2"/>
+                <a:latin typeface="IBM Plex Sans KR Thin" panose="020B0203050203000203" pitchFamily="34" charset="-127"/>
+                <a:ea typeface="IBM Plex Sans KR Thin" panose="020B0203050203000203" pitchFamily="34" charset="-127"/>
                 <a:cs typeface="Arial" pitchFamily="2"/>
               </a:rPr>
               <a:t>,</a:t>
             </a:r>
             <a:r>
-              <a:rPr lang="ko-KR" sz="1800" b="0" i="0" u="none" strike="noStrike" kern="1200" spc="0">
+              <a:rPr lang="ko-KR" sz="1400" b="1" i="0" u="none" strike="noStrike" kern="1200" spc="0" dirty="0">
                 <a:ln>
                   <a:noFill/>
                 </a:ln>
                 <a:solidFill>
                   <a:srgbClr val="000000"/>
                 </a:solidFill>
-                <a:latin typeface="굴림" pitchFamily="18"/>
-                <a:ea typeface="굴림" pitchFamily="2"/>
+                <a:latin typeface="IBM Plex Sans KR Thin" panose="020B0203050203000203" pitchFamily="34" charset="-127"/>
+                <a:ea typeface="IBM Plex Sans KR Thin" panose="020B0203050203000203" pitchFamily="34" charset="-127"/>
                 <a:cs typeface="Arial" pitchFamily="2"/>
               </a:rPr>
               <a:t>답장</a:t>
             </a:r>
             <a:r>
-              <a:rPr lang="en-US" sz="1800" b="0" i="0" u="none" strike="noStrike" kern="1200" spc="0">
+              <a:rPr lang="en-US" sz="1400" b="1" i="0" u="none" strike="noStrike" kern="1200" spc="0" dirty="0">
                 <a:ln>
                   <a:noFill/>
                 </a:ln>
                 <a:solidFill>
                   <a:srgbClr val="000000"/>
                 </a:solidFill>
-                <a:latin typeface="굴림" pitchFamily="18"/>
-                <a:ea typeface="굴림" pitchFamily="2"/>
+                <a:latin typeface="IBM Plex Sans KR Thin" panose="020B0203050203000203" pitchFamily="34" charset="-127"/>
+                <a:ea typeface="IBM Plex Sans KR Thin" panose="020B0203050203000203" pitchFamily="34" charset="-127"/>
                 <a:cs typeface="Arial" pitchFamily="2"/>
               </a:rPr>
               <a:t>,</a:t>
             </a:r>
             <a:r>
-              <a:rPr lang="ko-KR" sz="1800" b="0" i="0" u="none" strike="noStrike" kern="1200" spc="0">
+              <a:rPr lang="ko-KR" sz="1400" b="1" i="0" u="none" strike="noStrike" kern="1200" spc="0" dirty="0">
                 <a:ln>
                   <a:noFill/>
                 </a:ln>
                 <a:solidFill>
                   <a:srgbClr val="000000"/>
                 </a:solidFill>
-                <a:latin typeface="굴림" pitchFamily="18"/>
-                <a:ea typeface="굴림" pitchFamily="2"/>
+                <a:latin typeface="IBM Plex Sans KR Thin" panose="020B0203050203000203" pitchFamily="34" charset="-127"/>
+                <a:ea typeface="IBM Plex Sans KR Thin" panose="020B0203050203000203" pitchFamily="34" charset="-127"/>
                 <a:cs typeface="Arial" pitchFamily="2"/>
               </a:rPr>
               <a:t>삭제</a:t>
@@ -9619,8 +9630,8 @@
         </p:nvSpPr>
         <p:spPr>
           <a:xfrm>
-            <a:off x="6552000" y="3235320"/>
-            <a:ext cx="1857240" cy="364679"/>
+            <a:off x="6708045" y="3248976"/>
+            <a:ext cx="1347141" cy="440975"/>
           </a:xfrm>
           <a:custGeom>
             <a:avLst/>
@@ -9692,47 +9703,58 @@
               <a:defRPr sz="1800"/>
             </a:pPr>
             <a:r>
-              <a:rPr lang="ko-KR" sz="1800" b="0" i="0" u="none" strike="noStrike" kern="1200" spc="0">
+              <a:rPr lang="ko-KR" sz="1400" b="1" i="0" u="none" strike="noStrike" kern="1200" spc="0" dirty="0">
                 <a:ln>
                   <a:noFill/>
                 </a:ln>
                 <a:solidFill>
                   <a:srgbClr val="000000"/>
                 </a:solidFill>
-                <a:latin typeface="굴림" pitchFamily="18"/>
-                <a:ea typeface="굴림" pitchFamily="2"/>
+                <a:latin typeface="IBM Plex Sans KR Thin" panose="020B0203050203000203" pitchFamily="34" charset="-127"/>
+                <a:ea typeface="IBM Plex Sans KR Thin" panose="020B0203050203000203" pitchFamily="34" charset="-127"/>
                 <a:cs typeface="Arial" pitchFamily="2"/>
               </a:rPr>
               <a:t>게시판</a:t>
             </a:r>
             <a:r>
-              <a:rPr lang="en-US" sz="1800" b="0" i="0" u="none" strike="noStrike" kern="1200" spc="0">
+              <a:rPr lang="en-US" sz="1400" b="1" i="0" u="none" strike="noStrike" kern="1200" spc="0" dirty="0">
                 <a:ln>
                   <a:noFill/>
                 </a:ln>
                 <a:solidFill>
                   <a:srgbClr val="000000"/>
                 </a:solidFill>
-                <a:latin typeface="굴림" pitchFamily="18"/>
-                <a:ea typeface="굴림" pitchFamily="2"/>
+                <a:latin typeface="IBM Plex Sans KR Thin" panose="020B0203050203000203" pitchFamily="34" charset="-127"/>
+                <a:ea typeface="IBM Plex Sans KR Thin" panose="020B0203050203000203" pitchFamily="34" charset="-127"/>
                 <a:cs typeface="Arial" pitchFamily="2"/>
               </a:rPr>
               <a:t>,</a:t>
             </a:r>
             <a:r>
-              <a:rPr lang="ko-KR" sz="1800" b="0" i="0" u="none" strike="noStrike" kern="1200" spc="0">
+              <a:rPr lang="ko-KR" sz="1400" b="1" i="0" u="none" strike="noStrike" kern="1200" spc="0" dirty="0" err="1">
                 <a:ln>
                   <a:noFill/>
                 </a:ln>
                 <a:solidFill>
                   <a:srgbClr val="000000"/>
                 </a:solidFill>
-                <a:latin typeface="굴림" pitchFamily="18"/>
-                <a:ea typeface="굴림" pitchFamily="2"/>
+                <a:latin typeface="IBM Plex Sans KR Thin" panose="020B0203050203000203" pitchFamily="34" charset="-127"/>
+                <a:ea typeface="IBM Plex Sans KR Thin" panose="020B0203050203000203" pitchFamily="34" charset="-127"/>
                 <a:cs typeface="Arial" pitchFamily="2"/>
               </a:rPr>
               <a:t>쪽지알람</a:t>
             </a:r>
+            <a:endParaRPr lang="ko-KR" sz="1400" b="1" i="0" u="none" strike="noStrike" kern="1200" spc="0" dirty="0">
+              <a:ln>
+                <a:noFill/>
+              </a:ln>
+              <a:solidFill>
+                <a:srgbClr val="000000"/>
+              </a:solidFill>
+              <a:latin typeface="IBM Plex Sans KR Thin" panose="020B0203050203000203" pitchFamily="34" charset="-127"/>
+              <a:ea typeface="IBM Plex Sans KR Thin" panose="020B0203050203000203" pitchFamily="34" charset="-127"/>
+              <a:cs typeface="Arial" pitchFamily="2"/>
+            </a:endParaRPr>
           </a:p>
         </p:txBody>
       </p:sp>
@@ -9788,8 +9810,8 @@
         </p:nvSpPr>
         <p:spPr>
           <a:xfrm>
-            <a:off x="9290160" y="3240000"/>
-            <a:ext cx="2085839" cy="639000"/>
+            <a:off x="9579359" y="3240000"/>
+            <a:ext cx="1507441" cy="791071"/>
           </a:xfrm>
           <a:custGeom>
             <a:avLst/>
@@ -9861,43 +9883,43 @@
               <a:defRPr sz="1800"/>
             </a:pPr>
             <a:r>
-              <a:rPr lang="ko-KR" sz="1800" b="0" i="0" u="none" strike="noStrike" kern="1200" spc="0">
+              <a:rPr lang="ko-KR" sz="1400" b="1" i="0" u="none" strike="noStrike" kern="1200" spc="0">
                 <a:ln>
                   <a:noFill/>
                 </a:ln>
                 <a:solidFill>
                   <a:srgbClr val="000000"/>
                 </a:solidFill>
-                <a:latin typeface="굴림" pitchFamily="18"/>
-                <a:ea typeface="굴림" pitchFamily="2"/>
+                <a:latin typeface="IBM Plex Sans KR Thin" panose="020B0203050203000203" pitchFamily="34" charset="-127"/>
+                <a:ea typeface="IBM Plex Sans KR Thin" panose="020B0203050203000203" pitchFamily="34" charset="-127"/>
                 <a:cs typeface="Arial" pitchFamily="2"/>
               </a:rPr>
               <a:t>유기동물</a:t>
             </a:r>
             <a:r>
-              <a:rPr lang="en-US" sz="1800" b="0" i="0" u="none" strike="noStrike" kern="1200" spc="0">
+              <a:rPr lang="en-US" sz="1400" b="1" i="0" u="none" strike="noStrike" kern="1200" spc="0">
                 <a:ln>
                   <a:noFill/>
                 </a:ln>
                 <a:solidFill>
                   <a:srgbClr val="000000"/>
                 </a:solidFill>
-                <a:latin typeface="굴림" pitchFamily="18"/>
-                <a:ea typeface="굴림" pitchFamily="2"/>
+                <a:latin typeface="IBM Plex Sans KR Thin" panose="020B0203050203000203" pitchFamily="34" charset="-127"/>
+                <a:ea typeface="IBM Plex Sans KR Thin" panose="020B0203050203000203" pitchFamily="34" charset="-127"/>
                 <a:cs typeface="Arial" pitchFamily="2"/>
               </a:rPr>
               <a:t>,</a:t>
             </a:r>
             <a:r>
-              <a:rPr lang="ko-KR" sz="1800" b="0" i="0" u="none" strike="noStrike" kern="1200" spc="0">
+              <a:rPr lang="ko-KR" sz="1400" b="1" i="0" u="none" strike="noStrike" kern="1200" spc="0">
                 <a:ln>
                   <a:noFill/>
                 </a:ln>
                 <a:solidFill>
                   <a:srgbClr val="000000"/>
                 </a:solidFill>
-                <a:latin typeface="굴림" pitchFamily="18"/>
-                <a:ea typeface="굴림" pitchFamily="2"/>
+                <a:latin typeface="IBM Plex Sans KR Thin" panose="020B0203050203000203" pitchFamily="34" charset="-127"/>
+                <a:ea typeface="IBM Plex Sans KR Thin" panose="020B0203050203000203" pitchFamily="34" charset="-127"/>
                 <a:cs typeface="Arial" pitchFamily="2"/>
               </a:rPr>
               <a:t>관련병원</a:t>
@@ -9919,29 +9941,29 @@
               <a:defRPr sz="1800"/>
             </a:pPr>
             <a:r>
-              <a:rPr lang="en-US" sz="1800" b="0" i="0" u="none" strike="noStrike" kern="1200" spc="0">
+              <a:rPr lang="en-US" sz="1400" b="1" i="0" u="none" strike="noStrike" kern="1200" spc="0">
                 <a:ln>
                   <a:noFill/>
                 </a:ln>
                 <a:solidFill>
                   <a:srgbClr val="000000"/>
                 </a:solidFill>
-                <a:latin typeface="굴림" pitchFamily="18"/>
-                <a:ea typeface="굴림" pitchFamily="2"/>
+                <a:latin typeface="IBM Plex Sans KR Thin" panose="020B0203050203000203" pitchFamily="34" charset="-127"/>
+                <a:ea typeface="IBM Plex Sans KR Thin" panose="020B0203050203000203" pitchFamily="34" charset="-127"/>
                 <a:cs typeface="Arial" pitchFamily="2"/>
               </a:rPr>
               <a:t>API</a:t>
             </a:r>
             <a:r>
-              <a:rPr lang="ko-KR" sz="1800" b="0" i="0" u="none" strike="noStrike" kern="1200" spc="0">
+              <a:rPr lang="ko-KR" sz="1400" b="1" i="0" u="none" strike="noStrike" kern="1200" spc="0">
                 <a:ln>
                   <a:noFill/>
                 </a:ln>
                 <a:solidFill>
                   <a:srgbClr val="000000"/>
                 </a:solidFill>
-                <a:latin typeface="굴림" pitchFamily="18"/>
-                <a:ea typeface="굴림" pitchFamily="2"/>
+                <a:latin typeface="IBM Plex Sans KR Thin" panose="020B0203050203000203" pitchFamily="34" charset="-127"/>
+                <a:ea typeface="IBM Plex Sans KR Thin" panose="020B0203050203000203" pitchFamily="34" charset="-127"/>
                 <a:cs typeface="Arial" pitchFamily="2"/>
               </a:rPr>
               <a:t>사용</a:t>
@@ -10904,7 +10926,7 @@
         </p:nvSpPr>
         <p:spPr>
           <a:xfrm>
-            <a:off x="1623459" y="4699295"/>
+            <a:off x="3246917" y="4555619"/>
             <a:ext cx="6307392" cy="369332"/>
           </a:xfrm>
           <a:prstGeom prst="rect">
@@ -10955,7 +10977,7 @@
         </p:blipFill>
         <p:spPr bwMode="auto">
           <a:xfrm>
-            <a:off x="1945895" y="2029836"/>
+            <a:off x="3246917" y="2141069"/>
             <a:ext cx="5381165" cy="2440108"/>
           </a:xfrm>
           <a:prstGeom prst="rect">
@@ -11338,7 +11360,7 @@
         </p:blipFill>
         <p:spPr bwMode="auto">
           <a:xfrm>
-            <a:off x="2073716" y="2356339"/>
+            <a:off x="3527376" y="2373924"/>
             <a:ext cx="5125524" cy="2324187"/>
           </a:xfrm>
           <a:prstGeom prst="rect">
@@ -12947,6 +12969,2246 @@
           </a:p>
         </p:txBody>
       </p:sp>
+      <p:sp>
+        <p:nvSpPr>
+          <p:cNvPr id="10" name="TextBox 14">
+            <a:extLst>
+              <a:ext uri="{FF2B5EF4-FFF2-40B4-BE49-F238E27FC236}">
+                <a16:creationId xmlns:a16="http://schemas.microsoft.com/office/drawing/2014/main" id="{2A2BBF2F-3DB6-9541-9885-12C10FBA0E2A}"/>
+              </a:ext>
+            </a:extLst>
+          </p:cNvPr>
+          <p:cNvSpPr/>
+          <p:nvPr/>
+        </p:nvSpPr>
+        <p:spPr>
+          <a:xfrm>
+            <a:off x="868043" y="4145760"/>
+            <a:ext cx="1427040" cy="504497"/>
+          </a:xfrm>
+          <a:custGeom>
+            <a:avLst/>
+            <a:gdLst>
+              <a:gd name="f0" fmla="val 0"/>
+              <a:gd name="f1" fmla="val 21600"/>
+            </a:gdLst>
+            <a:ahLst/>
+            <a:cxnLst>
+              <a:cxn ang="3cd4">
+                <a:pos x="hc" y="t"/>
+              </a:cxn>
+              <a:cxn ang="0">
+                <a:pos x="r" y="vc"/>
+              </a:cxn>
+              <a:cxn ang="cd4">
+                <a:pos x="hc" y="b"/>
+              </a:cxn>
+              <a:cxn ang="cd2">
+                <a:pos x="l" y="vc"/>
+              </a:cxn>
+            </a:cxnLst>
+            <a:rect l="l" t="t" r="r" b="b"/>
+            <a:pathLst>
+              <a:path w="21600" h="21600">
+                <a:moveTo>
+                  <a:pt x="f0" y="f0"/>
+                </a:moveTo>
+                <a:lnTo>
+                  <a:pt x="f1" y="f0"/>
+                </a:lnTo>
+                <a:lnTo>
+                  <a:pt x="f1" y="f1"/>
+                </a:lnTo>
+                <a:lnTo>
+                  <a:pt x="f0" y="f1"/>
+                </a:lnTo>
+                <a:lnTo>
+                  <a:pt x="f0" y="f0"/>
+                </a:lnTo>
+                <a:close/>
+              </a:path>
+            </a:pathLst>
+          </a:custGeom>
+          <a:noFill/>
+          <a:ln>
+            <a:noFill/>
+            <a:prstDash val="solid"/>
+          </a:ln>
+        </p:spPr>
+        <p:txBody>
+          <a:bodyPr vert="horz" wrap="square" lIns="91440" tIns="45720" rIns="91440" bIns="45720" anchor="t" anchorCtr="0" compatLnSpc="0">
+            <a:spAutoFit/>
+          </a:bodyPr>
+          <a:lstStyle/>
+          <a:p>
+            <a:pPr marL="0" marR="0" lvl="0" indent="0" algn="ctr" rtl="0" hangingPunct="1">
+              <a:lnSpc>
+                <a:spcPct val="100000"/>
+              </a:lnSpc>
+              <a:spcBef>
+                <a:spcPts val="0"/>
+              </a:spcBef>
+              <a:spcAft>
+                <a:spcPts val="0"/>
+              </a:spcAft>
+              <a:buNone/>
+              <a:tabLst/>
+              <a:defRPr sz="1800"/>
+            </a:pPr>
+            <a:r>
+              <a:rPr lang="ko-KR" sz="2400" b="1" i="0" u="none" strike="noStrike" kern="1200" spc="0" dirty="0" err="1">
+                <a:ln>
+                  <a:noFill/>
+                </a:ln>
+                <a:solidFill>
+                  <a:srgbClr val="000000"/>
+                </a:solidFill>
+                <a:latin typeface="GangwonEduPower ExtraBold" panose="02020603020101020101" pitchFamily="18" charset="-127"/>
+                <a:ea typeface="GangwonEduPower ExtraBold" panose="02020603020101020101" pitchFamily="18" charset="-127"/>
+                <a:cs typeface="Arial" pitchFamily="2"/>
+              </a:rPr>
+              <a:t>전준하</a:t>
+            </a:r>
+            <a:r>
+              <a:rPr lang="en-US" sz="1800" b="0" i="0" u="none" strike="noStrike" kern="1200" spc="0" dirty="0">
+                <a:ln>
+                  <a:noFill/>
+                </a:ln>
+                <a:solidFill>
+                  <a:srgbClr val="000000"/>
+                </a:solidFill>
+                <a:latin typeface="GangwonEduPower ExtraBold" panose="02020603020101020101" pitchFamily="18" charset="-127"/>
+                <a:ea typeface="GangwonEduPower ExtraBold" panose="02020603020101020101" pitchFamily="18" charset="-127"/>
+                <a:cs typeface="Arial" pitchFamily="2"/>
+              </a:rPr>
+              <a:t> </a:t>
+            </a:r>
+          </a:p>
+        </p:txBody>
+      </p:sp>
+      <p:sp>
+        <p:nvSpPr>
+          <p:cNvPr id="12" name="TextBox 17">
+            <a:extLst>
+              <a:ext uri="{FF2B5EF4-FFF2-40B4-BE49-F238E27FC236}">
+                <a16:creationId xmlns:a16="http://schemas.microsoft.com/office/drawing/2014/main" id="{85E3DA9C-13FE-0542-855B-A8555C2DB9A6}"/>
+              </a:ext>
+            </a:extLst>
+          </p:cNvPr>
+          <p:cNvSpPr/>
+          <p:nvPr/>
+        </p:nvSpPr>
+        <p:spPr>
+          <a:xfrm>
+            <a:off x="3062244" y="4145760"/>
+            <a:ext cx="1427040" cy="504497"/>
+          </a:xfrm>
+          <a:custGeom>
+            <a:avLst/>
+            <a:gdLst>
+              <a:gd name="f0" fmla="val 0"/>
+              <a:gd name="f1" fmla="val 21600"/>
+            </a:gdLst>
+            <a:ahLst/>
+            <a:cxnLst>
+              <a:cxn ang="3cd4">
+                <a:pos x="hc" y="t"/>
+              </a:cxn>
+              <a:cxn ang="0">
+                <a:pos x="r" y="vc"/>
+              </a:cxn>
+              <a:cxn ang="cd4">
+                <a:pos x="hc" y="b"/>
+              </a:cxn>
+              <a:cxn ang="cd2">
+                <a:pos x="l" y="vc"/>
+              </a:cxn>
+            </a:cxnLst>
+            <a:rect l="l" t="t" r="r" b="b"/>
+            <a:pathLst>
+              <a:path w="21600" h="21600">
+                <a:moveTo>
+                  <a:pt x="f0" y="f0"/>
+                </a:moveTo>
+                <a:lnTo>
+                  <a:pt x="f1" y="f0"/>
+                </a:lnTo>
+                <a:lnTo>
+                  <a:pt x="f1" y="f1"/>
+                </a:lnTo>
+                <a:lnTo>
+                  <a:pt x="f0" y="f1"/>
+                </a:lnTo>
+                <a:lnTo>
+                  <a:pt x="f0" y="f0"/>
+                </a:lnTo>
+                <a:close/>
+              </a:path>
+            </a:pathLst>
+          </a:custGeom>
+          <a:noFill/>
+          <a:ln>
+            <a:noFill/>
+            <a:prstDash val="solid"/>
+          </a:ln>
+        </p:spPr>
+        <p:txBody>
+          <a:bodyPr vert="horz" wrap="square" lIns="91440" tIns="45720" rIns="91440" bIns="45720" anchor="t" anchorCtr="0" compatLnSpc="0">
+            <a:spAutoFit/>
+          </a:bodyPr>
+          <a:lstStyle/>
+          <a:p>
+            <a:pPr marL="0" marR="0" lvl="0" indent="0" algn="ctr" rtl="0" hangingPunct="1">
+              <a:lnSpc>
+                <a:spcPct val="100000"/>
+              </a:lnSpc>
+              <a:spcBef>
+                <a:spcPts val="0"/>
+              </a:spcBef>
+              <a:spcAft>
+                <a:spcPts val="0"/>
+              </a:spcAft>
+              <a:buNone/>
+              <a:tabLst/>
+              <a:defRPr sz="1800"/>
+            </a:pPr>
+            <a:r>
+              <a:rPr lang="ko-KR" sz="2400" b="1" i="0" u="none" strike="noStrike" kern="1200" spc="0">
+                <a:ln>
+                  <a:noFill/>
+                </a:ln>
+                <a:solidFill>
+                  <a:srgbClr val="000000"/>
+                </a:solidFill>
+                <a:latin typeface="GangwonEduPower ExtraBold" panose="02020603020101020101" pitchFamily="18" charset="-127"/>
+                <a:ea typeface="GangwonEduPower ExtraBold" panose="02020603020101020101" pitchFamily="18" charset="-127"/>
+                <a:cs typeface="Arial" pitchFamily="2"/>
+              </a:rPr>
+              <a:t>손선영</a:t>
+            </a:r>
+            <a:r>
+              <a:rPr lang="en-US" sz="1800" b="0" i="0" u="none" strike="noStrike" kern="1200" spc="0">
+                <a:ln>
+                  <a:noFill/>
+                </a:ln>
+                <a:solidFill>
+                  <a:srgbClr val="000000"/>
+                </a:solidFill>
+                <a:latin typeface="GangwonEduPower ExtraBold" panose="02020603020101020101" pitchFamily="18" charset="-127"/>
+                <a:ea typeface="GangwonEduPower ExtraBold" panose="02020603020101020101" pitchFamily="18" charset="-127"/>
+                <a:cs typeface="Arial" pitchFamily="2"/>
+              </a:rPr>
+              <a:t> </a:t>
+            </a:r>
+          </a:p>
+        </p:txBody>
+      </p:sp>
+      <p:sp>
+        <p:nvSpPr>
+          <p:cNvPr id="13" name="TextBox 18">
+            <a:extLst>
+              <a:ext uri="{FF2B5EF4-FFF2-40B4-BE49-F238E27FC236}">
+                <a16:creationId xmlns:a16="http://schemas.microsoft.com/office/drawing/2014/main" id="{F49D2B14-E56E-9E4F-8F58-A7ED0B5E7030}"/>
+              </a:ext>
+            </a:extLst>
+          </p:cNvPr>
+          <p:cNvSpPr/>
+          <p:nvPr/>
+        </p:nvSpPr>
+        <p:spPr>
+          <a:xfrm>
+            <a:off x="5352204" y="4145760"/>
+            <a:ext cx="1427040" cy="504497"/>
+          </a:xfrm>
+          <a:custGeom>
+            <a:avLst/>
+            <a:gdLst>
+              <a:gd name="f0" fmla="val 0"/>
+              <a:gd name="f1" fmla="val 21600"/>
+            </a:gdLst>
+            <a:ahLst/>
+            <a:cxnLst>
+              <a:cxn ang="3cd4">
+                <a:pos x="hc" y="t"/>
+              </a:cxn>
+              <a:cxn ang="0">
+                <a:pos x="r" y="vc"/>
+              </a:cxn>
+              <a:cxn ang="cd4">
+                <a:pos x="hc" y="b"/>
+              </a:cxn>
+              <a:cxn ang="cd2">
+                <a:pos x="l" y="vc"/>
+              </a:cxn>
+            </a:cxnLst>
+            <a:rect l="l" t="t" r="r" b="b"/>
+            <a:pathLst>
+              <a:path w="21600" h="21600">
+                <a:moveTo>
+                  <a:pt x="f0" y="f0"/>
+                </a:moveTo>
+                <a:lnTo>
+                  <a:pt x="f1" y="f0"/>
+                </a:lnTo>
+                <a:lnTo>
+                  <a:pt x="f1" y="f1"/>
+                </a:lnTo>
+                <a:lnTo>
+                  <a:pt x="f0" y="f1"/>
+                </a:lnTo>
+                <a:lnTo>
+                  <a:pt x="f0" y="f0"/>
+                </a:lnTo>
+                <a:close/>
+              </a:path>
+            </a:pathLst>
+          </a:custGeom>
+          <a:noFill/>
+          <a:ln>
+            <a:noFill/>
+            <a:prstDash val="solid"/>
+          </a:ln>
+        </p:spPr>
+        <p:txBody>
+          <a:bodyPr vert="horz" wrap="square" lIns="91440" tIns="45720" rIns="91440" bIns="45720" anchor="t" anchorCtr="0" compatLnSpc="0">
+            <a:spAutoFit/>
+          </a:bodyPr>
+          <a:lstStyle/>
+          <a:p>
+            <a:pPr marL="0" marR="0" lvl="0" indent="0" algn="ctr" rtl="0" hangingPunct="1">
+              <a:lnSpc>
+                <a:spcPct val="100000"/>
+              </a:lnSpc>
+              <a:spcBef>
+                <a:spcPts val="0"/>
+              </a:spcBef>
+              <a:spcAft>
+                <a:spcPts val="0"/>
+              </a:spcAft>
+              <a:buNone/>
+              <a:tabLst/>
+              <a:defRPr sz="1800"/>
+            </a:pPr>
+            <a:r>
+              <a:rPr lang="ko-KR" sz="2400" b="1" i="0" u="none" strike="noStrike" kern="1200" spc="0">
+                <a:ln>
+                  <a:noFill/>
+                </a:ln>
+                <a:solidFill>
+                  <a:srgbClr val="000000"/>
+                </a:solidFill>
+                <a:latin typeface="GangwonEduPower ExtraBold" panose="02020603020101020101" pitchFamily="18" charset="-127"/>
+                <a:ea typeface="GangwonEduPower ExtraBold" panose="02020603020101020101" pitchFamily="18" charset="-127"/>
+                <a:cs typeface="Arial" pitchFamily="2"/>
+              </a:rPr>
+              <a:t>김진혁</a:t>
+            </a:r>
+            <a:r>
+              <a:rPr lang="en-US" sz="1800" b="0" i="0" u="none" strike="noStrike" kern="1200" spc="0">
+                <a:ln>
+                  <a:noFill/>
+                </a:ln>
+                <a:solidFill>
+                  <a:srgbClr val="000000"/>
+                </a:solidFill>
+                <a:latin typeface="GangwonEduPower ExtraBold" panose="02020603020101020101" pitchFamily="18" charset="-127"/>
+                <a:ea typeface="GangwonEduPower ExtraBold" panose="02020603020101020101" pitchFamily="18" charset="-127"/>
+                <a:cs typeface="Arial" pitchFamily="2"/>
+              </a:rPr>
+              <a:t> </a:t>
+            </a:r>
+          </a:p>
+        </p:txBody>
+      </p:sp>
+      <p:sp>
+        <p:nvSpPr>
+          <p:cNvPr id="14" name="TextBox 19">
+            <a:extLst>
+              <a:ext uri="{FF2B5EF4-FFF2-40B4-BE49-F238E27FC236}">
+                <a16:creationId xmlns:a16="http://schemas.microsoft.com/office/drawing/2014/main" id="{C39CA590-0ABB-3D42-A6E1-BA60E2FBD8F6}"/>
+              </a:ext>
+            </a:extLst>
+          </p:cNvPr>
+          <p:cNvSpPr/>
+          <p:nvPr/>
+        </p:nvSpPr>
+        <p:spPr>
+          <a:xfrm>
+            <a:off x="7561884" y="4145760"/>
+            <a:ext cx="1427040" cy="504497"/>
+          </a:xfrm>
+          <a:custGeom>
+            <a:avLst/>
+            <a:gdLst>
+              <a:gd name="f0" fmla="val 0"/>
+              <a:gd name="f1" fmla="val 21600"/>
+            </a:gdLst>
+            <a:ahLst/>
+            <a:cxnLst>
+              <a:cxn ang="3cd4">
+                <a:pos x="hc" y="t"/>
+              </a:cxn>
+              <a:cxn ang="0">
+                <a:pos x="r" y="vc"/>
+              </a:cxn>
+              <a:cxn ang="cd4">
+                <a:pos x="hc" y="b"/>
+              </a:cxn>
+              <a:cxn ang="cd2">
+                <a:pos x="l" y="vc"/>
+              </a:cxn>
+            </a:cxnLst>
+            <a:rect l="l" t="t" r="r" b="b"/>
+            <a:pathLst>
+              <a:path w="21600" h="21600">
+                <a:moveTo>
+                  <a:pt x="f0" y="f0"/>
+                </a:moveTo>
+                <a:lnTo>
+                  <a:pt x="f1" y="f0"/>
+                </a:lnTo>
+                <a:lnTo>
+                  <a:pt x="f1" y="f1"/>
+                </a:lnTo>
+                <a:lnTo>
+                  <a:pt x="f0" y="f1"/>
+                </a:lnTo>
+                <a:lnTo>
+                  <a:pt x="f0" y="f0"/>
+                </a:lnTo>
+                <a:close/>
+              </a:path>
+            </a:pathLst>
+          </a:custGeom>
+          <a:noFill/>
+          <a:ln>
+            <a:noFill/>
+            <a:prstDash val="solid"/>
+          </a:ln>
+        </p:spPr>
+        <p:txBody>
+          <a:bodyPr vert="horz" wrap="square" lIns="91440" tIns="45720" rIns="91440" bIns="45720" anchor="t" anchorCtr="0" compatLnSpc="0">
+            <a:spAutoFit/>
+          </a:bodyPr>
+          <a:lstStyle/>
+          <a:p>
+            <a:pPr marL="0" marR="0" lvl="0" indent="0" algn="ctr" rtl="0" hangingPunct="1">
+              <a:lnSpc>
+                <a:spcPct val="100000"/>
+              </a:lnSpc>
+              <a:spcBef>
+                <a:spcPts val="0"/>
+              </a:spcBef>
+              <a:spcAft>
+                <a:spcPts val="0"/>
+              </a:spcAft>
+              <a:buNone/>
+              <a:tabLst/>
+              <a:defRPr sz="1800"/>
+            </a:pPr>
+            <a:r>
+              <a:rPr lang="ko-KR" sz="2400" b="1" i="0" u="none" strike="noStrike" kern="1200" spc="0">
+                <a:ln>
+                  <a:noFill/>
+                </a:ln>
+                <a:solidFill>
+                  <a:srgbClr val="000000"/>
+                </a:solidFill>
+                <a:latin typeface="GangwonEduPower ExtraBold" panose="02020603020101020101" pitchFamily="18" charset="-127"/>
+                <a:ea typeface="GangwonEduPower ExtraBold" panose="02020603020101020101" pitchFamily="18" charset="-127"/>
+                <a:cs typeface="Arial" pitchFamily="2"/>
+              </a:rPr>
+              <a:t>송가영</a:t>
+            </a:r>
+          </a:p>
+        </p:txBody>
+      </p:sp>
+      <p:sp>
+        <p:nvSpPr>
+          <p:cNvPr id="15" name="TextBox 20">
+            <a:extLst>
+              <a:ext uri="{FF2B5EF4-FFF2-40B4-BE49-F238E27FC236}">
+                <a16:creationId xmlns:a16="http://schemas.microsoft.com/office/drawing/2014/main" id="{70100F9D-605A-3745-B26E-F81CA4CF87C5}"/>
+              </a:ext>
+            </a:extLst>
+          </p:cNvPr>
+          <p:cNvSpPr/>
+          <p:nvPr/>
+        </p:nvSpPr>
+        <p:spPr>
+          <a:xfrm>
+            <a:off x="9715044" y="4098960"/>
+            <a:ext cx="1427040" cy="504497"/>
+          </a:xfrm>
+          <a:custGeom>
+            <a:avLst/>
+            <a:gdLst>
+              <a:gd name="f0" fmla="val 0"/>
+              <a:gd name="f1" fmla="val 21600"/>
+            </a:gdLst>
+            <a:ahLst/>
+            <a:cxnLst>
+              <a:cxn ang="3cd4">
+                <a:pos x="hc" y="t"/>
+              </a:cxn>
+              <a:cxn ang="0">
+                <a:pos x="r" y="vc"/>
+              </a:cxn>
+              <a:cxn ang="cd4">
+                <a:pos x="hc" y="b"/>
+              </a:cxn>
+              <a:cxn ang="cd2">
+                <a:pos x="l" y="vc"/>
+              </a:cxn>
+            </a:cxnLst>
+            <a:rect l="l" t="t" r="r" b="b"/>
+            <a:pathLst>
+              <a:path w="21600" h="21600">
+                <a:moveTo>
+                  <a:pt x="f0" y="f0"/>
+                </a:moveTo>
+                <a:lnTo>
+                  <a:pt x="f1" y="f0"/>
+                </a:lnTo>
+                <a:lnTo>
+                  <a:pt x="f1" y="f1"/>
+                </a:lnTo>
+                <a:lnTo>
+                  <a:pt x="f0" y="f1"/>
+                </a:lnTo>
+                <a:lnTo>
+                  <a:pt x="f0" y="f0"/>
+                </a:lnTo>
+                <a:close/>
+              </a:path>
+            </a:pathLst>
+          </a:custGeom>
+          <a:noFill/>
+          <a:ln>
+            <a:noFill/>
+            <a:prstDash val="solid"/>
+          </a:ln>
+        </p:spPr>
+        <p:txBody>
+          <a:bodyPr vert="horz" wrap="square" lIns="91440" tIns="45720" rIns="91440" bIns="45720" anchor="t" anchorCtr="0" compatLnSpc="0">
+            <a:spAutoFit/>
+          </a:bodyPr>
+          <a:lstStyle/>
+          <a:p>
+            <a:pPr marL="0" marR="0" lvl="0" indent="0" algn="ctr" rtl="0" hangingPunct="1">
+              <a:lnSpc>
+                <a:spcPct val="100000"/>
+              </a:lnSpc>
+              <a:spcBef>
+                <a:spcPts val="0"/>
+              </a:spcBef>
+              <a:spcAft>
+                <a:spcPts val="0"/>
+              </a:spcAft>
+              <a:buNone/>
+              <a:tabLst/>
+              <a:defRPr sz="1800"/>
+            </a:pPr>
+            <a:r>
+              <a:rPr lang="ko-KR" sz="2400" b="1" i="0" u="none" strike="noStrike" kern="1200" spc="0" dirty="0" err="1">
+                <a:ln>
+                  <a:noFill/>
+                </a:ln>
+                <a:solidFill>
+                  <a:srgbClr val="000000"/>
+                </a:solidFill>
+                <a:latin typeface="GangwonEduPower ExtraBold" panose="02020603020101020101" pitchFamily="18" charset="-127"/>
+                <a:ea typeface="GangwonEduPower ExtraBold" panose="02020603020101020101" pitchFamily="18" charset="-127"/>
+                <a:cs typeface="Arial" pitchFamily="2"/>
+              </a:rPr>
+              <a:t>최동혁</a:t>
+            </a:r>
+            <a:endParaRPr lang="ko-KR" sz="2400" b="1" i="0" u="none" strike="noStrike" kern="1200" spc="0" dirty="0">
+              <a:ln>
+                <a:noFill/>
+              </a:ln>
+              <a:solidFill>
+                <a:srgbClr val="000000"/>
+              </a:solidFill>
+              <a:latin typeface="GangwonEduPower ExtraBold" panose="02020603020101020101" pitchFamily="18" charset="-127"/>
+              <a:ea typeface="GangwonEduPower ExtraBold" panose="02020603020101020101" pitchFamily="18" charset="-127"/>
+              <a:cs typeface="Arial" pitchFamily="2"/>
+            </a:endParaRPr>
+          </a:p>
+        </p:txBody>
+      </p:sp>
+      <p:pic>
+        <p:nvPicPr>
+          <p:cNvPr id="16" name="그림 24">
+            <a:extLst>
+              <a:ext uri="{FF2B5EF4-FFF2-40B4-BE49-F238E27FC236}">
+                <a16:creationId xmlns:a16="http://schemas.microsoft.com/office/drawing/2014/main" id="{4248DC05-BB99-7D4C-9698-B0C583569588}"/>
+              </a:ext>
+            </a:extLst>
+          </p:cNvPr>
+          <p:cNvPicPr>
+            <a:picLocks noChangeAspect="1"/>
+          </p:cNvPicPr>
+          <p:nvPr/>
+        </p:nvPicPr>
+        <p:blipFill>
+          <a:blip r:embed="rId3">
+            <a:lum/>
+            <a:alphaModFix/>
+          </a:blip>
+          <a:srcRect/>
+          <a:stretch>
+            <a:fillRect/>
+          </a:stretch>
+        </p:blipFill>
+        <p:spPr>
+          <a:xfrm>
+            <a:off x="7195319" y="1635480"/>
+            <a:ext cx="2215439" cy="2215439"/>
+          </a:xfrm>
+          <a:prstGeom prst="rect">
+            <a:avLst/>
+          </a:prstGeom>
+          <a:noFill/>
+          <a:ln>
+            <a:noFill/>
+          </a:ln>
+        </p:spPr>
+      </p:pic>
+      <p:pic>
+        <p:nvPicPr>
+          <p:cNvPr id="17" name="그림 26">
+            <a:extLst>
+              <a:ext uri="{FF2B5EF4-FFF2-40B4-BE49-F238E27FC236}">
+                <a16:creationId xmlns:a16="http://schemas.microsoft.com/office/drawing/2014/main" id="{D42D5BDC-8E9A-444D-8198-C8FB6F069C07}"/>
+              </a:ext>
+            </a:extLst>
+          </p:cNvPr>
+          <p:cNvPicPr>
+            <a:picLocks noChangeAspect="1"/>
+          </p:cNvPicPr>
+          <p:nvPr/>
+        </p:nvPicPr>
+        <p:blipFill>
+          <a:blip r:embed="rId4">
+            <a:lum/>
+            <a:alphaModFix/>
+          </a:blip>
+          <a:srcRect/>
+          <a:stretch>
+            <a:fillRect/>
+          </a:stretch>
+        </p:blipFill>
+        <p:spPr>
+          <a:xfrm>
+            <a:off x="9354959" y="1389239"/>
+            <a:ext cx="2543400" cy="2531880"/>
+          </a:xfrm>
+          <a:prstGeom prst="rect">
+            <a:avLst/>
+          </a:prstGeom>
+          <a:noFill/>
+          <a:ln>
+            <a:noFill/>
+          </a:ln>
+        </p:spPr>
+      </p:pic>
+      <p:pic>
+        <p:nvPicPr>
+          <p:cNvPr id="18" name="그림 28">
+            <a:extLst>
+              <a:ext uri="{FF2B5EF4-FFF2-40B4-BE49-F238E27FC236}">
+                <a16:creationId xmlns:a16="http://schemas.microsoft.com/office/drawing/2014/main" id="{3133431A-8253-E647-9F48-0CA58FDA89A8}"/>
+              </a:ext>
+            </a:extLst>
+          </p:cNvPr>
+          <p:cNvPicPr>
+            <a:picLocks noChangeAspect="1"/>
+          </p:cNvPicPr>
+          <p:nvPr/>
+        </p:nvPicPr>
+        <p:blipFill>
+          <a:blip r:embed="rId5">
+            <a:lum/>
+            <a:alphaModFix/>
+          </a:blip>
+          <a:srcRect/>
+          <a:stretch>
+            <a:fillRect/>
+          </a:stretch>
+        </p:blipFill>
+        <p:spPr>
+          <a:xfrm>
+            <a:off x="234360" y="1717560"/>
+            <a:ext cx="2742840" cy="2742840"/>
+          </a:xfrm>
+          <a:prstGeom prst="rect">
+            <a:avLst/>
+          </a:prstGeom>
+          <a:noFill/>
+          <a:ln>
+            <a:noFill/>
+          </a:ln>
+        </p:spPr>
+      </p:pic>
+      <p:pic>
+        <p:nvPicPr>
+          <p:cNvPr id="19" name="그림 29">
+            <a:extLst>
+              <a:ext uri="{FF2B5EF4-FFF2-40B4-BE49-F238E27FC236}">
+                <a16:creationId xmlns:a16="http://schemas.microsoft.com/office/drawing/2014/main" id="{0B617855-9500-884B-A301-DAF0FAA0B0B0}"/>
+              </a:ext>
+            </a:extLst>
+          </p:cNvPr>
+          <p:cNvPicPr>
+            <a:picLocks noChangeAspect="1"/>
+          </p:cNvPicPr>
+          <p:nvPr/>
+        </p:nvPicPr>
+        <p:blipFill>
+          <a:blip r:embed="rId6">
+            <a:lum/>
+            <a:alphaModFix/>
+          </a:blip>
+          <a:srcRect/>
+          <a:stretch>
+            <a:fillRect/>
+          </a:stretch>
+        </p:blipFill>
+        <p:spPr>
+          <a:xfrm>
+            <a:off x="4736160" y="1846439"/>
+            <a:ext cx="2531880" cy="2531880"/>
+          </a:xfrm>
+          <a:prstGeom prst="rect">
+            <a:avLst/>
+          </a:prstGeom>
+          <a:noFill/>
+          <a:ln>
+            <a:noFill/>
+          </a:ln>
+        </p:spPr>
+      </p:pic>
+      <p:sp>
+        <p:nvSpPr>
+          <p:cNvPr id="20" name="TextBox 30">
+            <a:extLst>
+              <a:ext uri="{FF2B5EF4-FFF2-40B4-BE49-F238E27FC236}">
+                <a16:creationId xmlns:a16="http://schemas.microsoft.com/office/drawing/2014/main" id="{3085EE5F-191D-DA4E-936B-9A64A25D2BF6}"/>
+              </a:ext>
+            </a:extLst>
+          </p:cNvPr>
+          <p:cNvSpPr/>
+          <p:nvPr/>
+        </p:nvSpPr>
+        <p:spPr>
+          <a:xfrm>
+            <a:off x="520560" y="4736022"/>
+            <a:ext cx="2057039" cy="1193404"/>
+          </a:xfrm>
+          <a:custGeom>
+            <a:avLst/>
+            <a:gdLst>
+              <a:gd name="f0" fmla="val 0"/>
+              <a:gd name="f1" fmla="val 21600"/>
+            </a:gdLst>
+            <a:ahLst/>
+            <a:cxnLst>
+              <a:cxn ang="3cd4">
+                <a:pos x="hc" y="t"/>
+              </a:cxn>
+              <a:cxn ang="0">
+                <a:pos x="r" y="vc"/>
+              </a:cxn>
+              <a:cxn ang="cd4">
+                <a:pos x="hc" y="b"/>
+              </a:cxn>
+              <a:cxn ang="cd2">
+                <a:pos x="l" y="vc"/>
+              </a:cxn>
+            </a:cxnLst>
+            <a:rect l="l" t="t" r="r" b="b"/>
+            <a:pathLst>
+              <a:path w="21600" h="21600">
+                <a:moveTo>
+                  <a:pt x="f0" y="f0"/>
+                </a:moveTo>
+                <a:lnTo>
+                  <a:pt x="f1" y="f0"/>
+                </a:lnTo>
+                <a:lnTo>
+                  <a:pt x="f1" y="f1"/>
+                </a:lnTo>
+                <a:lnTo>
+                  <a:pt x="f0" y="f1"/>
+                </a:lnTo>
+                <a:lnTo>
+                  <a:pt x="f0" y="f0"/>
+                </a:lnTo>
+                <a:close/>
+              </a:path>
+            </a:pathLst>
+          </a:custGeom>
+          <a:noFill/>
+          <a:ln w="0">
+            <a:noFill/>
+            <a:custDash>
+              <a:ds d="140000" sp="100000"/>
+            </a:custDash>
+          </a:ln>
+        </p:spPr>
+        <p:txBody>
+          <a:bodyPr vert="horz" wrap="square" lIns="91440" tIns="45720" rIns="91440" bIns="45720" anchor="t" anchorCtr="0" compatLnSpc="0">
+            <a:spAutoFit/>
+          </a:bodyPr>
+          <a:lstStyle/>
+          <a:p>
+            <a:pPr marL="0" marR="0" lvl="0" indent="0" algn="ctr" rtl="0" hangingPunct="1">
+              <a:lnSpc>
+                <a:spcPts val="1400"/>
+              </a:lnSpc>
+              <a:spcBef>
+                <a:spcPts val="0"/>
+              </a:spcBef>
+              <a:spcAft>
+                <a:spcPts val="0"/>
+              </a:spcAft>
+              <a:buNone/>
+              <a:tabLst/>
+              <a:defRPr sz="1800"/>
+            </a:pPr>
+            <a:r>
+              <a:rPr lang="ko-KR" sz="1400" b="1" i="0" u="none" strike="noStrike" kern="1200" spc="0" dirty="0">
+                <a:ln>
+                  <a:noFill/>
+                </a:ln>
+                <a:solidFill>
+                  <a:srgbClr val="000000"/>
+                </a:solidFill>
+                <a:latin typeface="IBM Plex Sans KR Thin" panose="020B0203050203000203" pitchFamily="34" charset="-127"/>
+                <a:ea typeface="IBM Plex Sans KR Thin" panose="020B0203050203000203" pitchFamily="34" charset="-127"/>
+                <a:cs typeface="Arial" pitchFamily="2"/>
+              </a:rPr>
+              <a:t>조장</a:t>
+            </a:r>
+            <a:endParaRPr lang="en-US" altLang="ko-KR" sz="1400" b="1" i="0" u="none" strike="noStrike" kern="1200" spc="0" dirty="0">
+              <a:ln>
+                <a:noFill/>
+              </a:ln>
+              <a:solidFill>
+                <a:srgbClr val="000000"/>
+              </a:solidFill>
+              <a:latin typeface="IBM Plex Sans KR Thin" panose="020B0203050203000203" pitchFamily="34" charset="-127"/>
+              <a:ea typeface="IBM Plex Sans KR Thin" panose="020B0203050203000203" pitchFamily="34" charset="-127"/>
+              <a:cs typeface="Arial" pitchFamily="2"/>
+            </a:endParaRPr>
+          </a:p>
+          <a:p>
+            <a:pPr marL="0" marR="0" lvl="0" indent="0" algn="ctr" rtl="0" hangingPunct="1">
+              <a:lnSpc>
+                <a:spcPts val="1400"/>
+              </a:lnSpc>
+              <a:spcBef>
+                <a:spcPts val="0"/>
+              </a:spcBef>
+              <a:spcAft>
+                <a:spcPts val="0"/>
+              </a:spcAft>
+              <a:buNone/>
+              <a:tabLst/>
+              <a:defRPr sz="1800"/>
+            </a:pPr>
+            <a:endParaRPr lang="ko-KR" sz="1400" b="1" i="0" u="none" strike="noStrike" kern="1200" spc="0" dirty="0">
+              <a:ln>
+                <a:noFill/>
+              </a:ln>
+              <a:solidFill>
+                <a:srgbClr val="000000"/>
+              </a:solidFill>
+              <a:latin typeface="IBM Plex Sans KR Thin" panose="020B0203050203000203" pitchFamily="34" charset="-127"/>
+              <a:ea typeface="IBM Plex Sans KR Thin" panose="020B0203050203000203" pitchFamily="34" charset="-127"/>
+              <a:cs typeface="Arial" pitchFamily="2"/>
+            </a:endParaRPr>
+          </a:p>
+          <a:p>
+            <a:pPr marL="0" marR="0" lvl="0" indent="0" algn="ctr" rtl="0" hangingPunct="1">
+              <a:lnSpc>
+                <a:spcPts val="1400"/>
+              </a:lnSpc>
+              <a:spcBef>
+                <a:spcPts val="0"/>
+              </a:spcBef>
+              <a:spcAft>
+                <a:spcPts val="0"/>
+              </a:spcAft>
+              <a:buNone/>
+              <a:tabLst/>
+              <a:defRPr sz="1800"/>
+            </a:pPr>
+            <a:r>
+              <a:rPr lang="en-US" sz="1100" b="0" i="0" u="none" strike="noStrike" kern="1200" spc="0" dirty="0">
+                <a:ln>
+                  <a:noFill/>
+                </a:ln>
+                <a:solidFill>
+                  <a:srgbClr val="000000"/>
+                </a:solidFill>
+                <a:latin typeface="IBM Plex Sans KR Thin" panose="020B0203050203000203" pitchFamily="34" charset="-127"/>
+                <a:ea typeface="IBM Plex Sans KR Thin" panose="020B0203050203000203" pitchFamily="34" charset="-127"/>
+                <a:cs typeface="Arial" pitchFamily="2"/>
+              </a:rPr>
+              <a:t>Back / Front end</a:t>
+            </a:r>
+          </a:p>
+          <a:p>
+            <a:pPr marL="0" marR="0" lvl="0" indent="0" algn="ctr" rtl="0" hangingPunct="1">
+              <a:lnSpc>
+                <a:spcPts val="1400"/>
+              </a:lnSpc>
+              <a:spcBef>
+                <a:spcPts val="0"/>
+              </a:spcBef>
+              <a:spcAft>
+                <a:spcPts val="0"/>
+              </a:spcAft>
+              <a:buNone/>
+              <a:tabLst/>
+              <a:defRPr sz="1800"/>
+            </a:pPr>
+            <a:r>
+              <a:rPr lang="ko-KR" sz="1100" b="0" i="0" u="none" strike="noStrike" kern="1200" spc="0" dirty="0" err="1">
+                <a:ln>
+                  <a:noFill/>
+                </a:ln>
+                <a:solidFill>
+                  <a:srgbClr val="000000"/>
+                </a:solidFill>
+                <a:latin typeface="IBM Plex Sans KR Thin" panose="020B0203050203000203" pitchFamily="34" charset="-127"/>
+                <a:ea typeface="IBM Plex Sans KR Thin" panose="020B0203050203000203" pitchFamily="34" charset="-127"/>
+                <a:cs typeface="Arial" pitchFamily="2"/>
+              </a:rPr>
+              <a:t>분양게시판</a:t>
+            </a:r>
+            <a:r>
+              <a:rPr lang="ko-KR" sz="1100" b="0" i="0" u="none" strike="noStrike" kern="1200" spc="0" dirty="0">
+                <a:ln>
+                  <a:noFill/>
+                </a:ln>
+                <a:solidFill>
+                  <a:srgbClr val="000000"/>
+                </a:solidFill>
+                <a:latin typeface="IBM Plex Sans KR Thin" panose="020B0203050203000203" pitchFamily="34" charset="-127"/>
+                <a:ea typeface="IBM Plex Sans KR Thin" panose="020B0203050203000203" pitchFamily="34" charset="-127"/>
+                <a:cs typeface="Arial" pitchFamily="2"/>
+              </a:rPr>
+              <a:t> 기능 구현</a:t>
+            </a:r>
+          </a:p>
+          <a:p>
+            <a:pPr marL="0" marR="0" lvl="0" indent="0" algn="ctr" rtl="0" hangingPunct="1">
+              <a:lnSpc>
+                <a:spcPts val="1400"/>
+              </a:lnSpc>
+              <a:spcBef>
+                <a:spcPts val="0"/>
+              </a:spcBef>
+              <a:spcAft>
+                <a:spcPts val="0"/>
+              </a:spcAft>
+              <a:buNone/>
+              <a:tabLst/>
+              <a:defRPr sz="1800"/>
+            </a:pPr>
+            <a:r>
+              <a:rPr lang="ko-KR" sz="1100" b="0" i="0" u="none" strike="noStrike" kern="1200" spc="0" dirty="0">
+                <a:ln>
+                  <a:noFill/>
+                </a:ln>
+                <a:solidFill>
+                  <a:srgbClr val="000000"/>
+                </a:solidFill>
+                <a:latin typeface="IBM Plex Sans KR Thin" panose="020B0203050203000203" pitchFamily="34" charset="-127"/>
+                <a:ea typeface="IBM Plex Sans KR Thin" panose="020B0203050203000203" pitchFamily="34" charset="-127"/>
+                <a:cs typeface="Arial" pitchFamily="2"/>
+              </a:rPr>
+              <a:t>봉사 게시판 기능 구현 </a:t>
+            </a:r>
+          </a:p>
+          <a:p>
+            <a:pPr marL="0" marR="0" lvl="0" indent="0" algn="ctr" rtl="0" hangingPunct="1">
+              <a:lnSpc>
+                <a:spcPts val="1400"/>
+              </a:lnSpc>
+              <a:spcBef>
+                <a:spcPts val="0"/>
+              </a:spcBef>
+              <a:spcAft>
+                <a:spcPts val="0"/>
+              </a:spcAft>
+              <a:buNone/>
+              <a:tabLst/>
+              <a:defRPr sz="1800"/>
+            </a:pPr>
+            <a:r>
+              <a:rPr lang="ko-KR" sz="1100" b="0" i="0" u="none" strike="noStrike" kern="1200" spc="0" dirty="0">
+                <a:ln>
+                  <a:noFill/>
+                </a:ln>
+                <a:solidFill>
+                  <a:srgbClr val="000000"/>
+                </a:solidFill>
+                <a:latin typeface="IBM Plex Sans KR Thin" panose="020B0203050203000203" pitchFamily="34" charset="-127"/>
+                <a:ea typeface="IBM Plex Sans KR Thin" panose="020B0203050203000203" pitchFamily="34" charset="-127"/>
+                <a:cs typeface="Arial" pitchFamily="2"/>
+              </a:rPr>
+              <a:t>지도 </a:t>
+            </a:r>
+            <a:r>
+              <a:rPr lang="en-US" sz="1100" b="0" i="0" u="none" strike="noStrike" kern="1200" spc="0" dirty="0">
+                <a:ln>
+                  <a:noFill/>
+                </a:ln>
+                <a:solidFill>
+                  <a:srgbClr val="000000"/>
+                </a:solidFill>
+                <a:latin typeface="IBM Plex Sans KR Thin" panose="020B0203050203000203" pitchFamily="34" charset="-127"/>
+                <a:ea typeface="IBM Plex Sans KR Thin" panose="020B0203050203000203" pitchFamily="34" charset="-127"/>
+                <a:cs typeface="Arial" pitchFamily="2"/>
+              </a:rPr>
+              <a:t>/ </a:t>
+            </a:r>
+            <a:r>
+              <a:rPr lang="ko-KR" sz="1100" b="0" i="0" u="none" strike="noStrike" kern="1200" spc="0" dirty="0">
+                <a:ln>
+                  <a:noFill/>
+                </a:ln>
+                <a:solidFill>
+                  <a:srgbClr val="000000"/>
+                </a:solidFill>
+                <a:latin typeface="IBM Plex Sans KR Thin" panose="020B0203050203000203" pitchFamily="34" charset="-127"/>
+                <a:ea typeface="IBM Plex Sans KR Thin" panose="020B0203050203000203" pitchFamily="34" charset="-127"/>
+                <a:cs typeface="Arial" pitchFamily="2"/>
+              </a:rPr>
+              <a:t>그래프 </a:t>
+            </a:r>
+            <a:r>
+              <a:rPr lang="en-US" sz="1100" b="0" i="0" u="none" strike="noStrike" kern="1200" spc="0" dirty="0">
+                <a:ln>
+                  <a:noFill/>
+                </a:ln>
+                <a:solidFill>
+                  <a:srgbClr val="000000"/>
+                </a:solidFill>
+                <a:latin typeface="IBM Plex Sans KR Thin" panose="020B0203050203000203" pitchFamily="34" charset="-127"/>
+                <a:ea typeface="IBM Plex Sans KR Thin" panose="020B0203050203000203" pitchFamily="34" charset="-127"/>
+                <a:cs typeface="Arial" pitchFamily="2"/>
+              </a:rPr>
+              <a:t>/ </a:t>
+            </a:r>
+            <a:r>
+              <a:rPr lang="ko-KR" sz="1100" b="0" i="0" u="none" strike="noStrike" kern="1200" spc="0" dirty="0">
+                <a:ln>
+                  <a:noFill/>
+                </a:ln>
+                <a:solidFill>
+                  <a:srgbClr val="000000"/>
+                </a:solidFill>
+                <a:latin typeface="IBM Plex Sans KR Thin" panose="020B0203050203000203" pitchFamily="34" charset="-127"/>
+                <a:ea typeface="IBM Plex Sans KR Thin" panose="020B0203050203000203" pitchFamily="34" charset="-127"/>
+                <a:cs typeface="Arial" pitchFamily="2"/>
+              </a:rPr>
+              <a:t>날씨 </a:t>
+            </a:r>
+            <a:r>
+              <a:rPr lang="en-US" sz="1100" b="0" i="0" u="none" strike="noStrike" kern="1200" spc="0" dirty="0">
+                <a:ln>
+                  <a:noFill/>
+                </a:ln>
+                <a:solidFill>
+                  <a:srgbClr val="000000"/>
+                </a:solidFill>
+                <a:latin typeface="IBM Plex Sans KR Thin" panose="020B0203050203000203" pitchFamily="34" charset="-127"/>
+                <a:ea typeface="IBM Plex Sans KR Thin" panose="020B0203050203000203" pitchFamily="34" charset="-127"/>
+                <a:cs typeface="Arial" pitchFamily="2"/>
+              </a:rPr>
+              <a:t>API</a:t>
+            </a:r>
+          </a:p>
+        </p:txBody>
+      </p:sp>
+      <p:sp>
+        <p:nvSpPr>
+          <p:cNvPr id="21" name="TextBox 31">
+            <a:extLst>
+              <a:ext uri="{FF2B5EF4-FFF2-40B4-BE49-F238E27FC236}">
+                <a16:creationId xmlns:a16="http://schemas.microsoft.com/office/drawing/2014/main" id="{8A90343A-D9C1-FA4B-A4BC-9DE275B56437}"/>
+              </a:ext>
+            </a:extLst>
+          </p:cNvPr>
+          <p:cNvSpPr/>
+          <p:nvPr/>
+        </p:nvSpPr>
+        <p:spPr>
+          <a:xfrm>
+            <a:off x="2791080" y="4736022"/>
+            <a:ext cx="2046599" cy="1193404"/>
+          </a:xfrm>
+          <a:custGeom>
+            <a:avLst/>
+            <a:gdLst>
+              <a:gd name="f0" fmla="val 0"/>
+              <a:gd name="f1" fmla="val 21600"/>
+            </a:gdLst>
+            <a:ahLst/>
+            <a:cxnLst>
+              <a:cxn ang="3cd4">
+                <a:pos x="hc" y="t"/>
+              </a:cxn>
+              <a:cxn ang="0">
+                <a:pos x="r" y="vc"/>
+              </a:cxn>
+              <a:cxn ang="cd4">
+                <a:pos x="hc" y="b"/>
+              </a:cxn>
+              <a:cxn ang="cd2">
+                <a:pos x="l" y="vc"/>
+              </a:cxn>
+            </a:cxnLst>
+            <a:rect l="l" t="t" r="r" b="b"/>
+            <a:pathLst>
+              <a:path w="21600" h="21600">
+                <a:moveTo>
+                  <a:pt x="f0" y="f0"/>
+                </a:moveTo>
+                <a:lnTo>
+                  <a:pt x="f1" y="f0"/>
+                </a:lnTo>
+                <a:lnTo>
+                  <a:pt x="f1" y="f1"/>
+                </a:lnTo>
+                <a:lnTo>
+                  <a:pt x="f0" y="f1"/>
+                </a:lnTo>
+                <a:lnTo>
+                  <a:pt x="f0" y="f0"/>
+                </a:lnTo>
+                <a:close/>
+              </a:path>
+            </a:pathLst>
+          </a:custGeom>
+          <a:noFill/>
+          <a:ln w="0">
+            <a:noFill/>
+            <a:custDash>
+              <a:ds d="140000" sp="100000"/>
+            </a:custDash>
+          </a:ln>
+        </p:spPr>
+        <p:txBody>
+          <a:bodyPr vert="horz" wrap="square" lIns="91440" tIns="45720" rIns="91440" bIns="45720" anchor="t" anchorCtr="0" compatLnSpc="0">
+            <a:spAutoFit/>
+          </a:bodyPr>
+          <a:lstStyle/>
+          <a:p>
+            <a:pPr marL="0" marR="0" lvl="0" indent="0" algn="ctr" rtl="0" hangingPunct="1">
+              <a:lnSpc>
+                <a:spcPts val="1400"/>
+              </a:lnSpc>
+              <a:spcBef>
+                <a:spcPts val="0"/>
+              </a:spcBef>
+              <a:spcAft>
+                <a:spcPts val="0"/>
+              </a:spcAft>
+              <a:buNone/>
+              <a:tabLst/>
+              <a:defRPr sz="1800"/>
+            </a:pPr>
+            <a:r>
+              <a:rPr lang="ko-KR" sz="1400" b="1" i="0" u="none" strike="noStrike" kern="1200" spc="0" dirty="0">
+                <a:ln>
+                  <a:noFill/>
+                </a:ln>
+                <a:solidFill>
+                  <a:srgbClr val="000000"/>
+                </a:solidFill>
+                <a:latin typeface="IBM Plex Sans KR Thin" panose="020B0203050203000203" pitchFamily="34" charset="-127"/>
+                <a:ea typeface="IBM Plex Sans KR Thin" panose="020B0203050203000203" pitchFamily="34" charset="-127"/>
+                <a:cs typeface="Arial" pitchFamily="2"/>
+              </a:rPr>
+              <a:t>조원</a:t>
+            </a:r>
+            <a:endParaRPr lang="en-US" altLang="ko-KR" sz="1400" b="1" i="0" u="none" strike="noStrike" kern="1200" spc="0" dirty="0">
+              <a:ln>
+                <a:noFill/>
+              </a:ln>
+              <a:solidFill>
+                <a:srgbClr val="000000"/>
+              </a:solidFill>
+              <a:latin typeface="IBM Plex Sans KR Thin" panose="020B0203050203000203" pitchFamily="34" charset="-127"/>
+              <a:ea typeface="IBM Plex Sans KR Thin" panose="020B0203050203000203" pitchFamily="34" charset="-127"/>
+              <a:cs typeface="Arial" pitchFamily="2"/>
+            </a:endParaRPr>
+          </a:p>
+          <a:p>
+            <a:pPr marL="0" marR="0" lvl="0" indent="0" algn="ctr" rtl="0" hangingPunct="1">
+              <a:lnSpc>
+                <a:spcPts val="1400"/>
+              </a:lnSpc>
+              <a:spcBef>
+                <a:spcPts val="0"/>
+              </a:spcBef>
+              <a:spcAft>
+                <a:spcPts val="0"/>
+              </a:spcAft>
+              <a:buNone/>
+              <a:tabLst/>
+              <a:defRPr sz="1800"/>
+            </a:pPr>
+            <a:endParaRPr lang="ko-KR" sz="1400" b="1" i="0" u="none" strike="noStrike" kern="1200" spc="0" dirty="0">
+              <a:ln>
+                <a:noFill/>
+              </a:ln>
+              <a:solidFill>
+                <a:srgbClr val="000000"/>
+              </a:solidFill>
+              <a:latin typeface="IBM Plex Sans KR Thin" panose="020B0203050203000203" pitchFamily="34" charset="-127"/>
+              <a:ea typeface="IBM Plex Sans KR Thin" panose="020B0203050203000203" pitchFamily="34" charset="-127"/>
+              <a:cs typeface="Arial" pitchFamily="2"/>
+            </a:endParaRPr>
+          </a:p>
+          <a:p>
+            <a:pPr marL="0" marR="0" lvl="0" indent="0" algn="ctr" rtl="0" hangingPunct="1">
+              <a:lnSpc>
+                <a:spcPts val="1400"/>
+              </a:lnSpc>
+              <a:spcBef>
+                <a:spcPts val="0"/>
+              </a:spcBef>
+              <a:spcAft>
+                <a:spcPts val="0"/>
+              </a:spcAft>
+              <a:buNone/>
+              <a:tabLst/>
+              <a:defRPr sz="1800"/>
+            </a:pPr>
+            <a:r>
+              <a:rPr lang="en-US" sz="1100" b="0" i="0" u="none" strike="noStrike" kern="1200" spc="0" dirty="0">
+                <a:ln>
+                  <a:noFill/>
+                </a:ln>
+                <a:solidFill>
+                  <a:srgbClr val="000000"/>
+                </a:solidFill>
+                <a:latin typeface="IBM Plex Sans KR Thin" panose="020B0203050203000203" pitchFamily="34" charset="-127"/>
+                <a:ea typeface="IBM Plex Sans KR Thin" panose="020B0203050203000203" pitchFamily="34" charset="-127"/>
+                <a:cs typeface="Arial" pitchFamily="2"/>
+              </a:rPr>
+              <a:t>Back / Front end</a:t>
+            </a:r>
+          </a:p>
+          <a:p>
+            <a:pPr marL="0" marR="0" lvl="0" indent="0" algn="ctr" rtl="0" hangingPunct="1">
+              <a:lnSpc>
+                <a:spcPts val="1400"/>
+              </a:lnSpc>
+              <a:spcBef>
+                <a:spcPts val="0"/>
+              </a:spcBef>
+              <a:spcAft>
+                <a:spcPts val="0"/>
+              </a:spcAft>
+              <a:buNone/>
+              <a:tabLst/>
+              <a:defRPr sz="1800"/>
+            </a:pPr>
+            <a:r>
+              <a:rPr lang="ko-KR" sz="1100" b="0" i="0" u="none" strike="noStrike" kern="1200" spc="0" dirty="0">
+                <a:ln>
+                  <a:noFill/>
+                </a:ln>
+                <a:solidFill>
+                  <a:srgbClr val="000000"/>
+                </a:solidFill>
+                <a:latin typeface="IBM Plex Sans KR Thin" panose="020B0203050203000203" pitchFamily="34" charset="-127"/>
+                <a:ea typeface="IBM Plex Sans KR Thin" panose="020B0203050203000203" pitchFamily="34" charset="-127"/>
+                <a:cs typeface="Arial" pitchFamily="2"/>
+              </a:rPr>
+              <a:t>쪽지 보내기 기능 구현</a:t>
+            </a:r>
+          </a:p>
+          <a:p>
+            <a:pPr marL="0" marR="0" lvl="0" indent="0" algn="ctr" rtl="0" hangingPunct="1">
+              <a:lnSpc>
+                <a:spcPts val="1400"/>
+              </a:lnSpc>
+              <a:spcBef>
+                <a:spcPts val="0"/>
+              </a:spcBef>
+              <a:spcAft>
+                <a:spcPts val="0"/>
+              </a:spcAft>
+              <a:buNone/>
+              <a:tabLst/>
+              <a:defRPr sz="1800"/>
+            </a:pPr>
+            <a:r>
+              <a:rPr lang="ko-KR" sz="1100" b="0" i="0" u="none" strike="noStrike" kern="1200" spc="0" dirty="0">
+                <a:ln>
+                  <a:noFill/>
+                </a:ln>
+                <a:solidFill>
+                  <a:srgbClr val="000000"/>
+                </a:solidFill>
+                <a:latin typeface="IBM Plex Sans KR Thin" panose="020B0203050203000203" pitchFamily="34" charset="-127"/>
+                <a:ea typeface="IBM Plex Sans KR Thin" panose="020B0203050203000203" pitchFamily="34" charset="-127"/>
+                <a:cs typeface="Arial" pitchFamily="2"/>
+              </a:rPr>
+              <a:t>회원가입 기능 구현 </a:t>
+            </a:r>
+          </a:p>
+          <a:p>
+            <a:pPr marL="0" marR="0" lvl="0" indent="0" algn="ctr" rtl="0" hangingPunct="1">
+              <a:lnSpc>
+                <a:spcPts val="1400"/>
+              </a:lnSpc>
+              <a:spcBef>
+                <a:spcPts val="0"/>
+              </a:spcBef>
+              <a:spcAft>
+                <a:spcPts val="0"/>
+              </a:spcAft>
+              <a:buNone/>
+              <a:tabLst/>
+              <a:defRPr sz="1800"/>
+            </a:pPr>
+            <a:r>
+              <a:rPr lang="ko-KR" sz="1100" b="0" i="0" u="none" strike="noStrike" kern="1200" spc="0" dirty="0">
+                <a:ln>
+                  <a:noFill/>
+                </a:ln>
+                <a:solidFill>
+                  <a:srgbClr val="000000"/>
+                </a:solidFill>
+                <a:latin typeface="IBM Plex Sans KR Thin" panose="020B0203050203000203" pitchFamily="34" charset="-127"/>
+                <a:ea typeface="IBM Plex Sans KR Thin" panose="020B0203050203000203" pitchFamily="34" charset="-127"/>
+                <a:cs typeface="Arial" pitchFamily="2"/>
+              </a:rPr>
+              <a:t>이메일 인증 구현 </a:t>
+            </a:r>
+          </a:p>
+        </p:txBody>
+      </p:sp>
+      <p:sp>
+        <p:nvSpPr>
+          <p:cNvPr id="22" name="TextBox 32">
+            <a:extLst>
+              <a:ext uri="{FF2B5EF4-FFF2-40B4-BE49-F238E27FC236}">
+                <a16:creationId xmlns:a16="http://schemas.microsoft.com/office/drawing/2014/main" id="{C0A8B558-65BE-2E4C-9959-D3BF90764D8E}"/>
+              </a:ext>
+            </a:extLst>
+          </p:cNvPr>
+          <p:cNvSpPr/>
+          <p:nvPr/>
+        </p:nvSpPr>
+        <p:spPr>
+          <a:xfrm>
+            <a:off x="5025240" y="4736022"/>
+            <a:ext cx="2057039" cy="1013867"/>
+          </a:xfrm>
+          <a:custGeom>
+            <a:avLst/>
+            <a:gdLst>
+              <a:gd name="f0" fmla="val 0"/>
+              <a:gd name="f1" fmla="val 21600"/>
+            </a:gdLst>
+            <a:ahLst/>
+            <a:cxnLst>
+              <a:cxn ang="3cd4">
+                <a:pos x="hc" y="t"/>
+              </a:cxn>
+              <a:cxn ang="0">
+                <a:pos x="r" y="vc"/>
+              </a:cxn>
+              <a:cxn ang="cd4">
+                <a:pos x="hc" y="b"/>
+              </a:cxn>
+              <a:cxn ang="cd2">
+                <a:pos x="l" y="vc"/>
+              </a:cxn>
+            </a:cxnLst>
+            <a:rect l="l" t="t" r="r" b="b"/>
+            <a:pathLst>
+              <a:path w="21600" h="21600">
+                <a:moveTo>
+                  <a:pt x="f0" y="f0"/>
+                </a:moveTo>
+                <a:lnTo>
+                  <a:pt x="f1" y="f0"/>
+                </a:lnTo>
+                <a:lnTo>
+                  <a:pt x="f1" y="f1"/>
+                </a:lnTo>
+                <a:lnTo>
+                  <a:pt x="f0" y="f1"/>
+                </a:lnTo>
+                <a:lnTo>
+                  <a:pt x="f0" y="f0"/>
+                </a:lnTo>
+                <a:close/>
+              </a:path>
+            </a:pathLst>
+          </a:custGeom>
+          <a:noFill/>
+          <a:ln w="0">
+            <a:noFill/>
+            <a:custDash>
+              <a:ds d="140000" sp="100000"/>
+            </a:custDash>
+          </a:ln>
+        </p:spPr>
+        <p:txBody>
+          <a:bodyPr vert="horz" wrap="square" lIns="91440" tIns="45720" rIns="91440" bIns="45720" anchor="t" anchorCtr="0" compatLnSpc="0">
+            <a:spAutoFit/>
+          </a:bodyPr>
+          <a:lstStyle/>
+          <a:p>
+            <a:pPr marL="0" marR="0" lvl="0" indent="0" algn="ctr" rtl="0" hangingPunct="1">
+              <a:lnSpc>
+                <a:spcPts val="1400"/>
+              </a:lnSpc>
+              <a:spcBef>
+                <a:spcPts val="0"/>
+              </a:spcBef>
+              <a:spcAft>
+                <a:spcPts val="0"/>
+              </a:spcAft>
+              <a:buNone/>
+              <a:tabLst/>
+              <a:defRPr sz="1800"/>
+            </a:pPr>
+            <a:r>
+              <a:rPr lang="ko-KR" sz="1400" b="1" i="0" u="none" strike="noStrike" kern="1200" spc="0" dirty="0">
+                <a:ln>
+                  <a:noFill/>
+                </a:ln>
+                <a:solidFill>
+                  <a:srgbClr val="000000"/>
+                </a:solidFill>
+                <a:latin typeface="IBM Plex Sans KR Thin" panose="020B0203050203000203" pitchFamily="34" charset="-127"/>
+                <a:ea typeface="IBM Plex Sans KR Thin" panose="020B0203050203000203" pitchFamily="34" charset="-127"/>
+                <a:cs typeface="Arial" pitchFamily="2"/>
+              </a:rPr>
+              <a:t>조원</a:t>
+            </a:r>
+            <a:endParaRPr lang="en-US" altLang="ko-KR" sz="1400" b="1" i="0" u="none" strike="noStrike" kern="1200" spc="0" dirty="0">
+              <a:ln>
+                <a:noFill/>
+              </a:ln>
+              <a:solidFill>
+                <a:srgbClr val="000000"/>
+              </a:solidFill>
+              <a:latin typeface="IBM Plex Sans KR Thin" panose="020B0203050203000203" pitchFamily="34" charset="-127"/>
+              <a:ea typeface="IBM Plex Sans KR Thin" panose="020B0203050203000203" pitchFamily="34" charset="-127"/>
+              <a:cs typeface="Arial" pitchFamily="2"/>
+            </a:endParaRPr>
+          </a:p>
+          <a:p>
+            <a:pPr marL="0" marR="0" lvl="0" indent="0" algn="ctr" rtl="0" hangingPunct="1">
+              <a:lnSpc>
+                <a:spcPts val="1400"/>
+              </a:lnSpc>
+              <a:spcBef>
+                <a:spcPts val="0"/>
+              </a:spcBef>
+              <a:spcAft>
+                <a:spcPts val="0"/>
+              </a:spcAft>
+              <a:buNone/>
+              <a:tabLst/>
+              <a:defRPr sz="1800"/>
+            </a:pPr>
+            <a:endParaRPr lang="ko-KR" sz="1400" b="1" i="0" u="none" strike="noStrike" kern="1200" spc="0" dirty="0">
+              <a:ln>
+                <a:noFill/>
+              </a:ln>
+              <a:solidFill>
+                <a:srgbClr val="000000"/>
+              </a:solidFill>
+              <a:latin typeface="IBM Plex Sans KR Thin" panose="020B0203050203000203" pitchFamily="34" charset="-127"/>
+              <a:ea typeface="IBM Plex Sans KR Thin" panose="020B0203050203000203" pitchFamily="34" charset="-127"/>
+              <a:cs typeface="Arial" pitchFamily="2"/>
+            </a:endParaRPr>
+          </a:p>
+          <a:p>
+            <a:pPr marL="0" marR="0" lvl="0" indent="0" algn="ctr" rtl="0" hangingPunct="1">
+              <a:lnSpc>
+                <a:spcPts val="1400"/>
+              </a:lnSpc>
+              <a:spcBef>
+                <a:spcPts val="0"/>
+              </a:spcBef>
+              <a:spcAft>
+                <a:spcPts val="0"/>
+              </a:spcAft>
+              <a:buNone/>
+              <a:tabLst/>
+              <a:defRPr sz="1800"/>
+            </a:pPr>
+            <a:r>
+              <a:rPr lang="en-US" sz="1100" b="0" i="0" u="none" strike="noStrike" kern="1200" spc="0" dirty="0">
+                <a:ln>
+                  <a:noFill/>
+                </a:ln>
+                <a:solidFill>
+                  <a:srgbClr val="000000"/>
+                </a:solidFill>
+                <a:latin typeface="IBM Plex Sans KR Thin" panose="020B0203050203000203" pitchFamily="34" charset="-127"/>
+                <a:ea typeface="IBM Plex Sans KR Thin" panose="020B0203050203000203" pitchFamily="34" charset="-127"/>
+                <a:cs typeface="Arial" pitchFamily="2"/>
+              </a:rPr>
+              <a:t>Back / Front end</a:t>
+            </a:r>
+          </a:p>
+          <a:p>
+            <a:pPr marL="0" marR="0" lvl="0" indent="0" algn="ctr" rtl="0" hangingPunct="1">
+              <a:lnSpc>
+                <a:spcPts val="1400"/>
+              </a:lnSpc>
+              <a:spcBef>
+                <a:spcPts val="0"/>
+              </a:spcBef>
+              <a:spcAft>
+                <a:spcPts val="0"/>
+              </a:spcAft>
+              <a:buNone/>
+              <a:tabLst/>
+              <a:defRPr sz="1800"/>
+            </a:pPr>
+            <a:r>
+              <a:rPr lang="ko-KR" sz="1100" b="0" i="0" u="none" strike="noStrike" kern="1200" spc="0" dirty="0">
+                <a:ln>
+                  <a:noFill/>
+                </a:ln>
+                <a:solidFill>
+                  <a:srgbClr val="000000"/>
+                </a:solidFill>
+                <a:latin typeface="IBM Plex Sans KR Thin" panose="020B0203050203000203" pitchFamily="34" charset="-127"/>
+                <a:ea typeface="IBM Plex Sans KR Thin" panose="020B0203050203000203" pitchFamily="34" charset="-127"/>
+                <a:cs typeface="Arial" pitchFamily="2"/>
+              </a:rPr>
+              <a:t>다이어리게시판 기능 구현</a:t>
+            </a:r>
+          </a:p>
+          <a:p>
+            <a:pPr marL="0" marR="0" lvl="0" indent="0" algn="ctr" rtl="0" hangingPunct="1">
+              <a:lnSpc>
+                <a:spcPts val="1400"/>
+              </a:lnSpc>
+              <a:spcBef>
+                <a:spcPts val="0"/>
+              </a:spcBef>
+              <a:spcAft>
+                <a:spcPts val="0"/>
+              </a:spcAft>
+              <a:buNone/>
+              <a:tabLst/>
+              <a:defRPr sz="1800"/>
+            </a:pPr>
+            <a:r>
+              <a:rPr lang="ko-KR" sz="1100" b="0" i="0" u="none" strike="noStrike" kern="1200" spc="0" dirty="0">
+                <a:ln>
+                  <a:noFill/>
+                </a:ln>
+                <a:solidFill>
+                  <a:srgbClr val="000000"/>
+                </a:solidFill>
+                <a:latin typeface="IBM Plex Sans KR Thin" panose="020B0203050203000203" pitchFamily="34" charset="-127"/>
+                <a:ea typeface="IBM Plex Sans KR Thin" panose="020B0203050203000203" pitchFamily="34" charset="-127"/>
+                <a:cs typeface="Arial" pitchFamily="2"/>
+              </a:rPr>
+              <a:t>병원 목록 </a:t>
+            </a:r>
+            <a:r>
+              <a:rPr lang="en-US" sz="1100" b="0" i="0" u="none" strike="noStrike" kern="1200" spc="0" dirty="0">
+                <a:ln>
+                  <a:noFill/>
+                </a:ln>
+                <a:solidFill>
+                  <a:srgbClr val="000000"/>
+                </a:solidFill>
+                <a:latin typeface="IBM Plex Sans KR Thin" panose="020B0203050203000203" pitchFamily="34" charset="-127"/>
+                <a:ea typeface="IBM Plex Sans KR Thin" panose="020B0203050203000203" pitchFamily="34" charset="-127"/>
+                <a:cs typeface="Arial" pitchFamily="2"/>
+              </a:rPr>
+              <a:t>API</a:t>
+            </a:r>
+          </a:p>
+        </p:txBody>
+      </p:sp>
+      <p:sp>
+        <p:nvSpPr>
+          <p:cNvPr id="23" name="TextBox 33">
+            <a:extLst>
+              <a:ext uri="{FF2B5EF4-FFF2-40B4-BE49-F238E27FC236}">
+                <a16:creationId xmlns:a16="http://schemas.microsoft.com/office/drawing/2014/main" id="{8FE5834B-BA47-344D-A71D-A56FCF0A238A}"/>
+              </a:ext>
+            </a:extLst>
+          </p:cNvPr>
+          <p:cNvSpPr/>
+          <p:nvPr/>
+        </p:nvSpPr>
+        <p:spPr>
+          <a:xfrm>
+            <a:off x="7255080" y="4736022"/>
+            <a:ext cx="2084400" cy="1552476"/>
+          </a:xfrm>
+          <a:custGeom>
+            <a:avLst/>
+            <a:gdLst>
+              <a:gd name="f0" fmla="val 0"/>
+              <a:gd name="f1" fmla="val 21600"/>
+            </a:gdLst>
+            <a:ahLst/>
+            <a:cxnLst>
+              <a:cxn ang="3cd4">
+                <a:pos x="hc" y="t"/>
+              </a:cxn>
+              <a:cxn ang="0">
+                <a:pos x="r" y="vc"/>
+              </a:cxn>
+              <a:cxn ang="cd4">
+                <a:pos x="hc" y="b"/>
+              </a:cxn>
+              <a:cxn ang="cd2">
+                <a:pos x="l" y="vc"/>
+              </a:cxn>
+            </a:cxnLst>
+            <a:rect l="l" t="t" r="r" b="b"/>
+            <a:pathLst>
+              <a:path w="21600" h="21600">
+                <a:moveTo>
+                  <a:pt x="f0" y="f0"/>
+                </a:moveTo>
+                <a:lnTo>
+                  <a:pt x="f1" y="f0"/>
+                </a:lnTo>
+                <a:lnTo>
+                  <a:pt x="f1" y="f1"/>
+                </a:lnTo>
+                <a:lnTo>
+                  <a:pt x="f0" y="f1"/>
+                </a:lnTo>
+                <a:lnTo>
+                  <a:pt x="f0" y="f0"/>
+                </a:lnTo>
+                <a:close/>
+              </a:path>
+            </a:pathLst>
+          </a:custGeom>
+          <a:noFill/>
+          <a:ln w="0">
+            <a:noFill/>
+            <a:custDash>
+              <a:ds d="140000" sp="100000"/>
+            </a:custDash>
+          </a:ln>
+        </p:spPr>
+        <p:txBody>
+          <a:bodyPr vert="horz" wrap="square" lIns="91440" tIns="45720" rIns="91440" bIns="45720" anchor="t" anchorCtr="0" compatLnSpc="0">
+            <a:spAutoFit/>
+          </a:bodyPr>
+          <a:lstStyle/>
+          <a:p>
+            <a:pPr marL="0" marR="0" lvl="0" indent="0" algn="ctr" rtl="0" hangingPunct="1">
+              <a:lnSpc>
+                <a:spcPts val="1400"/>
+              </a:lnSpc>
+              <a:spcBef>
+                <a:spcPts val="0"/>
+              </a:spcBef>
+              <a:spcAft>
+                <a:spcPts val="0"/>
+              </a:spcAft>
+              <a:buNone/>
+              <a:tabLst/>
+              <a:defRPr sz="1800"/>
+            </a:pPr>
+            <a:r>
+              <a:rPr lang="ko-KR" sz="1400" b="1" i="0" u="none" strike="noStrike" kern="1200" spc="0" dirty="0">
+                <a:ln>
+                  <a:noFill/>
+                </a:ln>
+                <a:solidFill>
+                  <a:srgbClr val="000000"/>
+                </a:solidFill>
+                <a:latin typeface="IBM Plex Sans KR Thin" panose="020B0203050203000203" pitchFamily="34" charset="-127"/>
+                <a:ea typeface="IBM Plex Sans KR Thin" panose="020B0203050203000203" pitchFamily="34" charset="-127"/>
+                <a:cs typeface="Arial" pitchFamily="2"/>
+              </a:rPr>
+              <a:t>조원</a:t>
+            </a:r>
+            <a:endParaRPr lang="en-US" altLang="ko-KR" sz="1400" b="1" i="0" u="none" strike="noStrike" kern="1200" spc="0" dirty="0">
+              <a:ln>
+                <a:noFill/>
+              </a:ln>
+              <a:solidFill>
+                <a:srgbClr val="000000"/>
+              </a:solidFill>
+              <a:latin typeface="IBM Plex Sans KR Thin" panose="020B0203050203000203" pitchFamily="34" charset="-127"/>
+              <a:ea typeface="IBM Plex Sans KR Thin" panose="020B0203050203000203" pitchFamily="34" charset="-127"/>
+              <a:cs typeface="Arial" pitchFamily="2"/>
+            </a:endParaRPr>
+          </a:p>
+          <a:p>
+            <a:pPr marL="0" marR="0" lvl="0" indent="0" algn="ctr" rtl="0" hangingPunct="1">
+              <a:lnSpc>
+                <a:spcPts val="1400"/>
+              </a:lnSpc>
+              <a:spcBef>
+                <a:spcPts val="0"/>
+              </a:spcBef>
+              <a:spcAft>
+                <a:spcPts val="0"/>
+              </a:spcAft>
+              <a:buNone/>
+              <a:tabLst/>
+              <a:defRPr sz="1800"/>
+            </a:pPr>
+            <a:endParaRPr lang="ko-KR" sz="1400" b="1" i="0" u="none" strike="noStrike" kern="1200" spc="0" dirty="0">
+              <a:ln>
+                <a:noFill/>
+              </a:ln>
+              <a:solidFill>
+                <a:srgbClr val="000000"/>
+              </a:solidFill>
+              <a:latin typeface="IBM Plex Sans KR Thin" panose="020B0203050203000203" pitchFamily="34" charset="-127"/>
+              <a:ea typeface="IBM Plex Sans KR Thin" panose="020B0203050203000203" pitchFamily="34" charset="-127"/>
+              <a:cs typeface="Arial" pitchFamily="2"/>
+            </a:endParaRPr>
+          </a:p>
+          <a:p>
+            <a:pPr marL="0" marR="0" lvl="0" indent="0" algn="ctr" rtl="0" hangingPunct="1">
+              <a:lnSpc>
+                <a:spcPts val="1400"/>
+              </a:lnSpc>
+              <a:spcBef>
+                <a:spcPts val="0"/>
+              </a:spcBef>
+              <a:spcAft>
+                <a:spcPts val="0"/>
+              </a:spcAft>
+              <a:buNone/>
+              <a:tabLst/>
+              <a:defRPr sz="1800"/>
+            </a:pPr>
+            <a:r>
+              <a:rPr lang="en-US" sz="1100" b="0" i="0" u="none" strike="noStrike" kern="1200" spc="0" dirty="0">
+                <a:ln>
+                  <a:noFill/>
+                </a:ln>
+                <a:solidFill>
+                  <a:srgbClr val="000000"/>
+                </a:solidFill>
+                <a:latin typeface="IBM Plex Sans KR Thin" panose="020B0203050203000203" pitchFamily="34" charset="-127"/>
+                <a:ea typeface="IBM Plex Sans KR Thin" panose="020B0203050203000203" pitchFamily="34" charset="-127"/>
+                <a:cs typeface="Arial" pitchFamily="2"/>
+              </a:rPr>
+              <a:t>Back / Front end</a:t>
+            </a:r>
+          </a:p>
+          <a:p>
+            <a:pPr marL="0" marR="0" lvl="0" indent="0" algn="ctr" rtl="0" hangingPunct="1">
+              <a:lnSpc>
+                <a:spcPts val="1400"/>
+              </a:lnSpc>
+              <a:spcBef>
+                <a:spcPts val="0"/>
+              </a:spcBef>
+              <a:spcAft>
+                <a:spcPts val="0"/>
+              </a:spcAft>
+              <a:buNone/>
+              <a:tabLst/>
+              <a:defRPr sz="1800"/>
+            </a:pPr>
+            <a:r>
+              <a:rPr lang="ko-KR" sz="1100" b="0" i="0" u="none" strike="noStrike" kern="1200" spc="0" dirty="0">
+                <a:ln>
+                  <a:noFill/>
+                </a:ln>
+                <a:solidFill>
+                  <a:srgbClr val="000000"/>
+                </a:solidFill>
+                <a:latin typeface="IBM Plex Sans KR Thin" panose="020B0203050203000203" pitchFamily="34" charset="-127"/>
+                <a:ea typeface="IBM Plex Sans KR Thin" panose="020B0203050203000203" pitchFamily="34" charset="-127"/>
+                <a:cs typeface="Arial" pitchFamily="2"/>
+              </a:rPr>
+              <a:t>프로젝트 구축</a:t>
+            </a:r>
+          </a:p>
+          <a:p>
+            <a:pPr marL="0" marR="0" lvl="0" indent="0" algn="ctr" rtl="0" hangingPunct="1">
+              <a:lnSpc>
+                <a:spcPts val="1400"/>
+              </a:lnSpc>
+              <a:spcBef>
+                <a:spcPts val="0"/>
+              </a:spcBef>
+              <a:spcAft>
+                <a:spcPts val="0"/>
+              </a:spcAft>
+              <a:buNone/>
+              <a:tabLst/>
+              <a:defRPr sz="1800"/>
+            </a:pPr>
+            <a:r>
+              <a:rPr lang="ko-KR" sz="1100" b="0" i="0" u="none" strike="noStrike" kern="1200" spc="0" dirty="0" err="1">
+                <a:ln>
+                  <a:noFill/>
+                </a:ln>
+                <a:solidFill>
+                  <a:srgbClr val="000000"/>
+                </a:solidFill>
+                <a:latin typeface="IBM Plex Sans KR Thin" panose="020B0203050203000203" pitchFamily="34" charset="-127"/>
+                <a:ea typeface="IBM Plex Sans KR Thin" panose="020B0203050203000203" pitchFamily="34" charset="-127"/>
+                <a:cs typeface="Arial" pitchFamily="2"/>
+              </a:rPr>
+              <a:t>소셜로그인</a:t>
+            </a:r>
+            <a:r>
+              <a:rPr lang="ko-KR" sz="1100" b="0" i="0" u="none" strike="noStrike" kern="1200" spc="0" dirty="0">
+                <a:ln>
+                  <a:noFill/>
+                </a:ln>
+                <a:solidFill>
+                  <a:srgbClr val="000000"/>
+                </a:solidFill>
+                <a:latin typeface="IBM Plex Sans KR Thin" panose="020B0203050203000203" pitchFamily="34" charset="-127"/>
+                <a:ea typeface="IBM Plex Sans KR Thin" panose="020B0203050203000203" pitchFamily="34" charset="-127"/>
+                <a:cs typeface="Arial" pitchFamily="2"/>
+              </a:rPr>
+              <a:t> 기능 구현</a:t>
+            </a:r>
+          </a:p>
+          <a:p>
+            <a:pPr marL="0" marR="0" lvl="0" indent="0" algn="ctr" rtl="0" hangingPunct="1">
+              <a:lnSpc>
+                <a:spcPts val="1400"/>
+              </a:lnSpc>
+              <a:spcBef>
+                <a:spcPts val="0"/>
+              </a:spcBef>
+              <a:spcAft>
+                <a:spcPts val="0"/>
+              </a:spcAft>
+              <a:buNone/>
+              <a:tabLst/>
+              <a:defRPr sz="1800"/>
+            </a:pPr>
+            <a:r>
+              <a:rPr lang="ko-KR" sz="1100" b="0" i="0" u="none" strike="noStrike" kern="1200" spc="0" dirty="0">
+                <a:ln>
+                  <a:noFill/>
+                </a:ln>
+                <a:solidFill>
+                  <a:srgbClr val="000000"/>
+                </a:solidFill>
+                <a:latin typeface="IBM Plex Sans KR Thin" panose="020B0203050203000203" pitchFamily="34" charset="-127"/>
+                <a:ea typeface="IBM Plex Sans KR Thin" panose="020B0203050203000203" pitchFamily="34" charset="-127"/>
+                <a:cs typeface="Arial" pitchFamily="2"/>
+              </a:rPr>
+              <a:t>알림 기능 구현</a:t>
+            </a:r>
+          </a:p>
+          <a:p>
+            <a:pPr marL="0" marR="0" lvl="0" indent="0" algn="ctr" rtl="0" hangingPunct="1">
+              <a:lnSpc>
+                <a:spcPts val="1400"/>
+              </a:lnSpc>
+              <a:spcBef>
+                <a:spcPts val="0"/>
+              </a:spcBef>
+              <a:spcAft>
+                <a:spcPts val="0"/>
+              </a:spcAft>
+              <a:buNone/>
+              <a:tabLst/>
+              <a:defRPr sz="1800"/>
+            </a:pPr>
+            <a:r>
+              <a:rPr lang="ko-KR" sz="1100" b="0" i="0" u="none" strike="noStrike" kern="1200" spc="0" dirty="0">
+                <a:ln>
+                  <a:noFill/>
+                </a:ln>
+                <a:solidFill>
+                  <a:srgbClr val="000000"/>
+                </a:solidFill>
+                <a:latin typeface="IBM Plex Sans KR Thin" panose="020B0203050203000203" pitchFamily="34" charset="-127"/>
+                <a:ea typeface="IBM Plex Sans KR Thin" panose="020B0203050203000203" pitchFamily="34" charset="-127"/>
+                <a:cs typeface="Arial" pitchFamily="2"/>
+              </a:rPr>
+              <a:t>메인 페이지 </a:t>
+            </a:r>
+          </a:p>
+          <a:p>
+            <a:pPr marL="0" marR="0" lvl="0" indent="0" algn="ctr" rtl="0" hangingPunct="1">
+              <a:lnSpc>
+                <a:spcPts val="1400"/>
+              </a:lnSpc>
+              <a:spcBef>
+                <a:spcPts val="0"/>
+              </a:spcBef>
+              <a:spcAft>
+                <a:spcPts val="0"/>
+              </a:spcAft>
+              <a:buNone/>
+              <a:tabLst/>
+              <a:defRPr sz="1800"/>
+            </a:pPr>
+            <a:r>
+              <a:rPr lang="ko-KR" sz="1100" b="0" i="0" u="none" strike="noStrike" kern="1200" spc="0" dirty="0">
+                <a:ln>
+                  <a:noFill/>
+                </a:ln>
+                <a:solidFill>
+                  <a:srgbClr val="000000"/>
+                </a:solidFill>
+                <a:latin typeface="IBM Plex Sans KR Thin" panose="020B0203050203000203" pitchFamily="34" charset="-127"/>
+                <a:ea typeface="IBM Plex Sans KR Thin" panose="020B0203050203000203" pitchFamily="34" charset="-127"/>
+                <a:cs typeface="Arial" pitchFamily="2"/>
+              </a:rPr>
+              <a:t>깃 총괄 </a:t>
+            </a:r>
+          </a:p>
+        </p:txBody>
+      </p:sp>
+      <p:sp>
+        <p:nvSpPr>
+          <p:cNvPr id="24" name="TextBox 34">
+            <a:extLst>
+              <a:ext uri="{FF2B5EF4-FFF2-40B4-BE49-F238E27FC236}">
+                <a16:creationId xmlns:a16="http://schemas.microsoft.com/office/drawing/2014/main" id="{88914048-A354-3A44-A0B4-DB4EF1124591}"/>
+              </a:ext>
+            </a:extLst>
+          </p:cNvPr>
+          <p:cNvSpPr/>
+          <p:nvPr/>
+        </p:nvSpPr>
+        <p:spPr>
+          <a:xfrm>
+            <a:off x="9399686" y="4728687"/>
+            <a:ext cx="2057039" cy="1193404"/>
+          </a:xfrm>
+          <a:custGeom>
+            <a:avLst/>
+            <a:gdLst>
+              <a:gd name="f0" fmla="val 0"/>
+              <a:gd name="f1" fmla="val 21600"/>
+            </a:gdLst>
+            <a:ahLst/>
+            <a:cxnLst>
+              <a:cxn ang="3cd4">
+                <a:pos x="hc" y="t"/>
+              </a:cxn>
+              <a:cxn ang="0">
+                <a:pos x="r" y="vc"/>
+              </a:cxn>
+              <a:cxn ang="cd4">
+                <a:pos x="hc" y="b"/>
+              </a:cxn>
+              <a:cxn ang="cd2">
+                <a:pos x="l" y="vc"/>
+              </a:cxn>
+            </a:cxnLst>
+            <a:rect l="l" t="t" r="r" b="b"/>
+            <a:pathLst>
+              <a:path w="21600" h="21600">
+                <a:moveTo>
+                  <a:pt x="f0" y="f0"/>
+                </a:moveTo>
+                <a:lnTo>
+                  <a:pt x="f1" y="f0"/>
+                </a:lnTo>
+                <a:lnTo>
+                  <a:pt x="f1" y="f1"/>
+                </a:lnTo>
+                <a:lnTo>
+                  <a:pt x="f0" y="f1"/>
+                </a:lnTo>
+                <a:lnTo>
+                  <a:pt x="f0" y="f0"/>
+                </a:lnTo>
+                <a:close/>
+              </a:path>
+            </a:pathLst>
+          </a:custGeom>
+          <a:noFill/>
+          <a:ln w="0">
+            <a:noFill/>
+            <a:custDash>
+              <a:ds d="140000" sp="100000"/>
+            </a:custDash>
+          </a:ln>
+        </p:spPr>
+        <p:txBody>
+          <a:bodyPr vert="horz" wrap="square" lIns="91440" tIns="45720" rIns="91440" bIns="45720" anchor="t" anchorCtr="0" compatLnSpc="0">
+            <a:spAutoFit/>
+          </a:bodyPr>
+          <a:lstStyle/>
+          <a:p>
+            <a:pPr marL="0" marR="0" lvl="0" indent="0" algn="ctr" rtl="0" hangingPunct="1">
+              <a:lnSpc>
+                <a:spcPts val="1400"/>
+              </a:lnSpc>
+              <a:spcBef>
+                <a:spcPts val="0"/>
+              </a:spcBef>
+              <a:spcAft>
+                <a:spcPts val="0"/>
+              </a:spcAft>
+              <a:buNone/>
+              <a:tabLst/>
+              <a:defRPr sz="1800"/>
+            </a:pPr>
+            <a:r>
+              <a:rPr lang="ko-KR" sz="1400" b="1" i="0" u="none" strike="noStrike" kern="1200" spc="0" dirty="0">
+                <a:ln>
+                  <a:noFill/>
+                </a:ln>
+                <a:solidFill>
+                  <a:srgbClr val="000000"/>
+                </a:solidFill>
+                <a:latin typeface="IBM Plex Sans KR Thin" panose="020B0203050203000203" pitchFamily="34" charset="-127"/>
+                <a:ea typeface="IBM Plex Sans KR Thin" panose="020B0203050203000203" pitchFamily="34" charset="-127"/>
+                <a:cs typeface="Arial" pitchFamily="2"/>
+              </a:rPr>
+              <a:t>조원</a:t>
+            </a:r>
+            <a:endParaRPr lang="en-US" altLang="ko-KR" sz="1400" b="1" i="0" u="none" strike="noStrike" kern="1200" spc="0" dirty="0">
+              <a:ln>
+                <a:noFill/>
+              </a:ln>
+              <a:solidFill>
+                <a:srgbClr val="000000"/>
+              </a:solidFill>
+              <a:latin typeface="IBM Plex Sans KR Thin" panose="020B0203050203000203" pitchFamily="34" charset="-127"/>
+              <a:ea typeface="IBM Plex Sans KR Thin" panose="020B0203050203000203" pitchFamily="34" charset="-127"/>
+              <a:cs typeface="Arial" pitchFamily="2"/>
+            </a:endParaRPr>
+          </a:p>
+          <a:p>
+            <a:pPr marL="0" marR="0" lvl="0" indent="0" algn="ctr" rtl="0" hangingPunct="1">
+              <a:lnSpc>
+                <a:spcPts val="1400"/>
+              </a:lnSpc>
+              <a:spcBef>
+                <a:spcPts val="0"/>
+              </a:spcBef>
+              <a:spcAft>
+                <a:spcPts val="0"/>
+              </a:spcAft>
+              <a:buNone/>
+              <a:tabLst/>
+              <a:defRPr sz="1800"/>
+            </a:pPr>
+            <a:endParaRPr lang="ko-KR" sz="1400" b="1" i="0" u="none" strike="noStrike" kern="1200" spc="0" dirty="0">
+              <a:ln>
+                <a:noFill/>
+              </a:ln>
+              <a:solidFill>
+                <a:srgbClr val="000000"/>
+              </a:solidFill>
+              <a:latin typeface="IBM Plex Sans KR Thin" panose="020B0203050203000203" pitchFamily="34" charset="-127"/>
+              <a:ea typeface="IBM Plex Sans KR Thin" panose="020B0203050203000203" pitchFamily="34" charset="-127"/>
+              <a:cs typeface="Arial" pitchFamily="2"/>
+            </a:endParaRPr>
+          </a:p>
+          <a:p>
+            <a:pPr marL="0" marR="0" lvl="0" indent="0" algn="ctr" rtl="0" hangingPunct="1">
+              <a:lnSpc>
+                <a:spcPts val="1400"/>
+              </a:lnSpc>
+              <a:spcBef>
+                <a:spcPts val="0"/>
+              </a:spcBef>
+              <a:spcAft>
+                <a:spcPts val="0"/>
+              </a:spcAft>
+              <a:buNone/>
+              <a:tabLst/>
+              <a:defRPr sz="1800"/>
+            </a:pPr>
+            <a:r>
+              <a:rPr lang="en-US" sz="1100" b="0" i="0" u="none" strike="noStrike" kern="1200" spc="0" dirty="0">
+                <a:ln>
+                  <a:noFill/>
+                </a:ln>
+                <a:solidFill>
+                  <a:srgbClr val="000000"/>
+                </a:solidFill>
+                <a:latin typeface="IBM Plex Sans KR Thin" panose="020B0203050203000203" pitchFamily="34" charset="-127"/>
+                <a:ea typeface="IBM Plex Sans KR Thin" panose="020B0203050203000203" pitchFamily="34" charset="-127"/>
+                <a:cs typeface="Arial" pitchFamily="2"/>
+              </a:rPr>
+              <a:t>Back / Front end</a:t>
+            </a:r>
+          </a:p>
+          <a:p>
+            <a:pPr marL="0" marR="0" lvl="0" indent="0" algn="ctr" rtl="0" hangingPunct="1">
+              <a:lnSpc>
+                <a:spcPts val="1400"/>
+              </a:lnSpc>
+              <a:spcBef>
+                <a:spcPts val="0"/>
+              </a:spcBef>
+              <a:spcAft>
+                <a:spcPts val="0"/>
+              </a:spcAft>
+              <a:buNone/>
+              <a:tabLst/>
+              <a:defRPr sz="1800"/>
+            </a:pPr>
+            <a:r>
+              <a:rPr lang="ko-KR" sz="1100" b="0" i="0" u="none" strike="noStrike" kern="1200" spc="0" dirty="0">
+                <a:ln>
+                  <a:noFill/>
+                </a:ln>
+                <a:solidFill>
+                  <a:srgbClr val="000000"/>
+                </a:solidFill>
+                <a:latin typeface="IBM Plex Sans KR Thin" panose="020B0203050203000203" pitchFamily="34" charset="-127"/>
+                <a:ea typeface="IBM Plex Sans KR Thin" panose="020B0203050203000203" pitchFamily="34" charset="-127"/>
+                <a:cs typeface="Arial" pitchFamily="2"/>
+              </a:rPr>
+              <a:t>유기 동물 </a:t>
+            </a:r>
+            <a:r>
+              <a:rPr lang="en-US" sz="1100" b="0" i="0" u="none" strike="noStrike" kern="1200" spc="0" dirty="0">
+                <a:ln>
+                  <a:noFill/>
+                </a:ln>
+                <a:solidFill>
+                  <a:srgbClr val="000000"/>
+                </a:solidFill>
+                <a:latin typeface="IBM Plex Sans KR Thin" panose="020B0203050203000203" pitchFamily="34" charset="-127"/>
+                <a:ea typeface="IBM Plex Sans KR Thin" panose="020B0203050203000203" pitchFamily="34" charset="-127"/>
+                <a:cs typeface="Arial" pitchFamily="2"/>
+              </a:rPr>
+              <a:t>API</a:t>
+            </a:r>
+          </a:p>
+          <a:p>
+            <a:pPr marL="0" marR="0" lvl="0" indent="0" algn="ctr" rtl="0" hangingPunct="1">
+              <a:lnSpc>
+                <a:spcPts val="1400"/>
+              </a:lnSpc>
+              <a:spcBef>
+                <a:spcPts val="0"/>
+              </a:spcBef>
+              <a:spcAft>
+                <a:spcPts val="0"/>
+              </a:spcAft>
+              <a:buNone/>
+              <a:tabLst/>
+              <a:defRPr sz="1800"/>
+            </a:pPr>
+            <a:r>
+              <a:rPr lang="ko-KR" sz="1100" b="0" i="0" u="none" strike="noStrike" kern="1200" spc="0" dirty="0" err="1">
+                <a:ln>
+                  <a:noFill/>
+                </a:ln>
+                <a:solidFill>
+                  <a:srgbClr val="000000"/>
+                </a:solidFill>
+                <a:latin typeface="IBM Plex Sans KR Thin" panose="020B0203050203000203" pitchFamily="34" charset="-127"/>
+                <a:ea typeface="IBM Plex Sans KR Thin" panose="020B0203050203000203" pitchFamily="34" charset="-127"/>
+                <a:cs typeface="Arial" pitchFamily="2"/>
+              </a:rPr>
+              <a:t>입양신청</a:t>
+            </a:r>
+            <a:r>
+              <a:rPr lang="ko-KR" sz="1100" b="0" i="0" u="none" strike="noStrike" kern="1200" spc="0" dirty="0">
+                <a:ln>
+                  <a:noFill/>
+                </a:ln>
+                <a:solidFill>
+                  <a:srgbClr val="000000"/>
+                </a:solidFill>
+                <a:latin typeface="IBM Plex Sans KR Thin" panose="020B0203050203000203" pitchFamily="34" charset="-127"/>
+                <a:ea typeface="IBM Plex Sans KR Thin" panose="020B0203050203000203" pitchFamily="34" charset="-127"/>
+                <a:cs typeface="Arial" pitchFamily="2"/>
+              </a:rPr>
+              <a:t> 기능 구현</a:t>
+            </a:r>
+          </a:p>
+          <a:p>
+            <a:pPr marL="0" marR="0" lvl="0" indent="0" algn="ctr" rtl="0" hangingPunct="1">
+              <a:lnSpc>
+                <a:spcPts val="1400"/>
+              </a:lnSpc>
+              <a:spcBef>
+                <a:spcPts val="0"/>
+              </a:spcBef>
+              <a:spcAft>
+                <a:spcPts val="0"/>
+              </a:spcAft>
+              <a:buNone/>
+              <a:tabLst/>
+              <a:defRPr sz="1800"/>
+            </a:pPr>
+            <a:endParaRPr lang="en-US" sz="1100" b="0" i="0" u="none" strike="noStrike" kern="1200" spc="0" dirty="0">
+              <a:ln>
+                <a:noFill/>
+              </a:ln>
+              <a:solidFill>
+                <a:srgbClr val="000000"/>
+              </a:solidFill>
+              <a:latin typeface="IBM Plex Sans KR Thin" panose="020B0203050203000203" pitchFamily="34" charset="-127"/>
+              <a:ea typeface="IBM Plex Sans KR Thin" panose="020B0203050203000203" pitchFamily="34" charset="-127"/>
+              <a:cs typeface="Arial" pitchFamily="2"/>
+            </a:endParaRPr>
+          </a:p>
+        </p:txBody>
+      </p:sp>
+      <p:pic>
+        <p:nvPicPr>
+          <p:cNvPr id="25" name="그림 24">
+            <a:extLst>
+              <a:ext uri="{FF2B5EF4-FFF2-40B4-BE49-F238E27FC236}">
+                <a16:creationId xmlns:a16="http://schemas.microsoft.com/office/drawing/2014/main" id="{A7427655-19B9-3442-9A2E-A8317EBCA37D}"/>
+              </a:ext>
+            </a:extLst>
+          </p:cNvPr>
+          <p:cNvPicPr>
+            <a:picLocks noChangeAspect="1"/>
+          </p:cNvPicPr>
+          <p:nvPr/>
+        </p:nvPicPr>
+        <p:blipFill>
+          <a:blip r:embed="rId7">
+            <a:lum/>
+            <a:alphaModFix/>
+          </a:blip>
+          <a:srcRect/>
+          <a:stretch>
+            <a:fillRect/>
+          </a:stretch>
+        </p:blipFill>
+        <p:spPr>
+          <a:xfrm>
+            <a:off x="2736000" y="1686960"/>
+            <a:ext cx="2244960" cy="2273039"/>
+          </a:xfrm>
+          <a:prstGeom prst="rect">
+            <a:avLst/>
+          </a:prstGeom>
+          <a:noFill/>
+          <a:ln>
+            <a:noFill/>
+          </a:ln>
+        </p:spPr>
+      </p:pic>
     </p:spTree>
     <p:extLst>
       <p:ext uri="{BB962C8B-B14F-4D97-AF65-F5344CB8AC3E}">
@@ -13758,7 +16020,7 @@
         </p:nvSpPr>
         <p:spPr>
           <a:xfrm>
-            <a:off x="1850046" y="1880851"/>
+            <a:off x="2776165" y="1880851"/>
             <a:ext cx="462542" cy="475488"/>
           </a:xfrm>
           <a:prstGeom prst="cube">
@@ -13798,7 +16060,7 @@
         </p:nvSpPr>
         <p:spPr>
           <a:xfrm>
-            <a:off x="214085" y="1856985"/>
+            <a:off x="1140204" y="1856985"/>
             <a:ext cx="1790700" cy="523220"/>
           </a:xfrm>
           <a:prstGeom prst="rect">
@@ -13843,7 +16105,7 @@
         </p:nvSpPr>
         <p:spPr>
           <a:xfrm>
-            <a:off x="214085" y="2403234"/>
+            <a:off x="1140204" y="2403234"/>
             <a:ext cx="1790700" cy="307777"/>
           </a:xfrm>
           <a:prstGeom prst="rect">
@@ -13875,7 +16137,7 @@
         </p:nvSpPr>
         <p:spPr>
           <a:xfrm>
-            <a:off x="2312588" y="2246177"/>
+            <a:off x="3238707" y="2246177"/>
             <a:ext cx="671638" cy="475488"/>
           </a:xfrm>
           <a:prstGeom prst="cube">
@@ -13915,7 +16177,7 @@
         </p:nvSpPr>
         <p:spPr>
           <a:xfrm>
-            <a:off x="214085" y="2778157"/>
+            <a:off x="1140204" y="2778157"/>
             <a:ext cx="1790700" cy="307777"/>
           </a:xfrm>
           <a:prstGeom prst="rect">
@@ -13947,7 +16209,7 @@
         </p:nvSpPr>
         <p:spPr>
           <a:xfrm>
-            <a:off x="2907792" y="2649482"/>
+            <a:off x="3833911" y="2649482"/>
             <a:ext cx="754771" cy="475488"/>
           </a:xfrm>
           <a:prstGeom prst="cube">
@@ -13987,7 +16249,7 @@
         </p:nvSpPr>
         <p:spPr>
           <a:xfrm>
-            <a:off x="214085" y="3232949"/>
+            <a:off x="1140204" y="3232949"/>
             <a:ext cx="1790700" cy="307777"/>
           </a:xfrm>
           <a:prstGeom prst="rect">
@@ -14019,7 +16281,7 @@
         </p:nvSpPr>
         <p:spPr>
           <a:xfrm>
-            <a:off x="3662563" y="3052787"/>
+            <a:off x="4588682" y="3052787"/>
             <a:ext cx="775559" cy="475488"/>
           </a:xfrm>
           <a:prstGeom prst="cube">
@@ -14059,7 +16321,7 @@
         </p:nvSpPr>
         <p:spPr>
           <a:xfrm>
-            <a:off x="4349964" y="3455566"/>
+            <a:off x="5276083" y="3455566"/>
             <a:ext cx="923544" cy="475488"/>
           </a:xfrm>
           <a:prstGeom prst="cube">
@@ -14099,7 +16361,7 @@
         </p:nvSpPr>
         <p:spPr>
           <a:xfrm>
-            <a:off x="5212314" y="3831792"/>
+            <a:off x="6138433" y="3831792"/>
             <a:ext cx="575838" cy="475488"/>
           </a:xfrm>
           <a:prstGeom prst="cube">
@@ -14139,7 +16401,7 @@
         </p:nvSpPr>
         <p:spPr>
           <a:xfrm>
-            <a:off x="5766535" y="4199442"/>
+            <a:off x="6692654" y="4199442"/>
             <a:ext cx="1178333" cy="475488"/>
           </a:xfrm>
           <a:prstGeom prst="cube">
@@ -14179,7 +16441,7 @@
         </p:nvSpPr>
         <p:spPr>
           <a:xfrm>
-            <a:off x="214085" y="3602356"/>
+            <a:off x="1140204" y="3602356"/>
             <a:ext cx="1790700" cy="307777"/>
           </a:xfrm>
           <a:prstGeom prst="rect">
@@ -14225,7 +16487,7 @@
         </p:nvSpPr>
         <p:spPr>
           <a:xfrm>
-            <a:off x="177027" y="3976621"/>
+            <a:off x="1103146" y="3976621"/>
             <a:ext cx="1790700" cy="307777"/>
           </a:xfrm>
           <a:prstGeom prst="rect">
@@ -14271,7 +16533,7 @@
         </p:nvSpPr>
         <p:spPr>
           <a:xfrm>
-            <a:off x="186242" y="4374573"/>
+            <a:off x="1112361" y="4374573"/>
             <a:ext cx="1790700" cy="307777"/>
           </a:xfrm>
           <a:prstGeom prst="rect">
@@ -14307,7 +16569,7 @@
         </p:nvSpPr>
         <p:spPr>
           <a:xfrm>
-            <a:off x="214085" y="4740573"/>
+            <a:off x="1140204" y="4740573"/>
             <a:ext cx="1790700" cy="307777"/>
           </a:xfrm>
           <a:prstGeom prst="rect">
@@ -14346,7 +16608,7 @@
         </p:nvSpPr>
         <p:spPr>
           <a:xfrm>
-            <a:off x="214085" y="5154755"/>
+            <a:off x="1140204" y="5154755"/>
             <a:ext cx="1790700" cy="307777"/>
           </a:xfrm>
           <a:prstGeom prst="rect">
@@ -14392,7 +16654,7 @@
         </p:nvSpPr>
         <p:spPr>
           <a:xfrm>
-            <a:off x="214085" y="5578698"/>
+            <a:off x="1140204" y="5578698"/>
             <a:ext cx="1790700" cy="307777"/>
           </a:xfrm>
           <a:prstGeom prst="rect">
@@ -14424,7 +16686,7 @@
         </p:nvSpPr>
         <p:spPr>
           <a:xfrm>
-            <a:off x="6867144" y="4565443"/>
+            <a:off x="7793263" y="4565443"/>
             <a:ext cx="1051560" cy="475488"/>
           </a:xfrm>
           <a:prstGeom prst="cube">
@@ -14464,7 +16726,7 @@
         </p:nvSpPr>
         <p:spPr>
           <a:xfrm>
-            <a:off x="7827264" y="4937195"/>
+            <a:off x="8753383" y="4937195"/>
             <a:ext cx="676655" cy="475488"/>
           </a:xfrm>
           <a:prstGeom prst="cube">
@@ -14504,7 +16766,7 @@
         </p:nvSpPr>
         <p:spPr>
           <a:xfrm>
-            <a:off x="8404861" y="5327339"/>
+            <a:off x="9330980" y="5327339"/>
             <a:ext cx="923544" cy="475488"/>
           </a:xfrm>
           <a:prstGeom prst="cube">
@@ -14544,7 +16806,7 @@
         </p:nvCxnSpPr>
         <p:spPr>
           <a:xfrm flipV="1">
-            <a:off x="1767749" y="1880851"/>
+            <a:off x="2693868" y="1880851"/>
             <a:ext cx="0" cy="4051979"/>
           </a:xfrm>
           <a:prstGeom prst="line">
@@ -14580,7 +16842,7 @@
         </p:nvSpPr>
         <p:spPr>
           <a:xfrm>
-            <a:off x="1459947" y="1509846"/>
+            <a:off x="2386066" y="1509846"/>
             <a:ext cx="697901" cy="369332"/>
           </a:xfrm>
           <a:prstGeom prst="rect">
@@ -14610,7 +16872,7 @@
         </p:nvSpPr>
         <p:spPr>
           <a:xfrm>
-            <a:off x="1925540" y="2339348"/>
+            <a:off x="2851659" y="2339348"/>
             <a:ext cx="307803" cy="307777"/>
           </a:xfrm>
           <a:prstGeom prst="rect">
@@ -14640,7 +16902,7 @@
         </p:nvSpPr>
         <p:spPr>
           <a:xfrm>
-            <a:off x="2446087" y="2689229"/>
+            <a:off x="3372206" y="2689229"/>
             <a:ext cx="307803" cy="307777"/>
           </a:xfrm>
           <a:prstGeom prst="rect">
@@ -14670,7 +16932,7 @@
         </p:nvSpPr>
         <p:spPr>
           <a:xfrm>
-            <a:off x="3171584" y="3085934"/>
+            <a:off x="4097703" y="3085934"/>
             <a:ext cx="307803" cy="307777"/>
           </a:xfrm>
           <a:prstGeom prst="rect">
@@ -14700,7 +16962,7 @@
         </p:nvSpPr>
         <p:spPr>
           <a:xfrm>
-            <a:off x="3855742" y="3485523"/>
+            <a:off x="4781861" y="3485523"/>
             <a:ext cx="307803" cy="307777"/>
           </a:xfrm>
           <a:prstGeom prst="rect">
@@ -14730,7 +16992,7 @@
         </p:nvSpPr>
         <p:spPr>
           <a:xfrm>
-            <a:off x="4563951" y="3910133"/>
+            <a:off x="5490070" y="3910133"/>
             <a:ext cx="307803" cy="307777"/>
           </a:xfrm>
           <a:prstGeom prst="rect">
@@ -14760,7 +17022,7 @@
         </p:nvSpPr>
         <p:spPr>
           <a:xfrm>
-            <a:off x="5312663" y="4302100"/>
+            <a:off x="6238782" y="4302100"/>
             <a:ext cx="307803" cy="307777"/>
           </a:xfrm>
           <a:prstGeom prst="rect">
@@ -14790,7 +17052,7 @@
         </p:nvSpPr>
         <p:spPr>
           <a:xfrm>
-            <a:off x="6201799" y="4664039"/>
+            <a:off x="7127918" y="4664039"/>
             <a:ext cx="307803" cy="307777"/>
           </a:xfrm>
           <a:prstGeom prst="rect">
@@ -14820,7 +17082,7 @@
         </p:nvSpPr>
         <p:spPr>
           <a:xfrm>
-            <a:off x="7154811" y="5075407"/>
+            <a:off x="8080930" y="5075407"/>
             <a:ext cx="384787" cy="307777"/>
           </a:xfrm>
           <a:prstGeom prst="rect">
@@ -14850,7 +17112,7 @@
         </p:nvSpPr>
         <p:spPr>
           <a:xfrm>
-            <a:off x="7973197" y="5389491"/>
+            <a:off x="8899316" y="5389491"/>
             <a:ext cx="384787" cy="307777"/>
           </a:xfrm>
           <a:prstGeom prst="rect">
@@ -14880,7 +17142,7 @@
         </p:nvSpPr>
         <p:spPr>
           <a:xfrm>
-            <a:off x="8674239" y="5732586"/>
+            <a:off x="9600358" y="5732586"/>
             <a:ext cx="384787" cy="307777"/>
           </a:xfrm>
           <a:prstGeom prst="rect">
@@ -14910,7 +17172,7 @@
         </p:nvSpPr>
         <p:spPr>
           <a:xfrm>
-            <a:off x="8971179" y="1459930"/>
+            <a:off x="9897298" y="1459930"/>
             <a:ext cx="697901" cy="369332"/>
           </a:xfrm>
           <a:prstGeom prst="rect">
@@ -14940,7 +17202,7 @@
         </p:nvCxnSpPr>
         <p:spPr>
           <a:xfrm flipV="1">
-            <a:off x="9328405" y="1832083"/>
+            <a:off x="10254524" y="1832083"/>
             <a:ext cx="0" cy="4051979"/>
           </a:xfrm>
           <a:prstGeom prst="line">
@@ -15353,7 +17615,7 @@
         </p:blipFill>
         <p:spPr>
           <a:xfrm>
-            <a:off x="355620" y="1936262"/>
+            <a:off x="291582" y="2423802"/>
             <a:ext cx="1762125" cy="1771650"/>
           </a:xfrm>
           <a:prstGeom prst="rect">
@@ -15383,7 +17645,7 @@
         </p:blipFill>
         <p:spPr>
           <a:xfrm>
-            <a:off x="2485088" y="1936262"/>
+            <a:off x="2421050" y="2423802"/>
             <a:ext cx="3688924" cy="1844462"/>
           </a:xfrm>
           <a:prstGeom prst="rect">
@@ -15413,7 +17675,7 @@
         </p:blipFill>
         <p:spPr>
           <a:xfrm>
-            <a:off x="6816859" y="1904285"/>
+            <a:off x="6752821" y="2391825"/>
             <a:ext cx="1752165" cy="1752165"/>
           </a:xfrm>
           <a:prstGeom prst="rect">
@@ -15443,7 +17705,7 @@
         </p:blipFill>
         <p:spPr>
           <a:xfrm>
-            <a:off x="9095232" y="2056250"/>
+            <a:off x="9031194" y="2543790"/>
             <a:ext cx="2857500" cy="1600200"/>
           </a:xfrm>
           <a:prstGeom prst="rect">
@@ -15459,7 +17721,7 @@
         </p:nvSpPr>
         <p:spPr>
           <a:xfrm>
-            <a:off x="738334" y="3776979"/>
+            <a:off x="674296" y="4264519"/>
             <a:ext cx="996696" cy="584775"/>
           </a:xfrm>
           <a:prstGeom prst="rect">
@@ -15496,7 +17758,7 @@
         </p:nvSpPr>
         <p:spPr>
           <a:xfrm>
-            <a:off x="3831202" y="3780724"/>
+            <a:off x="3767164" y="4268264"/>
             <a:ext cx="996696" cy="584775"/>
           </a:xfrm>
           <a:prstGeom prst="rect">
@@ -15543,7 +17805,7 @@
         </p:nvSpPr>
         <p:spPr>
           <a:xfrm>
-            <a:off x="7194593" y="3780724"/>
+            <a:off x="7130555" y="4268264"/>
             <a:ext cx="996696" cy="584775"/>
           </a:xfrm>
           <a:prstGeom prst="rect">
@@ -15580,7 +17842,7 @@
         </p:nvSpPr>
         <p:spPr>
           <a:xfrm>
-            <a:off x="10178538" y="3776979"/>
+            <a:off x="10114500" y="4264519"/>
             <a:ext cx="996696" cy="338554"/>
           </a:xfrm>
           <a:prstGeom prst="rect">
@@ -15987,7 +18249,7 @@
         </p:blipFill>
         <p:spPr>
           <a:xfrm>
-            <a:off x="266706" y="1886372"/>
+            <a:off x="1190286" y="1873379"/>
             <a:ext cx="1790694" cy="1780577"/>
           </a:xfrm>
           <a:prstGeom prst="rect">
@@ -16017,7 +18279,7 @@
         </p:blipFill>
         <p:spPr>
           <a:xfrm>
-            <a:off x="2737901" y="1755711"/>
+            <a:off x="3661481" y="1742718"/>
             <a:ext cx="2033391" cy="2033391"/>
           </a:xfrm>
           <a:prstGeom prst="rect">
@@ -16047,7 +18309,7 @@
         </p:blipFill>
         <p:spPr>
           <a:xfrm>
-            <a:off x="7520916" y="1607334"/>
+            <a:off x="8444496" y="1594341"/>
             <a:ext cx="2219625" cy="2236634"/>
           </a:xfrm>
           <a:prstGeom prst="rect">
@@ -16077,7 +18339,7 @@
         </p:blipFill>
         <p:spPr>
           <a:xfrm>
-            <a:off x="6242795" y="4758974"/>
+            <a:off x="7166375" y="4745981"/>
             <a:ext cx="2556242" cy="511248"/>
           </a:xfrm>
           <a:prstGeom prst="rect">
@@ -16107,7 +18369,7 @@
         </p:blipFill>
         <p:spPr>
           <a:xfrm>
-            <a:off x="5377791" y="1700843"/>
+            <a:off x="6301371" y="1687850"/>
             <a:ext cx="2143125" cy="2143125"/>
           </a:xfrm>
           <a:prstGeom prst="rect">
@@ -16137,7 +18399,7 @@
         </p:blipFill>
         <p:spPr>
           <a:xfrm>
-            <a:off x="1967727" y="3943036"/>
+            <a:off x="2891307" y="3930043"/>
             <a:ext cx="2143125" cy="2143125"/>
           </a:xfrm>
           <a:prstGeom prst="rect">
@@ -16153,7 +18415,7 @@
         </p:nvSpPr>
         <p:spPr>
           <a:xfrm>
-            <a:off x="668778" y="3728206"/>
+            <a:off x="1592358" y="3715213"/>
             <a:ext cx="996696" cy="338554"/>
           </a:xfrm>
           <a:prstGeom prst="rect">
@@ -16197,7 +18459,7 @@
         </p:nvSpPr>
         <p:spPr>
           <a:xfrm>
-            <a:off x="3807881" y="3755702"/>
+            <a:off x="4731461" y="3742709"/>
             <a:ext cx="996696" cy="338554"/>
           </a:xfrm>
           <a:prstGeom prst="rect">
@@ -16241,7 +18503,7 @@
         </p:nvSpPr>
         <p:spPr>
           <a:xfrm>
-            <a:off x="5838763" y="3728206"/>
+            <a:off x="6762343" y="3715213"/>
             <a:ext cx="1254466" cy="338554"/>
           </a:xfrm>
           <a:prstGeom prst="rect">
@@ -16285,7 +18547,7 @@
         </p:nvSpPr>
         <p:spPr>
           <a:xfrm>
-            <a:off x="7944253" y="3755702"/>
+            <a:off x="8867833" y="3742709"/>
             <a:ext cx="1372951" cy="338554"/>
           </a:xfrm>
           <a:prstGeom prst="rect">
@@ -16329,7 +18591,7 @@
         </p:nvSpPr>
         <p:spPr>
           <a:xfrm>
-            <a:off x="3695912" y="5619816"/>
+            <a:off x="4619492" y="5606823"/>
             <a:ext cx="996696" cy="584775"/>
           </a:xfrm>
           <a:prstGeom prst="rect">
@@ -16373,7 +18635,7 @@
         </p:nvSpPr>
         <p:spPr>
           <a:xfrm>
-            <a:off x="6551640" y="5450539"/>
+            <a:off x="7475220" y="5437546"/>
             <a:ext cx="1938552" cy="338554"/>
           </a:xfrm>
           <a:prstGeom prst="rect">
@@ -16774,7 +19036,7 @@
         </p:blipFill>
         <p:spPr>
           <a:xfrm>
-            <a:off x="177027" y="1624386"/>
+            <a:off x="927304" y="2187025"/>
             <a:ext cx="2278722" cy="1516386"/>
           </a:xfrm>
           <a:prstGeom prst="rect">
@@ -16798,7 +19060,7 @@
         </p:blipFill>
         <p:spPr>
           <a:xfrm>
-            <a:off x="4284350" y="1701923"/>
+            <a:off x="4880536" y="2233084"/>
             <a:ext cx="2352523" cy="1470327"/>
           </a:xfrm>
           <a:prstGeom prst="rect">
@@ -16822,7 +19084,7 @@
         </p:blipFill>
         <p:spPr>
           <a:xfrm>
-            <a:off x="408338" y="3013302"/>
+            <a:off x="1158615" y="3575941"/>
             <a:ext cx="1816100" cy="1816100"/>
           </a:xfrm>
           <a:prstGeom prst="rect">
@@ -16852,7 +19114,7 @@
         </p:blipFill>
         <p:spPr>
           <a:xfrm>
-            <a:off x="177027" y="4829402"/>
+            <a:off x="8676258" y="2234521"/>
             <a:ext cx="2214336" cy="1660752"/>
           </a:xfrm>
           <a:prstGeom prst="rect">
@@ -16882,7 +19144,7 @@
         </p:blipFill>
         <p:spPr>
           <a:xfrm>
-            <a:off x="4451275" y="2890938"/>
+            <a:off x="5047461" y="3422099"/>
             <a:ext cx="1860169" cy="2426308"/>
           </a:xfrm>
           <a:prstGeom prst="rect">
@@ -16912,7 +19174,7 @@
         </p:blipFill>
         <p:spPr>
           <a:xfrm>
-            <a:off x="3908036" y="4921590"/>
+            <a:off x="8449743" y="3979660"/>
             <a:ext cx="3105150" cy="1476375"/>
           </a:xfrm>
           <a:prstGeom prst="rect">

--- a/docs/발표ppt/발표.pptx
+++ b/docs/발표ppt/발표.pptx
@@ -132,7 +132,7 @@
 </file>
 
 <file path=ppt/charts/chart1.xml><?xml version="1.0" encoding="utf-8"?>
-<c:chartSpace xmlns:c="http://schemas.openxmlformats.org/drawingml/2006/chart" xmlns:a="http://schemas.openxmlformats.org/drawingml/2006/main" xmlns:r="http://schemas.openxmlformats.org/officeDocument/2006/relationships" xmlns:c16r2="http://schemas.microsoft.com/office/drawing/2015/06/chart">
+<c:chartSpace xmlns:c="http://schemas.openxmlformats.org/drawingml/2006/chart" xmlns:a="http://schemas.openxmlformats.org/drawingml/2006/main" xmlns:r="http://schemas.openxmlformats.org/officeDocument/2006/relationships">
   <c:date1904 val="0"/>
   <c:lang val="ko-KR"/>
   <c:roundedCorners val="0"/>
@@ -174,6 +174,7 @@
           </a:p>
         </c:rich>
       </c:tx>
+      <c:layout/>
       <c:overlay val="0"/>
       <c:spPr>
         <a:noFill/>
@@ -288,7 +289,7 @@
             </c:numRef>
           </c:val>
           <c:smooth val="0"/>
-          <c:extLst>
+          <c:extLst xmlns:c16r2="http://schemas.microsoft.com/office/drawing/2015/06/chart">
             <c:ext xmlns:c16="http://schemas.microsoft.com/office/drawing/2014/chart" uri="{C3380CC4-5D6E-409C-BE32-E72D297353CC}">
               <c16:uniqueId val="{00000000-6458-4142-8A04-E65DBE0AD96D}"/>
             </c:ext>
@@ -304,11 +305,11 @@
         </c:dLbls>
         <c:marker val="1"/>
         <c:smooth val="0"/>
-        <c:axId val="2058646895"/>
-        <c:axId val="2058547503"/>
+        <c:axId val="375435144"/>
+        <c:axId val="375435536"/>
       </c:lineChart>
       <c:catAx>
-        <c:axId val="2058646895"/>
+        <c:axId val="375435144"/>
         <c:scaling>
           <c:orientation val="minMax"/>
         </c:scaling>
@@ -351,7 +352,7 @@
             <a:endParaRPr lang="ko-KR"/>
           </a:p>
         </c:txPr>
-        <c:crossAx val="2058547503"/>
+        <c:crossAx val="375435536"/>
         <c:crosses val="autoZero"/>
         <c:auto val="1"/>
         <c:lblAlgn val="ctr"/>
@@ -359,7 +360,7 @@
         <c:noMultiLvlLbl val="0"/>
       </c:catAx>
       <c:valAx>
-        <c:axId val="2058547503"/>
+        <c:axId val="375435536"/>
         <c:scaling>
           <c:orientation val="minMax"/>
         </c:scaling>
@@ -369,7 +370,7 @@
         <c:majorTickMark val="none"/>
         <c:minorTickMark val="none"/>
         <c:tickLblPos val="nextTo"/>
-        <c:crossAx val="2058646895"/>
+        <c:crossAx val="375435144"/>
         <c:crosses val="autoZero"/>
         <c:crossBetween val="between"/>
       </c:valAx>
@@ -387,6 +388,7 @@
     </c:plotArea>
     <c:legend>
       <c:legendPos val="b"/>
+      <c:layout/>
       <c:overlay val="0"/>
       <c:spPr>
         <a:noFill/>
@@ -418,14 +420,14 @@
     </c:legend>
     <c:plotVisOnly val="1"/>
     <c:dispBlanksAs val="gap"/>
-    <c:extLst>
+    <c:showDLblsOverMax val="0"/>
+    <c:extLst xmlns:c16r2="http://schemas.microsoft.com/office/drawing/2015/06/chart">
       <c:ext xmlns:c16r3="http://schemas.microsoft.com/office/drawing/2017/03/chart" uri="{56B9EC1D-385E-4148-901F-78D8002777C0}">
         <c16r3:dataDisplayOptions16>
           <c16r3:dispNaAsBlank val="1"/>
         </c16r3:dataDisplayOptions16>
       </c:ext>
     </c:extLst>
-    <c:showDLblsOverMax val="0"/>
   </c:chart>
   <c:spPr>
     <a:noFill/>
@@ -1777,28 +1779,28 @@
           <a:pPr latinLnBrk="1"/>
           <a:r>
             <a:rPr lang="ko-KR" altLang="en-US" sz="1400" dirty="0" err="1">
-              <a:latin typeface="GangwonEduPower ExtraBold" panose="02020603020101020101" pitchFamily="18" charset="-127"/>
-              <a:ea typeface="GangwonEduPower ExtraBold" panose="02020603020101020101" pitchFamily="18" charset="-127"/>
+              <a:latin typeface="강원교육튼튼" panose="02020603020101020101" pitchFamily="18" charset="-127"/>
+              <a:ea typeface="강원교육튼튼" panose="02020603020101020101" pitchFamily="18" charset="-127"/>
             </a:rPr>
             <a:t>동물보호소</a:t>
           </a:r>
           <a:r>
             <a:rPr lang="ko-KR" altLang="en-US" sz="1400" dirty="0">
-              <a:latin typeface="GangwonEduPower ExtraBold" panose="02020603020101020101" pitchFamily="18" charset="-127"/>
-              <a:ea typeface="GangwonEduPower ExtraBold" panose="02020603020101020101" pitchFamily="18" charset="-127"/>
+              <a:latin typeface="강원교육튼튼" panose="02020603020101020101" pitchFamily="18" charset="-127"/>
+              <a:ea typeface="강원교육튼튼" panose="02020603020101020101" pitchFamily="18" charset="-127"/>
             </a:rPr>
             <a:t> </a:t>
           </a:r>
           <a:r>
             <a:rPr lang="ko-KR" altLang="en-US" sz="1400" dirty="0" err="1">
-              <a:latin typeface="GangwonEduPower ExtraBold" panose="02020603020101020101" pitchFamily="18" charset="-127"/>
-              <a:ea typeface="GangwonEduPower ExtraBold" panose="02020603020101020101" pitchFamily="18" charset="-127"/>
+              <a:latin typeface="강원교육튼튼" panose="02020603020101020101" pitchFamily="18" charset="-127"/>
+              <a:ea typeface="강원교육튼튼" panose="02020603020101020101" pitchFamily="18" charset="-127"/>
             </a:rPr>
             <a:t>연게</a:t>
           </a:r>
           <a:endParaRPr lang="ko-KR" altLang="en-US" sz="1400" dirty="0">
-            <a:latin typeface="GangwonEduPower ExtraBold" panose="02020603020101020101" pitchFamily="18" charset="-127"/>
-            <a:ea typeface="GangwonEduPower ExtraBold" panose="02020603020101020101" pitchFamily="18" charset="-127"/>
+            <a:latin typeface="강원교육튼튼" panose="02020603020101020101" pitchFamily="18" charset="-127"/>
+            <a:ea typeface="강원교육튼튼" panose="02020603020101020101" pitchFamily="18" charset="-127"/>
           </a:endParaRPr>
         </a:p>
       </dgm:t>
@@ -1950,8 +1952,8 @@
           <a:pPr latinLnBrk="1"/>
           <a:r>
             <a:rPr lang="ko-KR" altLang="en-US" sz="1400" dirty="0">
-              <a:latin typeface="GangwonEduPower ExtraBold" panose="02020603020101020101" pitchFamily="18" charset="-127"/>
-              <a:ea typeface="GangwonEduPower ExtraBold" panose="02020603020101020101" pitchFamily="18" charset="-127"/>
+              <a:latin typeface="강원교육튼튼" panose="02020603020101020101" pitchFamily="18" charset="-127"/>
+              <a:ea typeface="강원교육튼튼" panose="02020603020101020101" pitchFamily="18" charset="-127"/>
             </a:rPr>
             <a:t>유기 동물 입양 매칭</a:t>
           </a:r>
@@ -2105,22 +2107,22 @@
           <a:pPr latinLnBrk="1"/>
           <a:r>
             <a:rPr lang="ko-KR" altLang="en-US" sz="1400" dirty="0">
-              <a:latin typeface="GangwonEduPower ExtraBold" panose="02020603020101020101" pitchFamily="18" charset="-127"/>
-              <a:ea typeface="GangwonEduPower ExtraBold" panose="02020603020101020101" pitchFamily="18" charset="-127"/>
+              <a:latin typeface="강원교육튼튼" panose="02020603020101020101" pitchFamily="18" charset="-127"/>
+              <a:ea typeface="강원교육튼튼" panose="02020603020101020101" pitchFamily="18" charset="-127"/>
             </a:rPr>
             <a:t>개인 분양</a:t>
           </a:r>
           <a:r>
             <a:rPr lang="en-US" altLang="ko-KR" sz="1400" dirty="0">
-              <a:latin typeface="GangwonEduPower ExtraBold" panose="02020603020101020101" pitchFamily="18" charset="-127"/>
-              <a:ea typeface="GangwonEduPower ExtraBold" panose="02020603020101020101" pitchFamily="18" charset="-127"/>
+              <a:latin typeface="강원교육튼튼" panose="02020603020101020101" pitchFamily="18" charset="-127"/>
+              <a:ea typeface="강원교육튼튼" panose="02020603020101020101" pitchFamily="18" charset="-127"/>
             </a:rPr>
             <a:t>&amp;</a:t>
           </a:r>
           <a:r>
             <a:rPr lang="ko-KR" altLang="en-US" sz="1400" dirty="0">
-              <a:latin typeface="GangwonEduPower ExtraBold" panose="02020603020101020101" pitchFamily="18" charset="-127"/>
-              <a:ea typeface="GangwonEduPower ExtraBold" panose="02020603020101020101" pitchFamily="18" charset="-127"/>
+              <a:latin typeface="강원교육튼튼" panose="02020603020101020101" pitchFamily="18" charset="-127"/>
+              <a:ea typeface="강원교육튼튼" panose="02020603020101020101" pitchFamily="18" charset="-127"/>
             </a:rPr>
             <a:t>입양 매칭</a:t>
           </a:r>
@@ -2266,6 +2268,14 @@
         </dgm:presLayoutVars>
       </dgm:prSet>
       <dgm:spPr/>
+      <dgm:t>
+        <a:bodyPr/>
+        <a:lstStyle/>
+        <a:p>
+          <a:pPr latinLnBrk="1"/>
+          <a:endParaRPr lang="ko-KR" altLang="en-US"/>
+        </a:p>
+      </dgm:t>
     </dgm:pt>
     <dgm:pt modelId="{AF6A812F-9A70-0E45-82B0-E2B6940BB4D5}" type="pres">
       <dgm:prSet presAssocID="{B0251B59-F420-0344-BB24-235E38698866}" presName="composite" presStyleCnt="0"/>
@@ -2280,6 +2290,14 @@
         </dgm:presLayoutVars>
       </dgm:prSet>
       <dgm:spPr/>
+      <dgm:t>
+        <a:bodyPr/>
+        <a:lstStyle/>
+        <a:p>
+          <a:pPr latinLnBrk="1"/>
+          <a:endParaRPr lang="ko-KR" altLang="en-US"/>
+        </a:p>
+      </dgm:t>
     </dgm:pt>
     <dgm:pt modelId="{57BA6832-8C55-1B42-886A-B8646B316161}" type="pres">
       <dgm:prSet presAssocID="{B0251B59-F420-0344-BB24-235E38698866}" presName="desTx" presStyleLbl="alignAccFollowNode1" presStyleIdx="0" presStyleCnt="3">
@@ -2288,6 +2306,14 @@
         </dgm:presLayoutVars>
       </dgm:prSet>
       <dgm:spPr/>
+      <dgm:t>
+        <a:bodyPr/>
+        <a:lstStyle/>
+        <a:p>
+          <a:pPr latinLnBrk="1"/>
+          <a:endParaRPr lang="ko-KR" altLang="en-US"/>
+        </a:p>
+      </dgm:t>
     </dgm:pt>
     <dgm:pt modelId="{26D955B7-3F04-EB42-82B6-0F1B6072003B}" type="pres">
       <dgm:prSet presAssocID="{C325F0B9-5C66-2E4D-80E3-A468776C467A}" presName="space" presStyleCnt="0"/>
@@ -2306,6 +2332,14 @@
         </dgm:presLayoutVars>
       </dgm:prSet>
       <dgm:spPr/>
+      <dgm:t>
+        <a:bodyPr/>
+        <a:lstStyle/>
+        <a:p>
+          <a:pPr latinLnBrk="1"/>
+          <a:endParaRPr lang="ko-KR" altLang="en-US"/>
+        </a:p>
+      </dgm:t>
     </dgm:pt>
     <dgm:pt modelId="{1E9F173A-46D4-B642-8FC7-198284B6FEBE}" type="pres">
       <dgm:prSet presAssocID="{E619C22C-E6DD-E04D-9025-EDC35DD3AFDF}" presName="desTx" presStyleLbl="alignAccFollowNode1" presStyleIdx="1" presStyleCnt="3">
@@ -2314,6 +2348,14 @@
         </dgm:presLayoutVars>
       </dgm:prSet>
       <dgm:spPr/>
+      <dgm:t>
+        <a:bodyPr/>
+        <a:lstStyle/>
+        <a:p>
+          <a:pPr latinLnBrk="1"/>
+          <a:endParaRPr lang="ko-KR" altLang="en-US"/>
+        </a:p>
+      </dgm:t>
     </dgm:pt>
     <dgm:pt modelId="{EC1D4EE0-61A2-F74C-9322-63035FEEF363}" type="pres">
       <dgm:prSet presAssocID="{D7CEF51C-02F6-8546-A8B1-FCCF72DC6502}" presName="space" presStyleCnt="0"/>
@@ -2332,6 +2374,14 @@
         </dgm:presLayoutVars>
       </dgm:prSet>
       <dgm:spPr/>
+      <dgm:t>
+        <a:bodyPr/>
+        <a:lstStyle/>
+        <a:p>
+          <a:pPr latinLnBrk="1"/>
+          <a:endParaRPr lang="ko-KR" altLang="en-US"/>
+        </a:p>
+      </dgm:t>
     </dgm:pt>
     <dgm:pt modelId="{F525C196-F9CC-A547-A983-4783CF778709}" type="pres">
       <dgm:prSet presAssocID="{2256F831-D654-E54B-9A59-FDB29C76FF0B}" presName="desTx" presStyleLbl="alignAccFollowNode1" presStyleIdx="2" presStyleCnt="3">
@@ -2340,28 +2390,36 @@
         </dgm:presLayoutVars>
       </dgm:prSet>
       <dgm:spPr/>
+      <dgm:t>
+        <a:bodyPr/>
+        <a:lstStyle/>
+        <a:p>
+          <a:pPr latinLnBrk="1"/>
+          <a:endParaRPr lang="ko-KR" altLang="en-US"/>
+        </a:p>
+      </dgm:t>
     </dgm:pt>
   </dgm:ptLst>
   <dgm:cxnLst>
+    <dgm:cxn modelId="{05F32023-FAD2-D445-9F88-BF6E13C1DD16}" srcId="{2256F831-D654-E54B-9A59-FDB29C76FF0B}" destId="{E6966C80-52FC-6A45-BF4E-189129637C91}" srcOrd="0" destOrd="0" parTransId="{B5729C13-98D4-0F4F-911D-407EED640F13}" sibTransId="{7B34A827-5AE8-9546-8E55-0C6C7079CC30}"/>
+    <dgm:cxn modelId="{2BBC2D48-D418-0142-939F-F07230B28E32}" srcId="{E0215DBF-91F0-0D41-94CF-0642BA194C17}" destId="{E619C22C-E6DD-E04D-9025-EDC35DD3AFDF}" srcOrd="1" destOrd="0" parTransId="{37F4B17C-AF11-9545-BA34-8F8FEC634B32}" sibTransId="{D7CEF51C-02F6-8546-A8B1-FCCF72DC6502}"/>
+    <dgm:cxn modelId="{004DE5C4-B0BC-554E-B1FA-1A78CF86BBB3}" type="presOf" srcId="{E0215DBF-91F0-0D41-94CF-0642BA194C17}" destId="{9B54AB7F-791E-9945-AAD8-1F86689F9F1B}" srcOrd="0" destOrd="0" presId="urn:microsoft.com/office/officeart/2005/8/layout/hList1"/>
+    <dgm:cxn modelId="{B5928E23-FB8F-4443-B95E-9B5EF0DC9A56}" type="presOf" srcId="{CEFEADB4-2866-9240-BF52-AFFBA80A2270}" destId="{F525C196-F9CC-A547-A983-4783CF778709}" srcOrd="0" destOrd="1" presId="urn:microsoft.com/office/officeart/2005/8/layout/hList1"/>
+    <dgm:cxn modelId="{6C87DA7B-4B22-CC49-B5F4-F49DE3B5C206}" srcId="{E0215DBF-91F0-0D41-94CF-0642BA194C17}" destId="{2256F831-D654-E54B-9A59-FDB29C76FF0B}" srcOrd="2" destOrd="0" parTransId="{B9457637-7CF0-2741-B45A-66456B389D53}" sibTransId="{7E3F6B39-2805-1748-B637-74B6934E1BF3}"/>
+    <dgm:cxn modelId="{371C1E8C-C4DC-9842-BEEB-5EDEEB233B57}" srcId="{E0215DBF-91F0-0D41-94CF-0642BA194C17}" destId="{B0251B59-F420-0344-BB24-235E38698866}" srcOrd="0" destOrd="0" parTransId="{7F4029E3-7326-ED4C-AFE9-CA6721F38F7A}" sibTransId="{C325F0B9-5C66-2E4D-80E3-A468776C467A}"/>
+    <dgm:cxn modelId="{E60F383C-6237-7C4D-8220-B9C3EDA537EE}" type="presOf" srcId="{54C3EC98-E014-B44E-858B-2D0B16A6A95C}" destId="{1E9F173A-46D4-B642-8FC7-198284B6FEBE}" srcOrd="0" destOrd="0" presId="urn:microsoft.com/office/officeart/2005/8/layout/hList1"/>
+    <dgm:cxn modelId="{C6472566-90C1-3444-8333-ED41197A499B}" srcId="{2256F831-D654-E54B-9A59-FDB29C76FF0B}" destId="{CEFEADB4-2866-9240-BF52-AFFBA80A2270}" srcOrd="1" destOrd="0" parTransId="{24FD9CCC-546E-1542-A937-EDD81992BACF}" sibTransId="{56F58F8C-E185-8B4C-88E4-CC6BC3B0AD31}"/>
+    <dgm:cxn modelId="{41B3F893-6E4F-CE4D-B2B1-DBDC3EBE2060}" type="presOf" srcId="{2256F831-D654-E54B-9A59-FDB29C76FF0B}" destId="{4239D413-17DF-DC49-8E5F-0642E0AE1A0C}" srcOrd="0" destOrd="0" presId="urn:microsoft.com/office/officeart/2005/8/layout/hList1"/>
+    <dgm:cxn modelId="{69069033-1BE5-2347-8DC0-E32DC42042B1}" type="presOf" srcId="{03173FB1-94DD-544E-BB8A-B5141DA795FF}" destId="{1E9F173A-46D4-B642-8FC7-198284B6FEBE}" srcOrd="0" destOrd="1" presId="urn:microsoft.com/office/officeart/2005/8/layout/hList1"/>
+    <dgm:cxn modelId="{DE848577-6AAE-0745-A0C9-6B6CEE72D1EC}" srcId="{E619C22C-E6DD-E04D-9025-EDC35DD3AFDF}" destId="{03173FB1-94DD-544E-BB8A-B5141DA795FF}" srcOrd="1" destOrd="0" parTransId="{3E664E62-E7FE-2048-A9B8-9F7E5215ADC0}" sibTransId="{515C4304-82F3-4749-9350-17406FA1C352}"/>
+    <dgm:cxn modelId="{F77D8B3A-8AD7-764A-B3DD-0BA4908B6F8A}" type="presOf" srcId="{9EA4E53E-23BA-4240-8307-081EA8ED2E13}" destId="{57BA6832-8C55-1B42-886A-B8646B316161}" srcOrd="0" destOrd="1" presId="urn:microsoft.com/office/officeart/2005/8/layout/hList1"/>
+    <dgm:cxn modelId="{EE7D1ABF-7FB1-094F-B644-A3CF2D0B8056}" srcId="{B0251B59-F420-0344-BB24-235E38698866}" destId="{9EA4E53E-23BA-4240-8307-081EA8ED2E13}" srcOrd="1" destOrd="0" parTransId="{1281C8D0-7079-B44D-AEED-DA6EBD6C943F}" sibTransId="{C10ECF2B-2BB7-484E-BE2B-57CE993CEFDD}"/>
+    <dgm:cxn modelId="{EBC80480-C4AE-E945-A233-18AFCFED66D3}" type="presOf" srcId="{337711E6-36B0-2A4F-8E81-F532CB28649A}" destId="{57BA6832-8C55-1B42-886A-B8646B316161}" srcOrd="0" destOrd="0" presId="urn:microsoft.com/office/officeart/2005/8/layout/hList1"/>
+    <dgm:cxn modelId="{C97940A7-5069-CA4F-BFD4-2C208954B0A1}" srcId="{B0251B59-F420-0344-BB24-235E38698866}" destId="{337711E6-36B0-2A4F-8E81-F532CB28649A}" srcOrd="0" destOrd="0" parTransId="{D7A418ED-1343-CF49-8C00-3E634C23AA62}" sibTransId="{D9A3E550-9E77-6846-B529-D266D6A8427A}"/>
+    <dgm:cxn modelId="{78DC3837-44DB-0246-8DDD-F4022A797EE6}" type="presOf" srcId="{E6966C80-52FC-6A45-BF4E-189129637C91}" destId="{F525C196-F9CC-A547-A983-4783CF778709}" srcOrd="0" destOrd="0" presId="urn:microsoft.com/office/officeart/2005/8/layout/hList1"/>
+    <dgm:cxn modelId="{13C79C30-E8A7-3D4B-8192-452856A3C228}" type="presOf" srcId="{E619C22C-E6DD-E04D-9025-EDC35DD3AFDF}" destId="{D1CF93B5-1A59-564D-B962-A5CE135E59AD}" srcOrd="0" destOrd="0" presId="urn:microsoft.com/office/officeart/2005/8/layout/hList1"/>
+    <dgm:cxn modelId="{7CE510E7-FC0D-4744-B63C-956798521025}" srcId="{E619C22C-E6DD-E04D-9025-EDC35DD3AFDF}" destId="{54C3EC98-E014-B44E-858B-2D0B16A6A95C}" srcOrd="0" destOrd="0" parTransId="{3C90D7FD-A837-B64D-9217-E46EC1CE2236}" sibTransId="{4F5D4520-EF13-F049-B0EB-7B59A64839FF}"/>
     <dgm:cxn modelId="{21751303-93C3-7C43-ACC7-08C545ABFBB2}" type="presOf" srcId="{B0251B59-F420-0344-BB24-235E38698866}" destId="{EBC0F407-1861-F149-90BF-FA2F7871EDC2}" srcOrd="0" destOrd="0" presId="urn:microsoft.com/office/officeart/2005/8/layout/hList1"/>
-    <dgm:cxn modelId="{05F32023-FAD2-D445-9F88-BF6E13C1DD16}" srcId="{2256F831-D654-E54B-9A59-FDB29C76FF0B}" destId="{E6966C80-52FC-6A45-BF4E-189129637C91}" srcOrd="0" destOrd="0" parTransId="{B5729C13-98D4-0F4F-911D-407EED640F13}" sibTransId="{7B34A827-5AE8-9546-8E55-0C6C7079CC30}"/>
-    <dgm:cxn modelId="{B5928E23-FB8F-4443-B95E-9B5EF0DC9A56}" type="presOf" srcId="{CEFEADB4-2866-9240-BF52-AFFBA80A2270}" destId="{F525C196-F9CC-A547-A983-4783CF778709}" srcOrd="0" destOrd="1" presId="urn:microsoft.com/office/officeart/2005/8/layout/hList1"/>
-    <dgm:cxn modelId="{13C79C30-E8A7-3D4B-8192-452856A3C228}" type="presOf" srcId="{E619C22C-E6DD-E04D-9025-EDC35DD3AFDF}" destId="{D1CF93B5-1A59-564D-B962-A5CE135E59AD}" srcOrd="0" destOrd="0" presId="urn:microsoft.com/office/officeart/2005/8/layout/hList1"/>
-    <dgm:cxn modelId="{69069033-1BE5-2347-8DC0-E32DC42042B1}" type="presOf" srcId="{03173FB1-94DD-544E-BB8A-B5141DA795FF}" destId="{1E9F173A-46D4-B642-8FC7-198284B6FEBE}" srcOrd="0" destOrd="1" presId="urn:microsoft.com/office/officeart/2005/8/layout/hList1"/>
-    <dgm:cxn modelId="{78DC3837-44DB-0246-8DDD-F4022A797EE6}" type="presOf" srcId="{E6966C80-52FC-6A45-BF4E-189129637C91}" destId="{F525C196-F9CC-A547-A983-4783CF778709}" srcOrd="0" destOrd="0" presId="urn:microsoft.com/office/officeart/2005/8/layout/hList1"/>
-    <dgm:cxn modelId="{F77D8B3A-8AD7-764A-B3DD-0BA4908B6F8A}" type="presOf" srcId="{9EA4E53E-23BA-4240-8307-081EA8ED2E13}" destId="{57BA6832-8C55-1B42-886A-B8646B316161}" srcOrd="0" destOrd="1" presId="urn:microsoft.com/office/officeart/2005/8/layout/hList1"/>
-    <dgm:cxn modelId="{E60F383C-6237-7C4D-8220-B9C3EDA537EE}" type="presOf" srcId="{54C3EC98-E014-B44E-858B-2D0B16A6A95C}" destId="{1E9F173A-46D4-B642-8FC7-198284B6FEBE}" srcOrd="0" destOrd="0" presId="urn:microsoft.com/office/officeart/2005/8/layout/hList1"/>
-    <dgm:cxn modelId="{2BBC2D48-D418-0142-939F-F07230B28E32}" srcId="{E0215DBF-91F0-0D41-94CF-0642BA194C17}" destId="{E619C22C-E6DD-E04D-9025-EDC35DD3AFDF}" srcOrd="1" destOrd="0" parTransId="{37F4B17C-AF11-9545-BA34-8F8FEC634B32}" sibTransId="{D7CEF51C-02F6-8546-A8B1-FCCF72DC6502}"/>
-    <dgm:cxn modelId="{C6472566-90C1-3444-8333-ED41197A499B}" srcId="{2256F831-D654-E54B-9A59-FDB29C76FF0B}" destId="{CEFEADB4-2866-9240-BF52-AFFBA80A2270}" srcOrd="1" destOrd="0" parTransId="{24FD9CCC-546E-1542-A937-EDD81992BACF}" sibTransId="{56F58F8C-E185-8B4C-88E4-CC6BC3B0AD31}"/>
-    <dgm:cxn modelId="{DE848577-6AAE-0745-A0C9-6B6CEE72D1EC}" srcId="{E619C22C-E6DD-E04D-9025-EDC35DD3AFDF}" destId="{03173FB1-94DD-544E-BB8A-B5141DA795FF}" srcOrd="1" destOrd="0" parTransId="{3E664E62-E7FE-2048-A9B8-9F7E5215ADC0}" sibTransId="{515C4304-82F3-4749-9350-17406FA1C352}"/>
-    <dgm:cxn modelId="{6C87DA7B-4B22-CC49-B5F4-F49DE3B5C206}" srcId="{E0215DBF-91F0-0D41-94CF-0642BA194C17}" destId="{2256F831-D654-E54B-9A59-FDB29C76FF0B}" srcOrd="2" destOrd="0" parTransId="{B9457637-7CF0-2741-B45A-66456B389D53}" sibTransId="{7E3F6B39-2805-1748-B637-74B6934E1BF3}"/>
-    <dgm:cxn modelId="{EBC80480-C4AE-E945-A233-18AFCFED66D3}" type="presOf" srcId="{337711E6-36B0-2A4F-8E81-F532CB28649A}" destId="{57BA6832-8C55-1B42-886A-B8646B316161}" srcOrd="0" destOrd="0" presId="urn:microsoft.com/office/officeart/2005/8/layout/hList1"/>
-    <dgm:cxn modelId="{371C1E8C-C4DC-9842-BEEB-5EDEEB233B57}" srcId="{E0215DBF-91F0-0D41-94CF-0642BA194C17}" destId="{B0251B59-F420-0344-BB24-235E38698866}" srcOrd="0" destOrd="0" parTransId="{7F4029E3-7326-ED4C-AFE9-CA6721F38F7A}" sibTransId="{C325F0B9-5C66-2E4D-80E3-A468776C467A}"/>
-    <dgm:cxn modelId="{41B3F893-6E4F-CE4D-B2B1-DBDC3EBE2060}" type="presOf" srcId="{2256F831-D654-E54B-9A59-FDB29C76FF0B}" destId="{4239D413-17DF-DC49-8E5F-0642E0AE1A0C}" srcOrd="0" destOrd="0" presId="urn:microsoft.com/office/officeart/2005/8/layout/hList1"/>
-    <dgm:cxn modelId="{C97940A7-5069-CA4F-BFD4-2C208954B0A1}" srcId="{B0251B59-F420-0344-BB24-235E38698866}" destId="{337711E6-36B0-2A4F-8E81-F532CB28649A}" srcOrd="0" destOrd="0" parTransId="{D7A418ED-1343-CF49-8C00-3E634C23AA62}" sibTransId="{D9A3E550-9E77-6846-B529-D266D6A8427A}"/>
-    <dgm:cxn modelId="{EE7D1ABF-7FB1-094F-B644-A3CF2D0B8056}" srcId="{B0251B59-F420-0344-BB24-235E38698866}" destId="{9EA4E53E-23BA-4240-8307-081EA8ED2E13}" srcOrd="1" destOrd="0" parTransId="{1281C8D0-7079-B44D-AEED-DA6EBD6C943F}" sibTransId="{C10ECF2B-2BB7-484E-BE2B-57CE993CEFDD}"/>
-    <dgm:cxn modelId="{004DE5C4-B0BC-554E-B1FA-1A78CF86BBB3}" type="presOf" srcId="{E0215DBF-91F0-0D41-94CF-0642BA194C17}" destId="{9B54AB7F-791E-9945-AAD8-1F86689F9F1B}" srcOrd="0" destOrd="0" presId="urn:microsoft.com/office/officeart/2005/8/layout/hList1"/>
-    <dgm:cxn modelId="{7CE510E7-FC0D-4744-B63C-956798521025}" srcId="{E619C22C-E6DD-E04D-9025-EDC35DD3AFDF}" destId="{54C3EC98-E014-B44E-858B-2D0B16A6A95C}" srcOrd="0" destOrd="0" parTransId="{3C90D7FD-A837-B64D-9217-E46EC1CE2236}" sibTransId="{4F5D4520-EF13-F049-B0EB-7B59A64839FF}"/>
     <dgm:cxn modelId="{40954A7C-0EE6-1849-97AA-AD12B33999E9}" type="presParOf" srcId="{9B54AB7F-791E-9945-AAD8-1F86689F9F1B}" destId="{AF6A812F-9A70-0E45-82B0-E2B6940BB4D5}" srcOrd="0" destOrd="0" presId="urn:microsoft.com/office/officeart/2005/8/layout/hList1"/>
     <dgm:cxn modelId="{B5FC16C0-49FC-CE43-94CD-170A3B6EBFDD}" type="presParOf" srcId="{AF6A812F-9A70-0E45-82B0-E2B6940BB4D5}" destId="{EBC0F407-1861-F149-90BF-FA2F7871EDC2}" srcOrd="0" destOrd="0" presId="urn:microsoft.com/office/officeart/2005/8/layout/hList1"/>
     <dgm:cxn modelId="{3F5FFD58-3C5C-F04C-AA83-A153B48D3A9B}" type="presParOf" srcId="{AF6A812F-9A70-0E45-82B0-E2B6940BB4D5}" destId="{57BA6832-8C55-1B42-886A-B8646B316161}" srcOrd="1" destOrd="0" presId="urn:microsoft.com/office/officeart/2005/8/layout/hList1"/>
@@ -2435,7 +2493,7 @@
         </a:bodyPr>
         <a:lstStyle/>
         <a:p>
-          <a:pPr marL="0" lvl="0" indent="0" algn="ctr" defTabSz="622300" latinLnBrk="1">
+          <a:pPr lvl="0" algn="ctr" defTabSz="622300" latinLnBrk="1">
             <a:lnSpc>
               <a:spcPct val="90000"/>
             </a:lnSpc>
@@ -2445,32 +2503,31 @@
             <a:spcAft>
               <a:spcPct val="35000"/>
             </a:spcAft>
-            <a:buNone/>
           </a:pPr>
           <a:r>
             <a:rPr lang="ko-KR" altLang="en-US" sz="1400" kern="1200" dirty="0" err="1">
-              <a:latin typeface="GangwonEduPower ExtraBold" panose="02020603020101020101" pitchFamily="18" charset="-127"/>
-              <a:ea typeface="GangwonEduPower ExtraBold" panose="02020603020101020101" pitchFamily="18" charset="-127"/>
+              <a:latin typeface="강원교육튼튼" panose="02020603020101020101" pitchFamily="18" charset="-127"/>
+              <a:ea typeface="강원교육튼튼" panose="02020603020101020101" pitchFamily="18" charset="-127"/>
             </a:rPr>
             <a:t>동물보호소</a:t>
           </a:r>
           <a:r>
             <a:rPr lang="ko-KR" altLang="en-US" sz="1400" kern="1200" dirty="0">
-              <a:latin typeface="GangwonEduPower ExtraBold" panose="02020603020101020101" pitchFamily="18" charset="-127"/>
-              <a:ea typeface="GangwonEduPower ExtraBold" panose="02020603020101020101" pitchFamily="18" charset="-127"/>
+              <a:latin typeface="강원교육튼튼" panose="02020603020101020101" pitchFamily="18" charset="-127"/>
+              <a:ea typeface="강원교육튼튼" panose="02020603020101020101" pitchFamily="18" charset="-127"/>
             </a:rPr>
             <a:t> </a:t>
           </a:r>
           <a:r>
             <a:rPr lang="ko-KR" altLang="en-US" sz="1400" kern="1200" dirty="0" err="1">
-              <a:latin typeface="GangwonEduPower ExtraBold" panose="02020603020101020101" pitchFamily="18" charset="-127"/>
-              <a:ea typeface="GangwonEduPower ExtraBold" panose="02020603020101020101" pitchFamily="18" charset="-127"/>
+              <a:latin typeface="강원교육튼튼" panose="02020603020101020101" pitchFamily="18" charset="-127"/>
+              <a:ea typeface="강원교육튼튼" panose="02020603020101020101" pitchFamily="18" charset="-127"/>
             </a:rPr>
             <a:t>연게</a:t>
           </a:r>
           <a:endParaRPr lang="ko-KR" altLang="en-US" sz="1400" kern="1200" dirty="0">
-            <a:latin typeface="GangwonEduPower ExtraBold" panose="02020603020101020101" pitchFamily="18" charset="-127"/>
-            <a:ea typeface="GangwonEduPower ExtraBold" panose="02020603020101020101" pitchFamily="18" charset="-127"/>
+            <a:latin typeface="강원교육튼튼" panose="02020603020101020101" pitchFamily="18" charset="-127"/>
+            <a:ea typeface="강원교육튼튼" panose="02020603020101020101" pitchFamily="18" charset="-127"/>
           </a:endParaRPr>
         </a:p>
       </dsp:txBody>
@@ -2534,7 +2591,7 @@
             <a:spcAft>
               <a:spcPct val="15000"/>
             </a:spcAft>
-            <a:buChar char="•"/>
+            <a:buChar char="••"/>
           </a:pPr>
           <a:r>
             <a:rPr lang="ko-KR" altLang="en-US" sz="1400" b="1" kern="1200" dirty="0">
@@ -2555,7 +2612,7 @@
             <a:spcAft>
               <a:spcPct val="15000"/>
             </a:spcAft>
-            <a:buChar char="•"/>
+            <a:buChar char="••"/>
           </a:pPr>
           <a:r>
             <a:rPr lang="ko-KR" altLang="en-US" sz="1400" b="1" kern="1200" dirty="0">
@@ -2614,7 +2671,7 @@
         </a:bodyPr>
         <a:lstStyle/>
         <a:p>
-          <a:pPr marL="0" lvl="0" indent="0" algn="ctr" defTabSz="622300" latinLnBrk="1">
+          <a:pPr lvl="0" algn="ctr" defTabSz="622300" latinLnBrk="1">
             <a:lnSpc>
               <a:spcPct val="90000"/>
             </a:lnSpc>
@@ -2624,12 +2681,11 @@
             <a:spcAft>
               <a:spcPct val="35000"/>
             </a:spcAft>
-            <a:buNone/>
           </a:pPr>
           <a:r>
             <a:rPr lang="ko-KR" altLang="en-US" sz="1400" kern="1200" dirty="0">
-              <a:latin typeface="GangwonEduPower ExtraBold" panose="02020603020101020101" pitchFamily="18" charset="-127"/>
-              <a:ea typeface="GangwonEduPower ExtraBold" panose="02020603020101020101" pitchFamily="18" charset="-127"/>
+              <a:latin typeface="강원교육튼튼" panose="02020603020101020101" pitchFamily="18" charset="-127"/>
+              <a:ea typeface="강원교육튼튼" panose="02020603020101020101" pitchFamily="18" charset="-127"/>
             </a:rPr>
             <a:t>유기 동물 입양 매칭</a:t>
           </a:r>
@@ -2695,7 +2751,7 @@
             <a:spcAft>
               <a:spcPct val="15000"/>
             </a:spcAft>
-            <a:buChar char="•"/>
+            <a:buChar char="••"/>
           </a:pPr>
           <a:r>
             <a:rPr lang="ko-KR" altLang="en-US" sz="1400" b="1" kern="1200" dirty="0">
@@ -2716,7 +2772,7 @@
             <a:spcAft>
               <a:spcPct val="15000"/>
             </a:spcAft>
-            <a:buChar char="•"/>
+            <a:buChar char="••"/>
           </a:pPr>
           <a:r>
             <a:rPr lang="ko-KR" altLang="en-US" sz="1400" b="1" kern="1200" dirty="0">
@@ -2775,7 +2831,7 @@
         </a:bodyPr>
         <a:lstStyle/>
         <a:p>
-          <a:pPr marL="0" lvl="0" indent="0" algn="ctr" defTabSz="622300" latinLnBrk="1">
+          <a:pPr lvl="0" algn="ctr" defTabSz="622300" latinLnBrk="1">
             <a:lnSpc>
               <a:spcPct val="90000"/>
             </a:lnSpc>
@@ -2785,26 +2841,25 @@
             <a:spcAft>
               <a:spcPct val="35000"/>
             </a:spcAft>
-            <a:buNone/>
           </a:pPr>
           <a:r>
             <a:rPr lang="ko-KR" altLang="en-US" sz="1400" kern="1200" dirty="0">
-              <a:latin typeface="GangwonEduPower ExtraBold" panose="02020603020101020101" pitchFamily="18" charset="-127"/>
-              <a:ea typeface="GangwonEduPower ExtraBold" panose="02020603020101020101" pitchFamily="18" charset="-127"/>
+              <a:latin typeface="강원교육튼튼" panose="02020603020101020101" pitchFamily="18" charset="-127"/>
+              <a:ea typeface="강원교육튼튼" panose="02020603020101020101" pitchFamily="18" charset="-127"/>
             </a:rPr>
             <a:t>개인 분양</a:t>
           </a:r>
           <a:r>
             <a:rPr lang="en-US" altLang="ko-KR" sz="1400" kern="1200" dirty="0">
-              <a:latin typeface="GangwonEduPower ExtraBold" panose="02020603020101020101" pitchFamily="18" charset="-127"/>
-              <a:ea typeface="GangwonEduPower ExtraBold" panose="02020603020101020101" pitchFamily="18" charset="-127"/>
+              <a:latin typeface="강원교육튼튼" panose="02020603020101020101" pitchFamily="18" charset="-127"/>
+              <a:ea typeface="강원교육튼튼" panose="02020603020101020101" pitchFamily="18" charset="-127"/>
             </a:rPr>
             <a:t>&amp;</a:t>
           </a:r>
           <a:r>
             <a:rPr lang="ko-KR" altLang="en-US" sz="1400" kern="1200" dirty="0">
-              <a:latin typeface="GangwonEduPower ExtraBold" panose="02020603020101020101" pitchFamily="18" charset="-127"/>
-              <a:ea typeface="GangwonEduPower ExtraBold" panose="02020603020101020101" pitchFamily="18" charset="-127"/>
+              <a:latin typeface="강원교육튼튼" panose="02020603020101020101" pitchFamily="18" charset="-127"/>
+              <a:ea typeface="강원교육튼튼" panose="02020603020101020101" pitchFamily="18" charset="-127"/>
             </a:rPr>
             <a:t>입양 매칭</a:t>
           </a:r>
@@ -2870,7 +2925,7 @@
             <a:spcAft>
               <a:spcPct val="15000"/>
             </a:spcAft>
-            <a:buChar char="•"/>
+            <a:buChar char="••"/>
           </a:pPr>
           <a:r>
             <a:rPr lang="ko-KR" altLang="en-US" sz="1400" b="1" kern="1200" dirty="0">
@@ -2891,7 +2946,7 @@
             <a:spcAft>
               <a:spcPct val="15000"/>
             </a:spcAft>
-            <a:buChar char="•"/>
+            <a:buChar char="••"/>
           </a:pPr>
           <a:r>
             <a:rPr lang="ko-KR" altLang="en-US" sz="1400" b="1" kern="1200" dirty="0">
@@ -4244,7 +4299,7 @@
           <a:p>
             <a:fld id="{11C10BE2-BD82-1947-B861-BCA74F426658}" type="datetimeFigureOut">
               <a:rPr kumimoji="1" lang="ko-KR" altLang="en-US" smtClean="0"/>
-              <a:t>2023. 7. 12.</a:t>
+              <a:t>2023-07-12</a:t>
             </a:fld>
             <a:endParaRPr kumimoji="1" lang="ko-KR" altLang="en-US"/>
           </a:p>
@@ -4597,7 +4652,7 @@
           <p:cNvPr id="2" name="제목 1">
             <a:extLst>
               <a:ext uri="{FF2B5EF4-FFF2-40B4-BE49-F238E27FC236}">
-                <a16:creationId xmlns:a16="http://schemas.microsoft.com/office/drawing/2014/main" id="{58AD070E-8554-3D42-B079-E7BF33ED171D}"/>
+                <a16:creationId xmlns:a16="http://schemas.microsoft.com/office/drawing/2014/main" xmlns="" id="{58AD070E-8554-3D42-B079-E7BF33ED171D}"/>
               </a:ext>
             </a:extLst>
           </p:cNvPr>
@@ -4634,7 +4689,7 @@
           <p:cNvPr id="3" name="부제목 2">
             <a:extLst>
               <a:ext uri="{FF2B5EF4-FFF2-40B4-BE49-F238E27FC236}">
-                <a16:creationId xmlns:a16="http://schemas.microsoft.com/office/drawing/2014/main" id="{2D90B894-4B6F-E34E-A524-006E0E13359F}"/>
+                <a16:creationId xmlns:a16="http://schemas.microsoft.com/office/drawing/2014/main" xmlns="" id="{2D90B894-4B6F-E34E-A524-006E0E13359F}"/>
               </a:ext>
             </a:extLst>
           </p:cNvPr>
@@ -4704,7 +4759,7 @@
           <p:cNvPr id="4" name="날짜 개체 틀 3">
             <a:extLst>
               <a:ext uri="{FF2B5EF4-FFF2-40B4-BE49-F238E27FC236}">
-                <a16:creationId xmlns:a16="http://schemas.microsoft.com/office/drawing/2014/main" id="{BE2E99A1-D8B6-7F44-84ED-043AC760DDD7}"/>
+                <a16:creationId xmlns:a16="http://schemas.microsoft.com/office/drawing/2014/main" xmlns="" id="{BE2E99A1-D8B6-7F44-84ED-043AC760DDD7}"/>
               </a:ext>
             </a:extLst>
           </p:cNvPr>
@@ -4722,7 +4777,7 @@
           <a:p>
             <a:fld id="{EDEFA360-CFB9-4045-A382-F7F263FD4BE1}" type="datetimeFigureOut">
               <a:rPr kumimoji="1" lang="ko-KR" altLang="en-US" smtClean="0"/>
-              <a:t>2023. 7. 12.</a:t>
+              <a:t>2023-07-12</a:t>
             </a:fld>
             <a:endParaRPr kumimoji="1" lang="ko-KR" altLang="en-US"/>
           </a:p>
@@ -4733,7 +4788,7 @@
           <p:cNvPr id="5" name="바닥글 개체 틀 4">
             <a:extLst>
               <a:ext uri="{FF2B5EF4-FFF2-40B4-BE49-F238E27FC236}">
-                <a16:creationId xmlns:a16="http://schemas.microsoft.com/office/drawing/2014/main" id="{5C99AC6B-5CEE-6A46-B506-E773596FFA86}"/>
+                <a16:creationId xmlns:a16="http://schemas.microsoft.com/office/drawing/2014/main" xmlns="" id="{5C99AC6B-5CEE-6A46-B506-E773596FFA86}"/>
               </a:ext>
             </a:extLst>
           </p:cNvPr>
@@ -4758,7 +4813,7 @@
           <p:cNvPr id="6" name="슬라이드 번호 개체 틀 5">
             <a:extLst>
               <a:ext uri="{FF2B5EF4-FFF2-40B4-BE49-F238E27FC236}">
-                <a16:creationId xmlns:a16="http://schemas.microsoft.com/office/drawing/2014/main" id="{60A8C68C-EA49-2449-B235-98FF1E37CAC6}"/>
+                <a16:creationId xmlns:a16="http://schemas.microsoft.com/office/drawing/2014/main" xmlns="" id="{60A8C68C-EA49-2449-B235-98FF1E37CAC6}"/>
               </a:ext>
             </a:extLst>
           </p:cNvPr>
@@ -4817,7 +4872,7 @@
           <p:cNvPr id="2" name="제목 1">
             <a:extLst>
               <a:ext uri="{FF2B5EF4-FFF2-40B4-BE49-F238E27FC236}">
-                <a16:creationId xmlns:a16="http://schemas.microsoft.com/office/drawing/2014/main" id="{06523E24-766C-4C41-A783-7FCC04A4A2D5}"/>
+                <a16:creationId xmlns:a16="http://schemas.microsoft.com/office/drawing/2014/main" xmlns="" id="{06523E24-766C-4C41-A783-7FCC04A4A2D5}"/>
               </a:ext>
             </a:extLst>
           </p:cNvPr>
@@ -4845,7 +4900,7 @@
           <p:cNvPr id="3" name="세로 텍스트 개체 틀 2">
             <a:extLst>
               <a:ext uri="{FF2B5EF4-FFF2-40B4-BE49-F238E27FC236}">
-                <a16:creationId xmlns:a16="http://schemas.microsoft.com/office/drawing/2014/main" id="{570EB76A-9EFB-BA43-861C-CEA436097C81}"/>
+                <a16:creationId xmlns:a16="http://schemas.microsoft.com/office/drawing/2014/main" xmlns="" id="{570EB76A-9EFB-BA43-861C-CEA436097C81}"/>
               </a:ext>
             </a:extLst>
           </p:cNvPr>
@@ -4877,7 +4932,7 @@
           <p:cNvPr id="4" name="날짜 개체 틀 3">
             <a:extLst>
               <a:ext uri="{FF2B5EF4-FFF2-40B4-BE49-F238E27FC236}">
-                <a16:creationId xmlns:a16="http://schemas.microsoft.com/office/drawing/2014/main" id="{C97AC522-7526-A24E-B8D1-2FB618722BD8}"/>
+                <a16:creationId xmlns:a16="http://schemas.microsoft.com/office/drawing/2014/main" xmlns="" id="{C97AC522-7526-A24E-B8D1-2FB618722BD8}"/>
               </a:ext>
             </a:extLst>
           </p:cNvPr>
@@ -4895,7 +4950,7 @@
           <a:p>
             <a:fld id="{EDEFA360-CFB9-4045-A382-F7F263FD4BE1}" type="datetimeFigureOut">
               <a:rPr kumimoji="1" lang="ko-KR" altLang="en-US" smtClean="0"/>
-              <a:t>2023. 7. 12.</a:t>
+              <a:t>2023-07-12</a:t>
             </a:fld>
             <a:endParaRPr kumimoji="1" lang="ko-KR" altLang="en-US"/>
           </a:p>
@@ -4906,7 +4961,7 @@
           <p:cNvPr id="5" name="바닥글 개체 틀 4">
             <a:extLst>
               <a:ext uri="{FF2B5EF4-FFF2-40B4-BE49-F238E27FC236}">
-                <a16:creationId xmlns:a16="http://schemas.microsoft.com/office/drawing/2014/main" id="{C0E9EFF6-3915-5146-BA91-FACB7BA6CA76}"/>
+                <a16:creationId xmlns:a16="http://schemas.microsoft.com/office/drawing/2014/main" xmlns="" id="{C0E9EFF6-3915-5146-BA91-FACB7BA6CA76}"/>
               </a:ext>
             </a:extLst>
           </p:cNvPr>
@@ -4931,7 +4986,7 @@
           <p:cNvPr id="6" name="슬라이드 번호 개체 틀 5">
             <a:extLst>
               <a:ext uri="{FF2B5EF4-FFF2-40B4-BE49-F238E27FC236}">
-                <a16:creationId xmlns:a16="http://schemas.microsoft.com/office/drawing/2014/main" id="{CA7A5E75-96B0-0D49-86DA-46E4993ACCAF}"/>
+                <a16:creationId xmlns:a16="http://schemas.microsoft.com/office/drawing/2014/main" xmlns="" id="{CA7A5E75-96B0-0D49-86DA-46E4993ACCAF}"/>
               </a:ext>
             </a:extLst>
           </p:cNvPr>
@@ -4990,7 +5045,7 @@
           <p:cNvPr id="2" name="세로 제목 1">
             <a:extLst>
               <a:ext uri="{FF2B5EF4-FFF2-40B4-BE49-F238E27FC236}">
-                <a16:creationId xmlns:a16="http://schemas.microsoft.com/office/drawing/2014/main" id="{A34CAFA7-3206-2543-8A9C-D6B3A8EC2BBF}"/>
+                <a16:creationId xmlns:a16="http://schemas.microsoft.com/office/drawing/2014/main" xmlns="" id="{A34CAFA7-3206-2543-8A9C-D6B3A8EC2BBF}"/>
               </a:ext>
             </a:extLst>
           </p:cNvPr>
@@ -5023,7 +5078,7 @@
           <p:cNvPr id="3" name="세로 텍스트 개체 틀 2">
             <a:extLst>
               <a:ext uri="{FF2B5EF4-FFF2-40B4-BE49-F238E27FC236}">
-                <a16:creationId xmlns:a16="http://schemas.microsoft.com/office/drawing/2014/main" id="{C8CE9946-09FD-D449-B4EF-6E676EF8C9D5}"/>
+                <a16:creationId xmlns:a16="http://schemas.microsoft.com/office/drawing/2014/main" xmlns="" id="{C8CE9946-09FD-D449-B4EF-6E676EF8C9D5}"/>
               </a:ext>
             </a:extLst>
           </p:cNvPr>
@@ -5060,7 +5115,7 @@
           <p:cNvPr id="4" name="날짜 개체 틀 3">
             <a:extLst>
               <a:ext uri="{FF2B5EF4-FFF2-40B4-BE49-F238E27FC236}">
-                <a16:creationId xmlns:a16="http://schemas.microsoft.com/office/drawing/2014/main" id="{1A8341EA-797C-CC44-87B7-D584CDC906AB}"/>
+                <a16:creationId xmlns:a16="http://schemas.microsoft.com/office/drawing/2014/main" xmlns="" id="{1A8341EA-797C-CC44-87B7-D584CDC906AB}"/>
               </a:ext>
             </a:extLst>
           </p:cNvPr>
@@ -5078,7 +5133,7 @@
           <a:p>
             <a:fld id="{EDEFA360-CFB9-4045-A382-F7F263FD4BE1}" type="datetimeFigureOut">
               <a:rPr kumimoji="1" lang="ko-KR" altLang="en-US" smtClean="0"/>
-              <a:t>2023. 7. 12.</a:t>
+              <a:t>2023-07-12</a:t>
             </a:fld>
             <a:endParaRPr kumimoji="1" lang="ko-KR" altLang="en-US"/>
           </a:p>
@@ -5089,7 +5144,7 @@
           <p:cNvPr id="5" name="바닥글 개체 틀 4">
             <a:extLst>
               <a:ext uri="{FF2B5EF4-FFF2-40B4-BE49-F238E27FC236}">
-                <a16:creationId xmlns:a16="http://schemas.microsoft.com/office/drawing/2014/main" id="{67A5B650-84F4-6B4C-8DEF-0425ACFE91C1}"/>
+                <a16:creationId xmlns:a16="http://schemas.microsoft.com/office/drawing/2014/main" xmlns="" id="{67A5B650-84F4-6B4C-8DEF-0425ACFE91C1}"/>
               </a:ext>
             </a:extLst>
           </p:cNvPr>
@@ -5114,7 +5169,7 @@
           <p:cNvPr id="6" name="슬라이드 번호 개체 틀 5">
             <a:extLst>
               <a:ext uri="{FF2B5EF4-FFF2-40B4-BE49-F238E27FC236}">
-                <a16:creationId xmlns:a16="http://schemas.microsoft.com/office/drawing/2014/main" id="{864AC521-2D68-004B-B92E-23CCC1C01BD6}"/>
+                <a16:creationId xmlns:a16="http://schemas.microsoft.com/office/drawing/2014/main" xmlns="" id="{864AC521-2D68-004B-B92E-23CCC1C01BD6}"/>
               </a:ext>
             </a:extLst>
           </p:cNvPr>
@@ -5173,7 +5228,7 @@
           <p:cNvPr id="2" name="제목 1">
             <a:extLst>
               <a:ext uri="{FF2B5EF4-FFF2-40B4-BE49-F238E27FC236}">
-                <a16:creationId xmlns:a16="http://schemas.microsoft.com/office/drawing/2014/main" id="{DC81A540-1F34-EE4A-8B96-1CE4877CD1FE}"/>
+                <a16:creationId xmlns:a16="http://schemas.microsoft.com/office/drawing/2014/main" xmlns="" id="{DC81A540-1F34-EE4A-8B96-1CE4877CD1FE}"/>
               </a:ext>
             </a:extLst>
           </p:cNvPr>
@@ -5201,7 +5256,7 @@
           <p:cNvPr id="3" name="내용 개체 틀 2">
             <a:extLst>
               <a:ext uri="{FF2B5EF4-FFF2-40B4-BE49-F238E27FC236}">
-                <a16:creationId xmlns:a16="http://schemas.microsoft.com/office/drawing/2014/main" id="{DF144245-874F-6D48-A2B2-2965527AB786}"/>
+                <a16:creationId xmlns:a16="http://schemas.microsoft.com/office/drawing/2014/main" xmlns="" id="{DF144245-874F-6D48-A2B2-2965527AB786}"/>
               </a:ext>
             </a:extLst>
           </p:cNvPr>
@@ -5233,7 +5288,7 @@
           <p:cNvPr id="4" name="날짜 개체 틀 3">
             <a:extLst>
               <a:ext uri="{FF2B5EF4-FFF2-40B4-BE49-F238E27FC236}">
-                <a16:creationId xmlns:a16="http://schemas.microsoft.com/office/drawing/2014/main" id="{4109273B-EE88-B548-B429-C09F02FA711C}"/>
+                <a16:creationId xmlns:a16="http://schemas.microsoft.com/office/drawing/2014/main" xmlns="" id="{4109273B-EE88-B548-B429-C09F02FA711C}"/>
               </a:ext>
             </a:extLst>
           </p:cNvPr>
@@ -5251,7 +5306,7 @@
           <a:p>
             <a:fld id="{EDEFA360-CFB9-4045-A382-F7F263FD4BE1}" type="datetimeFigureOut">
               <a:rPr kumimoji="1" lang="ko-KR" altLang="en-US" smtClean="0"/>
-              <a:t>2023. 7. 12.</a:t>
+              <a:t>2023-07-12</a:t>
             </a:fld>
             <a:endParaRPr kumimoji="1" lang="ko-KR" altLang="en-US"/>
           </a:p>
@@ -5262,7 +5317,7 @@
           <p:cNvPr id="5" name="바닥글 개체 틀 4">
             <a:extLst>
               <a:ext uri="{FF2B5EF4-FFF2-40B4-BE49-F238E27FC236}">
-                <a16:creationId xmlns:a16="http://schemas.microsoft.com/office/drawing/2014/main" id="{0BAA9817-F8EA-7243-83C2-5F1390B9DEBE}"/>
+                <a16:creationId xmlns:a16="http://schemas.microsoft.com/office/drawing/2014/main" xmlns="" id="{0BAA9817-F8EA-7243-83C2-5F1390B9DEBE}"/>
               </a:ext>
             </a:extLst>
           </p:cNvPr>
@@ -5287,7 +5342,7 @@
           <p:cNvPr id="6" name="슬라이드 번호 개체 틀 5">
             <a:extLst>
               <a:ext uri="{FF2B5EF4-FFF2-40B4-BE49-F238E27FC236}">
-                <a16:creationId xmlns:a16="http://schemas.microsoft.com/office/drawing/2014/main" id="{E075FC35-7C98-6943-9514-0BAB9A1EB9F2}"/>
+                <a16:creationId xmlns:a16="http://schemas.microsoft.com/office/drawing/2014/main" xmlns="" id="{E075FC35-7C98-6943-9514-0BAB9A1EB9F2}"/>
               </a:ext>
             </a:extLst>
           </p:cNvPr>
@@ -5346,7 +5401,7 @@
           <p:cNvPr id="2" name="제목 1">
             <a:extLst>
               <a:ext uri="{FF2B5EF4-FFF2-40B4-BE49-F238E27FC236}">
-                <a16:creationId xmlns:a16="http://schemas.microsoft.com/office/drawing/2014/main" id="{6AB1F47A-6BA5-6442-AA26-23C93BEF1343}"/>
+                <a16:creationId xmlns:a16="http://schemas.microsoft.com/office/drawing/2014/main" xmlns="" id="{6AB1F47A-6BA5-6442-AA26-23C93BEF1343}"/>
               </a:ext>
             </a:extLst>
           </p:cNvPr>
@@ -5383,7 +5438,7 @@
           <p:cNvPr id="3" name="텍스트 개체 틀 2">
             <a:extLst>
               <a:ext uri="{FF2B5EF4-FFF2-40B4-BE49-F238E27FC236}">
-                <a16:creationId xmlns:a16="http://schemas.microsoft.com/office/drawing/2014/main" id="{47D2E629-368E-D54D-A896-B887EF6C46DB}"/>
+                <a16:creationId xmlns:a16="http://schemas.microsoft.com/office/drawing/2014/main" xmlns="" id="{47D2E629-368E-D54D-A896-B887EF6C46DB}"/>
               </a:ext>
             </a:extLst>
           </p:cNvPr>
@@ -5511,7 +5566,7 @@
           <p:cNvPr id="4" name="날짜 개체 틀 3">
             <a:extLst>
               <a:ext uri="{FF2B5EF4-FFF2-40B4-BE49-F238E27FC236}">
-                <a16:creationId xmlns:a16="http://schemas.microsoft.com/office/drawing/2014/main" id="{AD2F4300-E4D7-AE49-9FFA-CDCA6097D1BF}"/>
+                <a16:creationId xmlns:a16="http://schemas.microsoft.com/office/drawing/2014/main" xmlns="" id="{AD2F4300-E4D7-AE49-9FFA-CDCA6097D1BF}"/>
               </a:ext>
             </a:extLst>
           </p:cNvPr>
@@ -5529,7 +5584,7 @@
           <a:p>
             <a:fld id="{EDEFA360-CFB9-4045-A382-F7F263FD4BE1}" type="datetimeFigureOut">
               <a:rPr kumimoji="1" lang="ko-KR" altLang="en-US" smtClean="0"/>
-              <a:t>2023. 7. 12.</a:t>
+              <a:t>2023-07-12</a:t>
             </a:fld>
             <a:endParaRPr kumimoji="1" lang="ko-KR" altLang="en-US"/>
           </a:p>
@@ -5540,7 +5595,7 @@
           <p:cNvPr id="5" name="바닥글 개체 틀 4">
             <a:extLst>
               <a:ext uri="{FF2B5EF4-FFF2-40B4-BE49-F238E27FC236}">
-                <a16:creationId xmlns:a16="http://schemas.microsoft.com/office/drawing/2014/main" id="{C08A8ED7-E1F1-B84D-BAE4-811E6BEAF8BF}"/>
+                <a16:creationId xmlns:a16="http://schemas.microsoft.com/office/drawing/2014/main" xmlns="" id="{C08A8ED7-E1F1-B84D-BAE4-811E6BEAF8BF}"/>
               </a:ext>
             </a:extLst>
           </p:cNvPr>
@@ -5565,7 +5620,7 @@
           <p:cNvPr id="6" name="슬라이드 번호 개체 틀 5">
             <a:extLst>
               <a:ext uri="{FF2B5EF4-FFF2-40B4-BE49-F238E27FC236}">
-                <a16:creationId xmlns:a16="http://schemas.microsoft.com/office/drawing/2014/main" id="{AF80303B-F17F-7342-8D7A-1388C2EBA322}"/>
+                <a16:creationId xmlns:a16="http://schemas.microsoft.com/office/drawing/2014/main" xmlns="" id="{AF80303B-F17F-7342-8D7A-1388C2EBA322}"/>
               </a:ext>
             </a:extLst>
           </p:cNvPr>
@@ -5624,7 +5679,7 @@
           <p:cNvPr id="2" name="제목 1">
             <a:extLst>
               <a:ext uri="{FF2B5EF4-FFF2-40B4-BE49-F238E27FC236}">
-                <a16:creationId xmlns:a16="http://schemas.microsoft.com/office/drawing/2014/main" id="{56EBC116-B9E4-5046-9B7F-54244E70C24B}"/>
+                <a16:creationId xmlns:a16="http://schemas.microsoft.com/office/drawing/2014/main" xmlns="" id="{56EBC116-B9E4-5046-9B7F-54244E70C24B}"/>
               </a:ext>
             </a:extLst>
           </p:cNvPr>
@@ -5652,7 +5707,7 @@
           <p:cNvPr id="3" name="내용 개체 틀 2">
             <a:extLst>
               <a:ext uri="{FF2B5EF4-FFF2-40B4-BE49-F238E27FC236}">
-                <a16:creationId xmlns:a16="http://schemas.microsoft.com/office/drawing/2014/main" id="{7CEF7C5F-72B6-0B45-A985-024BB1EACE4A}"/>
+                <a16:creationId xmlns:a16="http://schemas.microsoft.com/office/drawing/2014/main" xmlns="" id="{7CEF7C5F-72B6-0B45-A985-024BB1EACE4A}"/>
               </a:ext>
             </a:extLst>
           </p:cNvPr>
@@ -5689,7 +5744,7 @@
           <p:cNvPr id="4" name="내용 개체 틀 3">
             <a:extLst>
               <a:ext uri="{FF2B5EF4-FFF2-40B4-BE49-F238E27FC236}">
-                <a16:creationId xmlns:a16="http://schemas.microsoft.com/office/drawing/2014/main" id="{C0832588-4074-464D-ADFE-B9B09A8D3B56}"/>
+                <a16:creationId xmlns:a16="http://schemas.microsoft.com/office/drawing/2014/main" xmlns="" id="{C0832588-4074-464D-ADFE-B9B09A8D3B56}"/>
               </a:ext>
             </a:extLst>
           </p:cNvPr>
@@ -5726,7 +5781,7 @@
           <p:cNvPr id="5" name="날짜 개체 틀 4">
             <a:extLst>
               <a:ext uri="{FF2B5EF4-FFF2-40B4-BE49-F238E27FC236}">
-                <a16:creationId xmlns:a16="http://schemas.microsoft.com/office/drawing/2014/main" id="{8CB38065-967B-E04E-B08A-AE63551B0B2A}"/>
+                <a16:creationId xmlns:a16="http://schemas.microsoft.com/office/drawing/2014/main" xmlns="" id="{8CB38065-967B-E04E-B08A-AE63551B0B2A}"/>
               </a:ext>
             </a:extLst>
           </p:cNvPr>
@@ -5744,7 +5799,7 @@
           <a:p>
             <a:fld id="{EDEFA360-CFB9-4045-A382-F7F263FD4BE1}" type="datetimeFigureOut">
               <a:rPr kumimoji="1" lang="ko-KR" altLang="en-US" smtClean="0"/>
-              <a:t>2023. 7. 12.</a:t>
+              <a:t>2023-07-12</a:t>
             </a:fld>
             <a:endParaRPr kumimoji="1" lang="ko-KR" altLang="en-US"/>
           </a:p>
@@ -5755,7 +5810,7 @@
           <p:cNvPr id="6" name="바닥글 개체 틀 5">
             <a:extLst>
               <a:ext uri="{FF2B5EF4-FFF2-40B4-BE49-F238E27FC236}">
-                <a16:creationId xmlns:a16="http://schemas.microsoft.com/office/drawing/2014/main" id="{C6AE00C8-0ADB-8D41-8BAF-63EEA164F83F}"/>
+                <a16:creationId xmlns:a16="http://schemas.microsoft.com/office/drawing/2014/main" xmlns="" id="{C6AE00C8-0ADB-8D41-8BAF-63EEA164F83F}"/>
               </a:ext>
             </a:extLst>
           </p:cNvPr>
@@ -5780,7 +5835,7 @@
           <p:cNvPr id="7" name="슬라이드 번호 개체 틀 6">
             <a:extLst>
               <a:ext uri="{FF2B5EF4-FFF2-40B4-BE49-F238E27FC236}">
-                <a16:creationId xmlns:a16="http://schemas.microsoft.com/office/drawing/2014/main" id="{D438D453-0694-794A-A4AD-105A238EDC0F}"/>
+                <a16:creationId xmlns:a16="http://schemas.microsoft.com/office/drawing/2014/main" xmlns="" id="{D438D453-0694-794A-A4AD-105A238EDC0F}"/>
               </a:ext>
             </a:extLst>
           </p:cNvPr>
@@ -5839,7 +5894,7 @@
           <p:cNvPr id="2" name="제목 1">
             <a:extLst>
               <a:ext uri="{FF2B5EF4-FFF2-40B4-BE49-F238E27FC236}">
-                <a16:creationId xmlns:a16="http://schemas.microsoft.com/office/drawing/2014/main" id="{0B613F03-217F-6541-A156-2135E5DB3F07}"/>
+                <a16:creationId xmlns:a16="http://schemas.microsoft.com/office/drawing/2014/main" xmlns="" id="{0B613F03-217F-6541-A156-2135E5DB3F07}"/>
               </a:ext>
             </a:extLst>
           </p:cNvPr>
@@ -5872,7 +5927,7 @@
           <p:cNvPr id="3" name="텍스트 개체 틀 2">
             <a:extLst>
               <a:ext uri="{FF2B5EF4-FFF2-40B4-BE49-F238E27FC236}">
-                <a16:creationId xmlns:a16="http://schemas.microsoft.com/office/drawing/2014/main" id="{06A16581-ED25-5545-903F-9AF7C48EA52E}"/>
+                <a16:creationId xmlns:a16="http://schemas.microsoft.com/office/drawing/2014/main" xmlns="" id="{06A16581-ED25-5545-903F-9AF7C48EA52E}"/>
               </a:ext>
             </a:extLst>
           </p:cNvPr>
@@ -5946,7 +6001,7 @@
           <p:cNvPr id="4" name="내용 개체 틀 3">
             <a:extLst>
               <a:ext uri="{FF2B5EF4-FFF2-40B4-BE49-F238E27FC236}">
-                <a16:creationId xmlns:a16="http://schemas.microsoft.com/office/drawing/2014/main" id="{918C79F6-2814-A043-9582-E108C478378E}"/>
+                <a16:creationId xmlns:a16="http://schemas.microsoft.com/office/drawing/2014/main" xmlns="" id="{918C79F6-2814-A043-9582-E108C478378E}"/>
               </a:ext>
             </a:extLst>
           </p:cNvPr>
@@ -5983,7 +6038,7 @@
           <p:cNvPr id="5" name="텍스트 개체 틀 4">
             <a:extLst>
               <a:ext uri="{FF2B5EF4-FFF2-40B4-BE49-F238E27FC236}">
-                <a16:creationId xmlns:a16="http://schemas.microsoft.com/office/drawing/2014/main" id="{77D089D0-562C-984F-9FA1-BE73CB210607}"/>
+                <a16:creationId xmlns:a16="http://schemas.microsoft.com/office/drawing/2014/main" xmlns="" id="{77D089D0-562C-984F-9FA1-BE73CB210607}"/>
               </a:ext>
             </a:extLst>
           </p:cNvPr>
@@ -6057,7 +6112,7 @@
           <p:cNvPr id="6" name="내용 개체 틀 5">
             <a:extLst>
               <a:ext uri="{FF2B5EF4-FFF2-40B4-BE49-F238E27FC236}">
-                <a16:creationId xmlns:a16="http://schemas.microsoft.com/office/drawing/2014/main" id="{F1159943-EACD-1E42-8B06-6B46406BC67F}"/>
+                <a16:creationId xmlns:a16="http://schemas.microsoft.com/office/drawing/2014/main" xmlns="" id="{F1159943-EACD-1E42-8B06-6B46406BC67F}"/>
               </a:ext>
             </a:extLst>
           </p:cNvPr>
@@ -6094,7 +6149,7 @@
           <p:cNvPr id="7" name="날짜 개체 틀 6">
             <a:extLst>
               <a:ext uri="{FF2B5EF4-FFF2-40B4-BE49-F238E27FC236}">
-                <a16:creationId xmlns:a16="http://schemas.microsoft.com/office/drawing/2014/main" id="{932601ED-719F-E04A-BBFD-076825F23F51}"/>
+                <a16:creationId xmlns:a16="http://schemas.microsoft.com/office/drawing/2014/main" xmlns="" id="{932601ED-719F-E04A-BBFD-076825F23F51}"/>
               </a:ext>
             </a:extLst>
           </p:cNvPr>
@@ -6112,7 +6167,7 @@
           <a:p>
             <a:fld id="{EDEFA360-CFB9-4045-A382-F7F263FD4BE1}" type="datetimeFigureOut">
               <a:rPr kumimoji="1" lang="ko-KR" altLang="en-US" smtClean="0"/>
-              <a:t>2023. 7. 12.</a:t>
+              <a:t>2023-07-12</a:t>
             </a:fld>
             <a:endParaRPr kumimoji="1" lang="ko-KR" altLang="en-US"/>
           </a:p>
@@ -6123,7 +6178,7 @@
           <p:cNvPr id="8" name="바닥글 개체 틀 7">
             <a:extLst>
               <a:ext uri="{FF2B5EF4-FFF2-40B4-BE49-F238E27FC236}">
-                <a16:creationId xmlns:a16="http://schemas.microsoft.com/office/drawing/2014/main" id="{62559317-8578-3A41-B351-773C8AB6FB6D}"/>
+                <a16:creationId xmlns:a16="http://schemas.microsoft.com/office/drawing/2014/main" xmlns="" id="{62559317-8578-3A41-B351-773C8AB6FB6D}"/>
               </a:ext>
             </a:extLst>
           </p:cNvPr>
@@ -6148,7 +6203,7 @@
           <p:cNvPr id="9" name="슬라이드 번호 개체 틀 8">
             <a:extLst>
               <a:ext uri="{FF2B5EF4-FFF2-40B4-BE49-F238E27FC236}">
-                <a16:creationId xmlns:a16="http://schemas.microsoft.com/office/drawing/2014/main" id="{44ED62A8-6A91-114D-B2A0-CB5B88B7A75B}"/>
+                <a16:creationId xmlns:a16="http://schemas.microsoft.com/office/drawing/2014/main" xmlns="" id="{44ED62A8-6A91-114D-B2A0-CB5B88B7A75B}"/>
               </a:ext>
             </a:extLst>
           </p:cNvPr>
@@ -6207,7 +6262,7 @@
           <p:cNvPr id="2" name="제목 1">
             <a:extLst>
               <a:ext uri="{FF2B5EF4-FFF2-40B4-BE49-F238E27FC236}">
-                <a16:creationId xmlns:a16="http://schemas.microsoft.com/office/drawing/2014/main" id="{AB385FFD-87EA-4B45-BB0D-29BFB09B0509}"/>
+                <a16:creationId xmlns:a16="http://schemas.microsoft.com/office/drawing/2014/main" xmlns="" id="{AB385FFD-87EA-4B45-BB0D-29BFB09B0509}"/>
               </a:ext>
             </a:extLst>
           </p:cNvPr>
@@ -6235,7 +6290,7 @@
           <p:cNvPr id="3" name="날짜 개체 틀 2">
             <a:extLst>
               <a:ext uri="{FF2B5EF4-FFF2-40B4-BE49-F238E27FC236}">
-                <a16:creationId xmlns:a16="http://schemas.microsoft.com/office/drawing/2014/main" id="{F8190C5E-1F70-314A-BA18-2E73583BC01F}"/>
+                <a16:creationId xmlns:a16="http://schemas.microsoft.com/office/drawing/2014/main" xmlns="" id="{F8190C5E-1F70-314A-BA18-2E73583BC01F}"/>
               </a:ext>
             </a:extLst>
           </p:cNvPr>
@@ -6253,7 +6308,7 @@
           <a:p>
             <a:fld id="{EDEFA360-CFB9-4045-A382-F7F263FD4BE1}" type="datetimeFigureOut">
               <a:rPr kumimoji="1" lang="ko-KR" altLang="en-US" smtClean="0"/>
-              <a:t>2023. 7. 12.</a:t>
+              <a:t>2023-07-12</a:t>
             </a:fld>
             <a:endParaRPr kumimoji="1" lang="ko-KR" altLang="en-US"/>
           </a:p>
@@ -6264,7 +6319,7 @@
           <p:cNvPr id="4" name="바닥글 개체 틀 3">
             <a:extLst>
               <a:ext uri="{FF2B5EF4-FFF2-40B4-BE49-F238E27FC236}">
-                <a16:creationId xmlns:a16="http://schemas.microsoft.com/office/drawing/2014/main" id="{B74B7033-E4A1-F340-B3E4-F4C4D9049E7D}"/>
+                <a16:creationId xmlns:a16="http://schemas.microsoft.com/office/drawing/2014/main" xmlns="" id="{B74B7033-E4A1-F340-B3E4-F4C4D9049E7D}"/>
               </a:ext>
             </a:extLst>
           </p:cNvPr>
@@ -6289,7 +6344,7 @@
           <p:cNvPr id="5" name="슬라이드 번호 개체 틀 4">
             <a:extLst>
               <a:ext uri="{FF2B5EF4-FFF2-40B4-BE49-F238E27FC236}">
-                <a16:creationId xmlns:a16="http://schemas.microsoft.com/office/drawing/2014/main" id="{C74B5FAE-07CB-3049-80D4-D2085E7837FC}"/>
+                <a16:creationId xmlns:a16="http://schemas.microsoft.com/office/drawing/2014/main" xmlns="" id="{C74B5FAE-07CB-3049-80D4-D2085E7837FC}"/>
               </a:ext>
             </a:extLst>
           </p:cNvPr>
@@ -6348,7 +6403,7 @@
           <p:cNvPr id="2" name="날짜 개체 틀 1">
             <a:extLst>
               <a:ext uri="{FF2B5EF4-FFF2-40B4-BE49-F238E27FC236}">
-                <a16:creationId xmlns:a16="http://schemas.microsoft.com/office/drawing/2014/main" id="{C24F4953-19D0-BB42-A9A3-111252B4CA6B}"/>
+                <a16:creationId xmlns:a16="http://schemas.microsoft.com/office/drawing/2014/main" xmlns="" id="{C24F4953-19D0-BB42-A9A3-111252B4CA6B}"/>
               </a:ext>
             </a:extLst>
           </p:cNvPr>
@@ -6366,7 +6421,7 @@
           <a:p>
             <a:fld id="{EDEFA360-CFB9-4045-A382-F7F263FD4BE1}" type="datetimeFigureOut">
               <a:rPr kumimoji="1" lang="ko-KR" altLang="en-US" smtClean="0"/>
-              <a:t>2023. 7. 12.</a:t>
+              <a:t>2023-07-12</a:t>
             </a:fld>
             <a:endParaRPr kumimoji="1" lang="ko-KR" altLang="en-US"/>
           </a:p>
@@ -6377,7 +6432,7 @@
           <p:cNvPr id="3" name="바닥글 개체 틀 2">
             <a:extLst>
               <a:ext uri="{FF2B5EF4-FFF2-40B4-BE49-F238E27FC236}">
-                <a16:creationId xmlns:a16="http://schemas.microsoft.com/office/drawing/2014/main" id="{A5447D78-ADB7-0444-8768-49B91E43FD1C}"/>
+                <a16:creationId xmlns:a16="http://schemas.microsoft.com/office/drawing/2014/main" xmlns="" id="{A5447D78-ADB7-0444-8768-49B91E43FD1C}"/>
               </a:ext>
             </a:extLst>
           </p:cNvPr>
@@ -6402,7 +6457,7 @@
           <p:cNvPr id="4" name="슬라이드 번호 개체 틀 3">
             <a:extLst>
               <a:ext uri="{FF2B5EF4-FFF2-40B4-BE49-F238E27FC236}">
-                <a16:creationId xmlns:a16="http://schemas.microsoft.com/office/drawing/2014/main" id="{015B79B6-FE52-3D47-9E60-5266916AACA0}"/>
+                <a16:creationId xmlns:a16="http://schemas.microsoft.com/office/drawing/2014/main" xmlns="" id="{015B79B6-FE52-3D47-9E60-5266916AACA0}"/>
               </a:ext>
             </a:extLst>
           </p:cNvPr>
@@ -6461,7 +6516,7 @@
           <p:cNvPr id="2" name="제목 1">
             <a:extLst>
               <a:ext uri="{FF2B5EF4-FFF2-40B4-BE49-F238E27FC236}">
-                <a16:creationId xmlns:a16="http://schemas.microsoft.com/office/drawing/2014/main" id="{D0459AF7-52B6-6F48-9400-2054BCF838FD}"/>
+                <a16:creationId xmlns:a16="http://schemas.microsoft.com/office/drawing/2014/main" xmlns="" id="{D0459AF7-52B6-6F48-9400-2054BCF838FD}"/>
               </a:ext>
             </a:extLst>
           </p:cNvPr>
@@ -6498,7 +6553,7 @@
           <p:cNvPr id="3" name="내용 개체 틀 2">
             <a:extLst>
               <a:ext uri="{FF2B5EF4-FFF2-40B4-BE49-F238E27FC236}">
-                <a16:creationId xmlns:a16="http://schemas.microsoft.com/office/drawing/2014/main" id="{9B402DE0-EB10-6446-B653-74E3425C2EBA}"/>
+                <a16:creationId xmlns:a16="http://schemas.microsoft.com/office/drawing/2014/main" xmlns="" id="{9B402DE0-EB10-6446-B653-74E3425C2EBA}"/>
               </a:ext>
             </a:extLst>
           </p:cNvPr>
@@ -6563,7 +6618,7 @@
           <p:cNvPr id="4" name="텍스트 개체 틀 3">
             <a:extLst>
               <a:ext uri="{FF2B5EF4-FFF2-40B4-BE49-F238E27FC236}">
-                <a16:creationId xmlns:a16="http://schemas.microsoft.com/office/drawing/2014/main" id="{90A8C9B2-7635-DB46-ADEC-909B1D7EE935}"/>
+                <a16:creationId xmlns:a16="http://schemas.microsoft.com/office/drawing/2014/main" xmlns="" id="{90A8C9B2-7635-DB46-ADEC-909B1D7EE935}"/>
               </a:ext>
             </a:extLst>
           </p:cNvPr>
@@ -6637,7 +6692,7 @@
           <p:cNvPr id="5" name="날짜 개체 틀 4">
             <a:extLst>
               <a:ext uri="{FF2B5EF4-FFF2-40B4-BE49-F238E27FC236}">
-                <a16:creationId xmlns:a16="http://schemas.microsoft.com/office/drawing/2014/main" id="{650B9836-7C19-8D40-8F5C-82A925288787}"/>
+                <a16:creationId xmlns:a16="http://schemas.microsoft.com/office/drawing/2014/main" xmlns="" id="{650B9836-7C19-8D40-8F5C-82A925288787}"/>
               </a:ext>
             </a:extLst>
           </p:cNvPr>
@@ -6655,7 +6710,7 @@
           <a:p>
             <a:fld id="{EDEFA360-CFB9-4045-A382-F7F263FD4BE1}" type="datetimeFigureOut">
               <a:rPr kumimoji="1" lang="ko-KR" altLang="en-US" smtClean="0"/>
-              <a:t>2023. 7. 12.</a:t>
+              <a:t>2023-07-12</a:t>
             </a:fld>
             <a:endParaRPr kumimoji="1" lang="ko-KR" altLang="en-US"/>
           </a:p>
@@ -6666,7 +6721,7 @@
           <p:cNvPr id="6" name="바닥글 개체 틀 5">
             <a:extLst>
               <a:ext uri="{FF2B5EF4-FFF2-40B4-BE49-F238E27FC236}">
-                <a16:creationId xmlns:a16="http://schemas.microsoft.com/office/drawing/2014/main" id="{AA17B35A-544D-2E41-A93F-F056CC2330FF}"/>
+                <a16:creationId xmlns:a16="http://schemas.microsoft.com/office/drawing/2014/main" xmlns="" id="{AA17B35A-544D-2E41-A93F-F056CC2330FF}"/>
               </a:ext>
             </a:extLst>
           </p:cNvPr>
@@ -6691,7 +6746,7 @@
           <p:cNvPr id="7" name="슬라이드 번호 개체 틀 6">
             <a:extLst>
               <a:ext uri="{FF2B5EF4-FFF2-40B4-BE49-F238E27FC236}">
-                <a16:creationId xmlns:a16="http://schemas.microsoft.com/office/drawing/2014/main" id="{92237640-42CA-6D42-8271-D166AEF9D249}"/>
+                <a16:creationId xmlns:a16="http://schemas.microsoft.com/office/drawing/2014/main" xmlns="" id="{92237640-42CA-6D42-8271-D166AEF9D249}"/>
               </a:ext>
             </a:extLst>
           </p:cNvPr>
@@ -6750,7 +6805,7 @@
           <p:cNvPr id="2" name="제목 1">
             <a:extLst>
               <a:ext uri="{FF2B5EF4-FFF2-40B4-BE49-F238E27FC236}">
-                <a16:creationId xmlns:a16="http://schemas.microsoft.com/office/drawing/2014/main" id="{403A6D95-E692-2748-973B-AEB7B9F56D48}"/>
+                <a16:creationId xmlns:a16="http://schemas.microsoft.com/office/drawing/2014/main" xmlns="" id="{403A6D95-E692-2748-973B-AEB7B9F56D48}"/>
               </a:ext>
             </a:extLst>
           </p:cNvPr>
@@ -6787,7 +6842,7 @@
           <p:cNvPr id="3" name="그림 개체 틀 2">
             <a:extLst>
               <a:ext uri="{FF2B5EF4-FFF2-40B4-BE49-F238E27FC236}">
-                <a16:creationId xmlns:a16="http://schemas.microsoft.com/office/drawing/2014/main" id="{3BC842F9-01CB-6E4E-8FB9-5E39004B4853}"/>
+                <a16:creationId xmlns:a16="http://schemas.microsoft.com/office/drawing/2014/main" xmlns="" id="{3BC842F9-01CB-6E4E-8FB9-5E39004B4853}"/>
               </a:ext>
             </a:extLst>
           </p:cNvPr>
@@ -6854,7 +6909,7 @@
           <p:cNvPr id="4" name="텍스트 개체 틀 3">
             <a:extLst>
               <a:ext uri="{FF2B5EF4-FFF2-40B4-BE49-F238E27FC236}">
-                <a16:creationId xmlns:a16="http://schemas.microsoft.com/office/drawing/2014/main" id="{FC9FD0E9-CF76-8742-ADCD-AC0913A0ED31}"/>
+                <a16:creationId xmlns:a16="http://schemas.microsoft.com/office/drawing/2014/main" xmlns="" id="{FC9FD0E9-CF76-8742-ADCD-AC0913A0ED31}"/>
               </a:ext>
             </a:extLst>
           </p:cNvPr>
@@ -6928,7 +6983,7 @@
           <p:cNvPr id="5" name="날짜 개체 틀 4">
             <a:extLst>
               <a:ext uri="{FF2B5EF4-FFF2-40B4-BE49-F238E27FC236}">
-                <a16:creationId xmlns:a16="http://schemas.microsoft.com/office/drawing/2014/main" id="{93B4A5CD-E650-7F49-A8F7-FDBCA38D375C}"/>
+                <a16:creationId xmlns:a16="http://schemas.microsoft.com/office/drawing/2014/main" xmlns="" id="{93B4A5CD-E650-7F49-A8F7-FDBCA38D375C}"/>
               </a:ext>
             </a:extLst>
           </p:cNvPr>
@@ -6946,7 +7001,7 @@
           <a:p>
             <a:fld id="{EDEFA360-CFB9-4045-A382-F7F263FD4BE1}" type="datetimeFigureOut">
               <a:rPr kumimoji="1" lang="ko-KR" altLang="en-US" smtClean="0"/>
-              <a:t>2023. 7. 12.</a:t>
+              <a:t>2023-07-12</a:t>
             </a:fld>
             <a:endParaRPr kumimoji="1" lang="ko-KR" altLang="en-US"/>
           </a:p>
@@ -6957,7 +7012,7 @@
           <p:cNvPr id="6" name="바닥글 개체 틀 5">
             <a:extLst>
               <a:ext uri="{FF2B5EF4-FFF2-40B4-BE49-F238E27FC236}">
-                <a16:creationId xmlns:a16="http://schemas.microsoft.com/office/drawing/2014/main" id="{83D4685B-3F8E-E841-9BDE-0DB6360895A6}"/>
+                <a16:creationId xmlns:a16="http://schemas.microsoft.com/office/drawing/2014/main" xmlns="" id="{83D4685B-3F8E-E841-9BDE-0DB6360895A6}"/>
               </a:ext>
             </a:extLst>
           </p:cNvPr>
@@ -6982,7 +7037,7 @@
           <p:cNvPr id="7" name="슬라이드 번호 개체 틀 6">
             <a:extLst>
               <a:ext uri="{FF2B5EF4-FFF2-40B4-BE49-F238E27FC236}">
-                <a16:creationId xmlns:a16="http://schemas.microsoft.com/office/drawing/2014/main" id="{FC4E2388-2842-A641-8A33-43CF376D622C}"/>
+                <a16:creationId xmlns:a16="http://schemas.microsoft.com/office/drawing/2014/main" xmlns="" id="{FC4E2388-2842-A641-8A33-43CF376D622C}"/>
               </a:ext>
             </a:extLst>
           </p:cNvPr>
@@ -7046,7 +7101,7 @@
           <p:cNvPr id="2" name="제목 개체 틀 1">
             <a:extLst>
               <a:ext uri="{FF2B5EF4-FFF2-40B4-BE49-F238E27FC236}">
-                <a16:creationId xmlns:a16="http://schemas.microsoft.com/office/drawing/2014/main" id="{5A7F6F33-E68E-4F49-96CF-95999B5A0B6B}"/>
+                <a16:creationId xmlns:a16="http://schemas.microsoft.com/office/drawing/2014/main" xmlns="" id="{5A7F6F33-E68E-4F49-96CF-95999B5A0B6B}"/>
               </a:ext>
             </a:extLst>
           </p:cNvPr>
@@ -7084,7 +7139,7 @@
           <p:cNvPr id="3" name="텍스트 개체 틀 2">
             <a:extLst>
               <a:ext uri="{FF2B5EF4-FFF2-40B4-BE49-F238E27FC236}">
-                <a16:creationId xmlns:a16="http://schemas.microsoft.com/office/drawing/2014/main" id="{AAE82BF1-1C55-9F4E-BB28-554CFE9EF6EF}"/>
+                <a16:creationId xmlns:a16="http://schemas.microsoft.com/office/drawing/2014/main" xmlns="" id="{AAE82BF1-1C55-9F4E-BB28-554CFE9EF6EF}"/>
               </a:ext>
             </a:extLst>
           </p:cNvPr>
@@ -7126,7 +7181,7 @@
           <p:cNvPr id="4" name="날짜 개체 틀 3">
             <a:extLst>
               <a:ext uri="{FF2B5EF4-FFF2-40B4-BE49-F238E27FC236}">
-                <a16:creationId xmlns:a16="http://schemas.microsoft.com/office/drawing/2014/main" id="{D2A83B49-E0FE-D649-AB5C-EF6FD75F5532}"/>
+                <a16:creationId xmlns:a16="http://schemas.microsoft.com/office/drawing/2014/main" xmlns="" id="{D2A83B49-E0FE-D649-AB5C-EF6FD75F5532}"/>
               </a:ext>
             </a:extLst>
           </p:cNvPr>
@@ -7162,7 +7217,7 @@
           <a:p>
             <a:fld id="{EDEFA360-CFB9-4045-A382-F7F263FD4BE1}" type="datetimeFigureOut">
               <a:rPr kumimoji="1" lang="ko-KR" altLang="en-US" smtClean="0"/>
-              <a:t>2023. 7. 12.</a:t>
+              <a:t>2023-07-12</a:t>
             </a:fld>
             <a:endParaRPr kumimoji="1" lang="ko-KR" altLang="en-US"/>
           </a:p>
@@ -7173,7 +7228,7 @@
           <p:cNvPr id="5" name="바닥글 개체 틀 4">
             <a:extLst>
               <a:ext uri="{FF2B5EF4-FFF2-40B4-BE49-F238E27FC236}">
-                <a16:creationId xmlns:a16="http://schemas.microsoft.com/office/drawing/2014/main" id="{3462D788-EE34-3C46-AE11-B260DF20A245}"/>
+                <a16:creationId xmlns:a16="http://schemas.microsoft.com/office/drawing/2014/main" xmlns="" id="{3462D788-EE34-3C46-AE11-B260DF20A245}"/>
               </a:ext>
             </a:extLst>
           </p:cNvPr>
@@ -7216,7 +7271,7 @@
           <p:cNvPr id="6" name="슬라이드 번호 개체 틀 5">
             <a:extLst>
               <a:ext uri="{FF2B5EF4-FFF2-40B4-BE49-F238E27FC236}">
-                <a16:creationId xmlns:a16="http://schemas.microsoft.com/office/drawing/2014/main" id="{0D28F68E-69B7-0E46-AC23-F12C28D41170}"/>
+                <a16:creationId xmlns:a16="http://schemas.microsoft.com/office/drawing/2014/main" xmlns="" id="{0D28F68E-69B7-0E46-AC23-F12C28D41170}"/>
               </a:ext>
             </a:extLst>
           </p:cNvPr>
@@ -7584,7 +7639,7 @@
           <p:cNvPr id="16" name="모서리가 둥근 직사각형 15">
             <a:extLst>
               <a:ext uri="{FF2B5EF4-FFF2-40B4-BE49-F238E27FC236}">
-                <a16:creationId xmlns:a16="http://schemas.microsoft.com/office/drawing/2014/main" id="{E7A0D0CB-D856-2746-B097-C27CC22FC377}"/>
+                <a16:creationId xmlns:a16="http://schemas.microsoft.com/office/drawing/2014/main" xmlns="" id="{E7A0D0CB-D856-2746-B097-C27CC22FC377}"/>
               </a:ext>
             </a:extLst>
           </p:cNvPr>
@@ -7643,7 +7698,7 @@
           <p:cNvPr id="5" name="그림 4">
             <a:extLst>
               <a:ext uri="{FF2B5EF4-FFF2-40B4-BE49-F238E27FC236}">
-                <a16:creationId xmlns:a16="http://schemas.microsoft.com/office/drawing/2014/main" id="{AE877D50-3266-6F4A-8448-D504CC55C624}"/>
+                <a16:creationId xmlns:a16="http://schemas.microsoft.com/office/drawing/2014/main" xmlns="" id="{AE877D50-3266-6F4A-8448-D504CC55C624}"/>
               </a:ext>
             </a:extLst>
           </p:cNvPr>
@@ -7673,7 +7728,7 @@
           <p:cNvPr id="9" name="직선 연결선[R] 8">
             <a:extLst>
               <a:ext uri="{FF2B5EF4-FFF2-40B4-BE49-F238E27FC236}">
-                <a16:creationId xmlns:a16="http://schemas.microsoft.com/office/drawing/2014/main" id="{D0066163-6994-6543-ADA2-A95149F63A87}"/>
+                <a16:creationId xmlns:a16="http://schemas.microsoft.com/office/drawing/2014/main" xmlns="" id="{D0066163-6994-6543-ADA2-A95149F63A87}"/>
               </a:ext>
             </a:extLst>
           </p:cNvPr>
@@ -7714,7 +7769,7 @@
           <p:cNvPr id="10" name="모서리가 둥근 직사각형 9">
             <a:extLst>
               <a:ext uri="{FF2B5EF4-FFF2-40B4-BE49-F238E27FC236}">
-                <a16:creationId xmlns:a16="http://schemas.microsoft.com/office/drawing/2014/main" id="{EA64625E-314C-7D49-B5EA-4B4485822FCA}"/>
+                <a16:creationId xmlns:a16="http://schemas.microsoft.com/office/drawing/2014/main" xmlns="" id="{EA64625E-314C-7D49-B5EA-4B4485822FCA}"/>
               </a:ext>
             </a:extLst>
           </p:cNvPr>
@@ -7779,7 +7834,7 @@
           <p:cNvPr id="11" name="TextBox 10">
             <a:extLst>
               <a:ext uri="{FF2B5EF4-FFF2-40B4-BE49-F238E27FC236}">
-                <a16:creationId xmlns:a16="http://schemas.microsoft.com/office/drawing/2014/main" id="{3E20C6AF-08F4-4A49-88CA-3CA7A2EFC435}"/>
+                <a16:creationId xmlns:a16="http://schemas.microsoft.com/office/drawing/2014/main" xmlns="" id="{3E20C6AF-08F4-4A49-88CA-3CA7A2EFC435}"/>
               </a:ext>
             </a:extLst>
           </p:cNvPr>
@@ -7810,8 +7865,8 @@
                     <a:lumOff val="35000"/>
                   </a:schemeClr>
                 </a:solidFill>
-                <a:latin typeface="GangwonEduPower ExtraBold" panose="02020603020101020101" pitchFamily="18" charset="-127"/>
-                <a:ea typeface="GangwonEduPower ExtraBold" panose="02020603020101020101" pitchFamily="18" charset="-127"/>
+                <a:latin typeface="강원교육튼튼" panose="02020603020101020101" pitchFamily="18" charset="-127"/>
+                <a:ea typeface="강원교육튼튼" panose="02020603020101020101" pitchFamily="18" charset="-127"/>
               </a:rPr>
               <a:t>유기 동물 입양 및 개인 반려 동물 분양 매칭 사이트</a:t>
             </a:r>
@@ -7823,7 +7878,7 @@
           <p:cNvPr id="12" name="직사각형 11">
             <a:extLst>
               <a:ext uri="{FF2B5EF4-FFF2-40B4-BE49-F238E27FC236}">
-                <a16:creationId xmlns:a16="http://schemas.microsoft.com/office/drawing/2014/main" id="{C2DAEDD6-F3BF-2C45-A966-FA34D448BF8E}"/>
+                <a16:creationId xmlns:a16="http://schemas.microsoft.com/office/drawing/2014/main" xmlns="" id="{C2DAEDD6-F3BF-2C45-A966-FA34D448BF8E}"/>
               </a:ext>
             </a:extLst>
           </p:cNvPr>
@@ -7880,7 +7935,7 @@
           <p:cNvPr id="17" name="TextBox 16">
             <a:extLst>
               <a:ext uri="{FF2B5EF4-FFF2-40B4-BE49-F238E27FC236}">
-                <a16:creationId xmlns:a16="http://schemas.microsoft.com/office/drawing/2014/main" id="{A3CC3E21-6E0D-F34A-A052-E92DE16666CF}"/>
+                <a16:creationId xmlns:a16="http://schemas.microsoft.com/office/drawing/2014/main" xmlns="" id="{A3CC3E21-6E0D-F34A-A052-E92DE16666CF}"/>
               </a:ext>
             </a:extLst>
           </p:cNvPr>
@@ -8071,7 +8126,7 @@
           <p:cNvPr id="19" name="그림 18">
             <a:extLst>
               <a:ext uri="{FF2B5EF4-FFF2-40B4-BE49-F238E27FC236}">
-                <a16:creationId xmlns:a16="http://schemas.microsoft.com/office/drawing/2014/main" id="{9FEBB5E0-6AF6-FE4F-9BB2-D3C257CE6DA3}"/>
+                <a16:creationId xmlns:a16="http://schemas.microsoft.com/office/drawing/2014/main" xmlns="" id="{9FEBB5E0-6AF6-FE4F-9BB2-D3C257CE6DA3}"/>
               </a:ext>
             </a:extLst>
           </p:cNvPr>
@@ -8101,7 +8156,7 @@
           <p:cNvPr id="20" name="직선 연결선[R] 19">
             <a:extLst>
               <a:ext uri="{FF2B5EF4-FFF2-40B4-BE49-F238E27FC236}">
-                <a16:creationId xmlns:a16="http://schemas.microsoft.com/office/drawing/2014/main" id="{3EFE5469-45FC-7347-9AE0-8FE58F0D29E5}"/>
+                <a16:creationId xmlns:a16="http://schemas.microsoft.com/office/drawing/2014/main" xmlns="" id="{3EFE5469-45FC-7347-9AE0-8FE58F0D29E5}"/>
               </a:ext>
             </a:extLst>
           </p:cNvPr>
@@ -8144,7 +8199,7 @@
           <p:cNvPr id="23" name="직선 연결선[R] 22">
             <a:extLst>
               <a:ext uri="{FF2B5EF4-FFF2-40B4-BE49-F238E27FC236}">
-                <a16:creationId xmlns:a16="http://schemas.microsoft.com/office/drawing/2014/main" id="{916B4006-C06F-4745-8BCE-C1C380A97C62}"/>
+                <a16:creationId xmlns:a16="http://schemas.microsoft.com/office/drawing/2014/main" xmlns="" id="{916B4006-C06F-4745-8BCE-C1C380A97C62}"/>
               </a:ext>
             </a:extLst>
           </p:cNvPr>
@@ -8187,7 +8242,7 @@
           <p:cNvPr id="24" name="직선 연결선[R] 23">
             <a:extLst>
               <a:ext uri="{FF2B5EF4-FFF2-40B4-BE49-F238E27FC236}">
-                <a16:creationId xmlns:a16="http://schemas.microsoft.com/office/drawing/2014/main" id="{AA29E148-3210-6240-A5F5-D46132ABDCD5}"/>
+                <a16:creationId xmlns:a16="http://schemas.microsoft.com/office/drawing/2014/main" xmlns="" id="{AA29E148-3210-6240-A5F5-D46132ABDCD5}"/>
               </a:ext>
             </a:extLst>
           </p:cNvPr>
@@ -8230,7 +8285,7 @@
           <p:cNvPr id="3" name="그림 2">
             <a:extLst>
               <a:ext uri="{FF2B5EF4-FFF2-40B4-BE49-F238E27FC236}">
-                <a16:creationId xmlns:a16="http://schemas.microsoft.com/office/drawing/2014/main" id="{5C593606-FE38-8646-AEAD-E8330660E598}"/>
+                <a16:creationId xmlns:a16="http://schemas.microsoft.com/office/drawing/2014/main" xmlns="" id="{5C593606-FE38-8646-AEAD-E8330660E598}"/>
               </a:ext>
             </a:extLst>
           </p:cNvPr>
@@ -8290,7 +8345,7 @@
           <p:cNvPr id="5" name="그림 4">
             <a:extLst>
               <a:ext uri="{FF2B5EF4-FFF2-40B4-BE49-F238E27FC236}">
-                <a16:creationId xmlns:a16="http://schemas.microsoft.com/office/drawing/2014/main" id="{3DF62AEB-8EE3-2447-B14C-007BA80FE99A}"/>
+                <a16:creationId xmlns:a16="http://schemas.microsoft.com/office/drawing/2014/main" xmlns="" id="{3DF62AEB-8EE3-2447-B14C-007BA80FE99A}"/>
               </a:ext>
             </a:extLst>
           </p:cNvPr>
@@ -8320,7 +8375,7 @@
           <p:cNvPr id="6" name="직선 연결선[R] 5">
             <a:extLst>
               <a:ext uri="{FF2B5EF4-FFF2-40B4-BE49-F238E27FC236}">
-                <a16:creationId xmlns:a16="http://schemas.microsoft.com/office/drawing/2014/main" id="{B0895DCE-07B1-F147-892C-279B3F3312C7}"/>
+                <a16:creationId xmlns:a16="http://schemas.microsoft.com/office/drawing/2014/main" xmlns="" id="{B0895DCE-07B1-F147-892C-279B3F3312C7}"/>
               </a:ext>
             </a:extLst>
           </p:cNvPr>
@@ -8361,7 +8416,7 @@
           <p:cNvPr id="11" name="직사각형 10">
             <a:extLst>
               <a:ext uri="{FF2B5EF4-FFF2-40B4-BE49-F238E27FC236}">
-                <a16:creationId xmlns:a16="http://schemas.microsoft.com/office/drawing/2014/main" id="{F2D53CA5-7BF7-9F4E-9FE7-7F2065E40291}"/>
+                <a16:creationId xmlns:a16="http://schemas.microsoft.com/office/drawing/2014/main" xmlns="" id="{F2D53CA5-7BF7-9F4E-9FE7-7F2065E40291}"/>
               </a:ext>
             </a:extLst>
           </p:cNvPr>
@@ -8413,7 +8468,7 @@
           <p:cNvPr id="21" name="모서리가 둥근 직사각형 20">
             <a:extLst>
               <a:ext uri="{FF2B5EF4-FFF2-40B4-BE49-F238E27FC236}">
-                <a16:creationId xmlns:a16="http://schemas.microsoft.com/office/drawing/2014/main" id="{0C5A2D63-F6D7-FD4D-9E29-ECC87C45D7A1}"/>
+                <a16:creationId xmlns:a16="http://schemas.microsoft.com/office/drawing/2014/main" xmlns="" id="{0C5A2D63-F6D7-FD4D-9E29-ECC87C45D7A1}"/>
               </a:ext>
             </a:extLst>
           </p:cNvPr>
@@ -8478,7 +8533,7 @@
           <p:cNvPr id="22" name="TextBox 21">
             <a:extLst>
               <a:ext uri="{FF2B5EF4-FFF2-40B4-BE49-F238E27FC236}">
-                <a16:creationId xmlns:a16="http://schemas.microsoft.com/office/drawing/2014/main" id="{42DD3540-0883-984E-97D9-58F862DD8F18}"/>
+                <a16:creationId xmlns:a16="http://schemas.microsoft.com/office/drawing/2014/main" xmlns="" id="{42DD3540-0883-984E-97D9-58F862DD8F18}"/>
               </a:ext>
             </a:extLst>
           </p:cNvPr>
@@ -8509,8 +8564,8 @@
                     <a:lumOff val="35000"/>
                   </a:schemeClr>
                 </a:solidFill>
-                <a:latin typeface="GangwonEduPower ExtraBold" panose="02020603020101020101" pitchFamily="18" charset="-127"/>
-                <a:ea typeface="GangwonEduPower ExtraBold" panose="02020603020101020101" pitchFamily="18" charset="-127"/>
+                <a:latin typeface="강원교육튼튼" panose="02020603020101020101" pitchFamily="18" charset="-127"/>
+                <a:ea typeface="강원교육튼튼" panose="02020603020101020101" pitchFamily="18" charset="-127"/>
               </a:rPr>
               <a:t>ARCHET. </a:t>
             </a:r>
@@ -8539,7 +8594,7 @@
           <p:cNvPr id="9" name="직사각형 8">
             <a:extLst>
               <a:ext uri="{FF2B5EF4-FFF2-40B4-BE49-F238E27FC236}">
-                <a16:creationId xmlns:a16="http://schemas.microsoft.com/office/drawing/2014/main" id="{71FC172E-010D-E84F-9E5A-2C65223C3954}"/>
+                <a16:creationId xmlns:a16="http://schemas.microsoft.com/office/drawing/2014/main" xmlns="" id="{71FC172E-010D-E84F-9E5A-2C65223C3954}"/>
               </a:ext>
             </a:extLst>
           </p:cNvPr>
@@ -8596,7 +8651,7 @@
           <p:cNvPr id="10" name="그림 9">
             <a:extLst>
               <a:ext uri="{FF2B5EF4-FFF2-40B4-BE49-F238E27FC236}">
-                <a16:creationId xmlns:a16="http://schemas.microsoft.com/office/drawing/2014/main" id="{2423F426-6703-3F47-BE8D-A41D4399E05C}"/>
+                <a16:creationId xmlns:a16="http://schemas.microsoft.com/office/drawing/2014/main" xmlns="" id="{2423F426-6703-3F47-BE8D-A41D4399E05C}"/>
               </a:ext>
             </a:extLst>
           </p:cNvPr>
@@ -8634,7 +8689,7 @@
           <p:cNvPr id="12" name="TextBox 21">
             <a:extLst>
               <a:ext uri="{FF2B5EF4-FFF2-40B4-BE49-F238E27FC236}">
-                <a16:creationId xmlns:a16="http://schemas.microsoft.com/office/drawing/2014/main" id="{B5CDA0C3-DE52-DC49-BD9E-134C4569B74A}"/>
+                <a16:creationId xmlns:a16="http://schemas.microsoft.com/office/drawing/2014/main" xmlns="" id="{B5CDA0C3-DE52-DC49-BD9E-134C4569B74A}"/>
               </a:ext>
             </a:extLst>
           </p:cNvPr>
@@ -8890,7 +8945,7 @@
           <p:cNvPr id="13" name="그림 12">
             <a:extLst>
               <a:ext uri="{FF2B5EF4-FFF2-40B4-BE49-F238E27FC236}">
-                <a16:creationId xmlns:a16="http://schemas.microsoft.com/office/drawing/2014/main" id="{B68DA7BF-0971-ED45-AC4A-AFD7B45C0769}"/>
+                <a16:creationId xmlns:a16="http://schemas.microsoft.com/office/drawing/2014/main" xmlns="" id="{B68DA7BF-0971-ED45-AC4A-AFD7B45C0769}"/>
               </a:ext>
             </a:extLst>
           </p:cNvPr>
@@ -8928,7 +8983,7 @@
           <p:cNvPr id="14" name="TextBox 21">
             <a:extLst>
               <a:ext uri="{FF2B5EF4-FFF2-40B4-BE49-F238E27FC236}">
-                <a16:creationId xmlns:a16="http://schemas.microsoft.com/office/drawing/2014/main" id="{9477EAF6-3234-4945-B4BD-2FC8CE79227F}"/>
+                <a16:creationId xmlns:a16="http://schemas.microsoft.com/office/drawing/2014/main" xmlns="" id="{9477EAF6-3234-4945-B4BD-2FC8CE79227F}"/>
               </a:ext>
             </a:extLst>
           </p:cNvPr>
@@ -9131,7 +9186,7 @@
           <p:cNvPr id="15" name="TextBox 21">
             <a:extLst>
               <a:ext uri="{FF2B5EF4-FFF2-40B4-BE49-F238E27FC236}">
-                <a16:creationId xmlns:a16="http://schemas.microsoft.com/office/drawing/2014/main" id="{730A6125-F61C-E948-A73D-F3BD1DFD25B1}"/>
+                <a16:creationId xmlns:a16="http://schemas.microsoft.com/office/drawing/2014/main" xmlns="" id="{730A6125-F61C-E948-A73D-F3BD1DFD25B1}"/>
               </a:ext>
             </a:extLst>
           </p:cNvPr>
@@ -9348,7 +9403,7 @@
           <p:cNvPr id="16" name="TextBox 21">
             <a:extLst>
               <a:ext uri="{FF2B5EF4-FFF2-40B4-BE49-F238E27FC236}">
-                <a16:creationId xmlns:a16="http://schemas.microsoft.com/office/drawing/2014/main" id="{E1946DA2-B882-654F-8E99-9FF7CEA47F03}"/>
+                <a16:creationId xmlns:a16="http://schemas.microsoft.com/office/drawing/2014/main" xmlns="" id="{E1946DA2-B882-654F-8E99-9FF7CEA47F03}"/>
               </a:ext>
             </a:extLst>
           </p:cNvPr>
@@ -9507,7 +9562,7 @@
           <p:cNvPr id="17" name="그림 16">
             <a:extLst>
               <a:ext uri="{FF2B5EF4-FFF2-40B4-BE49-F238E27FC236}">
-                <a16:creationId xmlns:a16="http://schemas.microsoft.com/office/drawing/2014/main" id="{DE525A36-EA2C-094C-8F22-37201C310B6F}"/>
+                <a16:creationId xmlns:a16="http://schemas.microsoft.com/office/drawing/2014/main" xmlns="" id="{DE525A36-EA2C-094C-8F22-37201C310B6F}"/>
               </a:ext>
             </a:extLst>
           </p:cNvPr>
@@ -9545,7 +9600,7 @@
           <p:cNvPr id="18" name="그림 17">
             <a:extLst>
               <a:ext uri="{FF2B5EF4-FFF2-40B4-BE49-F238E27FC236}">
-                <a16:creationId xmlns:a16="http://schemas.microsoft.com/office/drawing/2014/main" id="{67FF8E2E-E3B7-6145-80E5-74EF04750A17}"/>
+                <a16:creationId xmlns:a16="http://schemas.microsoft.com/office/drawing/2014/main" xmlns="" id="{67FF8E2E-E3B7-6145-80E5-74EF04750A17}"/>
               </a:ext>
             </a:extLst>
           </p:cNvPr>
@@ -9583,7 +9638,7 @@
           <p:cNvPr id="19" name="그림 18">
             <a:extLst>
               <a:ext uri="{FF2B5EF4-FFF2-40B4-BE49-F238E27FC236}">
-                <a16:creationId xmlns:a16="http://schemas.microsoft.com/office/drawing/2014/main" id="{695AFF0B-F633-564D-9A2E-639374F24030}"/>
+                <a16:creationId xmlns:a16="http://schemas.microsoft.com/office/drawing/2014/main" xmlns="" id="{695AFF0B-F633-564D-9A2E-639374F24030}"/>
               </a:ext>
             </a:extLst>
           </p:cNvPr>
@@ -9621,7 +9676,7 @@
           <p:cNvPr id="20" name="TextBox 21">
             <a:extLst>
               <a:ext uri="{FF2B5EF4-FFF2-40B4-BE49-F238E27FC236}">
-                <a16:creationId xmlns:a16="http://schemas.microsoft.com/office/drawing/2014/main" id="{EEA3C948-10D2-E447-B30B-FCACF3BDCFE5}"/>
+                <a16:creationId xmlns:a16="http://schemas.microsoft.com/office/drawing/2014/main" xmlns="" id="{EEA3C948-10D2-E447-B30B-FCACF3BDCFE5}"/>
               </a:ext>
             </a:extLst>
           </p:cNvPr>
@@ -9763,7 +9818,7 @@
           <p:cNvPr id="23" name="그림 22">
             <a:extLst>
               <a:ext uri="{FF2B5EF4-FFF2-40B4-BE49-F238E27FC236}">
-                <a16:creationId xmlns:a16="http://schemas.microsoft.com/office/drawing/2014/main" id="{BF1885DF-6E73-7349-96BD-1060D79A5F4E}"/>
+                <a16:creationId xmlns:a16="http://schemas.microsoft.com/office/drawing/2014/main" xmlns="" id="{BF1885DF-6E73-7349-96BD-1060D79A5F4E}"/>
               </a:ext>
             </a:extLst>
           </p:cNvPr>
@@ -9801,7 +9856,7 @@
           <p:cNvPr id="24" name="TextBox 21">
             <a:extLst>
               <a:ext uri="{FF2B5EF4-FFF2-40B4-BE49-F238E27FC236}">
-                <a16:creationId xmlns:a16="http://schemas.microsoft.com/office/drawing/2014/main" id="{3E1CB791-0098-124D-B0E3-0C0F87A4327A}"/>
+                <a16:creationId xmlns:a16="http://schemas.microsoft.com/office/drawing/2014/main" xmlns="" id="{3E1CB791-0098-124D-B0E3-0C0F87A4327A}"/>
               </a:ext>
             </a:extLst>
           </p:cNvPr>
@@ -10006,7 +10061,7 @@
           <p:cNvPr id="5" name="그림 4">
             <a:extLst>
               <a:ext uri="{FF2B5EF4-FFF2-40B4-BE49-F238E27FC236}">
-                <a16:creationId xmlns:a16="http://schemas.microsoft.com/office/drawing/2014/main" id="{3DF62AEB-8EE3-2447-B14C-007BA80FE99A}"/>
+                <a16:creationId xmlns:a16="http://schemas.microsoft.com/office/drawing/2014/main" xmlns="" id="{3DF62AEB-8EE3-2447-B14C-007BA80FE99A}"/>
               </a:ext>
             </a:extLst>
           </p:cNvPr>
@@ -10036,7 +10091,7 @@
           <p:cNvPr id="6" name="직선 연결선[R] 5">
             <a:extLst>
               <a:ext uri="{FF2B5EF4-FFF2-40B4-BE49-F238E27FC236}">
-                <a16:creationId xmlns:a16="http://schemas.microsoft.com/office/drawing/2014/main" id="{B0895DCE-07B1-F147-892C-279B3F3312C7}"/>
+                <a16:creationId xmlns:a16="http://schemas.microsoft.com/office/drawing/2014/main" xmlns="" id="{B0895DCE-07B1-F147-892C-279B3F3312C7}"/>
               </a:ext>
             </a:extLst>
           </p:cNvPr>
@@ -10077,7 +10132,7 @@
           <p:cNvPr id="11" name="직사각형 10">
             <a:extLst>
               <a:ext uri="{FF2B5EF4-FFF2-40B4-BE49-F238E27FC236}">
-                <a16:creationId xmlns:a16="http://schemas.microsoft.com/office/drawing/2014/main" id="{F2D53CA5-7BF7-9F4E-9FE7-7F2065E40291}"/>
+                <a16:creationId xmlns:a16="http://schemas.microsoft.com/office/drawing/2014/main" xmlns="" id="{F2D53CA5-7BF7-9F4E-9FE7-7F2065E40291}"/>
               </a:ext>
             </a:extLst>
           </p:cNvPr>
@@ -10129,7 +10184,7 @@
           <p:cNvPr id="21" name="모서리가 둥근 직사각형 20">
             <a:extLst>
               <a:ext uri="{FF2B5EF4-FFF2-40B4-BE49-F238E27FC236}">
-                <a16:creationId xmlns:a16="http://schemas.microsoft.com/office/drawing/2014/main" id="{0C5A2D63-F6D7-FD4D-9E29-ECC87C45D7A1}"/>
+                <a16:creationId xmlns:a16="http://schemas.microsoft.com/office/drawing/2014/main" xmlns="" id="{0C5A2D63-F6D7-FD4D-9E29-ECC87C45D7A1}"/>
               </a:ext>
             </a:extLst>
           </p:cNvPr>
@@ -10194,7 +10249,7 @@
           <p:cNvPr id="22" name="TextBox 21">
             <a:extLst>
               <a:ext uri="{FF2B5EF4-FFF2-40B4-BE49-F238E27FC236}">
-                <a16:creationId xmlns:a16="http://schemas.microsoft.com/office/drawing/2014/main" id="{42DD3540-0883-984E-97D9-58F862DD8F18}"/>
+                <a16:creationId xmlns:a16="http://schemas.microsoft.com/office/drawing/2014/main" xmlns="" id="{42DD3540-0883-984E-97D9-58F862DD8F18}"/>
               </a:ext>
             </a:extLst>
           </p:cNvPr>
@@ -10225,8 +10280,8 @@
                     <a:lumOff val="35000"/>
                   </a:schemeClr>
                 </a:solidFill>
-                <a:latin typeface="GangwonEduPower ExtraBold" panose="02020603020101020101" pitchFamily="18" charset="-127"/>
-                <a:ea typeface="GangwonEduPower ExtraBold" panose="02020603020101020101" pitchFamily="18" charset="-127"/>
+                <a:latin typeface="강원교육튼튼" panose="02020603020101020101" pitchFamily="18" charset="-127"/>
+                <a:ea typeface="강원교육튼튼" panose="02020603020101020101" pitchFamily="18" charset="-127"/>
               </a:rPr>
               <a:t>DEMO. </a:t>
             </a:r>
@@ -10255,7 +10310,7 @@
           <p:cNvPr id="9" name="직사각형 8">
             <a:extLst>
               <a:ext uri="{FF2B5EF4-FFF2-40B4-BE49-F238E27FC236}">
-                <a16:creationId xmlns:a16="http://schemas.microsoft.com/office/drawing/2014/main" id="{71FC172E-010D-E84F-9E5A-2C65223C3954}"/>
+                <a16:creationId xmlns:a16="http://schemas.microsoft.com/office/drawing/2014/main" xmlns="" id="{71FC172E-010D-E84F-9E5A-2C65223C3954}"/>
               </a:ext>
             </a:extLst>
           </p:cNvPr>
@@ -10312,7 +10367,7 @@
           <p:cNvPr id="3078" name="Picture 6" descr="갈색 나무 액자 칠판 그림, Microsoft PowerPoint 데스크탑 교사 칠판 프리젠 테이션, 교실, 직사각형, 컴퓨터, 사진  프레임 png | PNGWing">
             <a:extLst>
               <a:ext uri="{FF2B5EF4-FFF2-40B4-BE49-F238E27FC236}">
-                <a16:creationId xmlns:a16="http://schemas.microsoft.com/office/drawing/2014/main" id="{68159F0B-98F2-77A9-F275-AA90616ABE9A}"/>
+                <a16:creationId xmlns:a16="http://schemas.microsoft.com/office/drawing/2014/main" xmlns="" id="{68159F0B-98F2-77A9-F275-AA90616ABE9A}"/>
               </a:ext>
             </a:extLst>
           </p:cNvPr>
@@ -10360,7 +10415,7 @@
           <p:cNvPr id="12" name="그림 11">
             <a:extLst>
               <a:ext uri="{FF2B5EF4-FFF2-40B4-BE49-F238E27FC236}">
-                <a16:creationId xmlns:a16="http://schemas.microsoft.com/office/drawing/2014/main" id="{6BC9E989-DBC6-EC43-B966-9BB6B6F2A478}"/>
+                <a16:creationId xmlns:a16="http://schemas.microsoft.com/office/drawing/2014/main" xmlns="" id="{6BC9E989-DBC6-EC43-B966-9BB6B6F2A478}"/>
               </a:ext>
             </a:extLst>
           </p:cNvPr>
@@ -10390,7 +10445,7 @@
           <p:cNvPr id="4" name="TextBox 3">
             <a:extLst>
               <a:ext uri="{FF2B5EF4-FFF2-40B4-BE49-F238E27FC236}">
-                <a16:creationId xmlns:a16="http://schemas.microsoft.com/office/drawing/2014/main" id="{62A69A77-166F-341C-E647-57A160739083}"/>
+                <a16:creationId xmlns:a16="http://schemas.microsoft.com/office/drawing/2014/main" xmlns="" id="{62A69A77-166F-341C-E647-57A160739083}"/>
               </a:ext>
             </a:extLst>
           </p:cNvPr>
@@ -10419,8 +10474,8 @@
                 <a:solidFill>
                   <a:schemeClr val="bg1"/>
                 </a:solidFill>
-                <a:latin typeface="GangwonEduPower ExtraBold" panose="02020603020101020101" pitchFamily="18" charset="-127"/>
-                <a:ea typeface="GangwonEduPower ExtraBold" panose="02020603020101020101" pitchFamily="18" charset="-127"/>
+                <a:latin typeface="강원교육튼튼" panose="02020603020101020101" pitchFamily="18" charset="-127"/>
+                <a:ea typeface="강원교육튼튼" panose="02020603020101020101" pitchFamily="18" charset="-127"/>
               </a:rPr>
               <a:t>지금부터 저희 </a:t>
             </a:r>
@@ -10429,8 +10484,8 @@
                 <a:solidFill>
                   <a:schemeClr val="bg1"/>
                 </a:solidFill>
-                <a:latin typeface="GangwonEduPower ExtraBold" panose="02020603020101020101" pitchFamily="18" charset="-127"/>
-                <a:ea typeface="GangwonEduPower ExtraBold" panose="02020603020101020101" pitchFamily="18" charset="-127"/>
+                <a:latin typeface="강원교육튼튼" panose="02020603020101020101" pitchFamily="18" charset="-127"/>
+                <a:ea typeface="강원교육튼튼" panose="02020603020101020101" pitchFamily="18" charset="-127"/>
               </a:rPr>
               <a:t>펫밀리의</a:t>
             </a:r>
@@ -10439,8 +10494,8 @@
                 <a:solidFill>
                   <a:schemeClr val="bg1"/>
                 </a:solidFill>
-                <a:latin typeface="GangwonEduPower ExtraBold" panose="02020603020101020101" pitchFamily="18" charset="-127"/>
-                <a:ea typeface="GangwonEduPower ExtraBold" panose="02020603020101020101" pitchFamily="18" charset="-127"/>
+                <a:latin typeface="강원교육튼튼" panose="02020603020101020101" pitchFamily="18" charset="-127"/>
+                <a:ea typeface="강원교육튼튼" panose="02020603020101020101" pitchFamily="18" charset="-127"/>
               </a:rPr>
               <a:t> 발표를 시작하겠습니다</a:t>
             </a:r>
@@ -10448,8 +10503,8 @@
               <a:solidFill>
                 <a:schemeClr val="bg1"/>
               </a:solidFill>
-              <a:latin typeface="GangwonEduPower ExtraBold" panose="02020603020101020101" pitchFamily="18" charset="-127"/>
-              <a:ea typeface="GangwonEduPower ExtraBold" panose="02020603020101020101" pitchFamily="18" charset="-127"/>
+              <a:latin typeface="강원교육튼튼" panose="02020603020101020101" pitchFamily="18" charset="-127"/>
+              <a:ea typeface="강원교육튼튼" panose="02020603020101020101" pitchFamily="18" charset="-127"/>
             </a:endParaRPr>
           </a:p>
           <a:p>
@@ -10458,8 +10513,8 @@
               <a:solidFill>
                 <a:schemeClr val="bg1"/>
               </a:solidFill>
-              <a:latin typeface="GangwonEduPower ExtraBold" panose="02020603020101020101" pitchFamily="18" charset="-127"/>
-              <a:ea typeface="GangwonEduPower ExtraBold" panose="02020603020101020101" pitchFamily="18" charset="-127"/>
+              <a:latin typeface="강원교육튼튼" panose="02020603020101020101" pitchFamily="18" charset="-127"/>
+              <a:ea typeface="강원교육튼튼" panose="02020603020101020101" pitchFamily="18" charset="-127"/>
             </a:endParaRPr>
           </a:p>
           <a:p>
@@ -10469,8 +10524,8 @@
                 <a:solidFill>
                   <a:schemeClr val="bg1"/>
                 </a:solidFill>
-                <a:latin typeface="GangwonEduPower ExtraBold" panose="02020603020101020101" pitchFamily="18" charset="-127"/>
-                <a:ea typeface="GangwonEduPower ExtraBold" panose="02020603020101020101" pitchFamily="18" charset="-127"/>
+                <a:latin typeface="강원교육튼튼" panose="02020603020101020101" pitchFamily="18" charset="-127"/>
+                <a:ea typeface="강원교육튼튼" panose="02020603020101020101" pitchFamily="18" charset="-127"/>
               </a:rPr>
               <a:t>박수</a:t>
             </a:r>
@@ -10479,8 +10534,8 @@
                 <a:solidFill>
                   <a:schemeClr val="bg1"/>
                 </a:solidFill>
-                <a:latin typeface="GangwonEduPower ExtraBold" panose="02020603020101020101" pitchFamily="18" charset="-127"/>
-                <a:ea typeface="GangwonEduPower ExtraBold" panose="02020603020101020101" pitchFamily="18" charset="-127"/>
+                <a:latin typeface="강원교육튼튼" panose="02020603020101020101" pitchFamily="18" charset="-127"/>
+                <a:ea typeface="강원교육튼튼" panose="02020603020101020101" pitchFamily="18" charset="-127"/>
               </a:rPr>
               <a:t>~</a:t>
             </a:r>
@@ -10488,8 +10543,8 @@
               <a:solidFill>
                 <a:schemeClr val="bg1"/>
               </a:solidFill>
-              <a:latin typeface="GangwonEduPower ExtraBold" panose="02020603020101020101" pitchFamily="18" charset="-127"/>
-              <a:ea typeface="GangwonEduPower ExtraBold" panose="02020603020101020101" pitchFamily="18" charset="-127"/>
+              <a:latin typeface="강원교육튼튼" panose="02020603020101020101" pitchFamily="18" charset="-127"/>
+              <a:ea typeface="강원교육튼튼" panose="02020603020101020101" pitchFamily="18" charset="-127"/>
             </a:endParaRPr>
           </a:p>
         </p:txBody>
@@ -10499,7 +10554,7 @@
           <p:cNvPr id="13" name="그림 12">
             <a:extLst>
               <a:ext uri="{FF2B5EF4-FFF2-40B4-BE49-F238E27FC236}">
-                <a16:creationId xmlns:a16="http://schemas.microsoft.com/office/drawing/2014/main" id="{194F8B75-CD8C-D14D-9C75-4552749BF91E}"/>
+                <a16:creationId xmlns:a16="http://schemas.microsoft.com/office/drawing/2014/main" xmlns="" id="{194F8B75-CD8C-D14D-9C75-4552749BF91E}"/>
               </a:ext>
             </a:extLst>
           </p:cNvPr>
@@ -10544,7 +10599,7 @@
           <p:cNvPr id="14" name="그림 13">
             <a:extLst>
               <a:ext uri="{FF2B5EF4-FFF2-40B4-BE49-F238E27FC236}">
-                <a16:creationId xmlns:a16="http://schemas.microsoft.com/office/drawing/2014/main" id="{DE8A342D-B77A-8844-9D5C-E1EECB6245A3}"/>
+                <a16:creationId xmlns:a16="http://schemas.microsoft.com/office/drawing/2014/main" xmlns="" id="{DE8A342D-B77A-8844-9D5C-E1EECB6245A3}"/>
               </a:ext>
             </a:extLst>
           </p:cNvPr>
@@ -10604,7 +10659,7 @@
           <p:cNvPr id="5" name="그림 4">
             <a:extLst>
               <a:ext uri="{FF2B5EF4-FFF2-40B4-BE49-F238E27FC236}">
-                <a16:creationId xmlns:a16="http://schemas.microsoft.com/office/drawing/2014/main" id="{3DF62AEB-8EE3-2447-B14C-007BA80FE99A}"/>
+                <a16:creationId xmlns:a16="http://schemas.microsoft.com/office/drawing/2014/main" xmlns="" id="{3DF62AEB-8EE3-2447-B14C-007BA80FE99A}"/>
               </a:ext>
             </a:extLst>
           </p:cNvPr>
@@ -10634,7 +10689,7 @@
           <p:cNvPr id="6" name="직선 연결선[R] 5">
             <a:extLst>
               <a:ext uri="{FF2B5EF4-FFF2-40B4-BE49-F238E27FC236}">
-                <a16:creationId xmlns:a16="http://schemas.microsoft.com/office/drawing/2014/main" id="{B0895DCE-07B1-F147-892C-279B3F3312C7}"/>
+                <a16:creationId xmlns:a16="http://schemas.microsoft.com/office/drawing/2014/main" xmlns="" id="{B0895DCE-07B1-F147-892C-279B3F3312C7}"/>
               </a:ext>
             </a:extLst>
           </p:cNvPr>
@@ -10675,7 +10730,7 @@
           <p:cNvPr id="11" name="직사각형 10">
             <a:extLst>
               <a:ext uri="{FF2B5EF4-FFF2-40B4-BE49-F238E27FC236}">
-                <a16:creationId xmlns:a16="http://schemas.microsoft.com/office/drawing/2014/main" id="{F2D53CA5-7BF7-9F4E-9FE7-7F2065E40291}"/>
+                <a16:creationId xmlns:a16="http://schemas.microsoft.com/office/drawing/2014/main" xmlns="" id="{F2D53CA5-7BF7-9F4E-9FE7-7F2065E40291}"/>
               </a:ext>
             </a:extLst>
           </p:cNvPr>
@@ -10727,7 +10782,7 @@
           <p:cNvPr id="21" name="모서리가 둥근 직사각형 20">
             <a:extLst>
               <a:ext uri="{FF2B5EF4-FFF2-40B4-BE49-F238E27FC236}">
-                <a16:creationId xmlns:a16="http://schemas.microsoft.com/office/drawing/2014/main" id="{0C5A2D63-F6D7-FD4D-9E29-ECC87C45D7A1}"/>
+                <a16:creationId xmlns:a16="http://schemas.microsoft.com/office/drawing/2014/main" xmlns="" id="{0C5A2D63-F6D7-FD4D-9E29-ECC87C45D7A1}"/>
               </a:ext>
             </a:extLst>
           </p:cNvPr>
@@ -10792,7 +10847,7 @@
           <p:cNvPr id="22" name="TextBox 21">
             <a:extLst>
               <a:ext uri="{FF2B5EF4-FFF2-40B4-BE49-F238E27FC236}">
-                <a16:creationId xmlns:a16="http://schemas.microsoft.com/office/drawing/2014/main" id="{42DD3540-0883-984E-97D9-58F862DD8F18}"/>
+                <a16:creationId xmlns:a16="http://schemas.microsoft.com/office/drawing/2014/main" xmlns="" id="{42DD3540-0883-984E-97D9-58F862DD8F18}"/>
               </a:ext>
             </a:extLst>
           </p:cNvPr>
@@ -10823,8 +10878,8 @@
                     <a:lumOff val="35000"/>
                   </a:schemeClr>
                 </a:solidFill>
-                <a:latin typeface="GangwonEduPower ExtraBold" panose="02020603020101020101" pitchFamily="18" charset="-127"/>
-                <a:ea typeface="GangwonEduPower ExtraBold" panose="02020603020101020101" pitchFamily="18" charset="-127"/>
+                <a:latin typeface="강원교육튼튼" panose="02020603020101020101" pitchFamily="18" charset="-127"/>
+                <a:ea typeface="강원교육튼튼" panose="02020603020101020101" pitchFamily="18" charset="-127"/>
               </a:rPr>
               <a:t>GIT. </a:t>
             </a:r>
@@ -10860,7 +10915,7 @@
           <p:cNvPr id="9" name="직사각형 8">
             <a:extLst>
               <a:ext uri="{FF2B5EF4-FFF2-40B4-BE49-F238E27FC236}">
-                <a16:creationId xmlns:a16="http://schemas.microsoft.com/office/drawing/2014/main" id="{71FC172E-010D-E84F-9E5A-2C65223C3954}"/>
+                <a16:creationId xmlns:a16="http://schemas.microsoft.com/office/drawing/2014/main" xmlns="" id="{71FC172E-010D-E84F-9E5A-2C65223C3954}"/>
               </a:ext>
             </a:extLst>
           </p:cNvPr>
@@ -10917,7 +10972,7 @@
           <p:cNvPr id="4" name="TextBox 3">
             <a:extLst>
               <a:ext uri="{FF2B5EF4-FFF2-40B4-BE49-F238E27FC236}">
-                <a16:creationId xmlns:a16="http://schemas.microsoft.com/office/drawing/2014/main" id="{6911D817-DE77-1B00-B7E3-6BF68AB65CB2}"/>
+                <a16:creationId xmlns:a16="http://schemas.microsoft.com/office/drawing/2014/main" xmlns="" id="{6911D817-DE77-1B00-B7E3-6BF68AB65CB2}"/>
               </a:ext>
             </a:extLst>
           </p:cNvPr>
@@ -10953,7 +11008,7 @@
             <a:hlinkClick r:id="rId3"/>
             <a:extLst>
               <a:ext uri="{FF2B5EF4-FFF2-40B4-BE49-F238E27FC236}">
-                <a16:creationId xmlns:a16="http://schemas.microsoft.com/office/drawing/2014/main" id="{2FFF55B5-2CE3-A27F-0404-F02C970A23AE}"/>
+                <a16:creationId xmlns:a16="http://schemas.microsoft.com/office/drawing/2014/main" xmlns="" id="{2FFF55B5-2CE3-A27F-0404-F02C970A23AE}"/>
               </a:ext>
             </a:extLst>
           </p:cNvPr>
@@ -11030,7 +11085,7 @@
           <p:cNvPr id="5" name="그림 4">
             <a:extLst>
               <a:ext uri="{FF2B5EF4-FFF2-40B4-BE49-F238E27FC236}">
-                <a16:creationId xmlns:a16="http://schemas.microsoft.com/office/drawing/2014/main" id="{3DF62AEB-8EE3-2447-B14C-007BA80FE99A}"/>
+                <a16:creationId xmlns:a16="http://schemas.microsoft.com/office/drawing/2014/main" xmlns="" id="{3DF62AEB-8EE3-2447-B14C-007BA80FE99A}"/>
               </a:ext>
             </a:extLst>
           </p:cNvPr>
@@ -11060,7 +11115,7 @@
           <p:cNvPr id="6" name="직선 연결선[R] 5">
             <a:extLst>
               <a:ext uri="{FF2B5EF4-FFF2-40B4-BE49-F238E27FC236}">
-                <a16:creationId xmlns:a16="http://schemas.microsoft.com/office/drawing/2014/main" id="{B0895DCE-07B1-F147-892C-279B3F3312C7}"/>
+                <a16:creationId xmlns:a16="http://schemas.microsoft.com/office/drawing/2014/main" xmlns="" id="{B0895DCE-07B1-F147-892C-279B3F3312C7}"/>
               </a:ext>
             </a:extLst>
           </p:cNvPr>
@@ -11101,7 +11156,7 @@
           <p:cNvPr id="11" name="직사각형 10">
             <a:extLst>
               <a:ext uri="{FF2B5EF4-FFF2-40B4-BE49-F238E27FC236}">
-                <a16:creationId xmlns:a16="http://schemas.microsoft.com/office/drawing/2014/main" id="{F2D53CA5-7BF7-9F4E-9FE7-7F2065E40291}"/>
+                <a16:creationId xmlns:a16="http://schemas.microsoft.com/office/drawing/2014/main" xmlns="" id="{F2D53CA5-7BF7-9F4E-9FE7-7F2065E40291}"/>
               </a:ext>
             </a:extLst>
           </p:cNvPr>
@@ -11153,7 +11208,7 @@
           <p:cNvPr id="21" name="모서리가 둥근 직사각형 20">
             <a:extLst>
               <a:ext uri="{FF2B5EF4-FFF2-40B4-BE49-F238E27FC236}">
-                <a16:creationId xmlns:a16="http://schemas.microsoft.com/office/drawing/2014/main" id="{0C5A2D63-F6D7-FD4D-9E29-ECC87C45D7A1}"/>
+                <a16:creationId xmlns:a16="http://schemas.microsoft.com/office/drawing/2014/main" xmlns="" id="{0C5A2D63-F6D7-FD4D-9E29-ECC87C45D7A1}"/>
               </a:ext>
             </a:extLst>
           </p:cNvPr>
@@ -11218,7 +11273,7 @@
           <p:cNvPr id="22" name="TextBox 21">
             <a:extLst>
               <a:ext uri="{FF2B5EF4-FFF2-40B4-BE49-F238E27FC236}">
-                <a16:creationId xmlns:a16="http://schemas.microsoft.com/office/drawing/2014/main" id="{42DD3540-0883-984E-97D9-58F862DD8F18}"/>
+                <a16:creationId xmlns:a16="http://schemas.microsoft.com/office/drawing/2014/main" xmlns="" id="{42DD3540-0883-984E-97D9-58F862DD8F18}"/>
               </a:ext>
             </a:extLst>
           </p:cNvPr>
@@ -11249,8 +11304,8 @@
                     <a:lumOff val="35000"/>
                   </a:schemeClr>
                 </a:solidFill>
-                <a:latin typeface="GangwonEduPower ExtraBold" panose="02020603020101020101" pitchFamily="18" charset="-127"/>
-                <a:ea typeface="GangwonEduPower ExtraBold" panose="02020603020101020101" pitchFamily="18" charset="-127"/>
+                <a:latin typeface="강원교육튼튼" panose="02020603020101020101" pitchFamily="18" charset="-127"/>
+                <a:ea typeface="강원교육튼튼" panose="02020603020101020101" pitchFamily="18" charset="-127"/>
               </a:rPr>
               <a:t>Q&amp;A. </a:t>
             </a:r>
@@ -11279,7 +11334,7 @@
           <p:cNvPr id="9" name="직사각형 8">
             <a:extLst>
               <a:ext uri="{FF2B5EF4-FFF2-40B4-BE49-F238E27FC236}">
-                <a16:creationId xmlns:a16="http://schemas.microsoft.com/office/drawing/2014/main" id="{71FC172E-010D-E84F-9E5A-2C65223C3954}"/>
+                <a16:creationId xmlns:a16="http://schemas.microsoft.com/office/drawing/2014/main" xmlns="" id="{71FC172E-010D-E84F-9E5A-2C65223C3954}"/>
               </a:ext>
             </a:extLst>
           </p:cNvPr>
@@ -11336,7 +11391,7 @@
           <p:cNvPr id="2050" name="Picture 2" descr="아이❤차이니즈 수업 Q&amp;A : 네이버 블로그">
             <a:extLst>
               <a:ext uri="{FF2B5EF4-FFF2-40B4-BE49-F238E27FC236}">
-                <a16:creationId xmlns:a16="http://schemas.microsoft.com/office/drawing/2014/main" id="{5D5EB5F1-507B-307F-3323-A26F606F4024}"/>
+                <a16:creationId xmlns:a16="http://schemas.microsoft.com/office/drawing/2014/main" xmlns="" id="{5D5EB5F1-507B-307F-3323-A26F606F4024}"/>
               </a:ext>
             </a:extLst>
           </p:cNvPr>
@@ -11413,7 +11468,7 @@
           <p:cNvPr id="5" name="그림 4">
             <a:extLst>
               <a:ext uri="{FF2B5EF4-FFF2-40B4-BE49-F238E27FC236}">
-                <a16:creationId xmlns:a16="http://schemas.microsoft.com/office/drawing/2014/main" id="{2A96F417-2B68-9D4C-8EAB-265BD5A5C1C1}"/>
+                <a16:creationId xmlns:a16="http://schemas.microsoft.com/office/drawing/2014/main" xmlns="" id="{2A96F417-2B68-9D4C-8EAB-265BD5A5C1C1}"/>
               </a:ext>
             </a:extLst>
           </p:cNvPr>
@@ -11443,7 +11498,7 @@
           <p:cNvPr id="3" name="그림 2">
             <a:extLst>
               <a:ext uri="{FF2B5EF4-FFF2-40B4-BE49-F238E27FC236}">
-                <a16:creationId xmlns:a16="http://schemas.microsoft.com/office/drawing/2014/main" id="{E76E7D40-E3A8-EE45-BD66-0ECB43296233}"/>
+                <a16:creationId xmlns:a16="http://schemas.microsoft.com/office/drawing/2014/main" xmlns="" id="{E76E7D40-E3A8-EE45-BD66-0ECB43296233}"/>
               </a:ext>
             </a:extLst>
           </p:cNvPr>
@@ -11503,7 +11558,7 @@
           <p:cNvPr id="5" name="그림 4">
             <a:extLst>
               <a:ext uri="{FF2B5EF4-FFF2-40B4-BE49-F238E27FC236}">
-                <a16:creationId xmlns:a16="http://schemas.microsoft.com/office/drawing/2014/main" id="{3DF62AEB-8EE3-2447-B14C-007BA80FE99A}"/>
+                <a16:creationId xmlns:a16="http://schemas.microsoft.com/office/drawing/2014/main" xmlns="" id="{3DF62AEB-8EE3-2447-B14C-007BA80FE99A}"/>
               </a:ext>
             </a:extLst>
           </p:cNvPr>
@@ -11533,7 +11588,7 @@
           <p:cNvPr id="6" name="직선 연결선[R] 5">
             <a:extLst>
               <a:ext uri="{FF2B5EF4-FFF2-40B4-BE49-F238E27FC236}">
-                <a16:creationId xmlns:a16="http://schemas.microsoft.com/office/drawing/2014/main" id="{B0895DCE-07B1-F147-892C-279B3F3312C7}"/>
+                <a16:creationId xmlns:a16="http://schemas.microsoft.com/office/drawing/2014/main" xmlns="" id="{B0895DCE-07B1-F147-892C-279B3F3312C7}"/>
               </a:ext>
             </a:extLst>
           </p:cNvPr>
@@ -11574,7 +11629,7 @@
           <p:cNvPr id="7" name="모서리가 둥근 직사각형 6">
             <a:extLst>
               <a:ext uri="{FF2B5EF4-FFF2-40B4-BE49-F238E27FC236}">
-                <a16:creationId xmlns:a16="http://schemas.microsoft.com/office/drawing/2014/main" id="{2201D698-D710-CD43-8BBA-0DB1C607D487}"/>
+                <a16:creationId xmlns:a16="http://schemas.microsoft.com/office/drawing/2014/main" xmlns="" id="{2201D698-D710-CD43-8BBA-0DB1C607D487}"/>
               </a:ext>
             </a:extLst>
           </p:cNvPr>
@@ -11639,7 +11694,7 @@
           <p:cNvPr id="8" name="TextBox 7">
             <a:extLst>
               <a:ext uri="{FF2B5EF4-FFF2-40B4-BE49-F238E27FC236}">
-                <a16:creationId xmlns:a16="http://schemas.microsoft.com/office/drawing/2014/main" id="{6F64B61F-5CF3-E647-A724-8D6695DF2BF1}"/>
+                <a16:creationId xmlns:a16="http://schemas.microsoft.com/office/drawing/2014/main" xmlns="" id="{6F64B61F-5CF3-E647-A724-8D6695DF2BF1}"/>
               </a:ext>
             </a:extLst>
           </p:cNvPr>
@@ -11670,8 +11725,8 @@
                     <a:lumOff val="35000"/>
                   </a:schemeClr>
                 </a:solidFill>
-                <a:latin typeface="GangwonEduPower ExtraBold" panose="02020603020101020101" pitchFamily="18" charset="-127"/>
-                <a:ea typeface="GangwonEduPower ExtraBold" panose="02020603020101020101" pitchFamily="18" charset="-127"/>
+                <a:latin typeface="강원교육튼튼" panose="02020603020101020101" pitchFamily="18" charset="-127"/>
+                <a:ea typeface="강원교육튼튼" panose="02020603020101020101" pitchFamily="18" charset="-127"/>
               </a:rPr>
               <a:t>INDEX.</a:t>
             </a:r>
@@ -11682,8 +11737,8 @@
                   <a:lumOff val="35000"/>
                 </a:schemeClr>
               </a:solidFill>
-              <a:latin typeface="GangwonEduPower ExtraBold" panose="02020603020101020101" pitchFamily="18" charset="-127"/>
-              <a:ea typeface="GangwonEduPower ExtraBold" panose="02020603020101020101" pitchFamily="18" charset="-127"/>
+              <a:latin typeface="강원교육튼튼" panose="02020603020101020101" pitchFamily="18" charset="-127"/>
+              <a:ea typeface="강원교육튼튼" panose="02020603020101020101" pitchFamily="18" charset="-127"/>
             </a:endParaRPr>
           </a:p>
         </p:txBody>
@@ -11693,7 +11748,7 @@
           <p:cNvPr id="10" name="모서리가 둥근 직사각형 9">
             <a:extLst>
               <a:ext uri="{FF2B5EF4-FFF2-40B4-BE49-F238E27FC236}">
-                <a16:creationId xmlns:a16="http://schemas.microsoft.com/office/drawing/2014/main" id="{B1EBA52D-BB46-F64C-9A00-77BD541CFAD9}"/>
+                <a16:creationId xmlns:a16="http://schemas.microsoft.com/office/drawing/2014/main" xmlns="" id="{B1EBA52D-BB46-F64C-9A00-77BD541CFAD9}"/>
               </a:ext>
             </a:extLst>
           </p:cNvPr>
@@ -11752,7 +11807,7 @@
           <p:cNvPr id="9" name="직사각형 8">
             <a:extLst>
               <a:ext uri="{FF2B5EF4-FFF2-40B4-BE49-F238E27FC236}">
-                <a16:creationId xmlns:a16="http://schemas.microsoft.com/office/drawing/2014/main" id="{71FC172E-010D-E84F-9E5A-2C65223C3954}"/>
+                <a16:creationId xmlns:a16="http://schemas.microsoft.com/office/drawing/2014/main" xmlns="" id="{71FC172E-010D-E84F-9E5A-2C65223C3954}"/>
               </a:ext>
             </a:extLst>
           </p:cNvPr>
@@ -11809,7 +11864,7 @@
           <p:cNvPr id="11" name="직사각형 10">
             <a:extLst>
               <a:ext uri="{FF2B5EF4-FFF2-40B4-BE49-F238E27FC236}">
-                <a16:creationId xmlns:a16="http://schemas.microsoft.com/office/drawing/2014/main" id="{F2D53CA5-7BF7-9F4E-9FE7-7F2065E40291}"/>
+                <a16:creationId xmlns:a16="http://schemas.microsoft.com/office/drawing/2014/main" xmlns="" id="{F2D53CA5-7BF7-9F4E-9FE7-7F2065E40291}"/>
               </a:ext>
             </a:extLst>
           </p:cNvPr>
@@ -11861,7 +11916,7 @@
           <p:cNvPr id="12" name="TextBox 11">
             <a:extLst>
               <a:ext uri="{FF2B5EF4-FFF2-40B4-BE49-F238E27FC236}">
-                <a16:creationId xmlns:a16="http://schemas.microsoft.com/office/drawing/2014/main" id="{EF4E56DA-59BF-AC4A-A8BE-A86191BE6269}"/>
+                <a16:creationId xmlns:a16="http://schemas.microsoft.com/office/drawing/2014/main" xmlns="" id="{EF4E56DA-59BF-AC4A-A8BE-A86191BE6269}"/>
               </a:ext>
             </a:extLst>
           </p:cNvPr>
@@ -11884,6 +11939,32 @@
           </a:bodyPr>
           <a:lstStyle/>
           <a:p>
+            <a:r>
+              <a:rPr kumimoji="1" lang="en-US" altLang="ko-KR" sz="2400" b="1" dirty="0">
+                <a:solidFill>
+                  <a:schemeClr val="tx1">
+                    <a:lumMod val="50000"/>
+                    <a:lumOff val="50000"/>
+                  </a:schemeClr>
+                </a:solidFill>
+                <a:latin typeface="강원교육튼튼" panose="02020603020101020101" pitchFamily="18" charset="-127"/>
+                <a:ea typeface="강원교육튼튼" panose="02020603020101020101" pitchFamily="18" charset="-127"/>
+              </a:rPr>
+              <a:t>INTRO.</a:t>
+            </a:r>
+            <a:r>
+              <a:rPr kumimoji="1" lang="ko-KR" altLang="en-US" sz="2400" b="1" dirty="0">
+                <a:solidFill>
+                  <a:schemeClr val="tx1">
+                    <a:lumMod val="50000"/>
+                    <a:lumOff val="50000"/>
+                  </a:schemeClr>
+                </a:solidFill>
+                <a:latin typeface="GangwonEduPower ExtraBold" panose="02020603020101020101" pitchFamily="18" charset="-127"/>
+                <a:ea typeface="GangwonEduPower ExtraBold" panose="02020603020101020101" pitchFamily="18" charset="-127"/>
+              </a:rPr>
+              <a:t> </a:t>
+            </a:r>
             <a:r>
               <a:rPr kumimoji="1" lang="en-US" altLang="ko-KR" sz="2400" b="1" dirty="0">
                 <a:solidFill>
@@ -11895,81 +11976,68 @@
                 <a:latin typeface="GangwonEduPower ExtraBold" panose="02020603020101020101" pitchFamily="18" charset="-127"/>
                 <a:ea typeface="GangwonEduPower ExtraBold" panose="02020603020101020101" pitchFamily="18" charset="-127"/>
               </a:rPr>
-              <a:t>INTRO.</a:t>
-            </a:r>
-            <a:r>
-              <a:rPr kumimoji="1" lang="ko-KR" altLang="en-US" sz="2400" b="1" dirty="0">
+              <a:t>	</a:t>
+            </a:r>
+            <a:r>
+              <a:rPr kumimoji="1" lang="ko-KR" altLang="en-US" sz="1600" dirty="0">
+                <a:latin typeface="IBM Plex Sans KR Thin" panose="020B0203050203000203" pitchFamily="34" charset="-127"/>
+                <a:ea typeface="IBM Plex Sans KR Thin" panose="020B0203050203000203" pitchFamily="34" charset="-127"/>
+              </a:rPr>
+              <a:t>팀원 소개 </a:t>
+            </a:r>
+            <a:r>
+              <a:rPr kumimoji="1" lang="en-US" altLang="ko-KR" sz="1600" dirty="0">
+                <a:latin typeface="IBM Plex Sans KR Thin" panose="020B0203050203000203" pitchFamily="34" charset="-127"/>
+                <a:ea typeface="IBM Plex Sans KR Thin" panose="020B0203050203000203" pitchFamily="34" charset="-127"/>
+              </a:rPr>
+              <a:t>&amp;</a:t>
+            </a:r>
+            <a:r>
+              <a:rPr kumimoji="1" lang="ko-KR" altLang="en-US" sz="1600" dirty="0">
+                <a:latin typeface="IBM Plex Sans KR Thin" panose="020B0203050203000203" pitchFamily="34" charset="-127"/>
+                <a:ea typeface="IBM Plex Sans KR Thin" panose="020B0203050203000203" pitchFamily="34" charset="-127"/>
+              </a:rPr>
+              <a:t> 역할 분담</a:t>
+            </a:r>
+            <a:r>
+              <a:rPr kumimoji="1" lang="en-US" altLang="ko-KR" sz="1600" dirty="0">
+                <a:latin typeface="IBM Plex Sans KR Thin" panose="020B0203050203000203" pitchFamily="34" charset="-127"/>
+                <a:ea typeface="IBM Plex Sans KR Thin" panose="020B0203050203000203" pitchFamily="34" charset="-127"/>
+              </a:rPr>
+              <a:t>,</a:t>
+            </a:r>
+            <a:r>
+              <a:rPr kumimoji="1" lang="ko-KR" altLang="en-US" sz="1600" dirty="0">
+                <a:latin typeface="IBM Plex Sans KR Thin" panose="020B0203050203000203" pitchFamily="34" charset="-127"/>
+                <a:ea typeface="IBM Plex Sans KR Thin" panose="020B0203050203000203" pitchFamily="34" charset="-127"/>
+              </a:rPr>
+              <a:t> 사이트 개요 및 주제 선정의 이유</a:t>
+            </a:r>
+            <a:endParaRPr kumimoji="1" lang="en-US" altLang="ko-KR" sz="2400" dirty="0">
+              <a:latin typeface="IBM Plex Sans KR Thin" panose="020B0203050203000203" pitchFamily="34" charset="-127"/>
+              <a:ea typeface="IBM Plex Sans KR Thin" panose="020B0203050203000203" pitchFamily="34" charset="-127"/>
+            </a:endParaRPr>
+          </a:p>
+          <a:p>
+            <a:endParaRPr kumimoji="1" lang="en-US" altLang="ko-KR" sz="1000" dirty="0">
+              <a:latin typeface="Apple SD Gothic Neo Medium" panose="02000300000000000000" pitchFamily="2" charset="-127"/>
+              <a:ea typeface="Apple SD Gothic Neo Medium" panose="02000300000000000000" pitchFamily="2" charset="-127"/>
+            </a:endParaRPr>
+          </a:p>
+          <a:p>
+            <a:r>
+              <a:rPr kumimoji="1" lang="en-US" altLang="ko-KR" sz="2400" dirty="0">
                 <a:solidFill>
                   <a:schemeClr val="tx1">
                     <a:lumMod val="50000"/>
                     <a:lumOff val="50000"/>
                   </a:schemeClr>
                 </a:solidFill>
-                <a:latin typeface="GangwonEduPower ExtraBold" panose="02020603020101020101" pitchFamily="18" charset="-127"/>
-                <a:ea typeface="GangwonEduPower ExtraBold" panose="02020603020101020101" pitchFamily="18" charset="-127"/>
-              </a:rPr>
-              <a:t> </a:t>
-            </a:r>
-            <a:r>
-              <a:rPr kumimoji="1" lang="en-US" altLang="ko-KR" sz="2400" b="1" dirty="0">
-                <a:solidFill>
-                  <a:schemeClr val="tx1">
-                    <a:lumMod val="50000"/>
-                    <a:lumOff val="50000"/>
-                  </a:schemeClr>
-                </a:solidFill>
-                <a:latin typeface="GangwonEduPower ExtraBold" panose="02020603020101020101" pitchFamily="18" charset="-127"/>
-                <a:ea typeface="GangwonEduPower ExtraBold" panose="02020603020101020101" pitchFamily="18" charset="-127"/>
-              </a:rPr>
-              <a:t>	</a:t>
-            </a:r>
-            <a:r>
-              <a:rPr kumimoji="1" lang="ko-KR" altLang="en-US" sz="1600" dirty="0">
-                <a:latin typeface="IBM Plex Sans KR Thin" panose="020B0203050203000203" pitchFamily="34" charset="-127"/>
-                <a:ea typeface="IBM Plex Sans KR Thin" panose="020B0203050203000203" pitchFamily="34" charset="-127"/>
-              </a:rPr>
-              <a:t>팀원 소개 </a:t>
-            </a:r>
-            <a:r>
-              <a:rPr kumimoji="1" lang="en-US" altLang="ko-KR" sz="1600" dirty="0">
-                <a:latin typeface="IBM Plex Sans KR Thin" panose="020B0203050203000203" pitchFamily="34" charset="-127"/>
-                <a:ea typeface="IBM Plex Sans KR Thin" panose="020B0203050203000203" pitchFamily="34" charset="-127"/>
-              </a:rPr>
-              <a:t>&amp;</a:t>
-            </a:r>
-            <a:r>
-              <a:rPr kumimoji="1" lang="ko-KR" altLang="en-US" sz="1600" dirty="0">
-                <a:latin typeface="IBM Plex Sans KR Thin" panose="020B0203050203000203" pitchFamily="34" charset="-127"/>
-                <a:ea typeface="IBM Plex Sans KR Thin" panose="020B0203050203000203" pitchFamily="34" charset="-127"/>
-              </a:rPr>
-              <a:t> 역할 분담</a:t>
-            </a:r>
-            <a:r>
-              <a:rPr kumimoji="1" lang="en-US" altLang="ko-KR" sz="1600" dirty="0">
-                <a:latin typeface="IBM Plex Sans KR Thin" panose="020B0203050203000203" pitchFamily="34" charset="-127"/>
-                <a:ea typeface="IBM Plex Sans KR Thin" panose="020B0203050203000203" pitchFamily="34" charset="-127"/>
-              </a:rPr>
-              <a:t>,</a:t>
-            </a:r>
-            <a:r>
-              <a:rPr kumimoji="1" lang="ko-KR" altLang="en-US" sz="1600" dirty="0">
-                <a:latin typeface="IBM Plex Sans KR Thin" panose="020B0203050203000203" pitchFamily="34" charset="-127"/>
-                <a:ea typeface="IBM Plex Sans KR Thin" panose="020B0203050203000203" pitchFamily="34" charset="-127"/>
-              </a:rPr>
-              <a:t> 사이트 개요 및 주제 선정의 이유</a:t>
-            </a:r>
-            <a:endParaRPr kumimoji="1" lang="en-US" altLang="ko-KR" sz="2400" dirty="0">
-              <a:latin typeface="IBM Plex Sans KR Thin" panose="020B0203050203000203" pitchFamily="34" charset="-127"/>
-              <a:ea typeface="IBM Plex Sans KR Thin" panose="020B0203050203000203" pitchFamily="34" charset="-127"/>
-            </a:endParaRPr>
-          </a:p>
-          <a:p>
-            <a:endParaRPr kumimoji="1" lang="en-US" altLang="ko-KR" sz="1000" dirty="0">
-              <a:latin typeface="Apple SD Gothic Neo Medium" panose="02000300000000000000" pitchFamily="2" charset="-127"/>
-              <a:ea typeface="Apple SD Gothic Neo Medium" panose="02000300000000000000" pitchFamily="2" charset="-127"/>
-            </a:endParaRPr>
-          </a:p>
-          <a:p>
+                <a:latin typeface="강원교육튼튼" panose="02020603020101020101" pitchFamily="18" charset="-127"/>
+                <a:ea typeface="강원교육튼튼" panose="02020603020101020101" pitchFamily="18" charset="-127"/>
+              </a:rPr>
+              <a:t>SKILLS.</a:t>
+            </a:r>
             <a:r>
               <a:rPr kumimoji="1" lang="en-US" altLang="ko-KR" sz="2400" dirty="0">
                 <a:solidFill>
@@ -11981,7 +12049,7 @@
                 <a:latin typeface="GangwonEduPower ExtraBold" panose="02020603020101020101" pitchFamily="18" charset="-127"/>
                 <a:ea typeface="GangwonEduPower ExtraBold" panose="02020603020101020101" pitchFamily="18" charset="-127"/>
               </a:rPr>
-              <a:t>SKILLS. 	</a:t>
+              <a:t> 	</a:t>
             </a:r>
             <a:r>
               <a:rPr kumimoji="1" lang="ko-KR" altLang="en-US" sz="1600" dirty="0">
@@ -12047,6 +12115,65 @@
             </a:endParaRPr>
           </a:p>
           <a:p>
+            <a:r>
+              <a:rPr kumimoji="1" lang="en-US" altLang="ko-KR" sz="2400" dirty="0">
+                <a:solidFill>
+                  <a:schemeClr val="tx1">
+                    <a:lumMod val="50000"/>
+                    <a:lumOff val="50000"/>
+                  </a:schemeClr>
+                </a:solidFill>
+                <a:latin typeface="강원교육튼튼" panose="02020603020101020101" pitchFamily="18" charset="-127"/>
+                <a:ea typeface="강원교육튼튼" panose="02020603020101020101" pitchFamily="18" charset="-127"/>
+              </a:rPr>
+              <a:t>ARCHET.</a:t>
+            </a:r>
+            <a:r>
+              <a:rPr kumimoji="1" lang="ko-KR" altLang="en-US" sz="2400" b="1" dirty="0">
+                <a:latin typeface="강원교육튼튼" panose="02020603020101020101" pitchFamily="18" charset="-127"/>
+                <a:ea typeface="강원교육튼튼" panose="02020603020101020101" pitchFamily="18" charset="-127"/>
+              </a:rPr>
+              <a:t> </a:t>
+            </a:r>
+            <a:r>
+              <a:rPr kumimoji="1" lang="en-US" altLang="ko-KR" sz="2400" b="1" dirty="0">
+                <a:latin typeface="Apple SD Gothic Neo Thin" panose="02000300000000000000" pitchFamily="2" charset="-127"/>
+                <a:ea typeface="Apple SD Gothic Neo Thin" panose="02000300000000000000" pitchFamily="2" charset="-127"/>
+              </a:rPr>
+              <a:t>	</a:t>
+            </a:r>
+            <a:r>
+              <a:rPr kumimoji="1" lang="ko-KR" altLang="en-US" sz="1600" dirty="0">
+                <a:latin typeface="IBM Plex Sans KR Thin" panose="020B0203050203000203" pitchFamily="34" charset="-127"/>
+                <a:ea typeface="IBM Plex Sans KR Thin" panose="020B0203050203000203" pitchFamily="34" charset="-127"/>
+              </a:rPr>
+              <a:t>테이블 설계 및 구현 기능</a:t>
+            </a:r>
+            <a:endParaRPr kumimoji="1" lang="en-US" altLang="ko-KR" sz="1600" dirty="0">
+              <a:latin typeface="IBM Plex Sans KR Thin" panose="020B0203050203000203" pitchFamily="34" charset="-127"/>
+              <a:ea typeface="IBM Plex Sans KR Thin" panose="020B0203050203000203" pitchFamily="34" charset="-127"/>
+            </a:endParaRPr>
+          </a:p>
+          <a:p>
+            <a:endParaRPr kumimoji="1" lang="en-US" altLang="ko-KR" sz="900" dirty="0">
+              <a:latin typeface="Apple SD Gothic Neo Medium" panose="02000300000000000000" pitchFamily="2" charset="-127"/>
+              <a:ea typeface="Apple SD Gothic Neo Medium" panose="02000300000000000000" pitchFamily="2" charset="-127"/>
+            </a:endParaRPr>
+          </a:p>
+          <a:p>
+            <a:r>
+              <a:rPr kumimoji="1" lang="en-US" altLang="ko-KR" sz="2400" dirty="0">
+                <a:solidFill>
+                  <a:schemeClr val="tx1">
+                    <a:lumMod val="50000"/>
+                    <a:lumOff val="50000"/>
+                  </a:schemeClr>
+                </a:solidFill>
+                <a:latin typeface="강원교육튼튼" panose="02020603020101020101" pitchFamily="18" charset="-127"/>
+                <a:ea typeface="강원교육튼튼" panose="02020603020101020101" pitchFamily="18" charset="-127"/>
+              </a:rPr>
+              <a:t>DEMO.</a:t>
+            </a:r>
             <a:r>
               <a:rPr kumimoji="1" lang="en-US" altLang="ko-KR" sz="2400" dirty="0">
                 <a:solidFill>
@@ -12058,53 +12185,7 @@
                 <a:latin typeface="GangwonEduPower ExtraBold" panose="02020603020101020101" pitchFamily="18" charset="-127"/>
                 <a:ea typeface="GangwonEduPower ExtraBold" panose="02020603020101020101" pitchFamily="18" charset="-127"/>
               </a:rPr>
-              <a:t>ARCHET.</a:t>
-            </a:r>
-            <a:r>
-              <a:rPr kumimoji="1" lang="ko-KR" altLang="en-US" sz="2400" b="1" dirty="0">
-                <a:latin typeface="Apple SD Gothic Neo Thin" panose="02000300000000000000" pitchFamily="2" charset="-127"/>
-                <a:ea typeface="Apple SD Gothic Neo Thin" panose="02000300000000000000" pitchFamily="2" charset="-127"/>
-              </a:rPr>
-              <a:t> </a:t>
-            </a:r>
-            <a:r>
-              <a:rPr kumimoji="1" lang="en-US" altLang="ko-KR" sz="2400" b="1" dirty="0">
-                <a:latin typeface="Apple SD Gothic Neo Thin" panose="02000300000000000000" pitchFamily="2" charset="-127"/>
-                <a:ea typeface="Apple SD Gothic Neo Thin" panose="02000300000000000000" pitchFamily="2" charset="-127"/>
-              </a:rPr>
-              <a:t>	</a:t>
-            </a:r>
-            <a:r>
-              <a:rPr kumimoji="1" lang="ko-KR" altLang="en-US" sz="1600" dirty="0">
-                <a:latin typeface="IBM Plex Sans KR Thin" panose="020B0203050203000203" pitchFamily="34" charset="-127"/>
-                <a:ea typeface="IBM Plex Sans KR Thin" panose="020B0203050203000203" pitchFamily="34" charset="-127"/>
-              </a:rPr>
-              <a:t>테이블 설계 및 구현 기능</a:t>
-            </a:r>
-            <a:endParaRPr kumimoji="1" lang="en-US" altLang="ko-KR" sz="1600" dirty="0">
-              <a:latin typeface="IBM Plex Sans KR Thin" panose="020B0203050203000203" pitchFamily="34" charset="-127"/>
-              <a:ea typeface="IBM Plex Sans KR Thin" panose="020B0203050203000203" pitchFamily="34" charset="-127"/>
-            </a:endParaRPr>
-          </a:p>
-          <a:p>
-            <a:endParaRPr kumimoji="1" lang="en-US" altLang="ko-KR" sz="900" dirty="0">
-              <a:latin typeface="Apple SD Gothic Neo Medium" panose="02000300000000000000" pitchFamily="2" charset="-127"/>
-              <a:ea typeface="Apple SD Gothic Neo Medium" panose="02000300000000000000" pitchFamily="2" charset="-127"/>
-            </a:endParaRPr>
-          </a:p>
-          <a:p>
-            <a:r>
-              <a:rPr kumimoji="1" lang="en-US" altLang="ko-KR" sz="2400" dirty="0">
-                <a:solidFill>
-                  <a:schemeClr val="tx1">
-                    <a:lumMod val="50000"/>
-                    <a:lumOff val="50000"/>
-                  </a:schemeClr>
-                </a:solidFill>
-                <a:latin typeface="GangwonEduPower ExtraBold" panose="02020603020101020101" pitchFamily="18" charset="-127"/>
-                <a:ea typeface="GangwonEduPower ExtraBold" panose="02020603020101020101" pitchFamily="18" charset="-127"/>
-              </a:rPr>
-              <a:t>DEMO. 	</a:t>
+              <a:t> 	</a:t>
             </a:r>
             <a:r>
               <a:rPr kumimoji="1" lang="ko-KR" altLang="en-US" sz="1600" dirty="0">
@@ -12139,10 +12220,23 @@
                     <a:lumOff val="50000"/>
                   </a:schemeClr>
                 </a:solidFill>
+                <a:latin typeface="강원교육튼튼" panose="02020603020101020101" pitchFamily="18" charset="-127"/>
+                <a:ea typeface="강원교육튼튼" panose="02020603020101020101" pitchFamily="18" charset="-127"/>
+              </a:rPr>
+              <a:t>GIT.</a:t>
+            </a:r>
+            <a:r>
+              <a:rPr kumimoji="1" lang="en-US" altLang="ko-KR" sz="2400" dirty="0">
+                <a:solidFill>
+                  <a:schemeClr val="tx1">
+                    <a:lumMod val="50000"/>
+                    <a:lumOff val="50000"/>
+                  </a:schemeClr>
+                </a:solidFill>
                 <a:latin typeface="GangwonEduPower ExtraBold" panose="02020603020101020101" pitchFamily="18" charset="-127"/>
                 <a:ea typeface="GangwonEduPower ExtraBold" panose="02020603020101020101" pitchFamily="18" charset="-127"/>
               </a:rPr>
-              <a:t>GIT. 		</a:t>
+              <a:t> 		</a:t>
             </a:r>
             <a:r>
               <a:rPr kumimoji="1" lang="ko-KR" altLang="en-US" sz="1600" dirty="0" err="1">
@@ -12190,10 +12284,23 @@
                     <a:lumOff val="50000"/>
                   </a:schemeClr>
                 </a:solidFill>
+                <a:latin typeface="강원교육튼튼" panose="02020603020101020101" pitchFamily="18" charset="-127"/>
+                <a:ea typeface="강원교육튼튼" panose="02020603020101020101" pitchFamily="18" charset="-127"/>
+              </a:rPr>
+              <a:t>Q&amp;A.</a:t>
+            </a:r>
+            <a:r>
+              <a:rPr kumimoji="1" lang="en-US" altLang="ko-KR" sz="2400" dirty="0">
+                <a:solidFill>
+                  <a:schemeClr val="tx1">
+                    <a:lumMod val="50000"/>
+                    <a:lumOff val="50000"/>
+                  </a:schemeClr>
+                </a:solidFill>
                 <a:latin typeface="GangwonEduPower ExtraBold" panose="02020603020101020101" pitchFamily="18" charset="-127"/>
                 <a:ea typeface="GangwonEduPower ExtraBold" panose="02020603020101020101" pitchFamily="18" charset="-127"/>
               </a:rPr>
-              <a:t>Q&amp;A.		</a:t>
+              <a:t>		</a:t>
             </a:r>
             <a:r>
               <a:rPr kumimoji="1" lang="ko-KR" altLang="en-US" sz="1600" dirty="0">
@@ -12214,7 +12321,7 @@
           <p:cNvPr id="13" name="모서리가 둥근 직사각형 12">
             <a:extLst>
               <a:ext uri="{FF2B5EF4-FFF2-40B4-BE49-F238E27FC236}">
-                <a16:creationId xmlns:a16="http://schemas.microsoft.com/office/drawing/2014/main" id="{BCEBA934-C429-F646-B7CD-8E331738E6B7}"/>
+                <a16:creationId xmlns:a16="http://schemas.microsoft.com/office/drawing/2014/main" xmlns="" id="{BCEBA934-C429-F646-B7CD-8E331738E6B7}"/>
               </a:ext>
             </a:extLst>
           </p:cNvPr>
@@ -12270,7 +12377,7 @@
           <p:cNvPr id="14" name="타원 13">
             <a:extLst>
               <a:ext uri="{FF2B5EF4-FFF2-40B4-BE49-F238E27FC236}">
-                <a16:creationId xmlns:a16="http://schemas.microsoft.com/office/drawing/2014/main" id="{C1A1A7A8-EBAF-4C4A-9159-8F07D46711A3}"/>
+                <a16:creationId xmlns:a16="http://schemas.microsoft.com/office/drawing/2014/main" xmlns="" id="{C1A1A7A8-EBAF-4C4A-9159-8F07D46711A3}"/>
               </a:ext>
             </a:extLst>
           </p:cNvPr>
@@ -12329,7 +12436,7 @@
           <p:cNvPr id="16" name="타원 15">
             <a:extLst>
               <a:ext uri="{FF2B5EF4-FFF2-40B4-BE49-F238E27FC236}">
-                <a16:creationId xmlns:a16="http://schemas.microsoft.com/office/drawing/2014/main" id="{37C113B8-06CB-4543-B14D-5BF1EA94FC25}"/>
+                <a16:creationId xmlns:a16="http://schemas.microsoft.com/office/drawing/2014/main" xmlns="" id="{37C113B8-06CB-4543-B14D-5BF1EA94FC25}"/>
               </a:ext>
             </a:extLst>
           </p:cNvPr>
@@ -12388,7 +12495,7 @@
           <p:cNvPr id="17" name="타원 16">
             <a:extLst>
               <a:ext uri="{FF2B5EF4-FFF2-40B4-BE49-F238E27FC236}">
-                <a16:creationId xmlns:a16="http://schemas.microsoft.com/office/drawing/2014/main" id="{DCE98921-4CC5-4649-8262-653E12B90A44}"/>
+                <a16:creationId xmlns:a16="http://schemas.microsoft.com/office/drawing/2014/main" xmlns="" id="{DCE98921-4CC5-4649-8262-653E12B90A44}"/>
               </a:ext>
             </a:extLst>
           </p:cNvPr>
@@ -12447,7 +12554,7 @@
           <p:cNvPr id="18" name="타원 17">
             <a:extLst>
               <a:ext uri="{FF2B5EF4-FFF2-40B4-BE49-F238E27FC236}">
-                <a16:creationId xmlns:a16="http://schemas.microsoft.com/office/drawing/2014/main" id="{7A4C5A3C-9D5D-F54A-9AD7-88F39B9B4C9D}"/>
+                <a16:creationId xmlns:a16="http://schemas.microsoft.com/office/drawing/2014/main" xmlns="" id="{7A4C5A3C-9D5D-F54A-9AD7-88F39B9B4C9D}"/>
               </a:ext>
             </a:extLst>
           </p:cNvPr>
@@ -12506,7 +12613,7 @@
           <p:cNvPr id="19" name="타원 18">
             <a:extLst>
               <a:ext uri="{FF2B5EF4-FFF2-40B4-BE49-F238E27FC236}">
-                <a16:creationId xmlns:a16="http://schemas.microsoft.com/office/drawing/2014/main" id="{A19DC86A-4A8F-AA41-A6CB-685D7A3ECB52}"/>
+                <a16:creationId xmlns:a16="http://schemas.microsoft.com/office/drawing/2014/main" xmlns="" id="{A19DC86A-4A8F-AA41-A6CB-685D7A3ECB52}"/>
               </a:ext>
             </a:extLst>
           </p:cNvPr>
@@ -12565,7 +12672,7 @@
           <p:cNvPr id="20" name="타원 19">
             <a:extLst>
               <a:ext uri="{FF2B5EF4-FFF2-40B4-BE49-F238E27FC236}">
-                <a16:creationId xmlns:a16="http://schemas.microsoft.com/office/drawing/2014/main" id="{AB931130-F88B-2840-8CAD-35BDE23B2AF1}"/>
+                <a16:creationId xmlns:a16="http://schemas.microsoft.com/office/drawing/2014/main" xmlns="" id="{AB931130-F88B-2840-8CAD-35BDE23B2AF1}"/>
               </a:ext>
             </a:extLst>
           </p:cNvPr>
@@ -12654,7 +12761,7 @@
           <p:cNvPr id="5" name="그림 4">
             <a:extLst>
               <a:ext uri="{FF2B5EF4-FFF2-40B4-BE49-F238E27FC236}">
-                <a16:creationId xmlns:a16="http://schemas.microsoft.com/office/drawing/2014/main" id="{3DF62AEB-8EE3-2447-B14C-007BA80FE99A}"/>
+                <a16:creationId xmlns:a16="http://schemas.microsoft.com/office/drawing/2014/main" xmlns="" id="{3DF62AEB-8EE3-2447-B14C-007BA80FE99A}"/>
               </a:ext>
             </a:extLst>
           </p:cNvPr>
@@ -12684,7 +12791,7 @@
           <p:cNvPr id="6" name="직선 연결선[R] 5">
             <a:extLst>
               <a:ext uri="{FF2B5EF4-FFF2-40B4-BE49-F238E27FC236}">
-                <a16:creationId xmlns:a16="http://schemas.microsoft.com/office/drawing/2014/main" id="{B0895DCE-07B1-F147-892C-279B3F3312C7}"/>
+                <a16:creationId xmlns:a16="http://schemas.microsoft.com/office/drawing/2014/main" xmlns="" id="{B0895DCE-07B1-F147-892C-279B3F3312C7}"/>
               </a:ext>
             </a:extLst>
           </p:cNvPr>
@@ -12725,7 +12832,7 @@
           <p:cNvPr id="7" name="모서리가 둥근 직사각형 6">
             <a:extLst>
               <a:ext uri="{FF2B5EF4-FFF2-40B4-BE49-F238E27FC236}">
-                <a16:creationId xmlns:a16="http://schemas.microsoft.com/office/drawing/2014/main" id="{2201D698-D710-CD43-8BBA-0DB1C607D487}"/>
+                <a16:creationId xmlns:a16="http://schemas.microsoft.com/office/drawing/2014/main" xmlns="" id="{2201D698-D710-CD43-8BBA-0DB1C607D487}"/>
               </a:ext>
             </a:extLst>
           </p:cNvPr>
@@ -12790,7 +12897,7 @@
           <p:cNvPr id="8" name="TextBox 7">
             <a:extLst>
               <a:ext uri="{FF2B5EF4-FFF2-40B4-BE49-F238E27FC236}">
-                <a16:creationId xmlns:a16="http://schemas.microsoft.com/office/drawing/2014/main" id="{6F64B61F-5CF3-E647-A724-8D6695DF2BF1}"/>
+                <a16:creationId xmlns:a16="http://schemas.microsoft.com/office/drawing/2014/main" xmlns="" id="{6F64B61F-5CF3-E647-A724-8D6695DF2BF1}"/>
               </a:ext>
             </a:extLst>
           </p:cNvPr>
@@ -12821,8 +12928,8 @@
                     <a:lumOff val="35000"/>
                   </a:schemeClr>
                 </a:solidFill>
-                <a:latin typeface="GangwonEduPower ExtraBold" panose="02020603020101020101" pitchFamily="18" charset="-127"/>
-                <a:ea typeface="GangwonEduPower ExtraBold" panose="02020603020101020101" pitchFamily="18" charset="-127"/>
+                <a:latin typeface="강원교육튼튼" panose="02020603020101020101" pitchFamily="18" charset="-127"/>
+                <a:ea typeface="강원교육튼튼" panose="02020603020101020101" pitchFamily="18" charset="-127"/>
               </a:rPr>
               <a:t>INTRO. </a:t>
             </a:r>
@@ -12865,7 +12972,7 @@
           <p:cNvPr id="9" name="직사각형 8">
             <a:extLst>
               <a:ext uri="{FF2B5EF4-FFF2-40B4-BE49-F238E27FC236}">
-                <a16:creationId xmlns:a16="http://schemas.microsoft.com/office/drawing/2014/main" id="{71FC172E-010D-E84F-9E5A-2C65223C3954}"/>
+                <a16:creationId xmlns:a16="http://schemas.microsoft.com/office/drawing/2014/main" xmlns="" id="{71FC172E-010D-E84F-9E5A-2C65223C3954}"/>
               </a:ext>
             </a:extLst>
           </p:cNvPr>
@@ -12922,7 +13029,7 @@
           <p:cNvPr id="11" name="직사각형 10">
             <a:extLst>
               <a:ext uri="{FF2B5EF4-FFF2-40B4-BE49-F238E27FC236}">
-                <a16:creationId xmlns:a16="http://schemas.microsoft.com/office/drawing/2014/main" id="{F2D53CA5-7BF7-9F4E-9FE7-7F2065E40291}"/>
+                <a16:creationId xmlns:a16="http://schemas.microsoft.com/office/drawing/2014/main" xmlns="" id="{F2D53CA5-7BF7-9F4E-9FE7-7F2065E40291}"/>
               </a:ext>
             </a:extLst>
           </p:cNvPr>
@@ -12974,7 +13081,7 @@
           <p:cNvPr id="10" name="TextBox 14">
             <a:extLst>
               <a:ext uri="{FF2B5EF4-FFF2-40B4-BE49-F238E27FC236}">
-                <a16:creationId xmlns:a16="http://schemas.microsoft.com/office/drawing/2014/main" id="{2A2BBF2F-3DB6-9541-9885-12C10FBA0E2A}"/>
+                <a16:creationId xmlns:a16="http://schemas.microsoft.com/office/drawing/2014/main" xmlns="" id="{2A2BBF2F-3DB6-9541-9885-12C10FBA0E2A}"/>
               </a:ext>
             </a:extLst>
           </p:cNvPr>
@@ -13063,8 +13170,8 @@
                 <a:solidFill>
                   <a:srgbClr val="000000"/>
                 </a:solidFill>
-                <a:latin typeface="GangwonEduPower ExtraBold" panose="02020603020101020101" pitchFamily="18" charset="-127"/>
-                <a:ea typeface="GangwonEduPower ExtraBold" panose="02020603020101020101" pitchFamily="18" charset="-127"/>
+                <a:latin typeface="강원교육튼튼" panose="02020603020101020101" pitchFamily="18" charset="-127"/>
+                <a:ea typeface="강원교육튼튼" panose="02020603020101020101" pitchFamily="18" charset="-127"/>
                 <a:cs typeface="Arial" pitchFamily="2"/>
               </a:rPr>
               <a:t>전준하</a:t>
@@ -13077,8 +13184,8 @@
                 <a:solidFill>
                   <a:srgbClr val="000000"/>
                 </a:solidFill>
-                <a:latin typeface="GangwonEduPower ExtraBold" panose="02020603020101020101" pitchFamily="18" charset="-127"/>
-                <a:ea typeface="GangwonEduPower ExtraBold" panose="02020603020101020101" pitchFamily="18" charset="-127"/>
+                <a:latin typeface="강원교육튼튼" panose="02020603020101020101" pitchFamily="18" charset="-127"/>
+                <a:ea typeface="강원교육튼튼" panose="02020603020101020101" pitchFamily="18" charset="-127"/>
                 <a:cs typeface="Arial" pitchFamily="2"/>
               </a:rPr>
               <a:t> </a:t>
@@ -13091,7 +13198,7 @@
           <p:cNvPr id="12" name="TextBox 17">
             <a:extLst>
               <a:ext uri="{FF2B5EF4-FFF2-40B4-BE49-F238E27FC236}">
-                <a16:creationId xmlns:a16="http://schemas.microsoft.com/office/drawing/2014/main" id="{85E3DA9C-13FE-0542-855B-A8555C2DB9A6}"/>
+                <a16:creationId xmlns:a16="http://schemas.microsoft.com/office/drawing/2014/main" xmlns="" id="{85E3DA9C-13FE-0542-855B-A8555C2DB9A6}"/>
               </a:ext>
             </a:extLst>
           </p:cNvPr>
@@ -13173,29 +13280,29 @@
               <a:defRPr sz="1800"/>
             </a:pPr>
             <a:r>
-              <a:rPr lang="ko-KR" sz="2400" b="1" i="0" u="none" strike="noStrike" kern="1200" spc="0">
+              <a:rPr lang="ko-KR" sz="2400" b="1" i="0" u="none" strike="noStrike" kern="1200" spc="0" dirty="0">
                 <a:ln>
                   <a:noFill/>
                 </a:ln>
                 <a:solidFill>
                   <a:srgbClr val="000000"/>
                 </a:solidFill>
-                <a:latin typeface="GangwonEduPower ExtraBold" panose="02020603020101020101" pitchFamily="18" charset="-127"/>
-                <a:ea typeface="GangwonEduPower ExtraBold" panose="02020603020101020101" pitchFamily="18" charset="-127"/>
+                <a:latin typeface="강원교육튼튼" panose="02020603020101020101" pitchFamily="18" charset="-127"/>
+                <a:ea typeface="강원교육튼튼" panose="02020603020101020101" pitchFamily="18" charset="-127"/>
                 <a:cs typeface="Arial" pitchFamily="2"/>
               </a:rPr>
               <a:t>손선영</a:t>
             </a:r>
             <a:r>
-              <a:rPr lang="en-US" sz="1800" b="0" i="0" u="none" strike="noStrike" kern="1200" spc="0">
+              <a:rPr lang="en-US" sz="1800" b="0" i="0" u="none" strike="noStrike" kern="1200" spc="0" dirty="0">
                 <a:ln>
                   <a:noFill/>
                 </a:ln>
                 <a:solidFill>
                   <a:srgbClr val="000000"/>
                 </a:solidFill>
-                <a:latin typeface="GangwonEduPower ExtraBold" panose="02020603020101020101" pitchFamily="18" charset="-127"/>
-                <a:ea typeface="GangwonEduPower ExtraBold" panose="02020603020101020101" pitchFamily="18" charset="-127"/>
+                <a:latin typeface="강원교육튼튼" panose="02020603020101020101" pitchFamily="18" charset="-127"/>
+                <a:ea typeface="강원교육튼튼" panose="02020603020101020101" pitchFamily="18" charset="-127"/>
                 <a:cs typeface="Arial" pitchFamily="2"/>
               </a:rPr>
               <a:t> </a:t>
@@ -13208,7 +13315,7 @@
           <p:cNvPr id="13" name="TextBox 18">
             <a:extLst>
               <a:ext uri="{FF2B5EF4-FFF2-40B4-BE49-F238E27FC236}">
-                <a16:creationId xmlns:a16="http://schemas.microsoft.com/office/drawing/2014/main" id="{F49D2B14-E56E-9E4F-8F58-A7ED0B5E7030}"/>
+                <a16:creationId xmlns:a16="http://schemas.microsoft.com/office/drawing/2014/main" xmlns="" id="{F49D2B14-E56E-9E4F-8F58-A7ED0B5E7030}"/>
               </a:ext>
             </a:extLst>
           </p:cNvPr>
@@ -13290,29 +13397,29 @@
               <a:defRPr sz="1800"/>
             </a:pPr>
             <a:r>
-              <a:rPr lang="ko-KR" sz="2400" b="1" i="0" u="none" strike="noStrike" kern="1200" spc="0">
+              <a:rPr lang="ko-KR" sz="2400" b="1" i="0" u="none" strike="noStrike" kern="1200" spc="0" dirty="0">
                 <a:ln>
                   <a:noFill/>
                 </a:ln>
                 <a:solidFill>
                   <a:srgbClr val="000000"/>
                 </a:solidFill>
-                <a:latin typeface="GangwonEduPower ExtraBold" panose="02020603020101020101" pitchFamily="18" charset="-127"/>
-                <a:ea typeface="GangwonEduPower ExtraBold" panose="02020603020101020101" pitchFamily="18" charset="-127"/>
+                <a:latin typeface="강원교육튼튼" panose="02020603020101020101" pitchFamily="18" charset="-127"/>
+                <a:ea typeface="강원교육튼튼" panose="02020603020101020101" pitchFamily="18" charset="-127"/>
                 <a:cs typeface="Arial" pitchFamily="2"/>
               </a:rPr>
               <a:t>김진혁</a:t>
             </a:r>
             <a:r>
-              <a:rPr lang="en-US" sz="1800" b="0" i="0" u="none" strike="noStrike" kern="1200" spc="0">
+              <a:rPr lang="en-US" sz="1800" b="0" i="0" u="none" strike="noStrike" kern="1200" spc="0" dirty="0">
                 <a:ln>
                   <a:noFill/>
                 </a:ln>
                 <a:solidFill>
                   <a:srgbClr val="000000"/>
                 </a:solidFill>
-                <a:latin typeface="GangwonEduPower ExtraBold" panose="02020603020101020101" pitchFamily="18" charset="-127"/>
-                <a:ea typeface="GangwonEduPower ExtraBold" panose="02020603020101020101" pitchFamily="18" charset="-127"/>
+                <a:latin typeface="강원교육튼튼" panose="02020603020101020101" pitchFamily="18" charset="-127"/>
+                <a:ea typeface="강원교육튼튼" panose="02020603020101020101" pitchFamily="18" charset="-127"/>
                 <a:cs typeface="Arial" pitchFamily="2"/>
               </a:rPr>
               <a:t> </a:t>
@@ -13325,7 +13432,7 @@
           <p:cNvPr id="14" name="TextBox 19">
             <a:extLst>
               <a:ext uri="{FF2B5EF4-FFF2-40B4-BE49-F238E27FC236}">
-                <a16:creationId xmlns:a16="http://schemas.microsoft.com/office/drawing/2014/main" id="{C39CA590-0ABB-3D42-A6E1-BA60E2FBD8F6}"/>
+                <a16:creationId xmlns:a16="http://schemas.microsoft.com/office/drawing/2014/main" xmlns="" id="{C39CA590-0ABB-3D42-A6E1-BA60E2FBD8F6}"/>
               </a:ext>
             </a:extLst>
           </p:cNvPr>
@@ -13407,15 +13514,15 @@
               <a:defRPr sz="1800"/>
             </a:pPr>
             <a:r>
-              <a:rPr lang="ko-KR" sz="2400" b="1" i="0" u="none" strike="noStrike" kern="1200" spc="0">
+              <a:rPr lang="ko-KR" sz="2400" b="1" i="0" u="none" strike="noStrike" kern="1200" spc="0" dirty="0">
                 <a:ln>
                   <a:noFill/>
                 </a:ln>
                 <a:solidFill>
                   <a:srgbClr val="000000"/>
                 </a:solidFill>
-                <a:latin typeface="GangwonEduPower ExtraBold" panose="02020603020101020101" pitchFamily="18" charset="-127"/>
-                <a:ea typeface="GangwonEduPower ExtraBold" panose="02020603020101020101" pitchFamily="18" charset="-127"/>
+                <a:latin typeface="강원교육튼튼" panose="02020603020101020101" pitchFamily="18" charset="-127"/>
+                <a:ea typeface="강원교육튼튼" panose="02020603020101020101" pitchFamily="18" charset="-127"/>
                 <a:cs typeface="Arial" pitchFamily="2"/>
               </a:rPr>
               <a:t>송가영</a:t>
@@ -13428,7 +13535,7 @@
           <p:cNvPr id="15" name="TextBox 20">
             <a:extLst>
               <a:ext uri="{FF2B5EF4-FFF2-40B4-BE49-F238E27FC236}">
-                <a16:creationId xmlns:a16="http://schemas.microsoft.com/office/drawing/2014/main" id="{70100F9D-605A-3745-B26E-F81CA4CF87C5}"/>
+                <a16:creationId xmlns:a16="http://schemas.microsoft.com/office/drawing/2014/main" xmlns="" id="{70100F9D-605A-3745-B26E-F81CA4CF87C5}"/>
               </a:ext>
             </a:extLst>
           </p:cNvPr>
@@ -13517,8 +13624,8 @@
                 <a:solidFill>
                   <a:srgbClr val="000000"/>
                 </a:solidFill>
-                <a:latin typeface="GangwonEduPower ExtraBold" panose="02020603020101020101" pitchFamily="18" charset="-127"/>
-                <a:ea typeface="GangwonEduPower ExtraBold" panose="02020603020101020101" pitchFamily="18" charset="-127"/>
+                <a:latin typeface="강원교육튼튼" panose="02020603020101020101" pitchFamily="18" charset="-127"/>
+                <a:ea typeface="강원교육튼튼" panose="02020603020101020101" pitchFamily="18" charset="-127"/>
                 <a:cs typeface="Arial" pitchFamily="2"/>
               </a:rPr>
               <a:t>최동혁</a:t>
@@ -13530,8 +13637,8 @@
               <a:solidFill>
                 <a:srgbClr val="000000"/>
               </a:solidFill>
-              <a:latin typeface="GangwonEduPower ExtraBold" panose="02020603020101020101" pitchFamily="18" charset="-127"/>
-              <a:ea typeface="GangwonEduPower ExtraBold" panose="02020603020101020101" pitchFamily="18" charset="-127"/>
+              <a:latin typeface="강원교육튼튼" panose="02020603020101020101" pitchFamily="18" charset="-127"/>
+              <a:ea typeface="강원교육튼튼" panose="02020603020101020101" pitchFamily="18" charset="-127"/>
               <a:cs typeface="Arial" pitchFamily="2"/>
             </a:endParaRPr>
           </a:p>
@@ -13542,7 +13649,7 @@
           <p:cNvPr id="16" name="그림 24">
             <a:extLst>
               <a:ext uri="{FF2B5EF4-FFF2-40B4-BE49-F238E27FC236}">
-                <a16:creationId xmlns:a16="http://schemas.microsoft.com/office/drawing/2014/main" id="{4248DC05-BB99-7D4C-9698-B0C583569588}"/>
+                <a16:creationId xmlns:a16="http://schemas.microsoft.com/office/drawing/2014/main" xmlns="" id="{4248DC05-BB99-7D4C-9698-B0C583569588}"/>
               </a:ext>
             </a:extLst>
           </p:cNvPr>
@@ -13580,7 +13687,7 @@
           <p:cNvPr id="17" name="그림 26">
             <a:extLst>
               <a:ext uri="{FF2B5EF4-FFF2-40B4-BE49-F238E27FC236}">
-                <a16:creationId xmlns:a16="http://schemas.microsoft.com/office/drawing/2014/main" id="{D42D5BDC-8E9A-444D-8198-C8FB6F069C07}"/>
+                <a16:creationId xmlns:a16="http://schemas.microsoft.com/office/drawing/2014/main" xmlns="" id="{D42D5BDC-8E9A-444D-8198-C8FB6F069C07}"/>
               </a:ext>
             </a:extLst>
           </p:cNvPr>
@@ -13618,7 +13725,7 @@
           <p:cNvPr id="18" name="그림 28">
             <a:extLst>
               <a:ext uri="{FF2B5EF4-FFF2-40B4-BE49-F238E27FC236}">
-                <a16:creationId xmlns:a16="http://schemas.microsoft.com/office/drawing/2014/main" id="{3133431A-8253-E647-9F48-0CA58FDA89A8}"/>
+                <a16:creationId xmlns:a16="http://schemas.microsoft.com/office/drawing/2014/main" xmlns="" id="{3133431A-8253-E647-9F48-0CA58FDA89A8}"/>
               </a:ext>
             </a:extLst>
           </p:cNvPr>
@@ -13656,7 +13763,7 @@
           <p:cNvPr id="19" name="그림 29">
             <a:extLst>
               <a:ext uri="{FF2B5EF4-FFF2-40B4-BE49-F238E27FC236}">
-                <a16:creationId xmlns:a16="http://schemas.microsoft.com/office/drawing/2014/main" id="{0B617855-9500-884B-A301-DAF0FAA0B0B0}"/>
+                <a16:creationId xmlns:a16="http://schemas.microsoft.com/office/drawing/2014/main" xmlns="" id="{0B617855-9500-884B-A301-DAF0FAA0B0B0}"/>
               </a:ext>
             </a:extLst>
           </p:cNvPr>
@@ -13694,7 +13801,7 @@
           <p:cNvPr id="20" name="TextBox 30">
             <a:extLst>
               <a:ext uri="{FF2B5EF4-FFF2-40B4-BE49-F238E27FC236}">
-                <a16:creationId xmlns:a16="http://schemas.microsoft.com/office/drawing/2014/main" id="{3085EE5F-191D-DA4E-936B-9A64A25D2BF6}"/>
+                <a16:creationId xmlns:a16="http://schemas.microsoft.com/office/drawing/2014/main" xmlns="" id="{3085EE5F-191D-DA4E-936B-9A64A25D2BF6}"/>
               </a:ext>
             </a:extLst>
           </p:cNvPr>
@@ -14041,7 +14148,7 @@
           <p:cNvPr id="21" name="TextBox 31">
             <a:extLst>
               <a:ext uri="{FF2B5EF4-FFF2-40B4-BE49-F238E27FC236}">
-                <a16:creationId xmlns:a16="http://schemas.microsoft.com/office/drawing/2014/main" id="{8A90343A-D9C1-FA4B-A4BC-9DE275B56437}"/>
+                <a16:creationId xmlns:a16="http://schemas.microsoft.com/office/drawing/2014/main" xmlns="" id="{8A90343A-D9C1-FA4B-A4BC-9DE275B56437}"/>
               </a:ext>
             </a:extLst>
           </p:cNvPr>
@@ -14304,7 +14411,7 @@
           <p:cNvPr id="22" name="TextBox 32">
             <a:extLst>
               <a:ext uri="{FF2B5EF4-FFF2-40B4-BE49-F238E27FC236}">
-                <a16:creationId xmlns:a16="http://schemas.microsoft.com/office/drawing/2014/main" id="{C0A8B558-65BE-2E4C-9959-D3BF90764D8E}"/>
+                <a16:creationId xmlns:a16="http://schemas.microsoft.com/office/drawing/2014/main" xmlns="" id="{C0A8B558-65BE-2E4C-9959-D3BF90764D8E}"/>
               </a:ext>
             </a:extLst>
           </p:cNvPr>
@@ -14551,7 +14658,7 @@
           <p:cNvPr id="23" name="TextBox 33">
             <a:extLst>
               <a:ext uri="{FF2B5EF4-FFF2-40B4-BE49-F238E27FC236}">
-                <a16:creationId xmlns:a16="http://schemas.microsoft.com/office/drawing/2014/main" id="{8FE5834B-BA47-344D-A71D-A56FCF0A238A}"/>
+                <a16:creationId xmlns:a16="http://schemas.microsoft.com/office/drawing/2014/main" xmlns="" id="{8FE5834B-BA47-344D-A71D-A56FCF0A238A}"/>
               </a:ext>
             </a:extLst>
           </p:cNvPr>
@@ -14888,7 +14995,7 @@
           <p:cNvPr id="24" name="TextBox 34">
             <a:extLst>
               <a:ext uri="{FF2B5EF4-FFF2-40B4-BE49-F238E27FC236}">
-                <a16:creationId xmlns:a16="http://schemas.microsoft.com/office/drawing/2014/main" id="{88914048-A354-3A44-A0B4-DB4EF1124591}"/>
+                <a16:creationId xmlns:a16="http://schemas.microsoft.com/office/drawing/2014/main" xmlns="" id="{88914048-A354-3A44-A0B4-DB4EF1124591}"/>
               </a:ext>
             </a:extLst>
           </p:cNvPr>
@@ -15176,7 +15283,7 @@
           <p:cNvPr id="25" name="그림 24">
             <a:extLst>
               <a:ext uri="{FF2B5EF4-FFF2-40B4-BE49-F238E27FC236}">
-                <a16:creationId xmlns:a16="http://schemas.microsoft.com/office/drawing/2014/main" id="{A7427655-19B9-3442-9A2E-A8317EBCA37D}"/>
+                <a16:creationId xmlns:a16="http://schemas.microsoft.com/office/drawing/2014/main" xmlns="" id="{A7427655-19B9-3442-9A2E-A8317EBCA37D}"/>
               </a:ext>
             </a:extLst>
           </p:cNvPr>
@@ -15244,7 +15351,7 @@
           <p:cNvPr id="5" name="그림 4">
             <a:extLst>
               <a:ext uri="{FF2B5EF4-FFF2-40B4-BE49-F238E27FC236}">
-                <a16:creationId xmlns:a16="http://schemas.microsoft.com/office/drawing/2014/main" id="{3DF62AEB-8EE3-2447-B14C-007BA80FE99A}"/>
+                <a16:creationId xmlns:a16="http://schemas.microsoft.com/office/drawing/2014/main" xmlns="" id="{3DF62AEB-8EE3-2447-B14C-007BA80FE99A}"/>
               </a:ext>
             </a:extLst>
           </p:cNvPr>
@@ -15274,7 +15381,7 @@
           <p:cNvPr id="6" name="직선 연결선[R] 5">
             <a:extLst>
               <a:ext uri="{FF2B5EF4-FFF2-40B4-BE49-F238E27FC236}">
-                <a16:creationId xmlns:a16="http://schemas.microsoft.com/office/drawing/2014/main" id="{B0895DCE-07B1-F147-892C-279B3F3312C7}"/>
+                <a16:creationId xmlns:a16="http://schemas.microsoft.com/office/drawing/2014/main" xmlns="" id="{B0895DCE-07B1-F147-892C-279B3F3312C7}"/>
               </a:ext>
             </a:extLst>
           </p:cNvPr>
@@ -15315,7 +15422,7 @@
           <p:cNvPr id="7" name="모서리가 둥근 직사각형 6">
             <a:extLst>
               <a:ext uri="{FF2B5EF4-FFF2-40B4-BE49-F238E27FC236}">
-                <a16:creationId xmlns:a16="http://schemas.microsoft.com/office/drawing/2014/main" id="{2201D698-D710-CD43-8BBA-0DB1C607D487}"/>
+                <a16:creationId xmlns:a16="http://schemas.microsoft.com/office/drawing/2014/main" xmlns="" id="{2201D698-D710-CD43-8BBA-0DB1C607D487}"/>
               </a:ext>
             </a:extLst>
           </p:cNvPr>
@@ -15380,7 +15487,7 @@
           <p:cNvPr id="8" name="TextBox 7">
             <a:extLst>
               <a:ext uri="{FF2B5EF4-FFF2-40B4-BE49-F238E27FC236}">
-                <a16:creationId xmlns:a16="http://schemas.microsoft.com/office/drawing/2014/main" id="{6F64B61F-5CF3-E647-A724-8D6695DF2BF1}"/>
+                <a16:creationId xmlns:a16="http://schemas.microsoft.com/office/drawing/2014/main" xmlns="" id="{6F64B61F-5CF3-E647-A724-8D6695DF2BF1}"/>
               </a:ext>
             </a:extLst>
           </p:cNvPr>
@@ -15411,8 +15518,8 @@
                     <a:lumOff val="35000"/>
                   </a:schemeClr>
                 </a:solidFill>
-                <a:latin typeface="GangwonEduPower ExtraBold" panose="02020603020101020101" pitchFamily="18" charset="-127"/>
-                <a:ea typeface="GangwonEduPower ExtraBold" panose="02020603020101020101" pitchFamily="18" charset="-127"/>
+                <a:latin typeface="강원교육튼튼" panose="02020603020101020101" pitchFamily="18" charset="-127"/>
+                <a:ea typeface="강원교육튼튼" panose="02020603020101020101" pitchFamily="18" charset="-127"/>
               </a:rPr>
               <a:t>INTRO. </a:t>
             </a:r>
@@ -15441,7 +15548,7 @@
           <p:cNvPr id="9" name="직사각형 8">
             <a:extLst>
               <a:ext uri="{FF2B5EF4-FFF2-40B4-BE49-F238E27FC236}">
-                <a16:creationId xmlns:a16="http://schemas.microsoft.com/office/drawing/2014/main" id="{71FC172E-010D-E84F-9E5A-2C65223C3954}"/>
+                <a16:creationId xmlns:a16="http://schemas.microsoft.com/office/drawing/2014/main" xmlns="" id="{71FC172E-010D-E84F-9E5A-2C65223C3954}"/>
               </a:ext>
             </a:extLst>
           </p:cNvPr>
@@ -15498,7 +15605,7 @@
           <p:cNvPr id="11" name="직사각형 10">
             <a:extLst>
               <a:ext uri="{FF2B5EF4-FFF2-40B4-BE49-F238E27FC236}">
-                <a16:creationId xmlns:a16="http://schemas.microsoft.com/office/drawing/2014/main" id="{F2D53CA5-7BF7-9F4E-9FE7-7F2065E40291}"/>
+                <a16:creationId xmlns:a16="http://schemas.microsoft.com/office/drawing/2014/main" xmlns="" id="{F2D53CA5-7BF7-9F4E-9FE7-7F2065E40291}"/>
               </a:ext>
             </a:extLst>
           </p:cNvPr>
@@ -15550,7 +15657,7 @@
           <p:cNvPr id="2" name="차트 1">
             <a:extLst>
               <a:ext uri="{FF2B5EF4-FFF2-40B4-BE49-F238E27FC236}">
-                <a16:creationId xmlns:a16="http://schemas.microsoft.com/office/drawing/2014/main" id="{C921CCE6-C5BB-894C-8DED-1D41A247E6EB}"/>
+                <a16:creationId xmlns:a16="http://schemas.microsoft.com/office/drawing/2014/main" xmlns="" id="{C921CCE6-C5BB-894C-8DED-1D41A247E6EB}"/>
               </a:ext>
             </a:extLst>
           </p:cNvPr>
@@ -15578,7 +15685,7 @@
           <p:cNvPr id="4" name="그림 3">
             <a:extLst>
               <a:ext uri="{FF2B5EF4-FFF2-40B4-BE49-F238E27FC236}">
-                <a16:creationId xmlns:a16="http://schemas.microsoft.com/office/drawing/2014/main" id="{D7606E35-3F9B-D947-A574-567F4FF3FD8A}"/>
+                <a16:creationId xmlns:a16="http://schemas.microsoft.com/office/drawing/2014/main" xmlns="" id="{D7606E35-3F9B-D947-A574-567F4FF3FD8A}"/>
               </a:ext>
             </a:extLst>
           </p:cNvPr>
@@ -15608,7 +15715,7 @@
           <p:cNvPr id="10" name="다이어그램 9">
             <a:extLst>
               <a:ext uri="{FF2B5EF4-FFF2-40B4-BE49-F238E27FC236}">
-                <a16:creationId xmlns:a16="http://schemas.microsoft.com/office/drawing/2014/main" id="{1903C97A-C7D5-3749-B625-BE96B4D27ED1}"/>
+                <a16:creationId xmlns:a16="http://schemas.microsoft.com/office/drawing/2014/main" xmlns="" id="{1903C97A-C7D5-3749-B625-BE96B4D27ED1}"/>
               </a:ext>
             </a:extLst>
           </p:cNvPr>
@@ -15616,7 +15723,7 @@
           <p:nvPr>
             <p:extLst>
               <p:ext uri="{D42A27DB-BD31-4B8C-83A1-F6EECF244321}">
-                <p14:modId xmlns:p14="http://schemas.microsoft.com/office/powerpoint/2010/main" val="1577051400"/>
+                <p14:modId xmlns:p14="http://schemas.microsoft.com/office/powerpoint/2010/main" val="2403912828"/>
               </p:ext>
             </p:extLst>
           </p:nvPr>
@@ -15636,7 +15743,7 @@
           <p:cNvPr id="13" name="그림 12">
             <a:extLst>
               <a:ext uri="{FF2B5EF4-FFF2-40B4-BE49-F238E27FC236}">
-                <a16:creationId xmlns:a16="http://schemas.microsoft.com/office/drawing/2014/main" id="{24F655DB-A548-0B4F-94B5-37BF412799F6}"/>
+                <a16:creationId xmlns:a16="http://schemas.microsoft.com/office/drawing/2014/main" xmlns="" id="{24F655DB-A548-0B4F-94B5-37BF412799F6}"/>
               </a:ext>
             </a:extLst>
           </p:cNvPr>
@@ -15698,7 +15805,7 @@
           <p:cNvPr id="5" name="그림 4">
             <a:extLst>
               <a:ext uri="{FF2B5EF4-FFF2-40B4-BE49-F238E27FC236}">
-                <a16:creationId xmlns:a16="http://schemas.microsoft.com/office/drawing/2014/main" id="{3DF62AEB-8EE3-2447-B14C-007BA80FE99A}"/>
+                <a16:creationId xmlns:a16="http://schemas.microsoft.com/office/drawing/2014/main" xmlns="" id="{3DF62AEB-8EE3-2447-B14C-007BA80FE99A}"/>
               </a:ext>
             </a:extLst>
           </p:cNvPr>
@@ -15728,7 +15835,7 @@
           <p:cNvPr id="6" name="직선 연결선[R] 5">
             <a:extLst>
               <a:ext uri="{FF2B5EF4-FFF2-40B4-BE49-F238E27FC236}">
-                <a16:creationId xmlns:a16="http://schemas.microsoft.com/office/drawing/2014/main" id="{B0895DCE-07B1-F147-892C-279B3F3312C7}"/>
+                <a16:creationId xmlns:a16="http://schemas.microsoft.com/office/drawing/2014/main" xmlns="" id="{B0895DCE-07B1-F147-892C-279B3F3312C7}"/>
               </a:ext>
             </a:extLst>
           </p:cNvPr>
@@ -15769,7 +15876,7 @@
           <p:cNvPr id="11" name="직사각형 10">
             <a:extLst>
               <a:ext uri="{FF2B5EF4-FFF2-40B4-BE49-F238E27FC236}">
-                <a16:creationId xmlns:a16="http://schemas.microsoft.com/office/drawing/2014/main" id="{F2D53CA5-7BF7-9F4E-9FE7-7F2065E40291}"/>
+                <a16:creationId xmlns:a16="http://schemas.microsoft.com/office/drawing/2014/main" xmlns="" id="{F2D53CA5-7BF7-9F4E-9FE7-7F2065E40291}"/>
               </a:ext>
             </a:extLst>
           </p:cNvPr>
@@ -15821,7 +15928,7 @@
           <p:cNvPr id="21" name="모서리가 둥근 직사각형 20">
             <a:extLst>
               <a:ext uri="{FF2B5EF4-FFF2-40B4-BE49-F238E27FC236}">
-                <a16:creationId xmlns:a16="http://schemas.microsoft.com/office/drawing/2014/main" id="{0C5A2D63-F6D7-FD4D-9E29-ECC87C45D7A1}"/>
+                <a16:creationId xmlns:a16="http://schemas.microsoft.com/office/drawing/2014/main" xmlns="" id="{0C5A2D63-F6D7-FD4D-9E29-ECC87C45D7A1}"/>
               </a:ext>
             </a:extLst>
           </p:cNvPr>
@@ -15886,7 +15993,7 @@
           <p:cNvPr id="22" name="TextBox 21">
             <a:extLst>
               <a:ext uri="{FF2B5EF4-FFF2-40B4-BE49-F238E27FC236}">
-                <a16:creationId xmlns:a16="http://schemas.microsoft.com/office/drawing/2014/main" id="{42DD3540-0883-984E-97D9-58F862DD8F18}"/>
+                <a16:creationId xmlns:a16="http://schemas.microsoft.com/office/drawing/2014/main" xmlns="" id="{42DD3540-0883-984E-97D9-58F862DD8F18}"/>
               </a:ext>
             </a:extLst>
           </p:cNvPr>
@@ -15960,7 +16067,7 @@
           <p:cNvPr id="9" name="직사각형 8">
             <a:extLst>
               <a:ext uri="{FF2B5EF4-FFF2-40B4-BE49-F238E27FC236}">
-                <a16:creationId xmlns:a16="http://schemas.microsoft.com/office/drawing/2014/main" id="{71FC172E-010D-E84F-9E5A-2C65223C3954}"/>
+                <a16:creationId xmlns:a16="http://schemas.microsoft.com/office/drawing/2014/main" xmlns="" id="{71FC172E-010D-E84F-9E5A-2C65223C3954}"/>
               </a:ext>
             </a:extLst>
           </p:cNvPr>
@@ -17265,7 +17372,7 @@
           <p:cNvPr id="5" name="그림 4">
             <a:extLst>
               <a:ext uri="{FF2B5EF4-FFF2-40B4-BE49-F238E27FC236}">
-                <a16:creationId xmlns:a16="http://schemas.microsoft.com/office/drawing/2014/main" id="{3DF62AEB-8EE3-2447-B14C-007BA80FE99A}"/>
+                <a16:creationId xmlns:a16="http://schemas.microsoft.com/office/drawing/2014/main" xmlns="" id="{3DF62AEB-8EE3-2447-B14C-007BA80FE99A}"/>
               </a:ext>
             </a:extLst>
           </p:cNvPr>
@@ -17295,7 +17402,7 @@
           <p:cNvPr id="6" name="직선 연결선[R] 5">
             <a:extLst>
               <a:ext uri="{FF2B5EF4-FFF2-40B4-BE49-F238E27FC236}">
-                <a16:creationId xmlns:a16="http://schemas.microsoft.com/office/drawing/2014/main" id="{B0895DCE-07B1-F147-892C-279B3F3312C7}"/>
+                <a16:creationId xmlns:a16="http://schemas.microsoft.com/office/drawing/2014/main" xmlns="" id="{B0895DCE-07B1-F147-892C-279B3F3312C7}"/>
               </a:ext>
             </a:extLst>
           </p:cNvPr>
@@ -17336,7 +17443,7 @@
           <p:cNvPr id="11" name="직사각형 10">
             <a:extLst>
               <a:ext uri="{FF2B5EF4-FFF2-40B4-BE49-F238E27FC236}">
-                <a16:creationId xmlns:a16="http://schemas.microsoft.com/office/drawing/2014/main" id="{F2D53CA5-7BF7-9F4E-9FE7-7F2065E40291}"/>
+                <a16:creationId xmlns:a16="http://schemas.microsoft.com/office/drawing/2014/main" xmlns="" id="{F2D53CA5-7BF7-9F4E-9FE7-7F2065E40291}"/>
               </a:ext>
             </a:extLst>
           </p:cNvPr>
@@ -17388,7 +17495,7 @@
           <p:cNvPr id="21" name="모서리가 둥근 직사각형 20">
             <a:extLst>
               <a:ext uri="{FF2B5EF4-FFF2-40B4-BE49-F238E27FC236}">
-                <a16:creationId xmlns:a16="http://schemas.microsoft.com/office/drawing/2014/main" id="{0C5A2D63-F6D7-FD4D-9E29-ECC87C45D7A1}"/>
+                <a16:creationId xmlns:a16="http://schemas.microsoft.com/office/drawing/2014/main" xmlns="" id="{0C5A2D63-F6D7-FD4D-9E29-ECC87C45D7A1}"/>
               </a:ext>
             </a:extLst>
           </p:cNvPr>
@@ -17453,7 +17560,7 @@
           <p:cNvPr id="22" name="TextBox 21">
             <a:extLst>
               <a:ext uri="{FF2B5EF4-FFF2-40B4-BE49-F238E27FC236}">
-                <a16:creationId xmlns:a16="http://schemas.microsoft.com/office/drawing/2014/main" id="{42DD3540-0883-984E-97D9-58F862DD8F18}"/>
+                <a16:creationId xmlns:a16="http://schemas.microsoft.com/office/drawing/2014/main" xmlns="" id="{42DD3540-0883-984E-97D9-58F862DD8F18}"/>
               </a:ext>
             </a:extLst>
           </p:cNvPr>
@@ -17541,7 +17648,7 @@
           <p:cNvPr id="9" name="직사각형 8">
             <a:extLst>
               <a:ext uri="{FF2B5EF4-FFF2-40B4-BE49-F238E27FC236}">
-                <a16:creationId xmlns:a16="http://schemas.microsoft.com/office/drawing/2014/main" id="{71FC172E-010D-E84F-9E5A-2C65223C3954}"/>
+                <a16:creationId xmlns:a16="http://schemas.microsoft.com/office/drawing/2014/main" xmlns="" id="{71FC172E-010D-E84F-9E5A-2C65223C3954}"/>
               </a:ext>
             </a:extLst>
           </p:cNvPr>
@@ -17906,7 +18013,7 @@
           <p:cNvPr id="5" name="그림 4">
             <a:extLst>
               <a:ext uri="{FF2B5EF4-FFF2-40B4-BE49-F238E27FC236}">
-                <a16:creationId xmlns:a16="http://schemas.microsoft.com/office/drawing/2014/main" id="{3DF62AEB-8EE3-2447-B14C-007BA80FE99A}"/>
+                <a16:creationId xmlns:a16="http://schemas.microsoft.com/office/drawing/2014/main" xmlns="" id="{3DF62AEB-8EE3-2447-B14C-007BA80FE99A}"/>
               </a:ext>
             </a:extLst>
           </p:cNvPr>
@@ -17936,7 +18043,7 @@
           <p:cNvPr id="6" name="직선 연결선[R] 5">
             <a:extLst>
               <a:ext uri="{FF2B5EF4-FFF2-40B4-BE49-F238E27FC236}">
-                <a16:creationId xmlns:a16="http://schemas.microsoft.com/office/drawing/2014/main" id="{B0895DCE-07B1-F147-892C-279B3F3312C7}"/>
+                <a16:creationId xmlns:a16="http://schemas.microsoft.com/office/drawing/2014/main" xmlns="" id="{B0895DCE-07B1-F147-892C-279B3F3312C7}"/>
               </a:ext>
             </a:extLst>
           </p:cNvPr>
@@ -17977,7 +18084,7 @@
           <p:cNvPr id="11" name="직사각형 10">
             <a:extLst>
               <a:ext uri="{FF2B5EF4-FFF2-40B4-BE49-F238E27FC236}">
-                <a16:creationId xmlns:a16="http://schemas.microsoft.com/office/drawing/2014/main" id="{F2D53CA5-7BF7-9F4E-9FE7-7F2065E40291}"/>
+                <a16:creationId xmlns:a16="http://schemas.microsoft.com/office/drawing/2014/main" xmlns="" id="{F2D53CA5-7BF7-9F4E-9FE7-7F2065E40291}"/>
               </a:ext>
             </a:extLst>
           </p:cNvPr>
@@ -18029,7 +18136,7 @@
           <p:cNvPr id="21" name="모서리가 둥근 직사각형 20">
             <a:extLst>
               <a:ext uri="{FF2B5EF4-FFF2-40B4-BE49-F238E27FC236}">
-                <a16:creationId xmlns:a16="http://schemas.microsoft.com/office/drawing/2014/main" id="{0C5A2D63-F6D7-FD4D-9E29-ECC87C45D7A1}"/>
+                <a16:creationId xmlns:a16="http://schemas.microsoft.com/office/drawing/2014/main" xmlns="" id="{0C5A2D63-F6D7-FD4D-9E29-ECC87C45D7A1}"/>
               </a:ext>
             </a:extLst>
           </p:cNvPr>
@@ -18094,7 +18201,7 @@
           <p:cNvPr id="22" name="TextBox 21">
             <a:extLst>
               <a:ext uri="{FF2B5EF4-FFF2-40B4-BE49-F238E27FC236}">
-                <a16:creationId xmlns:a16="http://schemas.microsoft.com/office/drawing/2014/main" id="{42DD3540-0883-984E-97D9-58F862DD8F18}"/>
+                <a16:creationId xmlns:a16="http://schemas.microsoft.com/office/drawing/2014/main" xmlns="" id="{42DD3540-0883-984E-97D9-58F862DD8F18}"/>
               </a:ext>
             </a:extLst>
           </p:cNvPr>
@@ -18175,7 +18282,7 @@
           <p:cNvPr id="9" name="직사각형 8">
             <a:extLst>
               <a:ext uri="{FF2B5EF4-FFF2-40B4-BE49-F238E27FC236}">
-                <a16:creationId xmlns:a16="http://schemas.microsoft.com/office/drawing/2014/main" id="{71FC172E-010D-E84F-9E5A-2C65223C3954}"/>
+                <a16:creationId xmlns:a16="http://schemas.microsoft.com/office/drawing/2014/main" xmlns="" id="{71FC172E-010D-E84F-9E5A-2C65223C3954}"/>
               </a:ext>
             </a:extLst>
           </p:cNvPr>
@@ -18706,7 +18813,7 @@
           <p:cNvPr id="5" name="그림 4">
             <a:extLst>
               <a:ext uri="{FF2B5EF4-FFF2-40B4-BE49-F238E27FC236}">
-                <a16:creationId xmlns:a16="http://schemas.microsoft.com/office/drawing/2014/main" id="{3DF62AEB-8EE3-2447-B14C-007BA80FE99A}"/>
+                <a16:creationId xmlns:a16="http://schemas.microsoft.com/office/drawing/2014/main" xmlns="" id="{3DF62AEB-8EE3-2447-B14C-007BA80FE99A}"/>
               </a:ext>
             </a:extLst>
           </p:cNvPr>
@@ -18736,7 +18843,7 @@
           <p:cNvPr id="6" name="직선 연결선[R] 5">
             <a:extLst>
               <a:ext uri="{FF2B5EF4-FFF2-40B4-BE49-F238E27FC236}">
-                <a16:creationId xmlns:a16="http://schemas.microsoft.com/office/drawing/2014/main" id="{B0895DCE-07B1-F147-892C-279B3F3312C7}"/>
+                <a16:creationId xmlns:a16="http://schemas.microsoft.com/office/drawing/2014/main" xmlns="" id="{B0895DCE-07B1-F147-892C-279B3F3312C7}"/>
               </a:ext>
             </a:extLst>
           </p:cNvPr>
@@ -18777,7 +18884,7 @@
           <p:cNvPr id="11" name="직사각형 10">
             <a:extLst>
               <a:ext uri="{FF2B5EF4-FFF2-40B4-BE49-F238E27FC236}">
-                <a16:creationId xmlns:a16="http://schemas.microsoft.com/office/drawing/2014/main" id="{F2D53CA5-7BF7-9F4E-9FE7-7F2065E40291}"/>
+                <a16:creationId xmlns:a16="http://schemas.microsoft.com/office/drawing/2014/main" xmlns="" id="{F2D53CA5-7BF7-9F4E-9FE7-7F2065E40291}"/>
               </a:ext>
             </a:extLst>
           </p:cNvPr>
@@ -18829,7 +18936,7 @@
           <p:cNvPr id="21" name="모서리가 둥근 직사각형 20">
             <a:extLst>
               <a:ext uri="{FF2B5EF4-FFF2-40B4-BE49-F238E27FC236}">
-                <a16:creationId xmlns:a16="http://schemas.microsoft.com/office/drawing/2014/main" id="{0C5A2D63-F6D7-FD4D-9E29-ECC87C45D7A1}"/>
+                <a16:creationId xmlns:a16="http://schemas.microsoft.com/office/drawing/2014/main" xmlns="" id="{0C5A2D63-F6D7-FD4D-9E29-ECC87C45D7A1}"/>
               </a:ext>
             </a:extLst>
           </p:cNvPr>
@@ -18894,7 +19001,7 @@
           <p:cNvPr id="22" name="TextBox 21">
             <a:extLst>
               <a:ext uri="{FF2B5EF4-FFF2-40B4-BE49-F238E27FC236}">
-                <a16:creationId xmlns:a16="http://schemas.microsoft.com/office/drawing/2014/main" id="{42DD3540-0883-984E-97D9-58F862DD8F18}"/>
+                <a16:creationId xmlns:a16="http://schemas.microsoft.com/office/drawing/2014/main" xmlns="" id="{42DD3540-0883-984E-97D9-58F862DD8F18}"/>
               </a:ext>
             </a:extLst>
           </p:cNvPr>
@@ -18968,7 +19075,7 @@
           <p:cNvPr id="9" name="직사각형 8">
             <a:extLst>
               <a:ext uri="{FF2B5EF4-FFF2-40B4-BE49-F238E27FC236}">
-                <a16:creationId xmlns:a16="http://schemas.microsoft.com/office/drawing/2014/main" id="{71FC172E-010D-E84F-9E5A-2C65223C3954}"/>
+                <a16:creationId xmlns:a16="http://schemas.microsoft.com/office/drawing/2014/main" xmlns="" id="{71FC172E-010D-E84F-9E5A-2C65223C3954}"/>
               </a:ext>
             </a:extLst>
           </p:cNvPr>
@@ -19060,7 +19167,7 @@
         </p:blipFill>
         <p:spPr>
           <a:xfrm>
-            <a:off x="4880536" y="2233084"/>
+            <a:off x="860027" y="4262260"/>
             <a:ext cx="2352523" cy="1470327"/>
           </a:xfrm>
           <a:prstGeom prst="rect">
@@ -19084,7 +19191,7 @@
         </p:blipFill>
         <p:spPr>
           <a:xfrm>
-            <a:off x="1158615" y="3575941"/>
+            <a:off x="4636478" y="2107548"/>
             <a:ext cx="1816100" cy="1816100"/>
           </a:xfrm>
           <a:prstGeom prst="rect">
@@ -19114,7 +19221,7 @@
         </p:blipFill>
         <p:spPr>
           <a:xfrm>
-            <a:off x="8676258" y="2234521"/>
+            <a:off x="8742541" y="1984096"/>
             <a:ext cx="2214336" cy="1660752"/>
           </a:xfrm>
           <a:prstGeom prst="rect">
@@ -19144,7 +19251,7 @@
         </p:blipFill>
         <p:spPr>
           <a:xfrm>
-            <a:off x="5047461" y="3422099"/>
+            <a:off x="4777155" y="4108444"/>
             <a:ext cx="1860169" cy="2426308"/>
           </a:xfrm>
           <a:prstGeom prst="rect">
@@ -19174,7 +19281,7 @@
         </p:blipFill>
         <p:spPr>
           <a:xfrm>
-            <a:off x="8449743" y="3979660"/>
+            <a:off x="8321052" y="4343252"/>
             <a:ext cx="3105150" cy="1476375"/>
           </a:xfrm>
           <a:prstGeom prst="rect">
@@ -19182,6 +19289,80 @@
           </a:prstGeom>
         </p:spPr>
       </p:pic>
+      <p:sp>
+        <p:nvSpPr>
+          <p:cNvPr id="14" name="TextBox 13"/>
+          <p:cNvSpPr txBox="1"/>
+          <p:nvPr/>
+        </p:nvSpPr>
+        <p:spPr>
+          <a:xfrm>
+            <a:off x="27153" y="2031171"/>
+            <a:ext cx="1741811" cy="338554"/>
+          </a:xfrm>
+          <a:prstGeom prst="rect">
+            <a:avLst/>
+          </a:prstGeom>
+          <a:noFill/>
+        </p:spPr>
+        <p:txBody>
+          <a:bodyPr wrap="square" rtlCol="0">
+            <a:spAutoFit/>
+          </a:bodyPr>
+          <a:lstStyle/>
+          <a:p>
+            <a:pPr algn="ctr"/>
+            <a:r>
+              <a:rPr lang="en-US" altLang="ko-KR" sz="1600" dirty="0" smtClean="0">
+                <a:latin typeface="강원교육튼튼" panose="02020603020101020101" pitchFamily="18" charset="-127"/>
+                <a:ea typeface="강원교육튼튼" panose="02020603020101020101" pitchFamily="18" charset="-127"/>
+              </a:rPr>
+              <a:t>FRONT-END</a:t>
+            </a:r>
+            <a:endParaRPr lang="ko-KR" altLang="en-US" sz="1600" dirty="0">
+              <a:latin typeface="강원교육튼튼" panose="02020603020101020101" pitchFamily="18" charset="-127"/>
+              <a:ea typeface="강원교육튼튼" panose="02020603020101020101" pitchFamily="18" charset="-127"/>
+            </a:endParaRPr>
+          </a:p>
+        </p:txBody>
+      </p:sp>
+      <p:sp>
+        <p:nvSpPr>
+          <p:cNvPr id="15" name="TextBox 14"/>
+          <p:cNvSpPr txBox="1"/>
+          <p:nvPr/>
+        </p:nvSpPr>
+        <p:spPr>
+          <a:xfrm>
+            <a:off x="31605" y="3921865"/>
+            <a:ext cx="1741811" cy="338554"/>
+          </a:xfrm>
+          <a:prstGeom prst="rect">
+            <a:avLst/>
+          </a:prstGeom>
+          <a:noFill/>
+        </p:spPr>
+        <p:txBody>
+          <a:bodyPr wrap="square" rtlCol="0">
+            <a:spAutoFit/>
+          </a:bodyPr>
+          <a:lstStyle/>
+          <a:p>
+            <a:pPr algn="ctr"/>
+            <a:r>
+              <a:rPr lang="en-US" altLang="ko-KR" sz="1600" dirty="0" smtClean="0">
+                <a:latin typeface="강원교육튼튼" panose="02020603020101020101" pitchFamily="18" charset="-127"/>
+                <a:ea typeface="강원교육튼튼" panose="02020603020101020101" pitchFamily="18" charset="-127"/>
+              </a:rPr>
+              <a:t>BACK-END</a:t>
+            </a:r>
+            <a:endParaRPr lang="ko-KR" altLang="en-US" sz="1600" dirty="0">
+              <a:latin typeface="강원교육튼튼" panose="02020603020101020101" pitchFamily="18" charset="-127"/>
+              <a:ea typeface="강원교육튼튼" panose="02020603020101020101" pitchFamily="18" charset="-127"/>
+            </a:endParaRPr>
+          </a:p>
+        </p:txBody>
+      </p:sp>
     </p:spTree>
     <p:extLst>
       <p:ext uri="{BB962C8B-B14F-4D97-AF65-F5344CB8AC3E}">
@@ -19217,7 +19398,7 @@
           <p:cNvPr id="5" name="그림 4">
             <a:extLst>
               <a:ext uri="{FF2B5EF4-FFF2-40B4-BE49-F238E27FC236}">
-                <a16:creationId xmlns:a16="http://schemas.microsoft.com/office/drawing/2014/main" id="{3DF62AEB-8EE3-2447-B14C-007BA80FE99A}"/>
+                <a16:creationId xmlns:a16="http://schemas.microsoft.com/office/drawing/2014/main" xmlns="" id="{3DF62AEB-8EE3-2447-B14C-007BA80FE99A}"/>
               </a:ext>
             </a:extLst>
           </p:cNvPr>
@@ -19247,7 +19428,7 @@
           <p:cNvPr id="6" name="직선 연결선[R] 5">
             <a:extLst>
               <a:ext uri="{FF2B5EF4-FFF2-40B4-BE49-F238E27FC236}">
-                <a16:creationId xmlns:a16="http://schemas.microsoft.com/office/drawing/2014/main" id="{B0895DCE-07B1-F147-892C-279B3F3312C7}"/>
+                <a16:creationId xmlns:a16="http://schemas.microsoft.com/office/drawing/2014/main" xmlns="" id="{B0895DCE-07B1-F147-892C-279B3F3312C7}"/>
               </a:ext>
             </a:extLst>
           </p:cNvPr>
@@ -19288,7 +19469,7 @@
           <p:cNvPr id="11" name="직사각형 10">
             <a:extLst>
               <a:ext uri="{FF2B5EF4-FFF2-40B4-BE49-F238E27FC236}">
-                <a16:creationId xmlns:a16="http://schemas.microsoft.com/office/drawing/2014/main" id="{F2D53CA5-7BF7-9F4E-9FE7-7F2065E40291}"/>
+                <a16:creationId xmlns:a16="http://schemas.microsoft.com/office/drawing/2014/main" xmlns="" id="{F2D53CA5-7BF7-9F4E-9FE7-7F2065E40291}"/>
               </a:ext>
             </a:extLst>
           </p:cNvPr>
@@ -19340,7 +19521,7 @@
           <p:cNvPr id="21" name="모서리가 둥근 직사각형 20">
             <a:extLst>
               <a:ext uri="{FF2B5EF4-FFF2-40B4-BE49-F238E27FC236}">
-                <a16:creationId xmlns:a16="http://schemas.microsoft.com/office/drawing/2014/main" id="{0C5A2D63-F6D7-FD4D-9E29-ECC87C45D7A1}"/>
+                <a16:creationId xmlns:a16="http://schemas.microsoft.com/office/drawing/2014/main" xmlns="" id="{0C5A2D63-F6D7-FD4D-9E29-ECC87C45D7A1}"/>
               </a:ext>
             </a:extLst>
           </p:cNvPr>
@@ -19405,7 +19586,7 @@
           <p:cNvPr id="22" name="TextBox 21">
             <a:extLst>
               <a:ext uri="{FF2B5EF4-FFF2-40B4-BE49-F238E27FC236}">
-                <a16:creationId xmlns:a16="http://schemas.microsoft.com/office/drawing/2014/main" id="{42DD3540-0883-984E-97D9-58F862DD8F18}"/>
+                <a16:creationId xmlns:a16="http://schemas.microsoft.com/office/drawing/2014/main" xmlns="" id="{42DD3540-0883-984E-97D9-58F862DD8F18}"/>
               </a:ext>
             </a:extLst>
           </p:cNvPr>
@@ -19436,8 +19617,8 @@
                     <a:lumOff val="35000"/>
                   </a:schemeClr>
                 </a:solidFill>
-                <a:latin typeface="GangwonEduPower ExtraBold" panose="02020603020101020101" pitchFamily="18" charset="-127"/>
-                <a:ea typeface="GangwonEduPower ExtraBold" panose="02020603020101020101" pitchFamily="18" charset="-127"/>
+                <a:latin typeface="강원교육튼튼" panose="02020603020101020101" pitchFamily="18" charset="-127"/>
+                <a:ea typeface="강원교육튼튼" panose="02020603020101020101" pitchFamily="18" charset="-127"/>
               </a:rPr>
               <a:t>ARCHET. </a:t>
             </a:r>
@@ -19466,7 +19647,7 @@
           <p:cNvPr id="9" name="직사각형 8">
             <a:extLst>
               <a:ext uri="{FF2B5EF4-FFF2-40B4-BE49-F238E27FC236}">
-                <a16:creationId xmlns:a16="http://schemas.microsoft.com/office/drawing/2014/main" id="{71FC172E-010D-E84F-9E5A-2C65223C3954}"/>
+                <a16:creationId xmlns:a16="http://schemas.microsoft.com/office/drawing/2014/main" xmlns="" id="{71FC172E-010D-E84F-9E5A-2C65223C3954}"/>
               </a:ext>
             </a:extLst>
           </p:cNvPr>
@@ -19523,7 +19704,7 @@
           <p:cNvPr id="8" name="그림 7">
             <a:extLst>
               <a:ext uri="{FF2B5EF4-FFF2-40B4-BE49-F238E27FC236}">
-                <a16:creationId xmlns:a16="http://schemas.microsoft.com/office/drawing/2014/main" id="{9588A66C-CB30-874E-9E8D-F3EF4677E625}"/>
+                <a16:creationId xmlns:a16="http://schemas.microsoft.com/office/drawing/2014/main" xmlns="" id="{9588A66C-CB30-874E-9E8D-F3EF4677E625}"/>
               </a:ext>
             </a:extLst>
           </p:cNvPr>
